--- a/slides/DSI.pptx
+++ b/slides/DSI.pptx
@@ -295,7 +295,7 @@
           <a:p>
             <a:fld id="{530820CF-B880-4189-942D-D702A7CBA730}" type="datetimeFigureOut">
               <a:rPr lang="zh-CN" altLang="en-US" smtClean="0"/>
-              <a:t>2017-2-7</a:t>
+              <a:t>2017-2-17</a:t>
             </a:fld>
             <a:endParaRPr lang="zh-CN" altLang="en-US"/>
           </a:p>
@@ -460,7 +460,7 @@
           <a:p>
             <a:fld id="{530820CF-B880-4189-942D-D702A7CBA730}" type="datetimeFigureOut">
               <a:rPr lang="zh-CN" altLang="en-US" smtClean="0"/>
-              <a:t>2017-2-7</a:t>
+              <a:t>2017-2-17</a:t>
             </a:fld>
             <a:endParaRPr lang="zh-CN" altLang="en-US"/>
           </a:p>
@@ -635,7 +635,7 @@
           <a:p>
             <a:fld id="{530820CF-B880-4189-942D-D702A7CBA730}" type="datetimeFigureOut">
               <a:rPr lang="zh-CN" altLang="en-US" smtClean="0"/>
-              <a:t>2017-2-7</a:t>
+              <a:t>2017-2-17</a:t>
             </a:fld>
             <a:endParaRPr lang="zh-CN" altLang="en-US"/>
           </a:p>
@@ -800,7 +800,7 @@
           <a:p>
             <a:fld id="{530820CF-B880-4189-942D-D702A7CBA730}" type="datetimeFigureOut">
               <a:rPr lang="zh-CN" altLang="en-US" smtClean="0"/>
-              <a:t>2017-2-7</a:t>
+              <a:t>2017-2-17</a:t>
             </a:fld>
             <a:endParaRPr lang="zh-CN" altLang="en-US"/>
           </a:p>
@@ -1041,7 +1041,7 @@
           <a:p>
             <a:fld id="{530820CF-B880-4189-942D-D702A7CBA730}" type="datetimeFigureOut">
               <a:rPr lang="zh-CN" altLang="en-US" smtClean="0"/>
-              <a:t>2017-2-7</a:t>
+              <a:t>2017-2-17</a:t>
             </a:fld>
             <a:endParaRPr lang="zh-CN" altLang="en-US"/>
           </a:p>
@@ -1324,7 +1324,7 @@
           <a:p>
             <a:fld id="{530820CF-B880-4189-942D-D702A7CBA730}" type="datetimeFigureOut">
               <a:rPr lang="zh-CN" altLang="en-US" smtClean="0"/>
-              <a:t>2017-2-7</a:t>
+              <a:t>2017-2-17</a:t>
             </a:fld>
             <a:endParaRPr lang="zh-CN" altLang="en-US"/>
           </a:p>
@@ -1741,7 +1741,7 @@
           <a:p>
             <a:fld id="{530820CF-B880-4189-942D-D702A7CBA730}" type="datetimeFigureOut">
               <a:rPr lang="zh-CN" altLang="en-US" smtClean="0"/>
-              <a:t>2017-2-7</a:t>
+              <a:t>2017-2-17</a:t>
             </a:fld>
             <a:endParaRPr lang="zh-CN" altLang="en-US"/>
           </a:p>
@@ -1854,7 +1854,7 @@
           <a:p>
             <a:fld id="{530820CF-B880-4189-942D-D702A7CBA730}" type="datetimeFigureOut">
               <a:rPr lang="zh-CN" altLang="en-US" smtClean="0"/>
-              <a:t>2017-2-7</a:t>
+              <a:t>2017-2-17</a:t>
             </a:fld>
             <a:endParaRPr lang="zh-CN" altLang="en-US"/>
           </a:p>
@@ -1944,7 +1944,7 @@
           <a:p>
             <a:fld id="{530820CF-B880-4189-942D-D702A7CBA730}" type="datetimeFigureOut">
               <a:rPr lang="zh-CN" altLang="en-US" smtClean="0"/>
-              <a:t>2017-2-7</a:t>
+              <a:t>2017-2-17</a:t>
             </a:fld>
             <a:endParaRPr lang="zh-CN" altLang="en-US"/>
           </a:p>
@@ -2216,7 +2216,7 @@
           <a:p>
             <a:fld id="{530820CF-B880-4189-942D-D702A7CBA730}" type="datetimeFigureOut">
               <a:rPr lang="zh-CN" altLang="en-US" smtClean="0"/>
-              <a:t>2017-2-7</a:t>
+              <a:t>2017-2-17</a:t>
             </a:fld>
             <a:endParaRPr lang="zh-CN" altLang="en-US"/>
           </a:p>
@@ -2464,7 +2464,7 @@
           <a:p>
             <a:fld id="{530820CF-B880-4189-942D-D702A7CBA730}" type="datetimeFigureOut">
               <a:rPr lang="zh-CN" altLang="en-US" smtClean="0"/>
-              <a:t>2017-2-7</a:t>
+              <a:t>2017-2-17</a:t>
             </a:fld>
             <a:endParaRPr lang="zh-CN" altLang="en-US"/>
           </a:p>
@@ -2672,7 +2672,7 @@
           <a:p>
             <a:fld id="{530820CF-B880-4189-942D-D702A7CBA730}" type="datetimeFigureOut">
               <a:rPr lang="zh-CN" altLang="en-US" smtClean="0"/>
-              <a:t>2017-2-7</a:t>
+              <a:t>2017-2-17</a:t>
             </a:fld>
             <a:endParaRPr lang="zh-CN" altLang="en-US"/>
           </a:p>
@@ -3178,7 +3178,7 @@
           <a:graphicData uri="http://schemas.openxmlformats.org/presentationml/2006/ole">
             <mc:AlternateContent xmlns:mc="http://schemas.openxmlformats.org/markup-compatibility/2006">
               <mc:Choice xmlns:v="urn:schemas-microsoft-com:vml" Requires="v">
-                <p:oleObj spid="_x0000_s1438" name="Equation" r:id="rId3" imgW="215640" imgH="330120" progId="Equation.DSMT4">
+                <p:oleObj spid="_x0000_s1607" name="Equation" r:id="rId3" imgW="215640" imgH="330120" progId="Equation.DSMT4">
                   <p:embed/>
                 </p:oleObj>
               </mc:Choice>
@@ -3235,7 +3235,7 @@
           <a:graphicData uri="http://schemas.openxmlformats.org/presentationml/2006/ole">
             <mc:AlternateContent xmlns:mc="http://schemas.openxmlformats.org/markup-compatibility/2006">
               <mc:Choice xmlns:v="urn:schemas-microsoft-com:vml" Requires="v">
-                <p:oleObj spid="_x0000_s1439" name="Equation" r:id="rId5" imgW="241200" imgH="330120" progId="Equation.DSMT4">
+                <p:oleObj spid="_x0000_s1608" name="Equation" r:id="rId5" imgW="241200" imgH="330120" progId="Equation.DSMT4">
                   <p:embed/>
                 </p:oleObj>
               </mc:Choice>
@@ -3318,7 +3318,7 @@
           <a:graphicData uri="http://schemas.openxmlformats.org/presentationml/2006/ole">
             <mc:AlternateContent xmlns:mc="http://schemas.openxmlformats.org/markup-compatibility/2006">
               <mc:Choice xmlns:v="urn:schemas-microsoft-com:vml" Requires="v">
-                <p:oleObj spid="_x0000_s1440" name="Equation" r:id="rId7" imgW="215640" imgH="330120" progId="Equation.DSMT4">
+                <p:oleObj spid="_x0000_s1609" name="Equation" r:id="rId7" imgW="215640" imgH="330120" progId="Equation.DSMT4">
                   <p:embed/>
                 </p:oleObj>
               </mc:Choice>
@@ -3439,7 +3439,7 @@
           <a:graphicData uri="http://schemas.openxmlformats.org/presentationml/2006/ole">
             <mc:AlternateContent xmlns:mc="http://schemas.openxmlformats.org/markup-compatibility/2006">
               <mc:Choice xmlns:v="urn:schemas-microsoft-com:vml" Requires="v">
-                <p:oleObj spid="_x0000_s1441" name="Equation" r:id="rId9" imgW="203040" imgH="330120" progId="Equation.DSMT4">
+                <p:oleObj spid="_x0000_s1610" name="Equation" r:id="rId9" imgW="203040" imgH="330120" progId="Equation.DSMT4">
                   <p:embed/>
                 </p:oleObj>
               </mc:Choice>
@@ -3644,7 +3644,7 @@
           <a:graphicData uri="http://schemas.openxmlformats.org/presentationml/2006/ole">
             <mc:AlternateContent xmlns:mc="http://schemas.openxmlformats.org/markup-compatibility/2006">
               <mc:Choice xmlns:v="urn:schemas-microsoft-com:vml" Requires="v">
-                <p:oleObj spid="_x0000_s1442" name="Equation" r:id="rId11" imgW="228600" imgH="330120" progId="Equation.DSMT4">
+                <p:oleObj spid="_x0000_s1611" name="Equation" r:id="rId11" imgW="228600" imgH="330120" progId="Equation.DSMT4">
                   <p:embed/>
                 </p:oleObj>
               </mc:Choice>
@@ -3773,7 +3773,7 @@
           <a:graphicData uri="http://schemas.openxmlformats.org/presentationml/2006/ole">
             <mc:AlternateContent xmlns:mc="http://schemas.openxmlformats.org/markup-compatibility/2006">
               <mc:Choice xmlns:v="urn:schemas-microsoft-com:vml" Requires="v">
-                <p:oleObj spid="_x0000_s1443" name="Equation" r:id="rId13" imgW="203040" imgH="330120" progId="Equation.DSMT4">
+                <p:oleObj spid="_x0000_s1612" name="Equation" r:id="rId13" imgW="203040" imgH="330120" progId="Equation.DSMT4">
                   <p:embed/>
                 </p:oleObj>
               </mc:Choice>
@@ -4042,7 +4042,7 @@
           <a:graphicData uri="http://schemas.openxmlformats.org/presentationml/2006/ole">
             <mc:AlternateContent xmlns:mc="http://schemas.openxmlformats.org/markup-compatibility/2006">
               <mc:Choice xmlns:v="urn:schemas-microsoft-com:vml" Requires="v">
-                <p:oleObj spid="_x0000_s1444" name="Equation" r:id="rId15" imgW="203040" imgH="330120" progId="Equation.DSMT4">
+                <p:oleObj spid="_x0000_s1613" name="Equation" r:id="rId15" imgW="203040" imgH="330120" progId="Equation.DSMT4">
                   <p:embed/>
                 </p:oleObj>
               </mc:Choice>
@@ -4209,7 +4209,7 @@
           <a:graphicData uri="http://schemas.openxmlformats.org/presentationml/2006/ole">
             <mc:AlternateContent xmlns:mc="http://schemas.openxmlformats.org/markup-compatibility/2006">
               <mc:Choice xmlns:v="urn:schemas-microsoft-com:vml" Requires="v">
-                <p:oleObj spid="_x0000_s1445" name="Equation" r:id="rId17" imgW="228600" imgH="330120" progId="Equation.DSMT4">
+                <p:oleObj spid="_x0000_s1614" name="Equation" r:id="rId17" imgW="228600" imgH="330120" progId="Equation.DSMT4">
                   <p:embed/>
                 </p:oleObj>
               </mc:Choice>
@@ -4338,7 +4338,7 @@
           <a:graphicData uri="http://schemas.openxmlformats.org/presentationml/2006/ole">
             <mc:AlternateContent xmlns:mc="http://schemas.openxmlformats.org/markup-compatibility/2006">
               <mc:Choice xmlns:v="urn:schemas-microsoft-com:vml" Requires="v">
-                <p:oleObj spid="_x0000_s1446" name="Equation" r:id="rId19" imgW="203040" imgH="330120" progId="Equation.DSMT4">
+                <p:oleObj spid="_x0000_s1615" name="Equation" r:id="rId19" imgW="203040" imgH="330120" progId="Equation.DSMT4">
                   <p:embed/>
                 </p:oleObj>
               </mc:Choice>
@@ -4503,7 +4503,7 @@
           <a:graphicData uri="http://schemas.openxmlformats.org/presentationml/2006/ole">
             <mc:AlternateContent xmlns:mc="http://schemas.openxmlformats.org/markup-compatibility/2006">
               <mc:Choice xmlns:v="urn:schemas-microsoft-com:vml" Requires="v">
-                <p:oleObj spid="_x0000_s1447" name="Equation" r:id="rId21" imgW="190440" imgH="330120" progId="Equation.DSMT4">
+                <p:oleObj spid="_x0000_s1616" name="Equation" r:id="rId21" imgW="190440" imgH="330120" progId="Equation.DSMT4">
                   <p:embed/>
                 </p:oleObj>
               </mc:Choice>
@@ -4786,7 +4786,7 @@
           <a:graphicData uri="http://schemas.openxmlformats.org/presentationml/2006/ole">
             <mc:AlternateContent xmlns:mc="http://schemas.openxmlformats.org/markup-compatibility/2006">
               <mc:Choice xmlns:v="urn:schemas-microsoft-com:vml" Requires="v">
-                <p:oleObj spid="_x0000_s1448" name="Equation" r:id="rId23" imgW="228600" imgH="330120" progId="Equation.DSMT4">
+                <p:oleObj spid="_x0000_s1617" name="Equation" r:id="rId23" imgW="228600" imgH="330120" progId="Equation.DSMT4">
                   <p:embed/>
                 </p:oleObj>
               </mc:Choice>
@@ -4869,7 +4869,7 @@
           <a:graphicData uri="http://schemas.openxmlformats.org/presentationml/2006/ole">
             <mc:AlternateContent xmlns:mc="http://schemas.openxmlformats.org/markup-compatibility/2006">
               <mc:Choice xmlns:v="urn:schemas-microsoft-com:vml" Requires="v">
-                <p:oleObj spid="_x0000_s1449" name="Equation" r:id="rId25" imgW="253800" imgH="330120" progId="Equation.DSMT4">
+                <p:oleObj spid="_x0000_s1618" name="Equation" r:id="rId25" imgW="253800" imgH="330120" progId="Equation.DSMT4">
                   <p:embed/>
                 </p:oleObj>
               </mc:Choice>
@@ -4952,7 +4952,7 @@
           <a:graphicData uri="http://schemas.openxmlformats.org/presentationml/2006/ole">
             <mc:AlternateContent xmlns:mc="http://schemas.openxmlformats.org/markup-compatibility/2006">
               <mc:Choice xmlns:v="urn:schemas-microsoft-com:vml" Requires="v">
-                <p:oleObj spid="_x0000_s1450" name="Equation" r:id="rId27" imgW="228600" imgH="330120" progId="Equation.DSMT4">
+                <p:oleObj spid="_x0000_s1619" name="Equation" r:id="rId27" imgW="228600" imgH="330120" progId="Equation.DSMT4">
                   <p:embed/>
                 </p:oleObj>
               </mc:Choice>
@@ -5265,7 +5265,7 @@
           <a:graphicData uri="http://schemas.openxmlformats.org/presentationml/2006/ole">
             <mc:AlternateContent xmlns:mc="http://schemas.openxmlformats.org/markup-compatibility/2006">
               <mc:Choice xmlns:v="urn:schemas-microsoft-com:vml" Requires="v">
-                <p:oleObj spid="_x0000_s2258" name="Equation" r:id="rId3" imgW="203040" imgH="330120" progId="Equation.DSMT4">
+                <p:oleObj spid="_x0000_s2349" name="Equation" r:id="rId3" imgW="203040" imgH="330120" progId="Equation.DSMT4">
                   <p:embed/>
                 </p:oleObj>
               </mc:Choice>
@@ -5394,7 +5394,7 @@
           <a:graphicData uri="http://schemas.openxmlformats.org/presentationml/2006/ole">
             <mc:AlternateContent xmlns:mc="http://schemas.openxmlformats.org/markup-compatibility/2006">
               <mc:Choice xmlns:v="urn:schemas-microsoft-com:vml" Requires="v">
-                <p:oleObj spid="_x0000_s2259" name="Equation" r:id="rId5" imgW="203040" imgH="330120" progId="Equation.DSMT4">
+                <p:oleObj spid="_x0000_s2350" name="Equation" r:id="rId5" imgW="203040" imgH="330120" progId="Equation.DSMT4">
                   <p:embed/>
                 </p:oleObj>
               </mc:Choice>
@@ -5523,7 +5523,7 @@
           <a:graphicData uri="http://schemas.openxmlformats.org/presentationml/2006/ole">
             <mc:AlternateContent xmlns:mc="http://schemas.openxmlformats.org/markup-compatibility/2006">
               <mc:Choice xmlns:v="urn:schemas-microsoft-com:vml" Requires="v">
-                <p:oleObj spid="_x0000_s2260" name="Equation" r:id="rId7" imgW="215640" imgH="330120" progId="Equation.DSMT4">
+                <p:oleObj spid="_x0000_s2351" name="Equation" r:id="rId7" imgW="215640" imgH="330120" progId="Equation.DSMT4">
                   <p:embed/>
                 </p:oleObj>
               </mc:Choice>
@@ -5666,7 +5666,7 @@
             <a:graphicData uri="http://schemas.openxmlformats.org/presentationml/2006/ole">
               <mc:AlternateContent xmlns:mc="http://schemas.openxmlformats.org/markup-compatibility/2006">
                 <mc:Choice xmlns:v="urn:schemas-microsoft-com:vml" Requires="v">
-                  <p:oleObj spid="_x0000_s2261" name="Equation" r:id="rId9" imgW="342720" imgH="330120" progId="Equation.DSMT4">
+                  <p:oleObj spid="_x0000_s2352" name="Equation" r:id="rId9" imgW="342720" imgH="330120" progId="Equation.DSMT4">
                     <p:embed/>
                   </p:oleObj>
                 </mc:Choice>
@@ -5796,7 +5796,7 @@
           <a:graphicData uri="http://schemas.openxmlformats.org/presentationml/2006/ole">
             <mc:AlternateContent xmlns:mc="http://schemas.openxmlformats.org/markup-compatibility/2006">
               <mc:Choice xmlns:v="urn:schemas-microsoft-com:vml" Requires="v">
-                <p:oleObj spid="_x0000_s2262" name="Equation" r:id="rId11" imgW="355320" imgH="330120" progId="Equation.DSMT4">
+                <p:oleObj spid="_x0000_s2353" name="Equation" r:id="rId11" imgW="355320" imgH="330120" progId="Equation.DSMT4">
                   <p:embed/>
                 </p:oleObj>
               </mc:Choice>
@@ -5978,7 +5978,7 @@
             <a:graphicData uri="http://schemas.openxmlformats.org/presentationml/2006/ole">
               <mc:AlternateContent xmlns:mc="http://schemas.openxmlformats.org/markup-compatibility/2006">
                 <mc:Choice xmlns:v="urn:schemas-microsoft-com:vml" Requires="v">
-                  <p:oleObj spid="_x0000_s2263" name="Equation" r:id="rId13" imgW="190440" imgH="330120" progId="Equation.DSMT4">
+                  <p:oleObj spid="_x0000_s2354" name="Equation" r:id="rId13" imgW="190440" imgH="330120" progId="Equation.DSMT4">
                     <p:embed/>
                   </p:oleObj>
                 </mc:Choice>
@@ -6186,7 +6186,7 @@
           <a:graphicData uri="http://schemas.openxmlformats.org/presentationml/2006/ole">
             <mc:AlternateContent xmlns:mc="http://schemas.openxmlformats.org/markup-compatibility/2006">
               <mc:Choice xmlns:v="urn:schemas-microsoft-com:vml" Requires="v">
-                <p:oleObj spid="_x0000_s2264" name="Equation" r:id="rId15" imgW="342720" imgH="330120" progId="Equation.DSMT4">
+                <p:oleObj spid="_x0000_s2355" name="Equation" r:id="rId15" imgW="342720" imgH="330120" progId="Equation.DSMT4">
                   <p:embed/>
                 </p:oleObj>
               </mc:Choice>
@@ -6992,7 +6992,7 @@
             <a:graphicData uri="http://schemas.openxmlformats.org/presentationml/2006/ole">
               <mc:AlternateContent xmlns:mc="http://schemas.openxmlformats.org/markup-compatibility/2006">
                 <mc:Choice xmlns:v="urn:schemas-microsoft-com:vml" Requires="v">
-                  <p:oleObj spid="_x0000_s3328" name="Equation" r:id="rId3" imgW="203040" imgH="330120" progId="Equation.DSMT4">
+                  <p:oleObj spid="_x0000_s3445" name="Equation" r:id="rId3" imgW="203040" imgH="330120" progId="Equation.DSMT4">
                     <p:embed/>
                   </p:oleObj>
                 </mc:Choice>
@@ -7136,7 +7136,7 @@
             <a:graphicData uri="http://schemas.openxmlformats.org/presentationml/2006/ole">
               <mc:AlternateContent xmlns:mc="http://schemas.openxmlformats.org/markup-compatibility/2006">
                 <mc:Choice xmlns:v="urn:schemas-microsoft-com:vml" Requires="v">
-                  <p:oleObj spid="_x0000_s3329" name="Equation" r:id="rId5" imgW="203040" imgH="330120" progId="Equation.DSMT4">
+                  <p:oleObj spid="_x0000_s3446" name="Equation" r:id="rId5" imgW="203040" imgH="330120" progId="Equation.DSMT4">
                     <p:embed/>
                   </p:oleObj>
                 </mc:Choice>
@@ -7287,7 +7287,7 @@
             <a:graphicData uri="http://schemas.openxmlformats.org/presentationml/2006/ole">
               <mc:AlternateContent xmlns:mc="http://schemas.openxmlformats.org/markup-compatibility/2006">
                 <mc:Choice xmlns:v="urn:schemas-microsoft-com:vml" Requires="v">
-                  <p:oleObj spid="_x0000_s3330" name="Equation" r:id="rId7" imgW="215640" imgH="330120" progId="Equation.DSMT4">
+                  <p:oleObj spid="_x0000_s3447" name="Equation" r:id="rId7" imgW="215640" imgH="330120" progId="Equation.DSMT4">
                     <p:embed/>
                   </p:oleObj>
                 </mc:Choice>
@@ -7431,7 +7431,7 @@
             <a:graphicData uri="http://schemas.openxmlformats.org/presentationml/2006/ole">
               <mc:AlternateContent xmlns:mc="http://schemas.openxmlformats.org/markup-compatibility/2006">
                 <mc:Choice xmlns:v="urn:schemas-microsoft-com:vml" Requires="v">
-                  <p:oleObj spid="_x0000_s3331" name="Equation" r:id="rId9" imgW="342720" imgH="330120" progId="Equation.DSMT4">
+                  <p:oleObj spid="_x0000_s3448" name="Equation" r:id="rId9" imgW="342720" imgH="330120" progId="Equation.DSMT4">
                     <p:embed/>
                   </p:oleObj>
                 </mc:Choice>
@@ -7582,7 +7582,7 @@
             <a:graphicData uri="http://schemas.openxmlformats.org/presentationml/2006/ole">
               <mc:AlternateContent xmlns:mc="http://schemas.openxmlformats.org/markup-compatibility/2006">
                 <mc:Choice xmlns:v="urn:schemas-microsoft-com:vml" Requires="v">
-                  <p:oleObj spid="_x0000_s3332" name="Equation" r:id="rId11" imgW="355320" imgH="330120" progId="Equation.DSMT4">
+                  <p:oleObj spid="_x0000_s3449" name="Equation" r:id="rId11" imgW="355320" imgH="330120" progId="Equation.DSMT4">
                     <p:embed/>
                   </p:oleObj>
                 </mc:Choice>
@@ -7765,7 +7765,7 @@
             <a:graphicData uri="http://schemas.openxmlformats.org/presentationml/2006/ole">
               <mc:AlternateContent xmlns:mc="http://schemas.openxmlformats.org/markup-compatibility/2006">
                 <mc:Choice xmlns:v="urn:schemas-microsoft-com:vml" Requires="v">
-                  <p:oleObj spid="_x0000_s3333" name="Equation" r:id="rId13" imgW="190440" imgH="330120" progId="Equation.DSMT4">
+                  <p:oleObj spid="_x0000_s3450" name="Equation" r:id="rId13" imgW="190440" imgH="330120" progId="Equation.DSMT4">
                     <p:embed/>
                   </p:oleObj>
                 </mc:Choice>
@@ -7987,7 +7987,7 @@
             <a:graphicData uri="http://schemas.openxmlformats.org/presentationml/2006/ole">
               <mc:AlternateContent xmlns:mc="http://schemas.openxmlformats.org/markup-compatibility/2006">
                 <mc:Choice xmlns:v="urn:schemas-microsoft-com:vml" Requires="v">
-                  <p:oleObj spid="_x0000_s3334" name="Equation" r:id="rId15" imgW="342720" imgH="330120" progId="Equation.DSMT4">
+                  <p:oleObj spid="_x0000_s3451" name="Equation" r:id="rId15" imgW="342720" imgH="330120" progId="Equation.DSMT4">
                     <p:embed/>
                   </p:oleObj>
                 </mc:Choice>
@@ -8641,7 +8641,7 @@
             <a:graphicData uri="http://schemas.openxmlformats.org/presentationml/2006/ole">
               <mc:AlternateContent xmlns:mc="http://schemas.openxmlformats.org/markup-compatibility/2006">
                 <mc:Choice xmlns:v="urn:schemas-microsoft-com:vml" Requires="v">
-                  <p:oleObj spid="_x0000_s3335" name="Equation" r:id="rId17" imgW="253800" imgH="330120" progId="Equation.DSMT4">
+                  <p:oleObj spid="_x0000_s3452" name="Equation" r:id="rId17" imgW="253800" imgH="330120" progId="Equation.DSMT4">
                     <p:embed/>
                   </p:oleObj>
                 </mc:Choice>
@@ -9180,7 +9180,7 @@
             <a:graphicData uri="http://schemas.openxmlformats.org/presentationml/2006/ole">
               <mc:AlternateContent xmlns:mc="http://schemas.openxmlformats.org/markup-compatibility/2006">
                 <mc:Choice xmlns:v="urn:schemas-microsoft-com:vml" Requires="v">
-                  <p:oleObj spid="_x0000_s3336" name="Equation" r:id="rId19" imgW="228600" imgH="330120" progId="Equation.DSMT4">
+                  <p:oleObj spid="_x0000_s3453" name="Equation" r:id="rId19" imgW="228600" imgH="330120" progId="Equation.DSMT4">
                     <p:embed/>
                   </p:oleObj>
                 </mc:Choice>
@@ -9484,7 +9484,7 @@
             <a:graphicData uri="http://schemas.openxmlformats.org/presentationml/2006/ole">
               <mc:AlternateContent xmlns:mc="http://schemas.openxmlformats.org/markup-compatibility/2006">
                 <mc:Choice xmlns:v="urn:schemas-microsoft-com:vml" Requires="v">
-                  <p:oleObj spid="_x0000_s4234" name="Equation" r:id="rId3" imgW="203040" imgH="330120" progId="Equation.DSMT4">
+                  <p:oleObj spid="_x0000_s4338" name="Equation" r:id="rId3" imgW="203040" imgH="330120" progId="Equation.DSMT4">
                     <p:embed/>
                   </p:oleObj>
                 </mc:Choice>
@@ -9635,7 +9635,7 @@
             <a:graphicData uri="http://schemas.openxmlformats.org/presentationml/2006/ole">
               <mc:AlternateContent xmlns:mc="http://schemas.openxmlformats.org/markup-compatibility/2006">
                 <mc:Choice xmlns:v="urn:schemas-microsoft-com:vml" Requires="v">
-                  <p:oleObj spid="_x0000_s4235" name="Equation" r:id="rId5" imgW="215640" imgH="330120" progId="Equation.DSMT4">
+                  <p:oleObj spid="_x0000_s4339" name="Equation" r:id="rId5" imgW="215640" imgH="330120" progId="Equation.DSMT4">
                     <p:embed/>
                   </p:oleObj>
                 </mc:Choice>
@@ -9779,7 +9779,7 @@
             <a:graphicData uri="http://schemas.openxmlformats.org/presentationml/2006/ole">
               <mc:AlternateContent xmlns:mc="http://schemas.openxmlformats.org/markup-compatibility/2006">
                 <mc:Choice xmlns:v="urn:schemas-microsoft-com:vml" Requires="v">
-                  <p:oleObj spid="_x0000_s4236" name="Equation" r:id="rId7" imgW="330120" imgH="330120" progId="Equation.DSMT4">
+                  <p:oleObj spid="_x0000_s4340" name="Equation" r:id="rId7" imgW="330120" imgH="330120" progId="Equation.DSMT4">
                     <p:embed/>
                   </p:oleObj>
                 </mc:Choice>
@@ -9930,7 +9930,7 @@
             <a:graphicData uri="http://schemas.openxmlformats.org/presentationml/2006/ole">
               <mc:AlternateContent xmlns:mc="http://schemas.openxmlformats.org/markup-compatibility/2006">
                 <mc:Choice xmlns:v="urn:schemas-microsoft-com:vml" Requires="v">
-                  <p:oleObj spid="_x0000_s4237" name="Equation" r:id="rId9" imgW="355320" imgH="330120" progId="Equation.DSMT4">
+                  <p:oleObj spid="_x0000_s4341" name="Equation" r:id="rId9" imgW="355320" imgH="330120" progId="Equation.DSMT4">
                     <p:embed/>
                   </p:oleObj>
                 </mc:Choice>
@@ -10113,7 +10113,7 @@
             <a:graphicData uri="http://schemas.openxmlformats.org/presentationml/2006/ole">
               <mc:AlternateContent xmlns:mc="http://schemas.openxmlformats.org/markup-compatibility/2006">
                 <mc:Choice xmlns:v="urn:schemas-microsoft-com:vml" Requires="v">
-                  <p:oleObj spid="_x0000_s4238" name="Equation" r:id="rId11" imgW="190440" imgH="330120" progId="Equation.DSMT4">
+                  <p:oleObj spid="_x0000_s4342" name="Equation" r:id="rId11" imgW="190440" imgH="330120" progId="Equation.DSMT4">
                     <p:embed/>
                   </p:oleObj>
                 </mc:Choice>
@@ -10335,7 +10335,7 @@
             <a:graphicData uri="http://schemas.openxmlformats.org/presentationml/2006/ole">
               <mc:AlternateContent xmlns:mc="http://schemas.openxmlformats.org/markup-compatibility/2006">
                 <mc:Choice xmlns:v="urn:schemas-microsoft-com:vml" Requires="v">
-                  <p:oleObj spid="_x0000_s4239" name="Equation" r:id="rId13" imgW="342720" imgH="330120" progId="Equation.DSMT4">
+                  <p:oleObj spid="_x0000_s4343" name="Equation" r:id="rId13" imgW="342720" imgH="330120" progId="Equation.DSMT4">
                     <p:embed/>
                   </p:oleObj>
                 </mc:Choice>
@@ -10851,7 +10851,7 @@
             <a:graphicData uri="http://schemas.openxmlformats.org/presentationml/2006/ole">
               <mc:AlternateContent xmlns:mc="http://schemas.openxmlformats.org/markup-compatibility/2006">
                 <mc:Choice xmlns:v="urn:schemas-microsoft-com:vml" Requires="v">
-                  <p:oleObj spid="_x0000_s4240" name="Equation" r:id="rId15" imgW="253800" imgH="330120" progId="Equation.DSMT4">
+                  <p:oleObj spid="_x0000_s4344" name="Equation" r:id="rId15" imgW="253800" imgH="330120" progId="Equation.DSMT4">
                     <p:embed/>
                   </p:oleObj>
                 </mc:Choice>
@@ -11311,7 +11311,7 @@
             <a:graphicData uri="http://schemas.openxmlformats.org/presentationml/2006/ole">
               <mc:AlternateContent xmlns:mc="http://schemas.openxmlformats.org/markup-compatibility/2006">
                 <mc:Choice xmlns:v="urn:schemas-microsoft-com:vml" Requires="v">
-                  <p:oleObj spid="_x0000_s4241" name="Equation" r:id="rId17" imgW="228600" imgH="330120" progId="Equation.DSMT4">
+                  <p:oleObj spid="_x0000_s4345" name="Equation" r:id="rId17" imgW="228600" imgH="330120" progId="Equation.DSMT4">
                     <p:embed/>
                   </p:oleObj>
                 </mc:Choice>
@@ -11491,393 +11491,266 @@
           <a:chExt cx="0" cy="0"/>
         </a:xfrm>
       </p:grpSpPr>
-      <p:graphicFrame>
-        <p:nvGraphicFramePr>
-          <p:cNvPr id="11" name="对象 10"/>
-          <p:cNvGraphicFramePr>
-            <a:graphicFrameLocks noChangeAspect="1"/>
-          </p:cNvGraphicFramePr>
-          <p:nvPr>
-            <p:extLst>
-              <p:ext uri="{D42A27DB-BD31-4B8C-83A1-F6EECF244321}">
-                <p14:modId xmlns:p14="http://schemas.microsoft.com/office/powerpoint/2010/main" val="2679841298"/>
-              </p:ext>
-            </p:extLst>
-          </p:nvPr>
-        </p:nvGraphicFramePr>
-        <p:xfrm>
-          <a:off x="1331640" y="5115024"/>
-          <a:ext cx="215900" cy="330200"/>
-        </p:xfrm>
-        <a:graphic>
-          <a:graphicData uri="http://schemas.openxmlformats.org/presentationml/2006/ole">
-            <mc:AlternateContent xmlns:mc="http://schemas.openxmlformats.org/markup-compatibility/2006">
-              <mc:Choice xmlns:v="urn:schemas-microsoft-com:vml" Requires="v">
-                <p:oleObj spid="_x0000_s5358" name="Equation" r:id="rId3" imgW="215640" imgH="330120" progId="Equation.DSMT4">
-                  <p:embed/>
-                </p:oleObj>
-              </mc:Choice>
-              <mc:Fallback>
-                <p:oleObj name="Equation" r:id="rId3" imgW="215640" imgH="330120" progId="Equation.DSMT4">
-                  <p:embed/>
-                  <p:pic>
-                    <p:nvPicPr>
-                      <p:cNvPr id="0" name=""/>
-                      <p:cNvPicPr>
-                        <a:picLocks noChangeAspect="1" noChangeArrowheads="1"/>
-                      </p:cNvPicPr>
-                      <p:nvPr/>
-                    </p:nvPicPr>
-                    <p:blipFill>
-                      <a:blip r:embed="rId4"/>
-                      <a:srcRect/>
-                      <a:stretch>
-                        <a:fillRect/>
-                      </a:stretch>
-                    </p:blipFill>
-                    <p:spPr bwMode="auto">
-                      <a:xfrm>
-                        <a:off x="1331640" y="5115024"/>
-                        <a:ext cx="215900" cy="330200"/>
-                      </a:xfrm>
-                      <a:prstGeom prst="rect">
-                        <a:avLst/>
-                      </a:prstGeom>
-                      <a:noFill/>
-                      <a:ln>
-                        <a:noFill/>
-                      </a:ln>
-                      <a:extLst>
-                        <a:ext uri="{909E8E84-426E-40DD-AFC4-6F175D3DCCD1}">
-                          <a14:hiddenFill xmlns:a14="http://schemas.microsoft.com/office/drawing/2010/main">
-                            <a:solidFill>
-                              <a:srgbClr val="FFFFFF"/>
-                            </a:solidFill>
-                          </a14:hiddenFill>
-                        </a:ext>
-                        <a:ext uri="{91240B29-F687-4F45-9708-019B960494DF}">
-                          <a14:hiddenLine xmlns:a14="http://schemas.microsoft.com/office/drawing/2010/main" w="9525">
-                            <a:solidFill>
-                              <a:srgbClr val="000000"/>
-                            </a:solidFill>
-                            <a:miter lim="800000"/>
-                            <a:headEnd/>
-                            <a:tailEnd/>
-                          </a14:hiddenLine>
-                        </a:ext>
-                      </a:extLst>
-                    </p:spPr>
-                  </p:pic>
-                </p:oleObj>
-              </mc:Fallback>
-            </mc:AlternateContent>
-          </a:graphicData>
-        </a:graphic>
-      </p:graphicFrame>
-      <p:grpSp>
-        <p:nvGrpSpPr>
-          <p:cNvPr id="21" name="组合 20"/>
-          <p:cNvGrpSpPr/>
-          <p:nvPr/>
-        </p:nvGrpSpPr>
-        <p:grpSpPr>
+      <p:sp>
+        <p:nvSpPr>
+          <p:cNvPr id="75" name="圆角矩形 74"/>
+          <p:cNvSpPr/>
+          <p:nvPr/>
+        </p:nvSpPr>
+        <p:spPr>
           <a:xfrm>
-            <a:off x="2677352" y="4365104"/>
-            <a:ext cx="406400" cy="648072"/>
-            <a:chOff x="1812925" y="4369985"/>
-            <a:chExt cx="406400" cy="648072"/>
-          </a:xfrm>
-        </p:grpSpPr>
-        <p:sp>
-          <p:nvSpPr>
-            <p:cNvPr id="12" name="圆角矩形 11"/>
-            <p:cNvSpPr/>
-            <p:nvPr/>
-          </p:nvSpPr>
-          <p:spPr>
-            <a:xfrm>
-              <a:off x="1835696" y="4369985"/>
-              <a:ext cx="360000" cy="648072"/>
-            </a:xfrm>
-            <a:prstGeom prst="roundRect">
-              <a:avLst/>
-            </a:prstGeom>
+            <a:off x="899592" y="2456892"/>
+            <a:ext cx="6480720" cy="1730632"/>
+          </a:xfrm>
+          <a:prstGeom prst="roundRect">
+            <a:avLst>
+              <a:gd name="adj" fmla="val 6011"/>
+            </a:avLst>
+          </a:prstGeom>
+          <a:solidFill>
+            <a:schemeClr val="accent1">
+              <a:lumMod val="60000"/>
+              <a:lumOff val="40000"/>
+              <a:alpha val="40000"/>
+            </a:schemeClr>
+          </a:solidFill>
+          <a:ln>
+            <a:noFill/>
+          </a:ln>
+        </p:spPr>
+        <p:style>
+          <a:lnRef idx="2">
+            <a:schemeClr val="accent1">
+              <a:shade val="50000"/>
+            </a:schemeClr>
+          </a:lnRef>
+          <a:fillRef idx="1">
+            <a:schemeClr val="accent1"/>
+          </a:fillRef>
+          <a:effectRef idx="0">
+            <a:schemeClr val="accent1"/>
+          </a:effectRef>
+          <a:fontRef idx="minor">
+            <a:schemeClr val="lt1"/>
+          </a:fontRef>
+        </p:style>
+        <p:txBody>
+          <a:bodyPr rtlCol="0" anchor="ctr"/>
+          <a:lstStyle/>
+          <a:p>
+            <a:pPr algn="ctr"/>
+            <a:endParaRPr lang="zh-CN" altLang="en-US"/>
+          </a:p>
+        </p:txBody>
+      </p:sp>
+      <p:sp>
+        <p:nvSpPr>
+          <p:cNvPr id="81" name="圆角矩形 80"/>
+          <p:cNvSpPr/>
+          <p:nvPr/>
+        </p:nvSpPr>
+        <p:spPr>
+          <a:xfrm>
+            <a:off x="899592" y="1052736"/>
+            <a:ext cx="6480720" cy="1404156"/>
+          </a:xfrm>
+          <a:prstGeom prst="roundRect">
+            <a:avLst>
+              <a:gd name="adj" fmla="val 6011"/>
+            </a:avLst>
+          </a:prstGeom>
+          <a:solidFill>
+            <a:srgbClr val="FFC000">
+              <a:alpha val="40000"/>
+            </a:srgbClr>
+          </a:solidFill>
+          <a:ln>
+            <a:noFill/>
+          </a:ln>
+        </p:spPr>
+        <p:style>
+          <a:lnRef idx="2">
+            <a:schemeClr val="accent1">
+              <a:shade val="50000"/>
+            </a:schemeClr>
+          </a:lnRef>
+          <a:fillRef idx="1">
+            <a:schemeClr val="accent1"/>
+          </a:fillRef>
+          <a:effectRef idx="0">
+            <a:schemeClr val="accent1"/>
+          </a:effectRef>
+          <a:fontRef idx="minor">
+            <a:schemeClr val="lt1"/>
+          </a:fontRef>
+        </p:style>
+        <p:txBody>
+          <a:bodyPr rtlCol="0" anchor="ctr"/>
+          <a:lstStyle/>
+          <a:p>
+            <a:pPr algn="ctr"/>
+            <a:endParaRPr lang="zh-CN" altLang="en-US"/>
+          </a:p>
+        </p:txBody>
+      </p:sp>
+      <p:sp>
+        <p:nvSpPr>
+          <p:cNvPr id="2" name="圆角矩形 1"/>
+          <p:cNvSpPr/>
+          <p:nvPr/>
+        </p:nvSpPr>
+        <p:spPr>
+          <a:xfrm>
+            <a:off x="899592" y="4185084"/>
+            <a:ext cx="6480720" cy="1404156"/>
+          </a:xfrm>
+          <a:prstGeom prst="roundRect">
+            <a:avLst>
+              <a:gd name="adj" fmla="val 6011"/>
+            </a:avLst>
+          </a:prstGeom>
+          <a:solidFill>
+            <a:srgbClr val="92D050">
+              <a:alpha val="40000"/>
+            </a:srgbClr>
+          </a:solidFill>
+          <a:ln>
+            <a:noFill/>
+          </a:ln>
+        </p:spPr>
+        <p:style>
+          <a:lnRef idx="2">
+            <a:schemeClr val="accent1">
+              <a:shade val="50000"/>
+            </a:schemeClr>
+          </a:lnRef>
+          <a:fillRef idx="1">
+            <a:schemeClr val="accent1"/>
+          </a:fillRef>
+          <a:effectRef idx="0">
+            <a:schemeClr val="accent1"/>
+          </a:effectRef>
+          <a:fontRef idx="minor">
+            <a:schemeClr val="lt1"/>
+          </a:fontRef>
+        </p:style>
+        <p:txBody>
+          <a:bodyPr rtlCol="0" anchor="ctr"/>
+          <a:lstStyle/>
+          <a:p>
+            <a:pPr algn="ctr"/>
+            <a:endParaRPr lang="zh-CN" altLang="en-US"/>
+          </a:p>
+        </p:txBody>
+      </p:sp>
+      <p:sp>
+        <p:nvSpPr>
+          <p:cNvPr id="12" name="圆角矩形 11"/>
+          <p:cNvSpPr/>
+          <p:nvPr/>
+        </p:nvSpPr>
+        <p:spPr>
+          <a:xfrm>
+            <a:off x="3708235" y="4365104"/>
+            <a:ext cx="360000" cy="648072"/>
+          </a:xfrm>
+          <a:prstGeom prst="roundRect">
+            <a:avLst/>
+          </a:prstGeom>
+          <a:solidFill>
+            <a:schemeClr val="tx2">
+              <a:lumMod val="40000"/>
+              <a:lumOff val="60000"/>
+            </a:schemeClr>
+          </a:solidFill>
+          <a:ln w="12700">
             <a:solidFill>
-              <a:schemeClr val="tx2">
-                <a:lumMod val="40000"/>
-                <a:lumOff val="60000"/>
-              </a:schemeClr>
+              <a:schemeClr val="tx1"/>
             </a:solidFill>
-            <a:ln>
-              <a:solidFill>
-                <a:schemeClr val="tx1"/>
-              </a:solidFill>
-            </a:ln>
-          </p:spPr>
-          <p:style>
-            <a:lnRef idx="2">
-              <a:schemeClr val="accent1">
-                <a:shade val="50000"/>
-              </a:schemeClr>
-            </a:lnRef>
-            <a:fillRef idx="1">
-              <a:schemeClr val="accent1"/>
-            </a:fillRef>
-            <a:effectRef idx="0">
-              <a:schemeClr val="accent1"/>
-            </a:effectRef>
-            <a:fontRef idx="minor">
-              <a:schemeClr val="lt1"/>
-            </a:fontRef>
-          </p:style>
-          <p:txBody>
-            <a:bodyPr rtlCol="0" anchor="ctr"/>
-            <a:lstStyle/>
-            <a:p>
-              <a:pPr algn="ctr"/>
-              <a:endParaRPr lang="zh-CN" altLang="en-US" sz="1600" dirty="0">
-                <a:latin typeface="Times New Roman" panose="02020603050405020304" pitchFamily="18" charset="0"/>
-                <a:cs typeface="Times New Roman" panose="02020603050405020304" pitchFamily="18" charset="0"/>
-              </a:endParaRPr>
-            </a:p>
-          </p:txBody>
-        </p:sp>
-        <p:graphicFrame>
-          <p:nvGraphicFramePr>
-            <p:cNvPr id="13" name="对象 12"/>
-            <p:cNvGraphicFramePr>
-              <a:graphicFrameLocks noChangeAspect="1"/>
-            </p:cNvGraphicFramePr>
-            <p:nvPr>
-              <p:extLst>
-                <p:ext uri="{D42A27DB-BD31-4B8C-83A1-F6EECF244321}">
-                  <p14:modId xmlns:p14="http://schemas.microsoft.com/office/powerpoint/2010/main" val="2921019833"/>
-                </p:ext>
-              </p:extLst>
-            </p:nvPr>
-          </p:nvGraphicFramePr>
-          <p:xfrm>
-            <a:off x="1812925" y="4529256"/>
-            <a:ext cx="406400" cy="330200"/>
-          </p:xfrm>
-          <a:graphic>
-            <a:graphicData uri="http://schemas.openxmlformats.org/presentationml/2006/ole">
-              <mc:AlternateContent xmlns:mc="http://schemas.openxmlformats.org/markup-compatibility/2006">
-                <mc:Choice xmlns:v="urn:schemas-microsoft-com:vml" Requires="v">
-                  <p:oleObj spid="_x0000_s5359" name="Equation" r:id="rId5" imgW="406080" imgH="330120" progId="Equation.DSMT4">
-                    <p:embed/>
-                  </p:oleObj>
-                </mc:Choice>
-                <mc:Fallback>
-                  <p:oleObj name="Equation" r:id="rId5" imgW="406080" imgH="330120" progId="Equation.DSMT4">
-                    <p:embed/>
-                    <p:pic>
-                      <p:nvPicPr>
-                        <p:cNvPr id="0" name=""/>
-                        <p:cNvPicPr>
-                          <a:picLocks noChangeAspect="1" noChangeArrowheads="1"/>
-                        </p:cNvPicPr>
-                        <p:nvPr/>
-                      </p:nvPicPr>
-                      <p:blipFill>
-                        <a:blip r:embed="rId6"/>
-                        <a:srcRect/>
-                        <a:stretch>
-                          <a:fillRect/>
-                        </a:stretch>
-                      </p:blipFill>
-                      <p:spPr bwMode="auto">
-                        <a:xfrm>
-                          <a:off x="1812925" y="4529256"/>
-                          <a:ext cx="406400" cy="330200"/>
-                        </a:xfrm>
-                        <a:prstGeom prst="rect">
-                          <a:avLst/>
-                        </a:prstGeom>
-                        <a:noFill/>
-                        <a:ln>
-                          <a:noFill/>
-                        </a:ln>
-                        <a:extLst>
-                          <a:ext uri="{909E8E84-426E-40DD-AFC4-6F175D3DCCD1}">
-                            <a14:hiddenFill xmlns:a14="http://schemas.microsoft.com/office/drawing/2010/main">
-                              <a:solidFill>
-                                <a:srgbClr val="FFFFFF"/>
-                              </a:solidFill>
-                            </a14:hiddenFill>
-                          </a:ext>
-                          <a:ext uri="{91240B29-F687-4F45-9708-019B960494DF}">
-                            <a14:hiddenLine xmlns:a14="http://schemas.microsoft.com/office/drawing/2010/main" w="9525">
-                              <a:solidFill>
-                                <a:srgbClr val="000000"/>
-                              </a:solidFill>
-                              <a:miter lim="800000"/>
-                              <a:headEnd/>
-                              <a:tailEnd/>
-                            </a14:hiddenLine>
-                          </a:ext>
-                        </a:extLst>
-                      </p:spPr>
-                    </p:pic>
-                  </p:oleObj>
-                </mc:Fallback>
-              </mc:AlternateContent>
-            </a:graphicData>
-          </a:graphic>
-        </p:graphicFrame>
-      </p:grpSp>
-      <p:grpSp>
-        <p:nvGrpSpPr>
-          <p:cNvPr id="22" name="组合 21"/>
-          <p:cNvGrpSpPr/>
-          <p:nvPr/>
-        </p:nvGrpSpPr>
-        <p:grpSpPr>
+          </a:ln>
+        </p:spPr>
+        <p:style>
+          <a:lnRef idx="2">
+            <a:schemeClr val="accent1">
+              <a:shade val="50000"/>
+            </a:schemeClr>
+          </a:lnRef>
+          <a:fillRef idx="1">
+            <a:schemeClr val="accent1"/>
+          </a:fillRef>
+          <a:effectRef idx="0">
+            <a:schemeClr val="accent1"/>
+          </a:effectRef>
+          <a:fontRef idx="minor">
+            <a:schemeClr val="lt1"/>
+          </a:fontRef>
+        </p:style>
+        <p:txBody>
+          <a:bodyPr rtlCol="0" anchor="ctr"/>
+          <a:lstStyle/>
+          <a:p>
+            <a:pPr algn="ctr"/>
+            <a:endParaRPr lang="zh-CN" altLang="en-US" sz="1600" dirty="0">
+              <a:latin typeface="Times New Roman" panose="02020603050405020304" pitchFamily="18" charset="0"/>
+              <a:cs typeface="Times New Roman" panose="02020603050405020304" pitchFamily="18" charset="0"/>
+            </a:endParaRPr>
+          </a:p>
+        </p:txBody>
+      </p:sp>
+      <p:sp>
+        <p:nvSpPr>
+          <p:cNvPr id="14" name="圆角矩形 13"/>
+          <p:cNvSpPr/>
+          <p:nvPr/>
+        </p:nvSpPr>
+        <p:spPr>
           <a:xfrm>
-            <a:off x="4139952" y="4365104"/>
+            <a:off x="5148064" y="4365104"/>
             <a:ext cx="360040" cy="648072"/>
-            <a:chOff x="2555776" y="4365104"/>
-            <a:chExt cx="360040" cy="648072"/>
-          </a:xfrm>
-        </p:grpSpPr>
-        <p:sp>
-          <p:nvSpPr>
-            <p:cNvPr id="14" name="圆角矩形 13"/>
-            <p:cNvSpPr/>
-            <p:nvPr/>
-          </p:nvSpPr>
-          <p:spPr>
-            <a:xfrm>
-              <a:off x="2555776" y="4365104"/>
-              <a:ext cx="360040" cy="648072"/>
-            </a:xfrm>
-            <a:prstGeom prst="roundRect">
-              <a:avLst/>
-            </a:prstGeom>
+          </a:xfrm>
+          <a:prstGeom prst="roundRect">
+            <a:avLst/>
+          </a:prstGeom>
+          <a:solidFill>
+            <a:schemeClr val="tx2">
+              <a:lumMod val="40000"/>
+              <a:lumOff val="60000"/>
+            </a:schemeClr>
+          </a:solidFill>
+          <a:ln w="12700">
             <a:solidFill>
-              <a:schemeClr val="tx2">
-                <a:lumMod val="40000"/>
-                <a:lumOff val="60000"/>
-              </a:schemeClr>
+              <a:schemeClr val="tx1"/>
             </a:solidFill>
-            <a:ln>
-              <a:solidFill>
-                <a:schemeClr val="tx1"/>
-              </a:solidFill>
-            </a:ln>
-          </p:spPr>
-          <p:style>
-            <a:lnRef idx="2">
-              <a:schemeClr val="accent1">
-                <a:shade val="50000"/>
-              </a:schemeClr>
-            </a:lnRef>
-            <a:fillRef idx="1">
-              <a:schemeClr val="accent1"/>
-            </a:fillRef>
-            <a:effectRef idx="0">
-              <a:schemeClr val="accent1"/>
-            </a:effectRef>
-            <a:fontRef idx="minor">
-              <a:schemeClr val="lt1"/>
-            </a:fontRef>
-          </p:style>
-          <p:txBody>
-            <a:bodyPr rtlCol="0" anchor="ctr"/>
-            <a:lstStyle/>
-            <a:p>
-              <a:pPr algn="ctr"/>
-              <a:endParaRPr lang="zh-CN" altLang="en-US" sz="1600" dirty="0">
-                <a:latin typeface="Times New Roman" panose="02020603050405020304" pitchFamily="18" charset="0"/>
-                <a:cs typeface="Times New Roman" panose="02020603050405020304" pitchFamily="18" charset="0"/>
-              </a:endParaRPr>
-            </a:p>
-          </p:txBody>
-        </p:sp>
-        <p:graphicFrame>
-          <p:nvGraphicFramePr>
-            <p:cNvPr id="15" name="对象 14"/>
-            <p:cNvGraphicFramePr>
-              <a:graphicFrameLocks noChangeAspect="1"/>
-            </p:cNvGraphicFramePr>
-            <p:nvPr>
-              <p:extLst>
-                <p:ext uri="{D42A27DB-BD31-4B8C-83A1-F6EECF244321}">
-                  <p14:modId xmlns:p14="http://schemas.microsoft.com/office/powerpoint/2010/main" val="3860909063"/>
-                </p:ext>
-              </p:extLst>
-            </p:nvPr>
-          </p:nvGraphicFramePr>
-          <p:xfrm>
-            <a:off x="2614117" y="4524375"/>
-            <a:ext cx="241300" cy="330200"/>
-          </p:xfrm>
-          <a:graphic>
-            <a:graphicData uri="http://schemas.openxmlformats.org/presentationml/2006/ole">
-              <mc:AlternateContent xmlns:mc="http://schemas.openxmlformats.org/markup-compatibility/2006">
-                <mc:Choice xmlns:v="urn:schemas-microsoft-com:vml" Requires="v">
-                  <p:oleObj spid="_x0000_s5360" name="Equation" r:id="rId7" imgW="241200" imgH="330120" progId="Equation.DSMT4">
-                    <p:embed/>
-                  </p:oleObj>
-                </mc:Choice>
-                <mc:Fallback>
-                  <p:oleObj name="Equation" r:id="rId7" imgW="241200" imgH="330120" progId="Equation.DSMT4">
-                    <p:embed/>
-                    <p:pic>
-                      <p:nvPicPr>
-                        <p:cNvPr id="0" name=""/>
-                        <p:cNvPicPr>
-                          <a:picLocks noChangeAspect="1" noChangeArrowheads="1"/>
-                        </p:cNvPicPr>
-                        <p:nvPr/>
-                      </p:nvPicPr>
-                      <p:blipFill>
-                        <a:blip r:embed="rId8"/>
-                        <a:srcRect/>
-                        <a:stretch>
-                          <a:fillRect/>
-                        </a:stretch>
-                      </p:blipFill>
-                      <p:spPr bwMode="auto">
-                        <a:xfrm>
-                          <a:off x="2614117" y="4524375"/>
-                          <a:ext cx="241300" cy="330200"/>
-                        </a:xfrm>
-                        <a:prstGeom prst="rect">
-                          <a:avLst/>
-                        </a:prstGeom>
-                        <a:noFill/>
-                        <a:ln>
-                          <a:noFill/>
-                        </a:ln>
-                        <a:extLst>
-                          <a:ext uri="{909E8E84-426E-40DD-AFC4-6F175D3DCCD1}">
-                            <a14:hiddenFill xmlns:a14="http://schemas.microsoft.com/office/drawing/2010/main">
-                              <a:solidFill>
-                                <a:srgbClr val="FFFFFF"/>
-                              </a:solidFill>
-                            </a14:hiddenFill>
-                          </a:ext>
-                          <a:ext uri="{91240B29-F687-4F45-9708-019B960494DF}">
-                            <a14:hiddenLine xmlns:a14="http://schemas.microsoft.com/office/drawing/2010/main" w="9525">
-                              <a:solidFill>
-                                <a:srgbClr val="000000"/>
-                              </a:solidFill>
-                              <a:miter lim="800000"/>
-                              <a:headEnd/>
-                              <a:tailEnd/>
-                            </a14:hiddenLine>
-                          </a:ext>
-                        </a:extLst>
-                      </p:spPr>
-                    </p:pic>
-                  </p:oleObj>
-                </mc:Fallback>
-              </mc:AlternateContent>
-            </a:graphicData>
-          </a:graphic>
-        </p:graphicFrame>
-      </p:grpSp>
+          </a:ln>
+        </p:spPr>
+        <p:style>
+          <a:lnRef idx="2">
+            <a:schemeClr val="accent1">
+              <a:shade val="50000"/>
+            </a:schemeClr>
+          </a:lnRef>
+          <a:fillRef idx="1">
+            <a:schemeClr val="accent1"/>
+          </a:fillRef>
+          <a:effectRef idx="0">
+            <a:schemeClr val="accent1"/>
+          </a:effectRef>
+          <a:fontRef idx="minor">
+            <a:schemeClr val="lt1"/>
+          </a:fontRef>
+        </p:style>
+        <p:txBody>
+          <a:bodyPr rtlCol="0" anchor="ctr"/>
+          <a:lstStyle/>
+          <a:p>
+            <a:pPr algn="ctr"/>
+            <a:endParaRPr lang="zh-CN" altLang="en-US" sz="1600" dirty="0">
+              <a:latin typeface="Times New Roman" panose="02020603050405020304" pitchFamily="18" charset="0"/>
+              <a:cs typeface="Times New Roman" panose="02020603050405020304" pitchFamily="18" charset="0"/>
+            </a:endParaRPr>
+          </a:p>
+        </p:txBody>
+      </p:sp>
       <p:cxnSp>
         <p:nvCxnSpPr>
           <p:cNvPr id="19" name="直接箭头连接符 18"/>
@@ -11889,7 +11762,7 @@
         </p:nvCxnSpPr>
         <p:spPr>
           <a:xfrm>
-            <a:off x="3790818" y="4689140"/>
+            <a:off x="4798930" y="4689140"/>
             <a:ext cx="349134" cy="0"/>
           </a:xfrm>
           <a:prstGeom prst="straightConnector1">
@@ -11917,158 +11790,60 @@
           </a:fontRef>
         </p:style>
       </p:cxnSp>
-      <p:grpSp>
-        <p:nvGrpSpPr>
-          <p:cNvPr id="20" name="组合 19"/>
-          <p:cNvGrpSpPr/>
-          <p:nvPr/>
-        </p:nvGrpSpPr>
-        <p:grpSpPr>
+      <p:sp>
+        <p:nvSpPr>
+          <p:cNvPr id="9" name="圆角矩形 8"/>
+          <p:cNvSpPr/>
+          <p:nvPr/>
+        </p:nvSpPr>
+        <p:spPr>
           <a:xfrm>
-            <a:off x="1259632" y="4365104"/>
+            <a:off x="2267744" y="4365104"/>
             <a:ext cx="360040" cy="648072"/>
-            <a:chOff x="1115616" y="4365104"/>
-            <a:chExt cx="360040" cy="648072"/>
-          </a:xfrm>
-        </p:grpSpPr>
-        <p:sp>
-          <p:nvSpPr>
-            <p:cNvPr id="9" name="圆角矩形 8"/>
-            <p:cNvSpPr/>
-            <p:nvPr/>
-          </p:nvSpPr>
-          <p:spPr>
-            <a:xfrm>
-              <a:off x="1115616" y="4365104"/>
-              <a:ext cx="360040" cy="648072"/>
-            </a:xfrm>
-            <a:prstGeom prst="roundRect">
-              <a:avLst/>
-            </a:prstGeom>
+          </a:xfrm>
+          <a:prstGeom prst="roundRect">
+            <a:avLst/>
+          </a:prstGeom>
+          <a:solidFill>
+            <a:schemeClr val="tx2">
+              <a:lumMod val="40000"/>
+              <a:lumOff val="60000"/>
+            </a:schemeClr>
+          </a:solidFill>
+          <a:ln w="12700">
             <a:solidFill>
-              <a:schemeClr val="tx2">
-                <a:lumMod val="40000"/>
-                <a:lumOff val="60000"/>
-              </a:schemeClr>
+              <a:schemeClr val="tx1"/>
             </a:solidFill>
-            <a:ln>
-              <a:solidFill>
-                <a:schemeClr val="tx1"/>
-              </a:solidFill>
-            </a:ln>
-          </p:spPr>
-          <p:style>
-            <a:lnRef idx="2">
-              <a:schemeClr val="accent1">
-                <a:shade val="50000"/>
-              </a:schemeClr>
-            </a:lnRef>
-            <a:fillRef idx="1">
-              <a:schemeClr val="accent1"/>
-            </a:fillRef>
-            <a:effectRef idx="0">
-              <a:schemeClr val="accent1"/>
-            </a:effectRef>
-            <a:fontRef idx="minor">
-              <a:schemeClr val="lt1"/>
-            </a:fontRef>
-          </p:style>
-          <p:txBody>
-            <a:bodyPr rtlCol="0" anchor="ctr"/>
-            <a:lstStyle/>
-            <a:p>
-              <a:pPr algn="ctr"/>
-              <a:endParaRPr lang="zh-CN" altLang="en-US" sz="1600" dirty="0">
-                <a:latin typeface="Times New Roman" panose="02020603050405020304" pitchFamily="18" charset="0"/>
-                <a:cs typeface="Times New Roman" panose="02020603050405020304" pitchFamily="18" charset="0"/>
-              </a:endParaRPr>
-            </a:p>
-          </p:txBody>
-        </p:sp>
-        <p:graphicFrame>
-          <p:nvGraphicFramePr>
-            <p:cNvPr id="10" name="对象 9"/>
-            <p:cNvGraphicFramePr>
-              <a:graphicFrameLocks noChangeAspect="1"/>
-            </p:cNvGraphicFramePr>
-            <p:nvPr>
-              <p:extLst>
-                <p:ext uri="{D42A27DB-BD31-4B8C-83A1-F6EECF244321}">
-                  <p14:modId xmlns:p14="http://schemas.microsoft.com/office/powerpoint/2010/main" val="2850258060"/>
-                </p:ext>
-              </p:extLst>
-            </p:nvPr>
-          </p:nvGraphicFramePr>
-          <p:xfrm>
-            <a:off x="1194036" y="4524040"/>
-            <a:ext cx="203200" cy="330200"/>
-          </p:xfrm>
-          <a:graphic>
-            <a:graphicData uri="http://schemas.openxmlformats.org/presentationml/2006/ole">
-              <mc:AlternateContent xmlns:mc="http://schemas.openxmlformats.org/markup-compatibility/2006">
-                <mc:Choice xmlns:v="urn:schemas-microsoft-com:vml" Requires="v">
-                  <p:oleObj spid="_x0000_s5361" name="Equation" r:id="rId9" imgW="203040" imgH="330120" progId="Equation.DSMT4">
-                    <p:embed/>
-                  </p:oleObj>
-                </mc:Choice>
-                <mc:Fallback>
-                  <p:oleObj name="Equation" r:id="rId9" imgW="203040" imgH="330120" progId="Equation.DSMT4">
-                    <p:embed/>
-                    <p:pic>
-                      <p:nvPicPr>
-                        <p:cNvPr id="0" name=""/>
-                        <p:cNvPicPr>
-                          <a:picLocks noChangeAspect="1" noChangeArrowheads="1"/>
-                        </p:cNvPicPr>
-                        <p:nvPr/>
-                      </p:nvPicPr>
-                      <p:blipFill>
-                        <a:blip r:embed="rId10"/>
-                        <a:srcRect/>
-                        <a:stretch>
-                          <a:fillRect/>
-                        </a:stretch>
-                      </p:blipFill>
-                      <p:spPr bwMode="auto">
-                        <a:xfrm>
-                          <a:off x="1194036" y="4524040"/>
-                          <a:ext cx="203200" cy="330200"/>
-                        </a:xfrm>
-                        <a:prstGeom prst="rect">
-                          <a:avLst/>
-                        </a:prstGeom>
-                        <a:noFill/>
-                        <a:ln>
-                          <a:noFill/>
-                        </a:ln>
-                        <a:extLst>
-                          <a:ext uri="{909E8E84-426E-40DD-AFC4-6F175D3DCCD1}">
-                            <a14:hiddenFill xmlns:a14="http://schemas.microsoft.com/office/drawing/2010/main">
-                              <a:solidFill>
-                                <a:srgbClr val="FFFFFF"/>
-                              </a:solidFill>
-                            </a14:hiddenFill>
-                          </a:ext>
-                          <a:ext uri="{91240B29-F687-4F45-9708-019B960494DF}">
-                            <a14:hiddenLine xmlns:a14="http://schemas.microsoft.com/office/drawing/2010/main" w="9525">
-                              <a:solidFill>
-                                <a:srgbClr val="000000"/>
-                              </a:solidFill>
-                              <a:miter lim="800000"/>
-                              <a:headEnd/>
-                              <a:tailEnd/>
-                            </a14:hiddenLine>
-                          </a:ext>
-                        </a:extLst>
-                      </p:spPr>
-                    </p:pic>
-                  </p:oleObj>
-                </mc:Fallback>
-              </mc:AlternateContent>
-            </a:graphicData>
-          </a:graphic>
-        </p:graphicFrame>
-      </p:grpSp>
+          </a:ln>
+        </p:spPr>
+        <p:style>
+          <a:lnRef idx="2">
+            <a:schemeClr val="accent1">
+              <a:shade val="50000"/>
+            </a:schemeClr>
+          </a:lnRef>
+          <a:fillRef idx="1">
+            <a:schemeClr val="accent1"/>
+          </a:fillRef>
+          <a:effectRef idx="0">
+            <a:schemeClr val="accent1"/>
+          </a:effectRef>
+          <a:fontRef idx="minor">
+            <a:schemeClr val="lt1"/>
+          </a:fontRef>
+        </p:style>
+        <p:txBody>
+          <a:bodyPr rtlCol="0" anchor="ctr"/>
+          <a:lstStyle/>
+          <a:p>
+            <a:pPr algn="ctr"/>
+            <a:endParaRPr lang="zh-CN" altLang="en-US" sz="1600" dirty="0">
+              <a:latin typeface="Times New Roman" panose="02020603050405020304" pitchFamily="18" charset="0"/>
+              <a:cs typeface="Times New Roman" panose="02020603050405020304" pitchFamily="18" charset="0"/>
+            </a:endParaRPr>
+          </a:p>
+        </p:txBody>
+      </p:sp>
       <p:cxnSp>
         <p:nvCxnSpPr>
           <p:cNvPr id="24" name="直接箭头连接符 23"/>
@@ -12080,7 +11855,7 @@
         </p:nvCxnSpPr>
         <p:spPr>
           <a:xfrm>
-            <a:off x="3060123" y="4689140"/>
+            <a:off x="4068235" y="4689140"/>
             <a:ext cx="370655" cy="0"/>
           </a:xfrm>
           <a:prstGeom prst="straightConnector1">
@@ -12108,158 +11883,60 @@
           </a:fontRef>
         </p:style>
       </p:cxnSp>
-      <p:grpSp>
-        <p:nvGrpSpPr>
-          <p:cNvPr id="27" name="组合 26"/>
-          <p:cNvGrpSpPr/>
-          <p:nvPr/>
-        </p:nvGrpSpPr>
-        <p:grpSpPr>
+      <p:sp>
+        <p:nvSpPr>
+          <p:cNvPr id="28" name="圆角矩形 27"/>
+          <p:cNvSpPr/>
+          <p:nvPr/>
+        </p:nvSpPr>
+        <p:spPr>
           <a:xfrm>
-            <a:off x="5553075" y="4369985"/>
-            <a:ext cx="419100" cy="648072"/>
-            <a:chOff x="2524705" y="4365104"/>
-            <a:chExt cx="419100" cy="648072"/>
-          </a:xfrm>
-        </p:grpSpPr>
-        <p:sp>
-          <p:nvSpPr>
-            <p:cNvPr id="28" name="圆角矩形 27"/>
-            <p:cNvSpPr/>
-            <p:nvPr/>
-          </p:nvSpPr>
-          <p:spPr>
-            <a:xfrm>
-              <a:off x="2555776" y="4365104"/>
-              <a:ext cx="360040" cy="648072"/>
-            </a:xfrm>
-            <a:prstGeom prst="roundRect">
-              <a:avLst/>
-            </a:prstGeom>
+            <a:off x="6592258" y="4369985"/>
+            <a:ext cx="360040" cy="648072"/>
+          </a:xfrm>
+          <a:prstGeom prst="roundRect">
+            <a:avLst/>
+          </a:prstGeom>
+          <a:solidFill>
+            <a:schemeClr val="tx2">
+              <a:lumMod val="40000"/>
+              <a:lumOff val="60000"/>
+            </a:schemeClr>
+          </a:solidFill>
+          <a:ln w="12700">
             <a:solidFill>
-              <a:schemeClr val="tx2">
-                <a:lumMod val="40000"/>
-                <a:lumOff val="60000"/>
-              </a:schemeClr>
+              <a:schemeClr val="tx1"/>
             </a:solidFill>
-            <a:ln>
-              <a:solidFill>
-                <a:schemeClr val="tx1"/>
-              </a:solidFill>
-            </a:ln>
-          </p:spPr>
-          <p:style>
-            <a:lnRef idx="2">
-              <a:schemeClr val="accent1">
-                <a:shade val="50000"/>
-              </a:schemeClr>
-            </a:lnRef>
-            <a:fillRef idx="1">
-              <a:schemeClr val="accent1"/>
-            </a:fillRef>
-            <a:effectRef idx="0">
-              <a:schemeClr val="accent1"/>
-            </a:effectRef>
-            <a:fontRef idx="minor">
-              <a:schemeClr val="lt1"/>
-            </a:fontRef>
-          </p:style>
-          <p:txBody>
-            <a:bodyPr rtlCol="0" anchor="ctr"/>
-            <a:lstStyle/>
-            <a:p>
-              <a:pPr algn="ctr"/>
-              <a:endParaRPr lang="zh-CN" altLang="en-US" sz="1600" dirty="0">
-                <a:latin typeface="Times New Roman" panose="02020603050405020304" pitchFamily="18" charset="0"/>
-                <a:cs typeface="Times New Roman" panose="02020603050405020304" pitchFamily="18" charset="0"/>
-              </a:endParaRPr>
-            </a:p>
-          </p:txBody>
-        </p:sp>
-        <p:graphicFrame>
-          <p:nvGraphicFramePr>
-            <p:cNvPr id="29" name="对象 28"/>
-            <p:cNvGraphicFramePr>
-              <a:graphicFrameLocks noChangeAspect="1"/>
-            </p:cNvGraphicFramePr>
-            <p:nvPr>
-              <p:extLst>
-                <p:ext uri="{D42A27DB-BD31-4B8C-83A1-F6EECF244321}">
-                  <p14:modId xmlns:p14="http://schemas.microsoft.com/office/powerpoint/2010/main" val="356863523"/>
-                </p:ext>
-              </p:extLst>
-            </p:nvPr>
-          </p:nvGraphicFramePr>
-          <p:xfrm>
-            <a:off x="2524705" y="4524257"/>
-            <a:ext cx="419100" cy="330200"/>
-          </p:xfrm>
-          <a:graphic>
-            <a:graphicData uri="http://schemas.openxmlformats.org/presentationml/2006/ole">
-              <mc:AlternateContent xmlns:mc="http://schemas.openxmlformats.org/markup-compatibility/2006">
-                <mc:Choice xmlns:v="urn:schemas-microsoft-com:vml" Requires="v">
-                  <p:oleObj spid="_x0000_s5362" name="Equation" r:id="rId11" imgW="419040" imgH="330120" progId="Equation.DSMT4">
-                    <p:embed/>
-                  </p:oleObj>
-                </mc:Choice>
-                <mc:Fallback>
-                  <p:oleObj name="Equation" r:id="rId11" imgW="419040" imgH="330120" progId="Equation.DSMT4">
-                    <p:embed/>
-                    <p:pic>
-                      <p:nvPicPr>
-                        <p:cNvPr id="0" name=""/>
-                        <p:cNvPicPr>
-                          <a:picLocks noChangeAspect="1" noChangeArrowheads="1"/>
-                        </p:cNvPicPr>
-                        <p:nvPr/>
-                      </p:nvPicPr>
-                      <p:blipFill>
-                        <a:blip r:embed="rId12"/>
-                        <a:srcRect/>
-                        <a:stretch>
-                          <a:fillRect/>
-                        </a:stretch>
-                      </p:blipFill>
-                      <p:spPr bwMode="auto">
-                        <a:xfrm>
-                          <a:off x="2524705" y="4524257"/>
-                          <a:ext cx="419100" cy="330200"/>
-                        </a:xfrm>
-                        <a:prstGeom prst="rect">
-                          <a:avLst/>
-                        </a:prstGeom>
-                        <a:noFill/>
-                        <a:ln>
-                          <a:noFill/>
-                        </a:ln>
-                        <a:extLst>
-                          <a:ext uri="{909E8E84-426E-40DD-AFC4-6F175D3DCCD1}">
-                            <a14:hiddenFill xmlns:a14="http://schemas.microsoft.com/office/drawing/2010/main">
-                              <a:solidFill>
-                                <a:srgbClr val="FFFFFF"/>
-                              </a:solidFill>
-                            </a14:hiddenFill>
-                          </a:ext>
-                          <a:ext uri="{91240B29-F687-4F45-9708-019B960494DF}">
-                            <a14:hiddenLine xmlns:a14="http://schemas.microsoft.com/office/drawing/2010/main" w="9525">
-                              <a:solidFill>
-                                <a:srgbClr val="000000"/>
-                              </a:solidFill>
-                              <a:miter lim="800000"/>
-                              <a:headEnd/>
-                              <a:tailEnd/>
-                            </a14:hiddenLine>
-                          </a:ext>
-                        </a:extLst>
-                      </p:spPr>
-                    </p:pic>
-                  </p:oleObj>
-                </mc:Fallback>
-              </mc:AlternateContent>
-            </a:graphicData>
-          </a:graphic>
-        </p:graphicFrame>
-      </p:grpSp>
+          </a:ln>
+        </p:spPr>
+        <p:style>
+          <a:lnRef idx="2">
+            <a:schemeClr val="accent1">
+              <a:shade val="50000"/>
+            </a:schemeClr>
+          </a:lnRef>
+          <a:fillRef idx="1">
+            <a:schemeClr val="accent1"/>
+          </a:fillRef>
+          <a:effectRef idx="0">
+            <a:schemeClr val="accent1"/>
+          </a:effectRef>
+          <a:fontRef idx="minor">
+            <a:schemeClr val="lt1"/>
+          </a:fontRef>
+        </p:style>
+        <p:txBody>
+          <a:bodyPr rtlCol="0" anchor="ctr"/>
+          <a:lstStyle/>
+          <a:p>
+            <a:pPr algn="ctr"/>
+            <a:endParaRPr lang="zh-CN" altLang="en-US" sz="1600" dirty="0">
+              <a:latin typeface="Times New Roman" panose="02020603050405020304" pitchFamily="18" charset="0"/>
+              <a:cs typeface="Times New Roman" panose="02020603050405020304" pitchFamily="18" charset="0"/>
+            </a:endParaRPr>
+          </a:p>
+        </p:txBody>
+      </p:sp>
       <p:cxnSp>
         <p:nvCxnSpPr>
           <p:cNvPr id="30" name="直接箭头连接符 29"/>
@@ -12268,7 +11945,7 @@
         </p:nvCxnSpPr>
         <p:spPr>
           <a:xfrm flipV="1">
-            <a:off x="5220072" y="4689139"/>
+            <a:off x="6228184" y="4689139"/>
             <a:ext cx="360040" cy="2440"/>
           </a:xfrm>
           <a:prstGeom prst="straightConnector1">
@@ -12304,7 +11981,7 @@
         </p:nvCxnSpPr>
         <p:spPr>
           <a:xfrm>
-            <a:off x="4499992" y="4689139"/>
+            <a:off x="5508104" y="4689139"/>
             <a:ext cx="360040" cy="4881"/>
           </a:xfrm>
           <a:prstGeom prst="straightConnector1">
@@ -12340,7 +12017,7 @@
         </p:nvSpPr>
         <p:spPr>
           <a:xfrm>
-            <a:off x="4788024" y="4284384"/>
+            <a:off x="5796136" y="4284384"/>
             <a:ext cx="468398" cy="584775"/>
           </a:xfrm>
           <a:prstGeom prst="rect">
@@ -12362,490 +12039,60 @@
           </a:p>
         </p:txBody>
       </p:sp>
-      <p:graphicFrame>
-        <p:nvGraphicFramePr>
-          <p:cNvPr id="33" name="对象 32"/>
-          <p:cNvGraphicFramePr>
-            <a:graphicFrameLocks noChangeAspect="1"/>
-          </p:cNvGraphicFramePr>
-          <p:nvPr>
-            <p:extLst>
-              <p:ext uri="{D42A27DB-BD31-4B8C-83A1-F6EECF244321}">
-                <p14:modId xmlns:p14="http://schemas.microsoft.com/office/powerpoint/2010/main" val="2162590216"/>
-              </p:ext>
-            </p:extLst>
-          </p:nvPr>
-        </p:nvGraphicFramePr>
-        <p:xfrm>
-          <a:off x="3419872" y="5115024"/>
-          <a:ext cx="381000" cy="330200"/>
-        </p:xfrm>
-        <a:graphic>
-          <a:graphicData uri="http://schemas.openxmlformats.org/presentationml/2006/ole">
-            <mc:AlternateContent xmlns:mc="http://schemas.openxmlformats.org/markup-compatibility/2006">
-              <mc:Choice xmlns:v="urn:schemas-microsoft-com:vml" Requires="v">
-                <p:oleObj spid="_x0000_s5363" name="Equation" r:id="rId13" imgW="380880" imgH="330120" progId="Equation.DSMT4">
-                  <p:embed/>
-                </p:oleObj>
-              </mc:Choice>
-              <mc:Fallback>
-                <p:oleObj name="Equation" r:id="rId13" imgW="380880" imgH="330120" progId="Equation.DSMT4">
-                  <p:embed/>
-                  <p:pic>
-                    <p:nvPicPr>
-                      <p:cNvPr id="0" name="对象 10"/>
-                      <p:cNvPicPr>
-                        <a:picLocks noChangeAspect="1" noChangeArrowheads="1"/>
-                      </p:cNvPicPr>
-                      <p:nvPr/>
-                    </p:nvPicPr>
-                    <p:blipFill>
-                      <a:blip r:embed="rId14"/>
-                      <a:srcRect/>
-                      <a:stretch>
-                        <a:fillRect/>
-                      </a:stretch>
-                    </p:blipFill>
-                    <p:spPr bwMode="auto">
-                      <a:xfrm>
-                        <a:off x="3419872" y="5115024"/>
-                        <a:ext cx="381000" cy="330200"/>
-                      </a:xfrm>
-                      <a:prstGeom prst="rect">
-                        <a:avLst/>
-                      </a:prstGeom>
-                      <a:noFill/>
-                      <a:ln>
-                        <a:noFill/>
-                      </a:ln>
-                      <a:extLst>
-                        <a:ext uri="{909E8E84-426E-40DD-AFC4-6F175D3DCCD1}">
-                          <a14:hiddenFill xmlns:a14="http://schemas.microsoft.com/office/drawing/2010/main">
-                            <a:solidFill>
-                              <a:srgbClr val="FFFFFF"/>
-                            </a:solidFill>
-                          </a14:hiddenFill>
-                        </a:ext>
-                        <a:ext uri="{91240B29-F687-4F45-9708-019B960494DF}">
-                          <a14:hiddenLine xmlns:a14="http://schemas.microsoft.com/office/drawing/2010/main" w="9525">
-                            <a:solidFill>
-                              <a:srgbClr val="000000"/>
-                            </a:solidFill>
-                            <a:miter lim="800000"/>
-                            <a:headEnd/>
-                            <a:tailEnd/>
-                          </a14:hiddenLine>
-                        </a:ext>
-                      </a:extLst>
-                    </p:spPr>
-                  </p:pic>
-                </p:oleObj>
-              </mc:Fallback>
-            </mc:AlternateContent>
-          </a:graphicData>
-        </a:graphic>
-      </p:graphicFrame>
-      <p:graphicFrame>
-        <p:nvGraphicFramePr>
-          <p:cNvPr id="34" name="对象 33"/>
-          <p:cNvGraphicFramePr>
-            <a:graphicFrameLocks noChangeAspect="1"/>
-          </p:cNvGraphicFramePr>
-          <p:nvPr>
-            <p:extLst>
-              <p:ext uri="{D42A27DB-BD31-4B8C-83A1-F6EECF244321}">
-                <p14:modId xmlns:p14="http://schemas.microsoft.com/office/powerpoint/2010/main" val="1626337625"/>
-              </p:ext>
-            </p:extLst>
-          </p:nvPr>
-        </p:nvGraphicFramePr>
-        <p:xfrm>
-          <a:off x="4199880" y="5115024"/>
-          <a:ext cx="241300" cy="330200"/>
-        </p:xfrm>
-        <a:graphic>
-          <a:graphicData uri="http://schemas.openxmlformats.org/presentationml/2006/ole">
-            <mc:AlternateContent xmlns:mc="http://schemas.openxmlformats.org/markup-compatibility/2006">
-              <mc:Choice xmlns:v="urn:schemas-microsoft-com:vml" Requires="v">
-                <p:oleObj spid="_x0000_s5364" name="Equation" r:id="rId15" imgW="241200" imgH="330120" progId="Equation.DSMT4">
-                  <p:embed/>
-                </p:oleObj>
-              </mc:Choice>
-              <mc:Fallback>
-                <p:oleObj name="Equation" r:id="rId15" imgW="241200" imgH="330120" progId="Equation.DSMT4">
-                  <p:embed/>
-                  <p:pic>
-                    <p:nvPicPr>
-                      <p:cNvPr id="0" name="对象 10"/>
-                      <p:cNvPicPr>
-                        <a:picLocks noChangeAspect="1" noChangeArrowheads="1"/>
-                      </p:cNvPicPr>
-                      <p:nvPr/>
-                    </p:nvPicPr>
-                    <p:blipFill>
-                      <a:blip r:embed="rId16"/>
-                      <a:srcRect/>
-                      <a:stretch>
-                        <a:fillRect/>
-                      </a:stretch>
-                    </p:blipFill>
-                    <p:spPr bwMode="auto">
-                      <a:xfrm>
-                        <a:off x="4199880" y="5115024"/>
-                        <a:ext cx="241300" cy="330200"/>
-                      </a:xfrm>
-                      <a:prstGeom prst="rect">
-                        <a:avLst/>
-                      </a:prstGeom>
-                      <a:noFill/>
-                      <a:ln>
-                        <a:noFill/>
-                      </a:ln>
-                      <a:extLst>
-                        <a:ext uri="{909E8E84-426E-40DD-AFC4-6F175D3DCCD1}">
-                          <a14:hiddenFill xmlns:a14="http://schemas.microsoft.com/office/drawing/2010/main">
-                            <a:solidFill>
-                              <a:srgbClr val="FFFFFF"/>
-                            </a:solidFill>
-                          </a14:hiddenFill>
-                        </a:ext>
-                        <a:ext uri="{91240B29-F687-4F45-9708-019B960494DF}">
-                          <a14:hiddenLine xmlns:a14="http://schemas.microsoft.com/office/drawing/2010/main" w="9525">
-                            <a:solidFill>
-                              <a:srgbClr val="000000"/>
-                            </a:solidFill>
-                            <a:miter lim="800000"/>
-                            <a:headEnd/>
-                            <a:tailEnd/>
-                          </a14:hiddenLine>
-                        </a:ext>
-                      </a:extLst>
-                    </p:spPr>
-                  </p:pic>
-                </p:oleObj>
-              </mc:Fallback>
-            </mc:AlternateContent>
-          </a:graphicData>
-        </a:graphic>
-      </p:graphicFrame>
-      <p:graphicFrame>
-        <p:nvGraphicFramePr>
-          <p:cNvPr id="35" name="对象 34"/>
-          <p:cNvGraphicFramePr>
-            <a:graphicFrameLocks noChangeAspect="1"/>
-          </p:cNvGraphicFramePr>
-          <p:nvPr>
-            <p:extLst>
-              <p:ext uri="{D42A27DB-BD31-4B8C-83A1-F6EECF244321}">
-                <p14:modId xmlns:p14="http://schemas.microsoft.com/office/powerpoint/2010/main" val="2808255088"/>
-              </p:ext>
-            </p:extLst>
-          </p:nvPr>
-        </p:nvGraphicFramePr>
-        <p:xfrm>
-          <a:off x="5580360" y="5114925"/>
-          <a:ext cx="431800" cy="330200"/>
-        </p:xfrm>
-        <a:graphic>
-          <a:graphicData uri="http://schemas.openxmlformats.org/presentationml/2006/ole">
-            <mc:AlternateContent xmlns:mc="http://schemas.openxmlformats.org/markup-compatibility/2006">
-              <mc:Choice xmlns:v="urn:schemas-microsoft-com:vml" Requires="v">
-                <p:oleObj spid="_x0000_s5365" name="Equation" r:id="rId17" imgW="431640" imgH="330120" progId="Equation.DSMT4">
-                  <p:embed/>
-                </p:oleObj>
-              </mc:Choice>
-              <mc:Fallback>
-                <p:oleObj name="Equation" r:id="rId17" imgW="431640" imgH="330120" progId="Equation.DSMT4">
-                  <p:embed/>
-                  <p:pic>
-                    <p:nvPicPr>
-                      <p:cNvPr id="0" name="对象 10"/>
-                      <p:cNvPicPr>
-                        <a:picLocks noChangeAspect="1" noChangeArrowheads="1"/>
-                      </p:cNvPicPr>
-                      <p:nvPr/>
-                    </p:nvPicPr>
-                    <p:blipFill>
-                      <a:blip r:embed="rId18"/>
-                      <a:srcRect/>
-                      <a:stretch>
-                        <a:fillRect/>
-                      </a:stretch>
-                    </p:blipFill>
-                    <p:spPr bwMode="auto">
-                      <a:xfrm>
-                        <a:off x="5580360" y="5114925"/>
-                        <a:ext cx="431800" cy="330200"/>
-                      </a:xfrm>
-                      <a:prstGeom prst="rect">
-                        <a:avLst/>
-                      </a:prstGeom>
-                      <a:noFill/>
-                      <a:ln>
-                        <a:noFill/>
-                      </a:ln>
-                      <a:extLst>
-                        <a:ext uri="{909E8E84-426E-40DD-AFC4-6F175D3DCCD1}">
-                          <a14:hiddenFill xmlns:a14="http://schemas.microsoft.com/office/drawing/2010/main">
-                            <a:solidFill>
-                              <a:srgbClr val="FFFFFF"/>
-                            </a:solidFill>
-                          </a14:hiddenFill>
-                        </a:ext>
-                        <a:ext uri="{91240B29-F687-4F45-9708-019B960494DF}">
-                          <a14:hiddenLine xmlns:a14="http://schemas.microsoft.com/office/drawing/2010/main" w="9525">
-                            <a:solidFill>
-                              <a:srgbClr val="000000"/>
-                            </a:solidFill>
-                            <a:miter lim="800000"/>
-                            <a:headEnd/>
-                            <a:tailEnd/>
-                          </a14:hiddenLine>
-                        </a:ext>
-                      </a:extLst>
-                    </p:spPr>
-                  </p:pic>
-                </p:oleObj>
-              </mc:Fallback>
-            </mc:AlternateContent>
-          </a:graphicData>
-        </a:graphic>
-      </p:graphicFrame>
-      <p:grpSp>
-        <p:nvGrpSpPr>
-          <p:cNvPr id="36" name="组合 35"/>
-          <p:cNvGrpSpPr/>
-          <p:nvPr/>
-        </p:nvGrpSpPr>
-        <p:grpSpPr>
+      <p:sp>
+        <p:nvSpPr>
+          <p:cNvPr id="37" name="圆角矩形 36"/>
+          <p:cNvSpPr/>
+          <p:nvPr/>
+        </p:nvSpPr>
+        <p:spPr>
           <a:xfrm>
-            <a:off x="3421352" y="4365104"/>
-            <a:ext cx="381000" cy="648072"/>
-            <a:chOff x="1826270" y="4369985"/>
-            <a:chExt cx="381000" cy="648072"/>
-          </a:xfrm>
-        </p:grpSpPr>
-        <p:sp>
-          <p:nvSpPr>
-            <p:cNvPr id="37" name="圆角矩形 36"/>
-            <p:cNvSpPr/>
-            <p:nvPr/>
-          </p:nvSpPr>
-          <p:spPr>
-            <a:xfrm>
-              <a:off x="1835696" y="4369985"/>
-              <a:ext cx="360040" cy="648072"/>
-            </a:xfrm>
-            <a:prstGeom prst="roundRect">
-              <a:avLst/>
-            </a:prstGeom>
+            <a:off x="4438890" y="4365104"/>
+            <a:ext cx="360040" cy="648072"/>
+          </a:xfrm>
+          <a:prstGeom prst="roundRect">
+            <a:avLst/>
+          </a:prstGeom>
+          <a:solidFill>
+            <a:schemeClr val="tx2">
+              <a:lumMod val="40000"/>
+              <a:lumOff val="60000"/>
+            </a:schemeClr>
+          </a:solidFill>
+          <a:ln w="12700">
             <a:solidFill>
-              <a:schemeClr val="tx2">
-                <a:lumMod val="40000"/>
-                <a:lumOff val="60000"/>
-              </a:schemeClr>
+              <a:schemeClr val="tx1"/>
             </a:solidFill>
-            <a:ln>
-              <a:solidFill>
-                <a:schemeClr val="tx1"/>
-              </a:solidFill>
-            </a:ln>
-          </p:spPr>
-          <p:style>
-            <a:lnRef idx="2">
-              <a:schemeClr val="accent1">
-                <a:shade val="50000"/>
-              </a:schemeClr>
-            </a:lnRef>
-            <a:fillRef idx="1">
-              <a:schemeClr val="accent1"/>
-            </a:fillRef>
-            <a:effectRef idx="0">
-              <a:schemeClr val="accent1"/>
-            </a:effectRef>
-            <a:fontRef idx="minor">
-              <a:schemeClr val="lt1"/>
-            </a:fontRef>
-          </p:style>
-          <p:txBody>
-            <a:bodyPr rtlCol="0" anchor="ctr"/>
-            <a:lstStyle/>
-            <a:p>
-              <a:pPr algn="ctr"/>
-              <a:endParaRPr lang="zh-CN" altLang="en-US" sz="1600" dirty="0">
-                <a:latin typeface="Times New Roman" panose="02020603050405020304" pitchFamily="18" charset="0"/>
-                <a:cs typeface="Times New Roman" panose="02020603050405020304" pitchFamily="18" charset="0"/>
-              </a:endParaRPr>
-            </a:p>
-          </p:txBody>
-        </p:sp>
-        <p:graphicFrame>
-          <p:nvGraphicFramePr>
-            <p:cNvPr id="38" name="对象 37"/>
-            <p:cNvGraphicFramePr>
-              <a:graphicFrameLocks noChangeAspect="1"/>
-            </p:cNvGraphicFramePr>
-            <p:nvPr>
-              <p:extLst>
-                <p:ext uri="{D42A27DB-BD31-4B8C-83A1-F6EECF244321}">
-                  <p14:modId xmlns:p14="http://schemas.microsoft.com/office/powerpoint/2010/main" val="2911672435"/>
-                </p:ext>
-              </p:extLst>
-            </p:nvPr>
-          </p:nvGraphicFramePr>
-          <p:xfrm>
-            <a:off x="1826270" y="4529138"/>
-            <a:ext cx="381000" cy="330200"/>
-          </p:xfrm>
-          <a:graphic>
-            <a:graphicData uri="http://schemas.openxmlformats.org/presentationml/2006/ole">
-              <mc:AlternateContent xmlns:mc="http://schemas.openxmlformats.org/markup-compatibility/2006">
-                <mc:Choice xmlns:v="urn:schemas-microsoft-com:vml" Requires="v">
-                  <p:oleObj spid="_x0000_s5366" name="Equation" r:id="rId19" imgW="380880" imgH="330120" progId="Equation.DSMT4">
-                    <p:embed/>
-                  </p:oleObj>
-                </mc:Choice>
-                <mc:Fallback>
-                  <p:oleObj name="Equation" r:id="rId19" imgW="380880" imgH="330120" progId="Equation.DSMT4">
-                    <p:embed/>
-                    <p:pic>
-                      <p:nvPicPr>
-                        <p:cNvPr id="0" name=""/>
-                        <p:cNvPicPr>
-                          <a:picLocks noChangeAspect="1" noChangeArrowheads="1"/>
-                        </p:cNvPicPr>
-                        <p:nvPr/>
-                      </p:nvPicPr>
-                      <p:blipFill>
-                        <a:blip r:embed="rId20"/>
-                        <a:srcRect/>
-                        <a:stretch>
-                          <a:fillRect/>
-                        </a:stretch>
-                      </p:blipFill>
-                      <p:spPr bwMode="auto">
-                        <a:xfrm>
-                          <a:off x="1826270" y="4529138"/>
-                          <a:ext cx="381000" cy="330200"/>
-                        </a:xfrm>
-                        <a:prstGeom prst="rect">
-                          <a:avLst/>
-                        </a:prstGeom>
-                        <a:noFill/>
-                        <a:ln>
-                          <a:noFill/>
-                        </a:ln>
-                        <a:extLst>
-                          <a:ext uri="{909E8E84-426E-40DD-AFC4-6F175D3DCCD1}">
-                            <a14:hiddenFill xmlns:a14="http://schemas.microsoft.com/office/drawing/2010/main">
-                              <a:solidFill>
-                                <a:srgbClr val="FFFFFF"/>
-                              </a:solidFill>
-                            </a14:hiddenFill>
-                          </a:ext>
-                          <a:ext uri="{91240B29-F687-4F45-9708-019B960494DF}">
-                            <a14:hiddenLine xmlns:a14="http://schemas.microsoft.com/office/drawing/2010/main" w="9525">
-                              <a:solidFill>
-                                <a:srgbClr val="000000"/>
-                              </a:solidFill>
-                              <a:miter lim="800000"/>
-                              <a:headEnd/>
-                              <a:tailEnd/>
-                            </a14:hiddenLine>
-                          </a:ext>
-                        </a:extLst>
-                      </p:spPr>
-                    </p:pic>
-                  </p:oleObj>
-                </mc:Fallback>
-              </mc:AlternateContent>
-            </a:graphicData>
-          </a:graphic>
-        </p:graphicFrame>
-      </p:grpSp>
-      <p:graphicFrame>
-        <p:nvGraphicFramePr>
-          <p:cNvPr id="43" name="对象 42"/>
-          <p:cNvGraphicFramePr>
-            <a:graphicFrameLocks noChangeAspect="1"/>
-          </p:cNvGraphicFramePr>
-          <p:nvPr>
-            <p:extLst>
-              <p:ext uri="{D42A27DB-BD31-4B8C-83A1-F6EECF244321}">
-                <p14:modId xmlns:p14="http://schemas.microsoft.com/office/powerpoint/2010/main" val="3826940900"/>
-              </p:ext>
-            </p:extLst>
-          </p:nvPr>
-        </p:nvGraphicFramePr>
-        <p:xfrm>
-          <a:off x="2670671" y="5115024"/>
-          <a:ext cx="419100" cy="330200"/>
-        </p:xfrm>
-        <a:graphic>
-          <a:graphicData uri="http://schemas.openxmlformats.org/presentationml/2006/ole">
-            <mc:AlternateContent xmlns:mc="http://schemas.openxmlformats.org/markup-compatibility/2006">
-              <mc:Choice xmlns:v="urn:schemas-microsoft-com:vml" Requires="v">
-                <p:oleObj spid="_x0000_s5367" name="Equation" r:id="rId21" imgW="419040" imgH="330120" progId="Equation.DSMT4">
-                  <p:embed/>
-                </p:oleObj>
-              </mc:Choice>
-              <mc:Fallback>
-                <p:oleObj name="Equation" r:id="rId21" imgW="419040" imgH="330120" progId="Equation.DSMT4">
-                  <p:embed/>
-                  <p:pic>
-                    <p:nvPicPr>
-                      <p:cNvPr id="0" name="对象 10"/>
-                      <p:cNvPicPr>
-                        <a:picLocks noChangeAspect="1" noChangeArrowheads="1"/>
-                      </p:cNvPicPr>
-                      <p:nvPr/>
-                    </p:nvPicPr>
-                    <p:blipFill>
-                      <a:blip r:embed="rId22"/>
-                      <a:srcRect/>
-                      <a:stretch>
-                        <a:fillRect/>
-                      </a:stretch>
-                    </p:blipFill>
-                    <p:spPr bwMode="auto">
-                      <a:xfrm>
-                        <a:off x="2670671" y="5115024"/>
-                        <a:ext cx="419100" cy="330200"/>
-                      </a:xfrm>
-                      <a:prstGeom prst="rect">
-                        <a:avLst/>
-                      </a:prstGeom>
-                      <a:noFill/>
-                      <a:ln>
-                        <a:noFill/>
-                      </a:ln>
-                      <a:extLst>
-                        <a:ext uri="{909E8E84-426E-40DD-AFC4-6F175D3DCCD1}">
-                          <a14:hiddenFill xmlns:a14="http://schemas.microsoft.com/office/drawing/2010/main">
-                            <a:solidFill>
-                              <a:srgbClr val="FFFFFF"/>
-                            </a:solidFill>
-                          </a14:hiddenFill>
-                        </a:ext>
-                        <a:ext uri="{91240B29-F687-4F45-9708-019B960494DF}">
-                          <a14:hiddenLine xmlns:a14="http://schemas.microsoft.com/office/drawing/2010/main" w="9525">
-                            <a:solidFill>
-                              <a:srgbClr val="000000"/>
-                            </a:solidFill>
-                            <a:miter lim="800000"/>
-                            <a:headEnd/>
-                            <a:tailEnd/>
-                          </a14:hiddenLine>
-                        </a:ext>
-                      </a:extLst>
-                    </p:spPr>
-                  </p:pic>
-                </p:oleObj>
-              </mc:Fallback>
-            </mc:AlternateContent>
-          </a:graphicData>
-        </a:graphic>
-      </p:graphicFrame>
+          </a:ln>
+        </p:spPr>
+        <p:style>
+          <a:lnRef idx="2">
+            <a:schemeClr val="accent1">
+              <a:shade val="50000"/>
+            </a:schemeClr>
+          </a:lnRef>
+          <a:fillRef idx="1">
+            <a:schemeClr val="accent1"/>
+          </a:fillRef>
+          <a:effectRef idx="0">
+            <a:schemeClr val="accent1"/>
+          </a:effectRef>
+          <a:fontRef idx="minor">
+            <a:schemeClr val="lt1"/>
+          </a:fontRef>
+        </p:style>
+        <p:txBody>
+          <a:bodyPr rtlCol="0" anchor="ctr"/>
+          <a:lstStyle/>
+          <a:p>
+            <a:pPr algn="ctr"/>
+            <a:endParaRPr lang="zh-CN" altLang="en-US" sz="1600" dirty="0">
+              <a:latin typeface="Times New Roman" panose="02020603050405020304" pitchFamily="18" charset="0"/>
+              <a:cs typeface="Times New Roman" panose="02020603050405020304" pitchFamily="18" charset="0"/>
+            </a:endParaRPr>
+          </a:p>
+        </p:txBody>
+      </p:sp>
       <p:cxnSp>
         <p:nvCxnSpPr>
           <p:cNvPr id="44" name="直接箭头连接符 43"/>
@@ -12856,7 +12103,7 @@
         </p:nvCxnSpPr>
         <p:spPr>
           <a:xfrm flipV="1">
-            <a:off x="2339752" y="4689140"/>
+            <a:off x="3347864" y="4689140"/>
             <a:ext cx="360371" cy="736"/>
           </a:xfrm>
           <a:prstGeom prst="straightConnector1">
@@ -12894,7 +12141,7 @@
         </p:nvCxnSpPr>
         <p:spPr>
           <a:xfrm>
-            <a:off x="1619672" y="4689140"/>
+            <a:off x="2627784" y="4689140"/>
             <a:ext cx="360040" cy="3177"/>
           </a:xfrm>
           <a:prstGeom prst="straightConnector1">
@@ -12930,7 +12177,7 @@
         </p:nvSpPr>
         <p:spPr>
           <a:xfrm>
-            <a:off x="1907704" y="4282681"/>
+            <a:off x="2915816" y="4282681"/>
             <a:ext cx="468398" cy="584775"/>
           </a:xfrm>
           <a:prstGeom prst="rect">
@@ -12960,7 +12207,7 @@
         </p:nvSpPr>
         <p:spPr>
           <a:xfrm>
-            <a:off x="1259632" y="3645024"/>
+            <a:off x="2267744" y="3645024"/>
             <a:ext cx="3240359" cy="360040"/>
           </a:xfrm>
           <a:prstGeom prst="roundRect">
@@ -12969,7 +12216,7 @@
           <a:solidFill>
             <a:srgbClr val="FFC000"/>
           </a:solidFill>
-          <a:ln>
+          <a:ln w="12700">
             <a:solidFill>
               <a:schemeClr val="tx1"/>
             </a:solidFill>
@@ -12997,13 +12244,20 @@
           <a:p>
             <a:pPr algn="ctr"/>
             <a:r>
-              <a:rPr lang="en-US" altLang="zh-CN" sz="1600" dirty="0" smtClean="0">
+              <a:rPr lang="en-US" altLang="zh-CN" sz="2000" dirty="0" smtClean="0">
                 <a:latin typeface="Times New Roman" panose="02020603050405020304" pitchFamily="18" charset="0"/>
                 <a:cs typeface="Times New Roman" panose="02020603050405020304" pitchFamily="18" charset="0"/>
               </a:rPr>
-              <a:t>Attention layer</a:t>
+              <a:t>Attention </a:t>
             </a:r>
-            <a:endParaRPr lang="zh-CN" altLang="en-US" sz="1600" dirty="0">
+            <a:r>
+              <a:rPr lang="en-US" altLang="zh-CN" sz="2000" dirty="0" smtClean="0">
+                <a:latin typeface="Times New Roman" panose="02020603050405020304" pitchFamily="18" charset="0"/>
+                <a:cs typeface="Times New Roman" panose="02020603050405020304" pitchFamily="18" charset="0"/>
+              </a:rPr>
+              <a:t>function</a:t>
+            </a:r>
+            <a:endParaRPr lang="zh-CN" altLang="en-US" sz="2000" dirty="0">
               <a:latin typeface="Times New Roman" panose="02020603050405020304" pitchFamily="18" charset="0"/>
               <a:cs typeface="Times New Roman" panose="02020603050405020304" pitchFamily="18" charset="0"/>
             </a:endParaRPr>
@@ -13020,7 +12274,7 @@
         </p:nvCxnSpPr>
         <p:spPr>
           <a:xfrm flipV="1">
-            <a:off x="1439652" y="4005064"/>
+            <a:off x="2447764" y="4005064"/>
             <a:ext cx="0" cy="360040"/>
           </a:xfrm>
           <a:prstGeom prst="straightConnector1">
@@ -13059,7 +12313,7 @@
         </p:nvCxnSpPr>
         <p:spPr>
           <a:xfrm flipH="1" flipV="1">
-            <a:off x="2879812" y="4005064"/>
+            <a:off x="3887924" y="4005064"/>
             <a:ext cx="311" cy="360040"/>
           </a:xfrm>
           <a:prstGeom prst="straightConnector1">
@@ -13097,7 +12351,7 @@
         </p:nvCxnSpPr>
         <p:spPr>
           <a:xfrm flipV="1">
-            <a:off x="3610798" y="4005064"/>
+            <a:off x="4618910" y="4005064"/>
             <a:ext cx="0" cy="360040"/>
           </a:xfrm>
           <a:prstGeom prst="straightConnector1">
@@ -13133,7 +12387,7 @@
         </p:nvCxnSpPr>
         <p:spPr>
           <a:xfrm flipV="1">
-            <a:off x="4319972" y="4005064"/>
+            <a:off x="5328084" y="4005064"/>
             <a:ext cx="0" cy="364921"/>
           </a:xfrm>
           <a:prstGeom prst="straightConnector1">
@@ -13161,158 +12415,60 @@
           </a:fontRef>
         </p:style>
       </p:cxnSp>
-      <p:grpSp>
-        <p:nvGrpSpPr>
-          <p:cNvPr id="63" name="组合 62"/>
-          <p:cNvGrpSpPr/>
-          <p:nvPr/>
-        </p:nvGrpSpPr>
-        <p:grpSpPr>
+      <p:sp>
+        <p:nvSpPr>
+          <p:cNvPr id="64" name="圆角矩形 63"/>
+          <p:cNvSpPr/>
+          <p:nvPr/>
+        </p:nvSpPr>
+        <p:spPr>
           <a:xfrm>
-            <a:off x="4139951" y="2636912"/>
+            <a:off x="5148063" y="2636912"/>
             <a:ext cx="360040" cy="648072"/>
-            <a:chOff x="1115616" y="4365104"/>
-            <a:chExt cx="360040" cy="648072"/>
-          </a:xfrm>
-        </p:grpSpPr>
-        <p:sp>
-          <p:nvSpPr>
-            <p:cNvPr id="64" name="圆角矩形 63"/>
-            <p:cNvSpPr/>
-            <p:nvPr/>
-          </p:nvSpPr>
-          <p:spPr>
-            <a:xfrm>
-              <a:off x="1115616" y="4365104"/>
-              <a:ext cx="360040" cy="648072"/>
-            </a:xfrm>
-            <a:prstGeom prst="roundRect">
-              <a:avLst/>
-            </a:prstGeom>
+          </a:xfrm>
+          <a:prstGeom prst="roundRect">
+            <a:avLst/>
+          </a:prstGeom>
+          <a:solidFill>
+            <a:schemeClr val="tx2">
+              <a:lumMod val="40000"/>
+              <a:lumOff val="60000"/>
+            </a:schemeClr>
+          </a:solidFill>
+          <a:ln w="12700">
             <a:solidFill>
-              <a:schemeClr val="tx2">
-                <a:lumMod val="40000"/>
-                <a:lumOff val="60000"/>
-              </a:schemeClr>
+              <a:schemeClr val="tx1"/>
             </a:solidFill>
-            <a:ln>
-              <a:solidFill>
-                <a:schemeClr val="tx1"/>
-              </a:solidFill>
-            </a:ln>
-          </p:spPr>
-          <p:style>
-            <a:lnRef idx="2">
-              <a:schemeClr val="accent1">
-                <a:shade val="50000"/>
-              </a:schemeClr>
-            </a:lnRef>
-            <a:fillRef idx="1">
-              <a:schemeClr val="accent1"/>
-            </a:fillRef>
-            <a:effectRef idx="0">
-              <a:schemeClr val="accent1"/>
-            </a:effectRef>
-            <a:fontRef idx="minor">
-              <a:schemeClr val="lt1"/>
-            </a:fontRef>
-          </p:style>
-          <p:txBody>
-            <a:bodyPr rtlCol="0" anchor="ctr"/>
-            <a:lstStyle/>
-            <a:p>
-              <a:pPr algn="ctr"/>
-              <a:endParaRPr lang="zh-CN" altLang="en-US" sz="1600" dirty="0">
-                <a:latin typeface="Times New Roman" panose="02020603050405020304" pitchFamily="18" charset="0"/>
-                <a:cs typeface="Times New Roman" panose="02020603050405020304" pitchFamily="18" charset="0"/>
-              </a:endParaRPr>
-            </a:p>
-          </p:txBody>
-        </p:sp>
-        <p:graphicFrame>
-          <p:nvGraphicFramePr>
-            <p:cNvPr id="65" name="对象 64"/>
-            <p:cNvGraphicFramePr>
-              <a:graphicFrameLocks noChangeAspect="1"/>
-            </p:cNvGraphicFramePr>
-            <p:nvPr>
-              <p:extLst>
-                <p:ext uri="{D42A27DB-BD31-4B8C-83A1-F6EECF244321}">
-                  <p14:modId xmlns:p14="http://schemas.microsoft.com/office/powerpoint/2010/main" val="3699540535"/>
-                </p:ext>
-              </p:extLst>
-            </p:nvPr>
-          </p:nvGraphicFramePr>
-          <p:xfrm>
-            <a:off x="1180953" y="4523333"/>
-            <a:ext cx="228600" cy="330200"/>
-          </p:xfrm>
-          <a:graphic>
-            <a:graphicData uri="http://schemas.openxmlformats.org/presentationml/2006/ole">
-              <mc:AlternateContent xmlns:mc="http://schemas.openxmlformats.org/markup-compatibility/2006">
-                <mc:Choice xmlns:v="urn:schemas-microsoft-com:vml" Requires="v">
-                  <p:oleObj spid="_x0000_s5368" name="Equation" r:id="rId23" imgW="228600" imgH="330120" progId="Equation.DSMT4">
-                    <p:embed/>
-                  </p:oleObj>
-                </mc:Choice>
-                <mc:Fallback>
-                  <p:oleObj name="Equation" r:id="rId23" imgW="228600" imgH="330120" progId="Equation.DSMT4">
-                    <p:embed/>
-                    <p:pic>
-                      <p:nvPicPr>
-                        <p:cNvPr id="0" name=""/>
-                        <p:cNvPicPr>
-                          <a:picLocks noChangeAspect="1" noChangeArrowheads="1"/>
-                        </p:cNvPicPr>
-                        <p:nvPr/>
-                      </p:nvPicPr>
-                      <p:blipFill>
-                        <a:blip r:embed="rId24"/>
-                        <a:srcRect/>
-                        <a:stretch>
-                          <a:fillRect/>
-                        </a:stretch>
-                      </p:blipFill>
-                      <p:spPr bwMode="auto">
-                        <a:xfrm>
-                          <a:off x="1180953" y="4523333"/>
-                          <a:ext cx="228600" cy="330200"/>
-                        </a:xfrm>
-                        <a:prstGeom prst="rect">
-                          <a:avLst/>
-                        </a:prstGeom>
-                        <a:noFill/>
-                        <a:ln>
-                          <a:noFill/>
-                        </a:ln>
-                        <a:extLst>
-                          <a:ext uri="{909E8E84-426E-40DD-AFC4-6F175D3DCCD1}">
-                            <a14:hiddenFill xmlns:a14="http://schemas.microsoft.com/office/drawing/2010/main">
-                              <a:solidFill>
-                                <a:srgbClr val="FFFFFF"/>
-                              </a:solidFill>
-                            </a14:hiddenFill>
-                          </a:ext>
-                          <a:ext uri="{91240B29-F687-4F45-9708-019B960494DF}">
-                            <a14:hiddenLine xmlns:a14="http://schemas.microsoft.com/office/drawing/2010/main" w="9525">
-                              <a:solidFill>
-                                <a:srgbClr val="000000"/>
-                              </a:solidFill>
-                              <a:miter lim="800000"/>
-                              <a:headEnd/>
-                              <a:tailEnd/>
-                            </a14:hiddenLine>
-                          </a:ext>
-                        </a:extLst>
-                      </p:spPr>
-                    </p:pic>
-                  </p:oleObj>
-                </mc:Fallback>
-              </mc:AlternateContent>
-            </a:graphicData>
-          </a:graphic>
-        </p:graphicFrame>
-      </p:grpSp>
+          </a:ln>
+        </p:spPr>
+        <p:style>
+          <a:lnRef idx="2">
+            <a:schemeClr val="accent1">
+              <a:shade val="50000"/>
+            </a:schemeClr>
+          </a:lnRef>
+          <a:fillRef idx="1">
+            <a:schemeClr val="accent1"/>
+          </a:fillRef>
+          <a:effectRef idx="0">
+            <a:schemeClr val="accent1"/>
+          </a:effectRef>
+          <a:fontRef idx="minor">
+            <a:schemeClr val="lt1"/>
+          </a:fontRef>
+        </p:style>
+        <p:txBody>
+          <a:bodyPr rtlCol="0" anchor="ctr"/>
+          <a:lstStyle/>
+          <a:p>
+            <a:pPr algn="ctr"/>
+            <a:endParaRPr lang="zh-CN" altLang="en-US" sz="1600" dirty="0">
+              <a:latin typeface="Times New Roman" panose="02020603050405020304" pitchFamily="18" charset="0"/>
+              <a:cs typeface="Times New Roman" panose="02020603050405020304" pitchFamily="18" charset="0"/>
+            </a:endParaRPr>
+          </a:p>
+        </p:txBody>
+      </p:sp>
       <p:cxnSp>
         <p:nvCxnSpPr>
           <p:cNvPr id="66" name="直接箭头连接符 65"/>
@@ -13323,7 +12479,7 @@
         </p:nvCxnSpPr>
         <p:spPr>
           <a:xfrm flipV="1">
-            <a:off x="4319971" y="3284984"/>
+            <a:off x="5328083" y="3284984"/>
             <a:ext cx="0" cy="360040"/>
           </a:xfrm>
           <a:prstGeom prst="straightConnector1">
@@ -13351,158 +12507,60 @@
           </a:fontRef>
         </p:style>
       </p:cxnSp>
-      <p:grpSp>
-        <p:nvGrpSpPr>
-          <p:cNvPr id="67" name="组合 66"/>
-          <p:cNvGrpSpPr/>
-          <p:nvPr/>
-        </p:nvGrpSpPr>
-        <p:grpSpPr>
+      <p:sp>
+        <p:nvSpPr>
+          <p:cNvPr id="68" name="圆角矩形 67"/>
+          <p:cNvSpPr/>
+          <p:nvPr/>
+        </p:nvSpPr>
+        <p:spPr>
           <a:xfrm>
-            <a:off x="4139951" y="1628800"/>
+            <a:off x="5148063" y="1628800"/>
             <a:ext cx="360040" cy="648072"/>
-            <a:chOff x="1115616" y="4365104"/>
-            <a:chExt cx="360040" cy="648072"/>
-          </a:xfrm>
-        </p:grpSpPr>
-        <p:sp>
-          <p:nvSpPr>
-            <p:cNvPr id="68" name="圆角矩形 67"/>
-            <p:cNvSpPr/>
-            <p:nvPr/>
-          </p:nvSpPr>
-          <p:spPr>
-            <a:xfrm>
-              <a:off x="1115616" y="4365104"/>
-              <a:ext cx="360040" cy="648072"/>
-            </a:xfrm>
-            <a:prstGeom prst="roundRect">
-              <a:avLst/>
-            </a:prstGeom>
+          </a:xfrm>
+          <a:prstGeom prst="roundRect">
+            <a:avLst/>
+          </a:prstGeom>
+          <a:solidFill>
+            <a:schemeClr val="tx2">
+              <a:lumMod val="40000"/>
+              <a:lumOff val="60000"/>
+            </a:schemeClr>
+          </a:solidFill>
+          <a:ln w="12700">
             <a:solidFill>
-              <a:schemeClr val="tx2">
-                <a:lumMod val="40000"/>
-                <a:lumOff val="60000"/>
-              </a:schemeClr>
+              <a:schemeClr val="tx1"/>
             </a:solidFill>
-            <a:ln>
-              <a:solidFill>
-                <a:schemeClr val="tx1"/>
-              </a:solidFill>
-            </a:ln>
-          </p:spPr>
-          <p:style>
-            <a:lnRef idx="2">
-              <a:schemeClr val="accent1">
-                <a:shade val="50000"/>
-              </a:schemeClr>
-            </a:lnRef>
-            <a:fillRef idx="1">
-              <a:schemeClr val="accent1"/>
-            </a:fillRef>
-            <a:effectRef idx="0">
-              <a:schemeClr val="accent1"/>
-            </a:effectRef>
-            <a:fontRef idx="minor">
-              <a:schemeClr val="lt1"/>
-            </a:fontRef>
-          </p:style>
-          <p:txBody>
-            <a:bodyPr rtlCol="0" anchor="ctr"/>
-            <a:lstStyle/>
-            <a:p>
-              <a:pPr algn="ctr"/>
-              <a:endParaRPr lang="zh-CN" altLang="en-US" sz="1600" dirty="0">
-                <a:latin typeface="Times New Roman" panose="02020603050405020304" pitchFamily="18" charset="0"/>
-                <a:cs typeface="Times New Roman" panose="02020603050405020304" pitchFamily="18" charset="0"/>
-              </a:endParaRPr>
-            </a:p>
-          </p:txBody>
-        </p:sp>
-        <p:graphicFrame>
-          <p:nvGraphicFramePr>
-            <p:cNvPr id="69" name="对象 68"/>
-            <p:cNvGraphicFramePr>
-              <a:graphicFrameLocks noChangeAspect="1"/>
-            </p:cNvGraphicFramePr>
-            <p:nvPr>
-              <p:extLst>
-                <p:ext uri="{D42A27DB-BD31-4B8C-83A1-F6EECF244321}">
-                  <p14:modId xmlns:p14="http://schemas.microsoft.com/office/powerpoint/2010/main" val="3968241145"/>
-                </p:ext>
-              </p:extLst>
-            </p:nvPr>
-          </p:nvGraphicFramePr>
-          <p:xfrm>
-            <a:off x="1200003" y="4523829"/>
-            <a:ext cx="190500" cy="330200"/>
-          </p:xfrm>
-          <a:graphic>
-            <a:graphicData uri="http://schemas.openxmlformats.org/presentationml/2006/ole">
-              <mc:AlternateContent xmlns:mc="http://schemas.openxmlformats.org/markup-compatibility/2006">
-                <mc:Choice xmlns:v="urn:schemas-microsoft-com:vml" Requires="v">
-                  <p:oleObj spid="_x0000_s5369" name="Equation" r:id="rId25" imgW="190440" imgH="330120" progId="Equation.DSMT4">
-                    <p:embed/>
-                  </p:oleObj>
-                </mc:Choice>
-                <mc:Fallback>
-                  <p:oleObj name="Equation" r:id="rId25" imgW="190440" imgH="330120" progId="Equation.DSMT4">
-                    <p:embed/>
-                    <p:pic>
-                      <p:nvPicPr>
-                        <p:cNvPr id="0" name=""/>
-                        <p:cNvPicPr>
-                          <a:picLocks noChangeAspect="1" noChangeArrowheads="1"/>
-                        </p:cNvPicPr>
-                        <p:nvPr/>
-                      </p:nvPicPr>
-                      <p:blipFill>
-                        <a:blip r:embed="rId26"/>
-                        <a:srcRect/>
-                        <a:stretch>
-                          <a:fillRect/>
-                        </a:stretch>
-                      </p:blipFill>
-                      <p:spPr bwMode="auto">
-                        <a:xfrm>
-                          <a:off x="1200003" y="4523829"/>
-                          <a:ext cx="190500" cy="330200"/>
-                        </a:xfrm>
-                        <a:prstGeom prst="rect">
-                          <a:avLst/>
-                        </a:prstGeom>
-                        <a:noFill/>
-                        <a:ln>
-                          <a:noFill/>
-                        </a:ln>
-                        <a:extLst>
-                          <a:ext uri="{909E8E84-426E-40DD-AFC4-6F175D3DCCD1}">
-                            <a14:hiddenFill xmlns:a14="http://schemas.microsoft.com/office/drawing/2010/main">
-                              <a:solidFill>
-                                <a:srgbClr val="FFFFFF"/>
-                              </a:solidFill>
-                            </a14:hiddenFill>
-                          </a:ext>
-                          <a:ext uri="{91240B29-F687-4F45-9708-019B960494DF}">
-                            <a14:hiddenLine xmlns:a14="http://schemas.microsoft.com/office/drawing/2010/main" w="9525">
-                              <a:solidFill>
-                                <a:srgbClr val="000000"/>
-                              </a:solidFill>
-                              <a:miter lim="800000"/>
-                              <a:headEnd/>
-                              <a:tailEnd/>
-                            </a14:hiddenLine>
-                          </a:ext>
-                        </a:extLst>
-                      </p:spPr>
-                    </p:pic>
-                  </p:oleObj>
-                </mc:Fallback>
-              </mc:AlternateContent>
-            </a:graphicData>
-          </a:graphic>
-        </p:graphicFrame>
-      </p:grpSp>
+          </a:ln>
+        </p:spPr>
+        <p:style>
+          <a:lnRef idx="2">
+            <a:schemeClr val="accent1">
+              <a:shade val="50000"/>
+            </a:schemeClr>
+          </a:lnRef>
+          <a:fillRef idx="1">
+            <a:schemeClr val="accent1"/>
+          </a:fillRef>
+          <a:effectRef idx="0">
+            <a:schemeClr val="accent1"/>
+          </a:effectRef>
+          <a:fontRef idx="minor">
+            <a:schemeClr val="lt1"/>
+          </a:fontRef>
+        </p:style>
+        <p:txBody>
+          <a:bodyPr rtlCol="0" anchor="ctr"/>
+          <a:lstStyle/>
+          <a:p>
+            <a:pPr algn="ctr"/>
+            <a:endParaRPr lang="zh-CN" altLang="en-US" sz="1600" dirty="0">
+              <a:latin typeface="Times New Roman" panose="02020603050405020304" pitchFamily="18" charset="0"/>
+              <a:cs typeface="Times New Roman" panose="02020603050405020304" pitchFamily="18" charset="0"/>
+            </a:endParaRPr>
+          </a:p>
+        </p:txBody>
+      </p:sp>
       <p:cxnSp>
         <p:nvCxnSpPr>
           <p:cNvPr id="70" name="直接箭头连接符 69"/>
@@ -13514,7 +12572,7 @@
         </p:nvCxnSpPr>
         <p:spPr>
           <a:xfrm flipV="1">
-            <a:off x="4319971" y="2276872"/>
+            <a:off x="5328083" y="2276872"/>
             <a:ext cx="0" cy="360040"/>
           </a:xfrm>
           <a:prstGeom prst="straightConnector1">
@@ -13542,158 +12600,60 @@
           </a:fontRef>
         </p:style>
       </p:cxnSp>
-      <p:grpSp>
-        <p:nvGrpSpPr>
-          <p:cNvPr id="77" name="组合 76"/>
-          <p:cNvGrpSpPr/>
-          <p:nvPr/>
-        </p:nvGrpSpPr>
-        <p:grpSpPr>
+      <p:sp>
+        <p:nvSpPr>
+          <p:cNvPr id="78" name="圆角矩形 77"/>
+          <p:cNvSpPr/>
+          <p:nvPr/>
+        </p:nvSpPr>
+        <p:spPr>
           <a:xfrm>
-            <a:off x="3430778" y="1628800"/>
+            <a:off x="4438890" y="1628800"/>
             <a:ext cx="360040" cy="648072"/>
-            <a:chOff x="1115616" y="4365104"/>
-            <a:chExt cx="360040" cy="648072"/>
-          </a:xfrm>
-        </p:grpSpPr>
-        <p:sp>
-          <p:nvSpPr>
-            <p:cNvPr id="78" name="圆角矩形 77"/>
-            <p:cNvSpPr/>
-            <p:nvPr/>
-          </p:nvSpPr>
-          <p:spPr>
-            <a:xfrm>
-              <a:off x="1115616" y="4365104"/>
-              <a:ext cx="360040" cy="648072"/>
-            </a:xfrm>
-            <a:prstGeom prst="roundRect">
-              <a:avLst/>
-            </a:prstGeom>
+          </a:xfrm>
+          <a:prstGeom prst="roundRect">
+            <a:avLst/>
+          </a:prstGeom>
+          <a:solidFill>
+            <a:schemeClr val="tx2">
+              <a:lumMod val="40000"/>
+              <a:lumOff val="60000"/>
+            </a:schemeClr>
+          </a:solidFill>
+          <a:ln w="12700">
             <a:solidFill>
-              <a:schemeClr val="tx2">
-                <a:lumMod val="40000"/>
-                <a:lumOff val="60000"/>
-              </a:schemeClr>
+              <a:schemeClr val="tx1"/>
             </a:solidFill>
-            <a:ln>
-              <a:solidFill>
-                <a:schemeClr val="tx1"/>
-              </a:solidFill>
-            </a:ln>
-          </p:spPr>
-          <p:style>
-            <a:lnRef idx="2">
-              <a:schemeClr val="accent1">
-                <a:shade val="50000"/>
-              </a:schemeClr>
-            </a:lnRef>
-            <a:fillRef idx="1">
-              <a:schemeClr val="accent1"/>
-            </a:fillRef>
-            <a:effectRef idx="0">
-              <a:schemeClr val="accent1"/>
-            </a:effectRef>
-            <a:fontRef idx="minor">
-              <a:schemeClr val="lt1"/>
-            </a:fontRef>
-          </p:style>
-          <p:txBody>
-            <a:bodyPr rtlCol="0" anchor="ctr"/>
-            <a:lstStyle/>
-            <a:p>
-              <a:pPr algn="ctr"/>
-              <a:endParaRPr lang="zh-CN" altLang="en-US" sz="1600" dirty="0">
-                <a:latin typeface="Times New Roman" panose="02020603050405020304" pitchFamily="18" charset="0"/>
-                <a:cs typeface="Times New Roman" panose="02020603050405020304" pitchFamily="18" charset="0"/>
-              </a:endParaRPr>
-            </a:p>
-          </p:txBody>
-        </p:sp>
-        <p:graphicFrame>
-          <p:nvGraphicFramePr>
-            <p:cNvPr id="79" name="对象 78"/>
-            <p:cNvGraphicFramePr>
-              <a:graphicFrameLocks noChangeAspect="1"/>
-            </p:cNvGraphicFramePr>
-            <p:nvPr>
-              <p:extLst>
-                <p:ext uri="{D42A27DB-BD31-4B8C-83A1-F6EECF244321}">
-                  <p14:modId xmlns:p14="http://schemas.microsoft.com/office/powerpoint/2010/main" val="3071372879"/>
-                </p:ext>
-              </p:extLst>
-            </p:nvPr>
-          </p:nvGraphicFramePr>
-          <p:xfrm>
-            <a:off x="1129713" y="4523829"/>
-            <a:ext cx="330200" cy="330200"/>
-          </p:xfrm>
-          <a:graphic>
-            <a:graphicData uri="http://schemas.openxmlformats.org/presentationml/2006/ole">
-              <mc:AlternateContent xmlns:mc="http://schemas.openxmlformats.org/markup-compatibility/2006">
-                <mc:Choice xmlns:v="urn:schemas-microsoft-com:vml" Requires="v">
-                  <p:oleObj spid="_x0000_s5370" name="Equation" r:id="rId27" imgW="330120" imgH="330120" progId="Equation.DSMT4">
-                    <p:embed/>
-                  </p:oleObj>
-                </mc:Choice>
-                <mc:Fallback>
-                  <p:oleObj name="Equation" r:id="rId27" imgW="330120" imgH="330120" progId="Equation.DSMT4">
-                    <p:embed/>
-                    <p:pic>
-                      <p:nvPicPr>
-                        <p:cNvPr id="0" name=""/>
-                        <p:cNvPicPr>
-                          <a:picLocks noChangeAspect="1" noChangeArrowheads="1"/>
-                        </p:cNvPicPr>
-                        <p:nvPr/>
-                      </p:nvPicPr>
-                      <p:blipFill>
-                        <a:blip r:embed="rId28"/>
-                        <a:srcRect/>
-                        <a:stretch>
-                          <a:fillRect/>
-                        </a:stretch>
-                      </p:blipFill>
-                      <p:spPr bwMode="auto">
-                        <a:xfrm>
-                          <a:off x="1129713" y="4523829"/>
-                          <a:ext cx="330200" cy="330200"/>
-                        </a:xfrm>
-                        <a:prstGeom prst="rect">
-                          <a:avLst/>
-                        </a:prstGeom>
-                        <a:noFill/>
-                        <a:ln>
-                          <a:noFill/>
-                        </a:ln>
-                        <a:extLst>
-                          <a:ext uri="{909E8E84-426E-40DD-AFC4-6F175D3DCCD1}">
-                            <a14:hiddenFill xmlns:a14="http://schemas.microsoft.com/office/drawing/2010/main">
-                              <a:solidFill>
-                                <a:srgbClr val="FFFFFF"/>
-                              </a:solidFill>
-                            </a14:hiddenFill>
-                          </a:ext>
-                          <a:ext uri="{91240B29-F687-4F45-9708-019B960494DF}">
-                            <a14:hiddenLine xmlns:a14="http://schemas.microsoft.com/office/drawing/2010/main" w="9525">
-                              <a:solidFill>
-                                <a:srgbClr val="000000"/>
-                              </a:solidFill>
-                              <a:miter lim="800000"/>
-                              <a:headEnd/>
-                              <a:tailEnd/>
-                            </a14:hiddenLine>
-                          </a:ext>
-                        </a:extLst>
-                      </p:spPr>
-                    </p:pic>
-                  </p:oleObj>
-                </mc:Fallback>
-              </mc:AlternateContent>
-            </a:graphicData>
-          </a:graphic>
-        </p:graphicFrame>
-      </p:grpSp>
+          </a:ln>
+        </p:spPr>
+        <p:style>
+          <a:lnRef idx="2">
+            <a:schemeClr val="accent1">
+              <a:shade val="50000"/>
+            </a:schemeClr>
+          </a:lnRef>
+          <a:fillRef idx="1">
+            <a:schemeClr val="accent1"/>
+          </a:fillRef>
+          <a:effectRef idx="0">
+            <a:schemeClr val="accent1"/>
+          </a:effectRef>
+          <a:fontRef idx="minor">
+            <a:schemeClr val="lt1"/>
+          </a:fontRef>
+        </p:style>
+        <p:txBody>
+          <a:bodyPr rtlCol="0" anchor="ctr"/>
+          <a:lstStyle/>
+          <a:p>
+            <a:pPr algn="ctr"/>
+            <a:endParaRPr lang="zh-CN" altLang="en-US" sz="1600" dirty="0">
+              <a:latin typeface="Times New Roman" panose="02020603050405020304" pitchFamily="18" charset="0"/>
+              <a:cs typeface="Times New Roman" panose="02020603050405020304" pitchFamily="18" charset="0"/>
+            </a:endParaRPr>
+          </a:p>
+        </p:txBody>
+      </p:sp>
       <p:cxnSp>
         <p:nvCxnSpPr>
           <p:cNvPr id="80" name="直接箭头连接符 79"/>
@@ -13704,7 +12664,7 @@
         </p:nvCxnSpPr>
         <p:spPr>
           <a:xfrm>
-            <a:off x="3610798" y="2276872"/>
+            <a:off x="4618910" y="2276872"/>
             <a:ext cx="0" cy="1368152"/>
           </a:xfrm>
           <a:prstGeom prst="straightConnector1">
@@ -13743,7 +12703,7 @@
         </p:nvCxnSpPr>
         <p:spPr>
           <a:xfrm>
-            <a:off x="3790818" y="1952836"/>
+            <a:off x="4798930" y="1952836"/>
             <a:ext cx="349133" cy="0"/>
           </a:xfrm>
           <a:prstGeom prst="straightConnector1">
@@ -13781,7 +12741,7 @@
         </p:nvCxnSpPr>
         <p:spPr>
           <a:xfrm>
-            <a:off x="3072649" y="1952836"/>
+            <a:off x="4080761" y="1952836"/>
             <a:ext cx="358129" cy="0"/>
           </a:xfrm>
           <a:prstGeom prst="straightConnector1">
@@ -13817,7 +12777,7 @@
         </p:nvSpPr>
         <p:spPr>
           <a:xfrm>
-            <a:off x="2663442" y="1548081"/>
+            <a:off x="3671554" y="1548081"/>
             <a:ext cx="468398" cy="584775"/>
           </a:xfrm>
           <a:prstGeom prst="rect">
@@ -13847,7 +12807,7 @@
         </p:nvCxnSpPr>
         <p:spPr>
           <a:xfrm>
-            <a:off x="3790817" y="5282404"/>
+            <a:off x="4798929" y="5282404"/>
             <a:ext cx="349134" cy="0"/>
           </a:xfrm>
           <a:prstGeom prst="straightConnector1">
@@ -13883,7 +12843,7 @@
         </p:nvCxnSpPr>
         <p:spPr>
           <a:xfrm>
-            <a:off x="3060122" y="5282404"/>
+            <a:off x="4068234" y="5282404"/>
             <a:ext cx="370655" cy="0"/>
           </a:xfrm>
           <a:prstGeom prst="straightConnector1">
@@ -13919,7 +12879,7 @@
         </p:nvCxnSpPr>
         <p:spPr>
           <a:xfrm flipV="1">
-            <a:off x="5220071" y="5282403"/>
+            <a:off x="6228183" y="5282403"/>
             <a:ext cx="360040" cy="2440"/>
           </a:xfrm>
           <a:prstGeom prst="straightConnector1">
@@ -13955,7 +12915,7 @@
         </p:nvCxnSpPr>
         <p:spPr>
           <a:xfrm>
-            <a:off x="4499991" y="5282403"/>
+            <a:off x="5508103" y="5282403"/>
             <a:ext cx="360040" cy="4881"/>
           </a:xfrm>
           <a:prstGeom prst="straightConnector1">
@@ -13991,7 +12951,7 @@
         </p:nvSpPr>
         <p:spPr>
           <a:xfrm>
-            <a:off x="4788023" y="4860449"/>
+            <a:off x="5796135" y="4860449"/>
             <a:ext cx="468398" cy="584775"/>
           </a:xfrm>
           <a:prstGeom prst="rect">
@@ -14021,7 +12981,7 @@
         </p:nvCxnSpPr>
         <p:spPr>
           <a:xfrm flipV="1">
-            <a:off x="2339751" y="5282404"/>
+            <a:off x="3347863" y="5282404"/>
             <a:ext cx="360371" cy="736"/>
           </a:xfrm>
           <a:prstGeom prst="straightConnector1">
@@ -14057,7 +13017,7 @@
         </p:nvCxnSpPr>
         <p:spPr>
           <a:xfrm>
-            <a:off x="1619671" y="5282404"/>
+            <a:off x="2627783" y="5282404"/>
             <a:ext cx="360040" cy="3177"/>
           </a:xfrm>
           <a:prstGeom prst="straightConnector1">
@@ -14093,698 +13053,7 @@
         </p:nvSpPr>
         <p:spPr>
           <a:xfrm>
-            <a:off x="1907703" y="4869160"/>
-            <a:ext cx="468398" cy="584775"/>
-          </a:xfrm>
-          <a:prstGeom prst="rect">
-            <a:avLst/>
-          </a:prstGeom>
-          <a:noFill/>
-        </p:spPr>
-        <p:txBody>
-          <a:bodyPr wrap="none" rtlCol="0">
-            <a:spAutoFit/>
-          </a:bodyPr>
-          <a:lstStyle/>
-          <a:p>
-            <a:r>
-              <a:rPr lang="en-US" altLang="zh-CN" sz="3200" dirty="0" smtClean="0"/>
-              <a:t>…</a:t>
-            </a:r>
-            <a:endParaRPr lang="zh-CN" altLang="en-US" sz="3200" dirty="0"/>
-          </a:p>
-        </p:txBody>
-      </p:sp>
-      <p:graphicFrame>
-        <p:nvGraphicFramePr>
-          <p:cNvPr id="114" name="对象 113"/>
-          <p:cNvGraphicFramePr>
-            <a:graphicFrameLocks noChangeAspect="1"/>
-          </p:cNvGraphicFramePr>
-          <p:nvPr>
-            <p:extLst>
-              <p:ext uri="{D42A27DB-BD31-4B8C-83A1-F6EECF244321}">
-                <p14:modId xmlns:p14="http://schemas.microsoft.com/office/powerpoint/2010/main" val="2801080135"/>
-              </p:ext>
-            </p:extLst>
-          </p:nvPr>
-        </p:nvGraphicFramePr>
-        <p:xfrm>
-          <a:off x="1319213" y="1197298"/>
-          <a:ext cx="241300" cy="330200"/>
-        </p:xfrm>
-        <a:graphic>
-          <a:graphicData uri="http://schemas.openxmlformats.org/presentationml/2006/ole">
-            <mc:AlternateContent xmlns:mc="http://schemas.openxmlformats.org/markup-compatibility/2006">
-              <mc:Choice xmlns:v="urn:schemas-microsoft-com:vml" Requires="v">
-                <p:oleObj spid="_x0000_s5371" name="Equation" r:id="rId29" imgW="241200" imgH="330120" progId="Equation.DSMT4">
-                  <p:embed/>
-                </p:oleObj>
-              </mc:Choice>
-              <mc:Fallback>
-                <p:oleObj name="Equation" r:id="rId29" imgW="241200" imgH="330120" progId="Equation.DSMT4">
-                  <p:embed/>
-                  <p:pic>
-                    <p:nvPicPr>
-                      <p:cNvPr id="0" name=""/>
-                      <p:cNvPicPr>
-                        <a:picLocks noChangeAspect="1" noChangeArrowheads="1"/>
-                      </p:cNvPicPr>
-                      <p:nvPr/>
-                    </p:nvPicPr>
-                    <p:blipFill>
-                      <a:blip r:embed="rId30"/>
-                      <a:srcRect/>
-                      <a:stretch>
-                        <a:fillRect/>
-                      </a:stretch>
-                    </p:blipFill>
-                    <p:spPr bwMode="auto">
-                      <a:xfrm>
-                        <a:off x="1319213" y="1197298"/>
-                        <a:ext cx="241300" cy="330200"/>
-                      </a:xfrm>
-                      <a:prstGeom prst="rect">
-                        <a:avLst/>
-                      </a:prstGeom>
-                      <a:noFill/>
-                      <a:ln>
-                        <a:noFill/>
-                      </a:ln>
-                      <a:extLst>
-                        <a:ext uri="{909E8E84-426E-40DD-AFC4-6F175D3DCCD1}">
-                          <a14:hiddenFill xmlns:a14="http://schemas.microsoft.com/office/drawing/2010/main">
-                            <a:solidFill>
-                              <a:srgbClr val="FFFFFF"/>
-                            </a:solidFill>
-                          </a14:hiddenFill>
-                        </a:ext>
-                        <a:ext uri="{91240B29-F687-4F45-9708-019B960494DF}">
-                          <a14:hiddenLine xmlns:a14="http://schemas.microsoft.com/office/drawing/2010/main" w="9525">
-                            <a:solidFill>
-                              <a:srgbClr val="000000"/>
-                            </a:solidFill>
-                            <a:miter lim="800000"/>
-                            <a:headEnd/>
-                            <a:tailEnd/>
-                          </a14:hiddenLine>
-                        </a:ext>
-                      </a:extLst>
-                    </p:spPr>
-                  </p:pic>
-                </p:oleObj>
-              </mc:Fallback>
-            </mc:AlternateContent>
-          </a:graphicData>
-        </a:graphic>
-      </p:graphicFrame>
-      <p:graphicFrame>
-        <p:nvGraphicFramePr>
-          <p:cNvPr id="115" name="对象 114"/>
-          <p:cNvGraphicFramePr>
-            <a:graphicFrameLocks noChangeAspect="1"/>
-          </p:cNvGraphicFramePr>
-          <p:nvPr>
-            <p:extLst>
-              <p:ext uri="{D42A27DB-BD31-4B8C-83A1-F6EECF244321}">
-                <p14:modId xmlns:p14="http://schemas.microsoft.com/office/powerpoint/2010/main" val="1413910712"/>
-              </p:ext>
-            </p:extLst>
-          </p:nvPr>
-        </p:nvGraphicFramePr>
-        <p:xfrm>
-          <a:off x="3489325" y="1197298"/>
-          <a:ext cx="241300" cy="330200"/>
-        </p:xfrm>
-        <a:graphic>
-          <a:graphicData uri="http://schemas.openxmlformats.org/presentationml/2006/ole">
-            <mc:AlternateContent xmlns:mc="http://schemas.openxmlformats.org/markup-compatibility/2006">
-              <mc:Choice xmlns:v="urn:schemas-microsoft-com:vml" Requires="v">
-                <p:oleObj spid="_x0000_s5372" name="Equation" r:id="rId31" imgW="241200" imgH="330120" progId="Equation.DSMT4">
-                  <p:embed/>
-                </p:oleObj>
-              </mc:Choice>
-              <mc:Fallback>
-                <p:oleObj name="Equation" r:id="rId31" imgW="241200" imgH="330120" progId="Equation.DSMT4">
-                  <p:embed/>
-                  <p:pic>
-                    <p:nvPicPr>
-                      <p:cNvPr id="0" name=""/>
-                      <p:cNvPicPr>
-                        <a:picLocks noChangeAspect="1" noChangeArrowheads="1"/>
-                      </p:cNvPicPr>
-                      <p:nvPr/>
-                    </p:nvPicPr>
-                    <p:blipFill>
-                      <a:blip r:embed="rId32"/>
-                      <a:srcRect/>
-                      <a:stretch>
-                        <a:fillRect/>
-                      </a:stretch>
-                    </p:blipFill>
-                    <p:spPr bwMode="auto">
-                      <a:xfrm>
-                        <a:off x="3489325" y="1197298"/>
-                        <a:ext cx="241300" cy="330200"/>
-                      </a:xfrm>
-                      <a:prstGeom prst="rect">
-                        <a:avLst/>
-                      </a:prstGeom>
-                      <a:noFill/>
-                      <a:ln>
-                        <a:noFill/>
-                      </a:ln>
-                      <a:extLst>
-                        <a:ext uri="{909E8E84-426E-40DD-AFC4-6F175D3DCCD1}">
-                          <a14:hiddenFill xmlns:a14="http://schemas.microsoft.com/office/drawing/2010/main">
-                            <a:solidFill>
-                              <a:srgbClr val="FFFFFF"/>
-                            </a:solidFill>
-                          </a14:hiddenFill>
-                        </a:ext>
-                        <a:ext uri="{91240B29-F687-4F45-9708-019B960494DF}">
-                          <a14:hiddenLine xmlns:a14="http://schemas.microsoft.com/office/drawing/2010/main" w="9525">
-                            <a:solidFill>
-                              <a:srgbClr val="000000"/>
-                            </a:solidFill>
-                            <a:miter lim="800000"/>
-                            <a:headEnd/>
-                            <a:tailEnd/>
-                          </a14:hiddenLine>
-                        </a:ext>
-                      </a:extLst>
-                    </p:spPr>
-                  </p:pic>
-                </p:oleObj>
-              </mc:Fallback>
-            </mc:AlternateContent>
-          </a:graphicData>
-        </a:graphic>
-      </p:graphicFrame>
-      <p:graphicFrame>
-        <p:nvGraphicFramePr>
-          <p:cNvPr id="116" name="对象 115"/>
-          <p:cNvGraphicFramePr>
-            <a:graphicFrameLocks noChangeAspect="1"/>
-          </p:cNvGraphicFramePr>
-          <p:nvPr>
-            <p:extLst>
-              <p:ext uri="{D42A27DB-BD31-4B8C-83A1-F6EECF244321}">
-                <p14:modId xmlns:p14="http://schemas.microsoft.com/office/powerpoint/2010/main" val="17397608"/>
-              </p:ext>
-            </p:extLst>
-          </p:nvPr>
-        </p:nvGraphicFramePr>
-        <p:xfrm>
-          <a:off x="4124325" y="1197298"/>
-          <a:ext cx="393700" cy="330200"/>
-        </p:xfrm>
-        <a:graphic>
-          <a:graphicData uri="http://schemas.openxmlformats.org/presentationml/2006/ole">
-            <mc:AlternateContent xmlns:mc="http://schemas.openxmlformats.org/markup-compatibility/2006">
-              <mc:Choice xmlns:v="urn:schemas-microsoft-com:vml" Requires="v">
-                <p:oleObj spid="_x0000_s5373" name="Equation" r:id="rId33" imgW="393480" imgH="330120" progId="Equation.DSMT4">
-                  <p:embed/>
-                </p:oleObj>
-              </mc:Choice>
-              <mc:Fallback>
-                <p:oleObj name="Equation" r:id="rId33" imgW="393480" imgH="330120" progId="Equation.DSMT4">
-                  <p:embed/>
-                  <p:pic>
-                    <p:nvPicPr>
-                      <p:cNvPr id="0" name=""/>
-                      <p:cNvPicPr>
-                        <a:picLocks noChangeAspect="1" noChangeArrowheads="1"/>
-                      </p:cNvPicPr>
-                      <p:nvPr/>
-                    </p:nvPicPr>
-                    <p:blipFill>
-                      <a:blip r:embed="rId34"/>
-                      <a:srcRect/>
-                      <a:stretch>
-                        <a:fillRect/>
-                      </a:stretch>
-                    </p:blipFill>
-                    <p:spPr bwMode="auto">
-                      <a:xfrm>
-                        <a:off x="4124325" y="1197298"/>
-                        <a:ext cx="393700" cy="330200"/>
-                      </a:xfrm>
-                      <a:prstGeom prst="rect">
-                        <a:avLst/>
-                      </a:prstGeom>
-                      <a:noFill/>
-                      <a:ln>
-                        <a:noFill/>
-                      </a:ln>
-                      <a:extLst>
-                        <a:ext uri="{909E8E84-426E-40DD-AFC4-6F175D3DCCD1}">
-                          <a14:hiddenFill xmlns:a14="http://schemas.microsoft.com/office/drawing/2010/main">
-                            <a:solidFill>
-                              <a:srgbClr val="FFFFFF"/>
-                            </a:solidFill>
-                          </a14:hiddenFill>
-                        </a:ext>
-                        <a:ext uri="{91240B29-F687-4F45-9708-019B960494DF}">
-                          <a14:hiddenLine xmlns:a14="http://schemas.microsoft.com/office/drawing/2010/main" w="9525">
-                            <a:solidFill>
-                              <a:srgbClr val="000000"/>
-                            </a:solidFill>
-                            <a:miter lim="800000"/>
-                            <a:headEnd/>
-                            <a:tailEnd/>
-                          </a14:hiddenLine>
-                        </a:ext>
-                      </a:extLst>
-                    </p:spPr>
-                  </p:pic>
-                </p:oleObj>
-              </mc:Fallback>
-            </mc:AlternateContent>
-          </a:graphicData>
-        </a:graphic>
-      </p:graphicFrame>
-      <p:graphicFrame>
-        <p:nvGraphicFramePr>
-          <p:cNvPr id="117" name="对象 116"/>
-          <p:cNvGraphicFramePr>
-            <a:graphicFrameLocks noChangeAspect="1"/>
-          </p:cNvGraphicFramePr>
-          <p:nvPr>
-            <p:extLst>
-              <p:ext uri="{D42A27DB-BD31-4B8C-83A1-F6EECF244321}">
-                <p14:modId xmlns:p14="http://schemas.microsoft.com/office/powerpoint/2010/main" val="814939359"/>
-              </p:ext>
-            </p:extLst>
-          </p:nvPr>
-        </p:nvGraphicFramePr>
-        <p:xfrm>
-          <a:off x="5618823" y="1196752"/>
-          <a:ext cx="292100" cy="330200"/>
-        </p:xfrm>
-        <a:graphic>
-          <a:graphicData uri="http://schemas.openxmlformats.org/presentationml/2006/ole">
-            <mc:AlternateContent xmlns:mc="http://schemas.openxmlformats.org/markup-compatibility/2006">
-              <mc:Choice xmlns:v="urn:schemas-microsoft-com:vml" Requires="v">
-                <p:oleObj spid="_x0000_s5374" name="Equation" r:id="rId35" imgW="291960" imgH="330120" progId="Equation.DSMT4">
-                  <p:embed/>
-                </p:oleObj>
-              </mc:Choice>
-              <mc:Fallback>
-                <p:oleObj name="Equation" r:id="rId35" imgW="291960" imgH="330120" progId="Equation.DSMT4">
-                  <p:embed/>
-                  <p:pic>
-                    <p:nvPicPr>
-                      <p:cNvPr id="0" name=""/>
-                      <p:cNvPicPr>
-                        <a:picLocks noChangeAspect="1" noChangeArrowheads="1"/>
-                      </p:cNvPicPr>
-                      <p:nvPr/>
-                    </p:nvPicPr>
-                    <p:blipFill>
-                      <a:blip r:embed="rId36"/>
-                      <a:srcRect/>
-                      <a:stretch>
-                        <a:fillRect/>
-                      </a:stretch>
-                    </p:blipFill>
-                    <p:spPr bwMode="auto">
-                      <a:xfrm>
-                        <a:off x="5618823" y="1196752"/>
-                        <a:ext cx="292100" cy="330200"/>
-                      </a:xfrm>
-                      <a:prstGeom prst="rect">
-                        <a:avLst/>
-                      </a:prstGeom>
-                      <a:noFill/>
-                      <a:ln>
-                        <a:noFill/>
-                      </a:ln>
-                      <a:extLst>
-                        <a:ext uri="{909E8E84-426E-40DD-AFC4-6F175D3DCCD1}">
-                          <a14:hiddenFill xmlns:a14="http://schemas.microsoft.com/office/drawing/2010/main">
-                            <a:solidFill>
-                              <a:srgbClr val="FFFFFF"/>
-                            </a:solidFill>
-                          </a14:hiddenFill>
-                        </a:ext>
-                        <a:ext uri="{91240B29-F687-4F45-9708-019B960494DF}">
-                          <a14:hiddenLine xmlns:a14="http://schemas.microsoft.com/office/drawing/2010/main" w="9525">
-                            <a:solidFill>
-                              <a:srgbClr val="000000"/>
-                            </a:solidFill>
-                            <a:miter lim="800000"/>
-                            <a:headEnd/>
-                            <a:tailEnd/>
-                          </a14:hiddenLine>
-                        </a:ext>
-                      </a:extLst>
-                    </p:spPr>
-                  </p:pic>
-                </p:oleObj>
-              </mc:Fallback>
-            </mc:AlternateContent>
-          </a:graphicData>
-        </a:graphic>
-      </p:graphicFrame>
-      <p:graphicFrame>
-        <p:nvGraphicFramePr>
-          <p:cNvPr id="118" name="对象 117"/>
-          <p:cNvGraphicFramePr>
-            <a:graphicFrameLocks noChangeAspect="1"/>
-          </p:cNvGraphicFramePr>
-          <p:nvPr>
-            <p:extLst>
-              <p:ext uri="{D42A27DB-BD31-4B8C-83A1-F6EECF244321}">
-                <p14:modId xmlns:p14="http://schemas.microsoft.com/office/powerpoint/2010/main" val="663335792"/>
-              </p:ext>
-            </p:extLst>
-          </p:nvPr>
-        </p:nvGraphicFramePr>
-        <p:xfrm>
-          <a:off x="2689225" y="1197298"/>
-          <a:ext cx="381000" cy="330200"/>
-        </p:xfrm>
-        <a:graphic>
-          <a:graphicData uri="http://schemas.openxmlformats.org/presentationml/2006/ole">
-            <mc:AlternateContent xmlns:mc="http://schemas.openxmlformats.org/markup-compatibility/2006">
-              <mc:Choice xmlns:v="urn:schemas-microsoft-com:vml" Requires="v">
-                <p:oleObj spid="_x0000_s5375" name="Equation" r:id="rId37" imgW="380880" imgH="330120" progId="Equation.DSMT4">
-                  <p:embed/>
-                </p:oleObj>
-              </mc:Choice>
-              <mc:Fallback>
-                <p:oleObj name="Equation" r:id="rId37" imgW="380880" imgH="330120" progId="Equation.DSMT4">
-                  <p:embed/>
-                  <p:pic>
-                    <p:nvPicPr>
-                      <p:cNvPr id="0" name=""/>
-                      <p:cNvPicPr>
-                        <a:picLocks noChangeAspect="1" noChangeArrowheads="1"/>
-                      </p:cNvPicPr>
-                      <p:nvPr/>
-                    </p:nvPicPr>
-                    <p:blipFill>
-                      <a:blip r:embed="rId38"/>
-                      <a:srcRect/>
-                      <a:stretch>
-                        <a:fillRect/>
-                      </a:stretch>
-                    </p:blipFill>
-                    <p:spPr bwMode="auto">
-                      <a:xfrm>
-                        <a:off x="2689225" y="1197298"/>
-                        <a:ext cx="381000" cy="330200"/>
-                      </a:xfrm>
-                      <a:prstGeom prst="rect">
-                        <a:avLst/>
-                      </a:prstGeom>
-                      <a:noFill/>
-                      <a:ln>
-                        <a:noFill/>
-                      </a:ln>
-                      <a:extLst>
-                        <a:ext uri="{909E8E84-426E-40DD-AFC4-6F175D3DCCD1}">
-                          <a14:hiddenFill xmlns:a14="http://schemas.microsoft.com/office/drawing/2010/main">
-                            <a:solidFill>
-                              <a:srgbClr val="FFFFFF"/>
-                            </a:solidFill>
-                          </a14:hiddenFill>
-                        </a:ext>
-                        <a:ext uri="{91240B29-F687-4F45-9708-019B960494DF}">
-                          <a14:hiddenLine xmlns:a14="http://schemas.microsoft.com/office/drawing/2010/main" w="9525">
-                            <a:solidFill>
-                              <a:srgbClr val="000000"/>
-                            </a:solidFill>
-                            <a:miter lim="800000"/>
-                            <a:headEnd/>
-                            <a:tailEnd/>
-                          </a14:hiddenLine>
-                        </a:ext>
-                      </a:extLst>
-                    </p:spPr>
-                  </p:pic>
-                </p:oleObj>
-              </mc:Fallback>
-            </mc:AlternateContent>
-          </a:graphicData>
-        </a:graphic>
-      </p:graphicFrame>
-      <p:cxnSp>
-        <p:nvCxnSpPr>
-          <p:cNvPr id="119" name="直接箭头连接符 118"/>
-          <p:cNvCxnSpPr/>
-          <p:nvPr/>
-        </p:nvCxnSpPr>
-        <p:spPr>
-          <a:xfrm>
-            <a:off x="3790817" y="1364132"/>
-            <a:ext cx="349134" cy="0"/>
-          </a:xfrm>
-          <a:prstGeom prst="straightConnector1">
-            <a:avLst/>
-          </a:prstGeom>
-          <a:ln w="28575">
-            <a:solidFill>
-              <a:schemeClr val="tx1"/>
-            </a:solidFill>
-            <a:tailEnd type="stealth" w="lg" len="med"/>
-          </a:ln>
-        </p:spPr>
-        <p:style>
-          <a:lnRef idx="1">
-            <a:schemeClr val="accent1"/>
-          </a:lnRef>
-          <a:fillRef idx="0">
-            <a:schemeClr val="accent1"/>
-          </a:fillRef>
-          <a:effectRef idx="0">
-            <a:schemeClr val="accent1"/>
-          </a:effectRef>
-          <a:fontRef idx="minor">
-            <a:schemeClr val="tx1"/>
-          </a:fontRef>
-        </p:style>
-      </p:cxnSp>
-      <p:cxnSp>
-        <p:nvCxnSpPr>
-          <p:cNvPr id="120" name="直接箭头连接符 119"/>
-          <p:cNvCxnSpPr/>
-          <p:nvPr/>
-        </p:nvCxnSpPr>
-        <p:spPr>
-          <a:xfrm>
-            <a:off x="3060122" y="1364132"/>
-            <a:ext cx="370655" cy="0"/>
-          </a:xfrm>
-          <a:prstGeom prst="straightConnector1">
-            <a:avLst/>
-          </a:prstGeom>
-          <a:ln w="28575">
-            <a:solidFill>
-              <a:schemeClr val="tx1"/>
-            </a:solidFill>
-            <a:tailEnd type="stealth" w="lg" len="med"/>
-          </a:ln>
-        </p:spPr>
-        <p:style>
-          <a:lnRef idx="1">
-            <a:schemeClr val="accent1"/>
-          </a:lnRef>
-          <a:fillRef idx="0">
-            <a:schemeClr val="accent1"/>
-          </a:fillRef>
-          <a:effectRef idx="0">
-            <a:schemeClr val="accent1"/>
-          </a:effectRef>
-          <a:fontRef idx="minor">
-            <a:schemeClr val="tx1"/>
-          </a:fontRef>
-        </p:style>
-      </p:cxnSp>
-      <p:cxnSp>
-        <p:nvCxnSpPr>
-          <p:cNvPr id="121" name="直接箭头连接符 120"/>
-          <p:cNvCxnSpPr/>
-          <p:nvPr/>
-        </p:nvCxnSpPr>
-        <p:spPr>
-          <a:xfrm flipV="1">
-            <a:off x="5220071" y="1364131"/>
-            <a:ext cx="360040" cy="2440"/>
-          </a:xfrm>
-          <a:prstGeom prst="straightConnector1">
-            <a:avLst/>
-          </a:prstGeom>
-          <a:ln w="28575">
-            <a:solidFill>
-              <a:schemeClr val="tx1"/>
-            </a:solidFill>
-            <a:tailEnd type="stealth" w="lg" len="med"/>
-          </a:ln>
-        </p:spPr>
-        <p:style>
-          <a:lnRef idx="1">
-            <a:schemeClr val="accent1"/>
-          </a:lnRef>
-          <a:fillRef idx="0">
-            <a:schemeClr val="accent1"/>
-          </a:fillRef>
-          <a:effectRef idx="0">
-            <a:schemeClr val="accent1"/>
-          </a:effectRef>
-          <a:fontRef idx="minor">
-            <a:schemeClr val="tx1"/>
-          </a:fontRef>
-        </p:style>
-      </p:cxnSp>
-      <p:cxnSp>
-        <p:nvCxnSpPr>
-          <p:cNvPr id="122" name="直接箭头连接符 121"/>
-          <p:cNvCxnSpPr/>
-          <p:nvPr/>
-        </p:nvCxnSpPr>
-        <p:spPr>
-          <a:xfrm>
-            <a:off x="4499991" y="1364131"/>
-            <a:ext cx="360040" cy="4881"/>
-          </a:xfrm>
-          <a:prstGeom prst="straightConnector1">
-            <a:avLst/>
-          </a:prstGeom>
-          <a:ln w="28575">
-            <a:solidFill>
-              <a:schemeClr val="tx1"/>
-            </a:solidFill>
-            <a:tailEnd type="stealth" w="lg" len="med"/>
-          </a:ln>
-        </p:spPr>
-        <p:style>
-          <a:lnRef idx="1">
-            <a:schemeClr val="accent1"/>
-          </a:lnRef>
-          <a:fillRef idx="0">
-            <a:schemeClr val="accent1"/>
-          </a:fillRef>
-          <a:effectRef idx="0">
-            <a:schemeClr val="accent1"/>
-          </a:effectRef>
-          <a:fontRef idx="minor">
-            <a:schemeClr val="tx1"/>
-          </a:fontRef>
-        </p:style>
-      </p:cxnSp>
-      <p:cxnSp>
-        <p:nvCxnSpPr>
-          <p:cNvPr id="123" name="直接箭头连接符 122"/>
-          <p:cNvCxnSpPr/>
-          <p:nvPr/>
-        </p:nvCxnSpPr>
-        <p:spPr>
-          <a:xfrm flipV="1">
-            <a:off x="2339751" y="1364132"/>
-            <a:ext cx="360371" cy="736"/>
-          </a:xfrm>
-          <a:prstGeom prst="straightConnector1">
-            <a:avLst/>
-          </a:prstGeom>
-          <a:ln w="28575">
-            <a:solidFill>
-              <a:schemeClr val="tx1"/>
-            </a:solidFill>
-            <a:tailEnd type="stealth" w="lg" len="med"/>
-          </a:ln>
-        </p:spPr>
-        <p:style>
-          <a:lnRef idx="1">
-            <a:schemeClr val="accent1"/>
-          </a:lnRef>
-          <a:fillRef idx="0">
-            <a:schemeClr val="accent1"/>
-          </a:fillRef>
-          <a:effectRef idx="0">
-            <a:schemeClr val="accent1"/>
-          </a:effectRef>
-          <a:fontRef idx="minor">
-            <a:schemeClr val="tx1"/>
-          </a:fontRef>
-        </p:style>
-      </p:cxnSp>
-      <p:cxnSp>
-        <p:nvCxnSpPr>
-          <p:cNvPr id="124" name="直接箭头连接符 123"/>
-          <p:cNvCxnSpPr/>
-          <p:nvPr/>
-        </p:nvCxnSpPr>
-        <p:spPr>
-          <a:xfrm>
-            <a:off x="1619671" y="1364132"/>
-            <a:ext cx="360040" cy="3177"/>
-          </a:xfrm>
-          <a:prstGeom prst="straightConnector1">
-            <a:avLst/>
-          </a:prstGeom>
-          <a:ln w="28575">
-            <a:solidFill>
-              <a:schemeClr val="tx1"/>
-            </a:solidFill>
-            <a:tailEnd type="stealth" w="lg" len="med"/>
-          </a:ln>
-        </p:spPr>
-        <p:style>
-          <a:lnRef idx="1">
-            <a:schemeClr val="accent1"/>
-          </a:lnRef>
-          <a:fillRef idx="0">
-            <a:schemeClr val="accent1"/>
-          </a:fillRef>
-          <a:effectRef idx="0">
-            <a:schemeClr val="accent1"/>
-          </a:effectRef>
-          <a:fontRef idx="minor">
-            <a:schemeClr val="tx1"/>
-          </a:fontRef>
-        </p:style>
-      </p:cxnSp>
-      <p:sp>
-        <p:nvSpPr>
-          <p:cNvPr id="125" name="TextBox 124"/>
-          <p:cNvSpPr txBox="1"/>
-          <p:nvPr/>
-        </p:nvSpPr>
-        <p:spPr>
-          <a:xfrm>
-            <a:off x="1907704" y="980728"/>
-            <a:ext cx="468398" cy="584775"/>
-          </a:xfrm>
-          <a:prstGeom prst="rect">
-            <a:avLst/>
-          </a:prstGeom>
-          <a:noFill/>
-        </p:spPr>
-        <p:txBody>
-          <a:bodyPr wrap="none" rtlCol="0">
-            <a:spAutoFit/>
-          </a:bodyPr>
-          <a:lstStyle/>
-          <a:p>
-            <a:r>
-              <a:rPr lang="en-US" altLang="zh-CN" sz="3200" dirty="0" smtClean="0"/>
-              <a:t>…</a:t>
-            </a:r>
-            <a:endParaRPr lang="zh-CN" altLang="en-US" sz="3200" dirty="0"/>
-          </a:p>
-        </p:txBody>
-      </p:sp>
-      <p:sp>
-        <p:nvSpPr>
-          <p:cNvPr id="126" name="TextBox 125"/>
-          <p:cNvSpPr txBox="1"/>
-          <p:nvPr/>
-        </p:nvSpPr>
-        <p:spPr>
-          <a:xfrm>
-            <a:off x="4788024" y="972017"/>
+            <a:off x="2915815" y="4869160"/>
             <a:ext cx="468398" cy="584775"/>
           </a:xfrm>
           <a:prstGeom prst="rect">
@@ -14814,7 +13083,7 @@
         </p:nvCxnSpPr>
         <p:spPr>
           <a:xfrm>
-            <a:off x="4499992" y="1952836"/>
+            <a:off x="5508104" y="1952836"/>
             <a:ext cx="349133" cy="0"/>
           </a:xfrm>
           <a:prstGeom prst="straightConnector1">
@@ -14850,7 +13119,7 @@
         </p:nvSpPr>
         <p:spPr>
           <a:xfrm>
-            <a:off x="4788024" y="1556792"/>
+            <a:off x="5796136" y="1556792"/>
             <a:ext cx="468398" cy="584775"/>
           </a:xfrm>
           <a:prstGeom prst="rect">
@@ -14869,6 +13138,1228 @@
               <a:t>…</a:t>
             </a:r>
             <a:endParaRPr lang="zh-CN" altLang="en-US" sz="3200" dirty="0"/>
+          </a:p>
+        </p:txBody>
+      </p:sp>
+      <p:sp>
+        <p:nvSpPr>
+          <p:cNvPr id="3" name="TextBox 2"/>
+          <p:cNvSpPr txBox="1"/>
+          <p:nvPr/>
+        </p:nvSpPr>
+        <p:spPr>
+          <a:xfrm>
+            <a:off x="971600" y="4653136"/>
+            <a:ext cx="1039067" cy="400110"/>
+          </a:xfrm>
+          <a:prstGeom prst="rect">
+            <a:avLst/>
+          </a:prstGeom>
+          <a:noFill/>
+        </p:spPr>
+        <p:txBody>
+          <a:bodyPr wrap="none" rtlCol="0">
+            <a:spAutoFit/>
+          </a:bodyPr>
+          <a:lstStyle/>
+          <a:p>
+            <a:r>
+              <a:rPr lang="en-US" altLang="zh-CN" sz="2000" dirty="0" smtClean="0">
+                <a:latin typeface="Times New Roman" pitchFamily="18" charset="0"/>
+                <a:cs typeface="Times New Roman" pitchFamily="18" charset="0"/>
+              </a:rPr>
+              <a:t>Encoder</a:t>
+            </a:r>
+            <a:endParaRPr lang="zh-CN" altLang="en-US" sz="2000" dirty="0">
+              <a:latin typeface="Times New Roman" pitchFamily="18" charset="0"/>
+              <a:cs typeface="Times New Roman" pitchFamily="18" charset="0"/>
+            </a:endParaRPr>
+          </a:p>
+        </p:txBody>
+      </p:sp>
+      <p:sp>
+        <p:nvSpPr>
+          <p:cNvPr id="76" name="TextBox 75"/>
+          <p:cNvSpPr txBox="1"/>
+          <p:nvPr/>
+        </p:nvSpPr>
+        <p:spPr>
+          <a:xfrm>
+            <a:off x="912212" y="2996952"/>
+            <a:ext cx="1283524" cy="707886"/>
+          </a:xfrm>
+          <a:prstGeom prst="rect">
+            <a:avLst/>
+          </a:prstGeom>
+          <a:noFill/>
+        </p:spPr>
+        <p:txBody>
+          <a:bodyPr wrap="square" rtlCol="0">
+            <a:spAutoFit/>
+          </a:bodyPr>
+          <a:lstStyle/>
+          <a:p>
+            <a:pPr algn="ctr"/>
+            <a:r>
+              <a:rPr lang="en-US" altLang="zh-CN" sz="2000" dirty="0" smtClean="0">
+                <a:latin typeface="Times New Roman" pitchFamily="18" charset="0"/>
+                <a:cs typeface="Times New Roman" pitchFamily="18" charset="0"/>
+              </a:rPr>
+              <a:t>Attention layer</a:t>
+            </a:r>
+            <a:endParaRPr lang="zh-CN" altLang="en-US" sz="2000" dirty="0">
+              <a:latin typeface="Times New Roman" pitchFamily="18" charset="0"/>
+              <a:cs typeface="Times New Roman" pitchFamily="18" charset="0"/>
+            </a:endParaRPr>
+          </a:p>
+        </p:txBody>
+      </p:sp>
+      <p:sp>
+        <p:nvSpPr>
+          <p:cNvPr id="82" name="TextBox 81"/>
+          <p:cNvSpPr txBox="1"/>
+          <p:nvPr/>
+        </p:nvSpPr>
+        <p:spPr>
+          <a:xfrm>
+            <a:off x="971600" y="1520788"/>
+            <a:ext cx="1067921" cy="400110"/>
+          </a:xfrm>
+          <a:prstGeom prst="rect">
+            <a:avLst/>
+          </a:prstGeom>
+          <a:noFill/>
+        </p:spPr>
+        <p:txBody>
+          <a:bodyPr wrap="none" rtlCol="0">
+            <a:spAutoFit/>
+          </a:bodyPr>
+          <a:lstStyle/>
+          <a:p>
+            <a:r>
+              <a:rPr lang="en-US" altLang="zh-CN" sz="2000" dirty="0" smtClean="0">
+                <a:latin typeface="Times New Roman" pitchFamily="18" charset="0"/>
+                <a:cs typeface="Times New Roman" pitchFamily="18" charset="0"/>
+              </a:rPr>
+              <a:t>Decoder</a:t>
+            </a:r>
+            <a:endParaRPr lang="zh-CN" altLang="en-US" sz="2000" dirty="0">
+              <a:latin typeface="Times New Roman" pitchFamily="18" charset="0"/>
+              <a:cs typeface="Times New Roman" pitchFamily="18" charset="0"/>
+            </a:endParaRPr>
+          </a:p>
+        </p:txBody>
+      </p:sp>
+      <p:sp>
+        <p:nvSpPr>
+          <p:cNvPr id="5" name="TextBox 4"/>
+          <p:cNvSpPr txBox="1"/>
+          <p:nvPr/>
+        </p:nvSpPr>
+        <p:spPr>
+          <a:xfrm>
+            <a:off x="2276278" y="5013176"/>
+            <a:ext cx="404278" cy="430887"/>
+          </a:xfrm>
+          <a:prstGeom prst="rect">
+            <a:avLst/>
+          </a:prstGeom>
+          <a:noFill/>
+        </p:spPr>
+        <p:txBody>
+          <a:bodyPr wrap="none" rtlCol="0">
+            <a:spAutoFit/>
+          </a:bodyPr>
+          <a:lstStyle/>
+          <a:p>
+            <a:r>
+              <a:rPr lang="en-US" altLang="zh-CN" sz="2200" i="1" dirty="0" smtClean="0">
+                <a:latin typeface="Times New Roman" pitchFamily="18" charset="0"/>
+                <a:cs typeface="Times New Roman" pitchFamily="18" charset="0"/>
+              </a:rPr>
+              <a:t>x</a:t>
+            </a:r>
+            <a:r>
+              <a:rPr lang="en-US" altLang="zh-CN" sz="2200" baseline="-25000" dirty="0" smtClean="0">
+                <a:latin typeface="Times New Roman" pitchFamily="18" charset="0"/>
+                <a:cs typeface="Times New Roman" pitchFamily="18" charset="0"/>
+              </a:rPr>
+              <a:t>1</a:t>
+            </a:r>
+            <a:endParaRPr lang="zh-CN" altLang="en-US" sz="2200" baseline="-25000" dirty="0">
+              <a:latin typeface="Times New Roman" pitchFamily="18" charset="0"/>
+              <a:cs typeface="Times New Roman" pitchFamily="18" charset="0"/>
+            </a:endParaRPr>
+          </a:p>
+        </p:txBody>
+      </p:sp>
+      <p:sp>
+        <p:nvSpPr>
+          <p:cNvPr id="83" name="TextBox 82"/>
+          <p:cNvSpPr txBox="1"/>
+          <p:nvPr/>
+        </p:nvSpPr>
+        <p:spPr>
+          <a:xfrm>
+            <a:off x="3616925" y="5013176"/>
+            <a:ext cx="550151" cy="430887"/>
+          </a:xfrm>
+          <a:prstGeom prst="rect">
+            <a:avLst/>
+          </a:prstGeom>
+          <a:noFill/>
+        </p:spPr>
+        <p:txBody>
+          <a:bodyPr wrap="none" rtlCol="0">
+            <a:spAutoFit/>
+          </a:bodyPr>
+          <a:lstStyle/>
+          <a:p>
+            <a:r>
+              <a:rPr lang="en-US" altLang="zh-CN" sz="2200" i="1" dirty="0" smtClean="0">
+                <a:latin typeface="Times New Roman" pitchFamily="18" charset="0"/>
+                <a:cs typeface="Times New Roman" pitchFamily="18" charset="0"/>
+              </a:rPr>
+              <a:t>x</a:t>
+            </a:r>
+            <a:r>
+              <a:rPr lang="en-US" altLang="zh-CN" sz="2200" i="1" baseline="-25000" dirty="0" smtClean="0">
+                <a:latin typeface="Times New Roman" pitchFamily="18" charset="0"/>
+                <a:cs typeface="Times New Roman" pitchFamily="18" charset="0"/>
+              </a:rPr>
+              <a:t>k</a:t>
+            </a:r>
+            <a:r>
+              <a:rPr lang="en-US" altLang="zh-CN" sz="2200" baseline="-25000" dirty="0" smtClean="0">
+                <a:latin typeface="Times New Roman" pitchFamily="18" charset="0"/>
+                <a:cs typeface="Times New Roman" pitchFamily="18" charset="0"/>
+              </a:rPr>
+              <a:t>-2</a:t>
+            </a:r>
+            <a:endParaRPr lang="zh-CN" altLang="en-US" sz="2200" baseline="-25000" dirty="0">
+              <a:latin typeface="Times New Roman" pitchFamily="18" charset="0"/>
+              <a:cs typeface="Times New Roman" pitchFamily="18" charset="0"/>
+            </a:endParaRPr>
+          </a:p>
+        </p:txBody>
+      </p:sp>
+      <p:sp>
+        <p:nvSpPr>
+          <p:cNvPr id="84" name="TextBox 83"/>
+          <p:cNvSpPr txBox="1"/>
+          <p:nvPr/>
+        </p:nvSpPr>
+        <p:spPr>
+          <a:xfrm>
+            <a:off x="4355976" y="5013176"/>
+            <a:ext cx="550151" cy="430887"/>
+          </a:xfrm>
+          <a:prstGeom prst="rect">
+            <a:avLst/>
+          </a:prstGeom>
+          <a:noFill/>
+        </p:spPr>
+        <p:txBody>
+          <a:bodyPr wrap="none" rtlCol="0">
+            <a:spAutoFit/>
+          </a:bodyPr>
+          <a:lstStyle/>
+          <a:p>
+            <a:r>
+              <a:rPr lang="en-US" altLang="zh-CN" sz="2200" i="1" dirty="0" smtClean="0">
+                <a:latin typeface="Times New Roman" pitchFamily="18" charset="0"/>
+                <a:cs typeface="Times New Roman" pitchFamily="18" charset="0"/>
+              </a:rPr>
+              <a:t>x</a:t>
+            </a:r>
+            <a:r>
+              <a:rPr lang="en-US" altLang="zh-CN" sz="2200" i="1" baseline="-25000" dirty="0" smtClean="0">
+                <a:latin typeface="Times New Roman" pitchFamily="18" charset="0"/>
+                <a:cs typeface="Times New Roman" pitchFamily="18" charset="0"/>
+              </a:rPr>
+              <a:t>k</a:t>
+            </a:r>
+            <a:r>
+              <a:rPr lang="en-US" altLang="zh-CN" sz="2200" baseline="-25000" dirty="0" smtClean="0">
+                <a:latin typeface="Times New Roman" pitchFamily="18" charset="0"/>
+                <a:cs typeface="Times New Roman" pitchFamily="18" charset="0"/>
+              </a:rPr>
+              <a:t>-1</a:t>
+            </a:r>
+            <a:endParaRPr lang="zh-CN" altLang="en-US" sz="2200" baseline="-25000" dirty="0">
+              <a:latin typeface="Times New Roman" pitchFamily="18" charset="0"/>
+              <a:cs typeface="Times New Roman" pitchFamily="18" charset="0"/>
+            </a:endParaRPr>
+          </a:p>
+        </p:txBody>
+      </p:sp>
+      <p:sp>
+        <p:nvSpPr>
+          <p:cNvPr id="85" name="TextBox 84"/>
+          <p:cNvSpPr txBox="1"/>
+          <p:nvPr/>
+        </p:nvSpPr>
+        <p:spPr>
+          <a:xfrm>
+            <a:off x="5115048" y="5013176"/>
+            <a:ext cx="393056" cy="430887"/>
+          </a:xfrm>
+          <a:prstGeom prst="rect">
+            <a:avLst/>
+          </a:prstGeom>
+          <a:noFill/>
+        </p:spPr>
+        <p:txBody>
+          <a:bodyPr wrap="none" rtlCol="0">
+            <a:spAutoFit/>
+          </a:bodyPr>
+          <a:lstStyle/>
+          <a:p>
+            <a:r>
+              <a:rPr lang="en-US" altLang="zh-CN" sz="2200" i="1" dirty="0" err="1" smtClean="0">
+                <a:latin typeface="Times New Roman" pitchFamily="18" charset="0"/>
+                <a:cs typeface="Times New Roman" pitchFamily="18" charset="0"/>
+              </a:rPr>
+              <a:t>x</a:t>
+            </a:r>
+            <a:r>
+              <a:rPr lang="en-US" altLang="zh-CN" sz="2200" i="1" baseline="-25000" dirty="0" err="1" smtClean="0">
+                <a:latin typeface="Times New Roman" pitchFamily="18" charset="0"/>
+                <a:cs typeface="Times New Roman" pitchFamily="18" charset="0"/>
+              </a:rPr>
+              <a:t>k</a:t>
+            </a:r>
+            <a:endParaRPr lang="zh-CN" altLang="en-US" sz="2200" baseline="-25000" dirty="0">
+              <a:latin typeface="Times New Roman" pitchFamily="18" charset="0"/>
+              <a:cs typeface="Times New Roman" pitchFamily="18" charset="0"/>
+            </a:endParaRPr>
+          </a:p>
+        </p:txBody>
+      </p:sp>
+      <p:sp>
+        <p:nvSpPr>
+          <p:cNvPr id="86" name="TextBox 85"/>
+          <p:cNvSpPr txBox="1"/>
+          <p:nvPr/>
+        </p:nvSpPr>
+        <p:spPr>
+          <a:xfrm>
+            <a:off x="6542129" y="5013176"/>
+            <a:ext cx="603050" cy="430887"/>
+          </a:xfrm>
+          <a:prstGeom prst="rect">
+            <a:avLst/>
+          </a:prstGeom>
+          <a:noFill/>
+        </p:spPr>
+        <p:txBody>
+          <a:bodyPr wrap="none" rtlCol="0">
+            <a:spAutoFit/>
+          </a:bodyPr>
+          <a:lstStyle/>
+          <a:p>
+            <a:r>
+              <a:rPr lang="en-US" altLang="zh-CN" sz="2200" i="1" dirty="0" smtClean="0">
+                <a:latin typeface="Times New Roman" pitchFamily="18" charset="0"/>
+                <a:cs typeface="Times New Roman" pitchFamily="18" charset="0"/>
+              </a:rPr>
+              <a:t>x</a:t>
+            </a:r>
+            <a:r>
+              <a:rPr lang="en-US" altLang="zh-CN" sz="2200" i="1" baseline="-25000" dirty="0" smtClean="0">
+                <a:latin typeface="Times New Roman" pitchFamily="18" charset="0"/>
+                <a:cs typeface="Times New Roman" pitchFamily="18" charset="0"/>
+              </a:rPr>
+              <a:t>N</a:t>
+            </a:r>
+            <a:r>
+              <a:rPr lang="en-US" altLang="zh-CN" sz="2200" baseline="-25000" dirty="0" smtClean="0">
+                <a:latin typeface="Times New Roman" pitchFamily="18" charset="0"/>
+                <a:cs typeface="Times New Roman" pitchFamily="18" charset="0"/>
+              </a:rPr>
+              <a:t>-1</a:t>
+            </a:r>
+            <a:endParaRPr lang="zh-CN" altLang="en-US" sz="2200" baseline="-25000" dirty="0">
+              <a:latin typeface="Times New Roman" pitchFamily="18" charset="0"/>
+              <a:cs typeface="Times New Roman" pitchFamily="18" charset="0"/>
+            </a:endParaRPr>
+          </a:p>
+        </p:txBody>
+      </p:sp>
+      <p:cxnSp>
+        <p:nvCxnSpPr>
+          <p:cNvPr id="88" name="直接箭头连接符 87"/>
+          <p:cNvCxnSpPr/>
+          <p:nvPr/>
+        </p:nvCxnSpPr>
+        <p:spPr>
+          <a:xfrm>
+            <a:off x="4790395" y="1385261"/>
+            <a:ext cx="349134" cy="0"/>
+          </a:xfrm>
+          <a:prstGeom prst="straightConnector1">
+            <a:avLst/>
+          </a:prstGeom>
+          <a:ln w="28575">
+            <a:solidFill>
+              <a:schemeClr val="tx1"/>
+            </a:solidFill>
+            <a:tailEnd type="stealth" w="lg" len="med"/>
+          </a:ln>
+        </p:spPr>
+        <p:style>
+          <a:lnRef idx="1">
+            <a:schemeClr val="accent1"/>
+          </a:lnRef>
+          <a:fillRef idx="0">
+            <a:schemeClr val="accent1"/>
+          </a:fillRef>
+          <a:effectRef idx="0">
+            <a:schemeClr val="accent1"/>
+          </a:effectRef>
+          <a:fontRef idx="minor">
+            <a:schemeClr val="tx1"/>
+          </a:fontRef>
+        </p:style>
+      </p:cxnSp>
+      <p:cxnSp>
+        <p:nvCxnSpPr>
+          <p:cNvPr id="89" name="直接箭头连接符 88"/>
+          <p:cNvCxnSpPr/>
+          <p:nvPr/>
+        </p:nvCxnSpPr>
+        <p:spPr>
+          <a:xfrm>
+            <a:off x="4059700" y="1385261"/>
+            <a:ext cx="370655" cy="0"/>
+          </a:xfrm>
+          <a:prstGeom prst="straightConnector1">
+            <a:avLst/>
+          </a:prstGeom>
+          <a:ln w="28575">
+            <a:solidFill>
+              <a:schemeClr val="tx1"/>
+            </a:solidFill>
+            <a:tailEnd type="stealth" w="lg" len="med"/>
+          </a:ln>
+        </p:spPr>
+        <p:style>
+          <a:lnRef idx="1">
+            <a:schemeClr val="accent1"/>
+          </a:lnRef>
+          <a:fillRef idx="0">
+            <a:schemeClr val="accent1"/>
+          </a:fillRef>
+          <a:effectRef idx="0">
+            <a:schemeClr val="accent1"/>
+          </a:effectRef>
+          <a:fontRef idx="minor">
+            <a:schemeClr val="tx1"/>
+          </a:fontRef>
+        </p:style>
+      </p:cxnSp>
+      <p:cxnSp>
+        <p:nvCxnSpPr>
+          <p:cNvPr id="90" name="直接箭头连接符 89"/>
+          <p:cNvCxnSpPr/>
+          <p:nvPr/>
+        </p:nvCxnSpPr>
+        <p:spPr>
+          <a:xfrm flipV="1">
+            <a:off x="6219649" y="1385260"/>
+            <a:ext cx="360040" cy="2440"/>
+          </a:xfrm>
+          <a:prstGeom prst="straightConnector1">
+            <a:avLst/>
+          </a:prstGeom>
+          <a:ln w="28575">
+            <a:solidFill>
+              <a:schemeClr val="tx1"/>
+            </a:solidFill>
+            <a:tailEnd type="stealth" w="lg" len="med"/>
+          </a:ln>
+        </p:spPr>
+        <p:style>
+          <a:lnRef idx="1">
+            <a:schemeClr val="accent1"/>
+          </a:lnRef>
+          <a:fillRef idx="0">
+            <a:schemeClr val="accent1"/>
+          </a:fillRef>
+          <a:effectRef idx="0">
+            <a:schemeClr val="accent1"/>
+          </a:effectRef>
+          <a:fontRef idx="minor">
+            <a:schemeClr val="tx1"/>
+          </a:fontRef>
+        </p:style>
+      </p:cxnSp>
+      <p:cxnSp>
+        <p:nvCxnSpPr>
+          <p:cNvPr id="91" name="直接箭头连接符 90"/>
+          <p:cNvCxnSpPr/>
+          <p:nvPr/>
+        </p:nvCxnSpPr>
+        <p:spPr>
+          <a:xfrm>
+            <a:off x="5499569" y="1385260"/>
+            <a:ext cx="360040" cy="4881"/>
+          </a:xfrm>
+          <a:prstGeom prst="straightConnector1">
+            <a:avLst/>
+          </a:prstGeom>
+          <a:ln w="28575">
+            <a:solidFill>
+              <a:schemeClr val="tx1"/>
+            </a:solidFill>
+            <a:tailEnd type="stealth" w="lg" len="med"/>
+          </a:ln>
+        </p:spPr>
+        <p:style>
+          <a:lnRef idx="1">
+            <a:schemeClr val="accent1"/>
+          </a:lnRef>
+          <a:fillRef idx="0">
+            <a:schemeClr val="accent1"/>
+          </a:fillRef>
+          <a:effectRef idx="0">
+            <a:schemeClr val="accent1"/>
+          </a:effectRef>
+          <a:fontRef idx="minor">
+            <a:schemeClr val="tx1"/>
+          </a:fontRef>
+        </p:style>
+      </p:cxnSp>
+      <p:sp>
+        <p:nvSpPr>
+          <p:cNvPr id="92" name="TextBox 91"/>
+          <p:cNvSpPr txBox="1"/>
+          <p:nvPr/>
+        </p:nvSpPr>
+        <p:spPr>
+          <a:xfrm>
+            <a:off x="5787601" y="963306"/>
+            <a:ext cx="468398" cy="584775"/>
+          </a:xfrm>
+          <a:prstGeom prst="rect">
+            <a:avLst/>
+          </a:prstGeom>
+          <a:noFill/>
+        </p:spPr>
+        <p:txBody>
+          <a:bodyPr wrap="none" rtlCol="0">
+            <a:spAutoFit/>
+          </a:bodyPr>
+          <a:lstStyle/>
+          <a:p>
+            <a:r>
+              <a:rPr lang="en-US" altLang="zh-CN" sz="3200" dirty="0" smtClean="0"/>
+              <a:t>…</a:t>
+            </a:r>
+            <a:endParaRPr lang="zh-CN" altLang="en-US" sz="3200" dirty="0"/>
+          </a:p>
+        </p:txBody>
+      </p:sp>
+      <p:cxnSp>
+        <p:nvCxnSpPr>
+          <p:cNvPr id="94" name="直接箭头连接符 93"/>
+          <p:cNvCxnSpPr/>
+          <p:nvPr/>
+        </p:nvCxnSpPr>
+        <p:spPr>
+          <a:xfrm flipV="1">
+            <a:off x="3339329" y="1385261"/>
+            <a:ext cx="360371" cy="736"/>
+          </a:xfrm>
+          <a:prstGeom prst="straightConnector1">
+            <a:avLst/>
+          </a:prstGeom>
+          <a:ln w="28575">
+            <a:solidFill>
+              <a:schemeClr val="tx1"/>
+            </a:solidFill>
+            <a:tailEnd type="stealth" w="lg" len="med"/>
+          </a:ln>
+        </p:spPr>
+        <p:style>
+          <a:lnRef idx="1">
+            <a:schemeClr val="accent1"/>
+          </a:lnRef>
+          <a:fillRef idx="0">
+            <a:schemeClr val="accent1"/>
+          </a:fillRef>
+          <a:effectRef idx="0">
+            <a:schemeClr val="accent1"/>
+          </a:effectRef>
+          <a:fontRef idx="minor">
+            <a:schemeClr val="tx1"/>
+          </a:fontRef>
+        </p:style>
+      </p:cxnSp>
+      <p:cxnSp>
+        <p:nvCxnSpPr>
+          <p:cNvPr id="95" name="直接箭头连接符 94"/>
+          <p:cNvCxnSpPr/>
+          <p:nvPr/>
+        </p:nvCxnSpPr>
+        <p:spPr>
+          <a:xfrm>
+            <a:off x="2619249" y="1385261"/>
+            <a:ext cx="360040" cy="3177"/>
+          </a:xfrm>
+          <a:prstGeom prst="straightConnector1">
+            <a:avLst/>
+          </a:prstGeom>
+          <a:ln w="28575">
+            <a:solidFill>
+              <a:schemeClr val="tx1"/>
+            </a:solidFill>
+            <a:tailEnd type="stealth" w="lg" len="med"/>
+          </a:ln>
+        </p:spPr>
+        <p:style>
+          <a:lnRef idx="1">
+            <a:schemeClr val="accent1"/>
+          </a:lnRef>
+          <a:fillRef idx="0">
+            <a:schemeClr val="accent1"/>
+          </a:fillRef>
+          <a:effectRef idx="0">
+            <a:schemeClr val="accent1"/>
+          </a:effectRef>
+          <a:fontRef idx="minor">
+            <a:schemeClr val="tx1"/>
+          </a:fontRef>
+        </p:style>
+      </p:cxnSp>
+      <p:sp>
+        <p:nvSpPr>
+          <p:cNvPr id="96" name="TextBox 95"/>
+          <p:cNvSpPr txBox="1"/>
+          <p:nvPr/>
+        </p:nvSpPr>
+        <p:spPr>
+          <a:xfrm>
+            <a:off x="2907281" y="972017"/>
+            <a:ext cx="468398" cy="584775"/>
+          </a:xfrm>
+          <a:prstGeom prst="rect">
+            <a:avLst/>
+          </a:prstGeom>
+          <a:noFill/>
+        </p:spPr>
+        <p:txBody>
+          <a:bodyPr wrap="none" rtlCol="0">
+            <a:spAutoFit/>
+          </a:bodyPr>
+          <a:lstStyle/>
+          <a:p>
+            <a:r>
+              <a:rPr lang="en-US" altLang="zh-CN" sz="3200" dirty="0" smtClean="0"/>
+              <a:t>…</a:t>
+            </a:r>
+            <a:endParaRPr lang="zh-CN" altLang="en-US" sz="3200" dirty="0"/>
+          </a:p>
+        </p:txBody>
+      </p:sp>
+      <p:sp>
+        <p:nvSpPr>
+          <p:cNvPr id="97" name="TextBox 96"/>
+          <p:cNvSpPr txBox="1"/>
+          <p:nvPr/>
+        </p:nvSpPr>
+        <p:spPr>
+          <a:xfrm>
+            <a:off x="2267744" y="1116033"/>
+            <a:ext cx="404278" cy="430887"/>
+          </a:xfrm>
+          <a:prstGeom prst="rect">
+            <a:avLst/>
+          </a:prstGeom>
+          <a:noFill/>
+        </p:spPr>
+        <p:txBody>
+          <a:bodyPr wrap="none" rtlCol="0">
+            <a:spAutoFit/>
+          </a:bodyPr>
+          <a:lstStyle/>
+          <a:p>
+            <a:r>
+              <a:rPr lang="en-US" altLang="zh-CN" sz="2200" i="1" dirty="0" smtClean="0">
+                <a:latin typeface="Times New Roman" pitchFamily="18" charset="0"/>
+                <a:cs typeface="Times New Roman" pitchFamily="18" charset="0"/>
+              </a:rPr>
+              <a:t>x</a:t>
+            </a:r>
+            <a:r>
+              <a:rPr lang="en-US" altLang="zh-CN" sz="2200" baseline="-25000" dirty="0">
+                <a:latin typeface="Times New Roman" pitchFamily="18" charset="0"/>
+                <a:cs typeface="Times New Roman" pitchFamily="18" charset="0"/>
+              </a:rPr>
+              <a:t>2</a:t>
+            </a:r>
+            <a:endParaRPr lang="zh-CN" altLang="en-US" sz="2200" baseline="-25000" dirty="0">
+              <a:latin typeface="Times New Roman" pitchFamily="18" charset="0"/>
+              <a:cs typeface="Times New Roman" pitchFamily="18" charset="0"/>
+            </a:endParaRPr>
+          </a:p>
+        </p:txBody>
+      </p:sp>
+      <p:sp>
+        <p:nvSpPr>
+          <p:cNvPr id="98" name="TextBox 97"/>
+          <p:cNvSpPr txBox="1"/>
+          <p:nvPr/>
+        </p:nvSpPr>
+        <p:spPr>
+          <a:xfrm>
+            <a:off x="3608391" y="1116033"/>
+            <a:ext cx="550151" cy="430887"/>
+          </a:xfrm>
+          <a:prstGeom prst="rect">
+            <a:avLst/>
+          </a:prstGeom>
+          <a:noFill/>
+        </p:spPr>
+        <p:txBody>
+          <a:bodyPr wrap="none" rtlCol="0">
+            <a:spAutoFit/>
+          </a:bodyPr>
+          <a:lstStyle/>
+          <a:p>
+            <a:r>
+              <a:rPr lang="en-US" altLang="zh-CN" sz="2200" i="1" dirty="0" smtClean="0">
+                <a:latin typeface="Times New Roman" pitchFamily="18" charset="0"/>
+                <a:cs typeface="Times New Roman" pitchFamily="18" charset="0"/>
+              </a:rPr>
+              <a:t>x</a:t>
+            </a:r>
+            <a:r>
+              <a:rPr lang="en-US" altLang="zh-CN" sz="2200" i="1" baseline="-25000" dirty="0" smtClean="0">
+                <a:latin typeface="Times New Roman" pitchFamily="18" charset="0"/>
+                <a:cs typeface="Times New Roman" pitchFamily="18" charset="0"/>
+              </a:rPr>
+              <a:t>k</a:t>
+            </a:r>
+            <a:r>
+              <a:rPr lang="en-US" altLang="zh-CN" sz="2200" baseline="-25000" dirty="0" smtClean="0">
+                <a:latin typeface="Times New Roman" pitchFamily="18" charset="0"/>
+                <a:cs typeface="Times New Roman" pitchFamily="18" charset="0"/>
+              </a:rPr>
+              <a:t>-1</a:t>
+            </a:r>
+            <a:endParaRPr lang="zh-CN" altLang="en-US" sz="2200" baseline="-25000" dirty="0">
+              <a:latin typeface="Times New Roman" pitchFamily="18" charset="0"/>
+              <a:cs typeface="Times New Roman" pitchFamily="18" charset="0"/>
+            </a:endParaRPr>
+          </a:p>
+        </p:txBody>
+      </p:sp>
+      <p:sp>
+        <p:nvSpPr>
+          <p:cNvPr id="99" name="TextBox 98"/>
+          <p:cNvSpPr txBox="1"/>
+          <p:nvPr/>
+        </p:nvSpPr>
+        <p:spPr>
+          <a:xfrm>
+            <a:off x="4427984" y="1116033"/>
+            <a:ext cx="393056" cy="430887"/>
+          </a:xfrm>
+          <a:prstGeom prst="rect">
+            <a:avLst/>
+          </a:prstGeom>
+          <a:noFill/>
+        </p:spPr>
+        <p:txBody>
+          <a:bodyPr wrap="none" rtlCol="0">
+            <a:spAutoFit/>
+          </a:bodyPr>
+          <a:lstStyle/>
+          <a:p>
+            <a:r>
+              <a:rPr lang="en-US" altLang="zh-CN" sz="2200" i="1" dirty="0" err="1" smtClean="0">
+                <a:latin typeface="Times New Roman" pitchFamily="18" charset="0"/>
+                <a:cs typeface="Times New Roman" pitchFamily="18" charset="0"/>
+              </a:rPr>
+              <a:t>x</a:t>
+            </a:r>
+            <a:r>
+              <a:rPr lang="en-US" altLang="zh-CN" sz="2200" i="1" baseline="-25000" dirty="0" err="1" smtClean="0">
+                <a:latin typeface="Times New Roman" pitchFamily="18" charset="0"/>
+                <a:cs typeface="Times New Roman" pitchFamily="18" charset="0"/>
+              </a:rPr>
+              <a:t>k</a:t>
+            </a:r>
+            <a:endParaRPr lang="zh-CN" altLang="en-US" sz="2200" baseline="-25000" dirty="0">
+              <a:latin typeface="Times New Roman" pitchFamily="18" charset="0"/>
+              <a:cs typeface="Times New Roman" pitchFamily="18" charset="0"/>
+            </a:endParaRPr>
+          </a:p>
+        </p:txBody>
+      </p:sp>
+      <p:sp>
+        <p:nvSpPr>
+          <p:cNvPr id="100" name="TextBox 99"/>
+          <p:cNvSpPr txBox="1"/>
+          <p:nvPr/>
+        </p:nvSpPr>
+        <p:spPr>
+          <a:xfrm>
+            <a:off x="5037849" y="1116033"/>
+            <a:ext cx="614271" cy="430887"/>
+          </a:xfrm>
+          <a:prstGeom prst="rect">
+            <a:avLst/>
+          </a:prstGeom>
+          <a:noFill/>
+        </p:spPr>
+        <p:txBody>
+          <a:bodyPr wrap="none" rtlCol="0">
+            <a:spAutoFit/>
+          </a:bodyPr>
+          <a:lstStyle/>
+          <a:p>
+            <a:r>
+              <a:rPr lang="en-US" altLang="zh-CN" sz="2200" i="1" dirty="0" smtClean="0">
+                <a:latin typeface="Times New Roman" pitchFamily="18" charset="0"/>
+                <a:cs typeface="Times New Roman" pitchFamily="18" charset="0"/>
+              </a:rPr>
+              <a:t>x</a:t>
+            </a:r>
+            <a:r>
+              <a:rPr lang="en-US" altLang="zh-CN" sz="2200" i="1" baseline="-25000" dirty="0" smtClean="0">
+                <a:latin typeface="Times New Roman" pitchFamily="18" charset="0"/>
+                <a:cs typeface="Times New Roman" pitchFamily="18" charset="0"/>
+              </a:rPr>
+              <a:t>k+</a:t>
+            </a:r>
+            <a:r>
+              <a:rPr lang="en-US" altLang="zh-CN" sz="2200" baseline="-25000" dirty="0" smtClean="0">
+                <a:latin typeface="Times New Roman" pitchFamily="18" charset="0"/>
+                <a:cs typeface="Times New Roman" pitchFamily="18" charset="0"/>
+              </a:rPr>
+              <a:t>1</a:t>
+            </a:r>
+            <a:endParaRPr lang="zh-CN" altLang="en-US" sz="2200" baseline="-25000" dirty="0">
+              <a:latin typeface="Times New Roman" pitchFamily="18" charset="0"/>
+              <a:cs typeface="Times New Roman" pitchFamily="18" charset="0"/>
+            </a:endParaRPr>
+          </a:p>
+        </p:txBody>
+      </p:sp>
+      <p:sp>
+        <p:nvSpPr>
+          <p:cNvPr id="101" name="TextBox 100"/>
+          <p:cNvSpPr txBox="1"/>
+          <p:nvPr/>
+        </p:nvSpPr>
+        <p:spPr>
+          <a:xfrm>
+            <a:off x="6585538" y="1116033"/>
+            <a:ext cx="434734" cy="430887"/>
+          </a:xfrm>
+          <a:prstGeom prst="rect">
+            <a:avLst/>
+          </a:prstGeom>
+          <a:noFill/>
+        </p:spPr>
+        <p:txBody>
+          <a:bodyPr wrap="none" rtlCol="0">
+            <a:spAutoFit/>
+          </a:bodyPr>
+          <a:lstStyle/>
+          <a:p>
+            <a:r>
+              <a:rPr lang="en-US" altLang="zh-CN" sz="2200" i="1" dirty="0" err="1" smtClean="0">
+                <a:latin typeface="Times New Roman" pitchFamily="18" charset="0"/>
+                <a:cs typeface="Times New Roman" pitchFamily="18" charset="0"/>
+              </a:rPr>
+              <a:t>x</a:t>
+            </a:r>
+            <a:r>
+              <a:rPr lang="en-US" altLang="zh-CN" sz="2200" i="1" baseline="-25000" dirty="0" err="1" smtClean="0">
+                <a:latin typeface="Times New Roman" pitchFamily="18" charset="0"/>
+                <a:cs typeface="Times New Roman" pitchFamily="18" charset="0"/>
+              </a:rPr>
+              <a:t>N</a:t>
+            </a:r>
+            <a:endParaRPr lang="zh-CN" altLang="en-US" sz="2200" baseline="-25000" dirty="0">
+              <a:latin typeface="Times New Roman" pitchFamily="18" charset="0"/>
+              <a:cs typeface="Times New Roman" pitchFamily="18" charset="0"/>
+            </a:endParaRPr>
+          </a:p>
+        </p:txBody>
+      </p:sp>
+      <p:sp>
+        <p:nvSpPr>
+          <p:cNvPr id="102" name="TextBox 101"/>
+          <p:cNvSpPr txBox="1"/>
+          <p:nvPr/>
+        </p:nvSpPr>
+        <p:spPr>
+          <a:xfrm>
+            <a:off x="4397503" y="1701969"/>
+            <a:ext cx="503664" cy="430887"/>
+          </a:xfrm>
+          <a:prstGeom prst="rect">
+            <a:avLst/>
+          </a:prstGeom>
+          <a:noFill/>
+        </p:spPr>
+        <p:txBody>
+          <a:bodyPr wrap="none" rtlCol="0">
+            <a:spAutoFit/>
+          </a:bodyPr>
+          <a:lstStyle/>
+          <a:p>
+            <a:r>
+              <a:rPr lang="en-US" altLang="zh-CN" sz="2200" i="1" dirty="0" smtClean="0">
+                <a:latin typeface="Times New Roman" pitchFamily="18" charset="0"/>
+                <a:cs typeface="Times New Roman" pitchFamily="18" charset="0"/>
+              </a:rPr>
+              <a:t>t</a:t>
+            </a:r>
+            <a:r>
+              <a:rPr lang="en-US" altLang="zh-CN" sz="2200" i="1" baseline="-25000" dirty="0" smtClean="0">
+                <a:latin typeface="Times New Roman" pitchFamily="18" charset="0"/>
+                <a:cs typeface="Times New Roman" pitchFamily="18" charset="0"/>
+              </a:rPr>
+              <a:t>k</a:t>
+            </a:r>
+            <a:r>
+              <a:rPr lang="en-US" altLang="zh-CN" sz="2200" baseline="-25000" dirty="0" smtClean="0">
+                <a:latin typeface="Times New Roman" pitchFamily="18" charset="0"/>
+                <a:cs typeface="Times New Roman" pitchFamily="18" charset="0"/>
+              </a:rPr>
+              <a:t>-1</a:t>
+            </a:r>
+            <a:endParaRPr lang="zh-CN" altLang="en-US" sz="2200" baseline="-25000" dirty="0">
+              <a:latin typeface="Times New Roman" pitchFamily="18" charset="0"/>
+              <a:cs typeface="Times New Roman" pitchFamily="18" charset="0"/>
+            </a:endParaRPr>
+          </a:p>
+        </p:txBody>
+      </p:sp>
+      <p:sp>
+        <p:nvSpPr>
+          <p:cNvPr id="104" name="TextBox 103"/>
+          <p:cNvSpPr txBox="1"/>
+          <p:nvPr/>
+        </p:nvSpPr>
+        <p:spPr>
+          <a:xfrm>
+            <a:off x="5161534" y="1700808"/>
+            <a:ext cx="346570" cy="430887"/>
+          </a:xfrm>
+          <a:prstGeom prst="rect">
+            <a:avLst/>
+          </a:prstGeom>
+          <a:noFill/>
+        </p:spPr>
+        <p:txBody>
+          <a:bodyPr wrap="none" rtlCol="0">
+            <a:spAutoFit/>
+          </a:bodyPr>
+          <a:lstStyle/>
+          <a:p>
+            <a:r>
+              <a:rPr lang="en-US" altLang="zh-CN" sz="2200" i="1" dirty="0" err="1" smtClean="0">
+                <a:latin typeface="Times New Roman" pitchFamily="18" charset="0"/>
+                <a:cs typeface="Times New Roman" pitchFamily="18" charset="0"/>
+              </a:rPr>
+              <a:t>t</a:t>
+            </a:r>
+            <a:r>
+              <a:rPr lang="en-US" altLang="zh-CN" sz="2200" i="1" baseline="-25000" dirty="0" err="1" smtClean="0">
+                <a:latin typeface="Times New Roman" pitchFamily="18" charset="0"/>
+                <a:cs typeface="Times New Roman" pitchFamily="18" charset="0"/>
+              </a:rPr>
+              <a:t>k</a:t>
+            </a:r>
+            <a:endParaRPr lang="zh-CN" altLang="en-US" sz="2200" baseline="-25000" dirty="0">
+              <a:latin typeface="Times New Roman" pitchFamily="18" charset="0"/>
+              <a:cs typeface="Times New Roman" pitchFamily="18" charset="0"/>
+            </a:endParaRPr>
+          </a:p>
+        </p:txBody>
+      </p:sp>
+      <p:sp>
+        <p:nvSpPr>
+          <p:cNvPr id="129" name="TextBox 128"/>
+          <p:cNvSpPr txBox="1"/>
+          <p:nvPr/>
+        </p:nvSpPr>
+        <p:spPr>
+          <a:xfrm>
+            <a:off x="5131078" y="2710081"/>
+            <a:ext cx="377026" cy="430887"/>
+          </a:xfrm>
+          <a:prstGeom prst="rect">
+            <a:avLst/>
+          </a:prstGeom>
+          <a:noFill/>
+        </p:spPr>
+        <p:txBody>
+          <a:bodyPr wrap="none" rtlCol="0">
+            <a:spAutoFit/>
+          </a:bodyPr>
+          <a:lstStyle/>
+          <a:p>
+            <a:r>
+              <a:rPr lang="en-US" altLang="zh-CN" sz="2200" i="1" dirty="0" err="1" smtClean="0">
+                <a:latin typeface="Times New Roman" pitchFamily="18" charset="0"/>
+                <a:cs typeface="Times New Roman" pitchFamily="18" charset="0"/>
+              </a:rPr>
+              <a:t>s</a:t>
+            </a:r>
+            <a:r>
+              <a:rPr lang="en-US" altLang="zh-CN" sz="2200" i="1" baseline="-25000" dirty="0" err="1" smtClean="0">
+                <a:latin typeface="Times New Roman" pitchFamily="18" charset="0"/>
+                <a:cs typeface="Times New Roman" pitchFamily="18" charset="0"/>
+              </a:rPr>
+              <a:t>k</a:t>
+            </a:r>
+            <a:endParaRPr lang="zh-CN" altLang="en-US" sz="2200" baseline="-25000" dirty="0">
+              <a:latin typeface="Times New Roman" pitchFamily="18" charset="0"/>
+              <a:cs typeface="Times New Roman" pitchFamily="18" charset="0"/>
+            </a:endParaRPr>
+          </a:p>
+        </p:txBody>
+      </p:sp>
+      <p:sp>
+        <p:nvSpPr>
+          <p:cNvPr id="130" name="TextBox 129"/>
+          <p:cNvSpPr txBox="1"/>
+          <p:nvPr/>
+        </p:nvSpPr>
+        <p:spPr>
+          <a:xfrm>
+            <a:off x="2279484" y="4456275"/>
+            <a:ext cx="420308" cy="430887"/>
+          </a:xfrm>
+          <a:prstGeom prst="rect">
+            <a:avLst/>
+          </a:prstGeom>
+          <a:noFill/>
+        </p:spPr>
+        <p:txBody>
+          <a:bodyPr wrap="none" rtlCol="0">
+            <a:spAutoFit/>
+          </a:bodyPr>
+          <a:lstStyle/>
+          <a:p>
+            <a:r>
+              <a:rPr lang="en-US" altLang="zh-CN" sz="2200" i="1" dirty="0" smtClean="0">
+                <a:latin typeface="Times New Roman" pitchFamily="18" charset="0"/>
+                <a:cs typeface="Times New Roman" pitchFamily="18" charset="0"/>
+              </a:rPr>
+              <a:t>h</a:t>
+            </a:r>
+            <a:r>
+              <a:rPr lang="en-US" altLang="zh-CN" sz="2200" baseline="-25000" dirty="0" smtClean="0">
+                <a:latin typeface="Times New Roman" pitchFamily="18" charset="0"/>
+                <a:cs typeface="Times New Roman" pitchFamily="18" charset="0"/>
+              </a:rPr>
+              <a:t>1</a:t>
+            </a:r>
+            <a:endParaRPr lang="zh-CN" altLang="en-US" sz="2200" baseline="-25000" dirty="0">
+              <a:latin typeface="Times New Roman" pitchFamily="18" charset="0"/>
+              <a:cs typeface="Times New Roman" pitchFamily="18" charset="0"/>
+            </a:endParaRPr>
+          </a:p>
+        </p:txBody>
+      </p:sp>
+      <p:sp>
+        <p:nvSpPr>
+          <p:cNvPr id="131" name="TextBox 130"/>
+          <p:cNvSpPr txBox="1"/>
+          <p:nvPr/>
+        </p:nvSpPr>
+        <p:spPr>
+          <a:xfrm>
+            <a:off x="3600375" y="4456275"/>
+            <a:ext cx="566181" cy="430887"/>
+          </a:xfrm>
+          <a:prstGeom prst="rect">
+            <a:avLst/>
+          </a:prstGeom>
+          <a:noFill/>
+        </p:spPr>
+        <p:txBody>
+          <a:bodyPr wrap="none" rtlCol="0">
+            <a:spAutoFit/>
+          </a:bodyPr>
+          <a:lstStyle/>
+          <a:p>
+            <a:r>
+              <a:rPr lang="en-US" altLang="zh-CN" sz="2200" i="1" dirty="0" smtClean="0">
+                <a:latin typeface="Times New Roman" pitchFamily="18" charset="0"/>
+                <a:cs typeface="Times New Roman" pitchFamily="18" charset="0"/>
+              </a:rPr>
+              <a:t>h</a:t>
+            </a:r>
+            <a:r>
+              <a:rPr lang="en-US" altLang="zh-CN" sz="2200" i="1" baseline="-25000" dirty="0" smtClean="0">
+                <a:latin typeface="Times New Roman" pitchFamily="18" charset="0"/>
+                <a:cs typeface="Times New Roman" pitchFamily="18" charset="0"/>
+              </a:rPr>
+              <a:t>k-</a:t>
+            </a:r>
+            <a:r>
+              <a:rPr lang="en-US" altLang="zh-CN" sz="2200" baseline="-25000" dirty="0" smtClean="0">
+                <a:latin typeface="Times New Roman" pitchFamily="18" charset="0"/>
+                <a:cs typeface="Times New Roman" pitchFamily="18" charset="0"/>
+              </a:rPr>
+              <a:t>2</a:t>
+            </a:r>
+            <a:endParaRPr lang="zh-CN" altLang="en-US" sz="2200" baseline="-25000" dirty="0">
+              <a:latin typeface="Times New Roman" pitchFamily="18" charset="0"/>
+              <a:cs typeface="Times New Roman" pitchFamily="18" charset="0"/>
+            </a:endParaRPr>
+          </a:p>
+        </p:txBody>
+      </p:sp>
+      <p:sp>
+        <p:nvSpPr>
+          <p:cNvPr id="132" name="TextBox 131"/>
+          <p:cNvSpPr txBox="1"/>
+          <p:nvPr/>
+        </p:nvSpPr>
+        <p:spPr>
+          <a:xfrm>
+            <a:off x="4339946" y="4456275"/>
+            <a:ext cx="566181" cy="430887"/>
+          </a:xfrm>
+          <a:prstGeom prst="rect">
+            <a:avLst/>
+          </a:prstGeom>
+          <a:noFill/>
+        </p:spPr>
+        <p:txBody>
+          <a:bodyPr wrap="none" rtlCol="0">
+            <a:spAutoFit/>
+          </a:bodyPr>
+          <a:lstStyle/>
+          <a:p>
+            <a:r>
+              <a:rPr lang="en-US" altLang="zh-CN" sz="2200" i="1" dirty="0" smtClean="0">
+                <a:latin typeface="Times New Roman" pitchFamily="18" charset="0"/>
+                <a:cs typeface="Times New Roman" pitchFamily="18" charset="0"/>
+              </a:rPr>
+              <a:t>h</a:t>
+            </a:r>
+            <a:r>
+              <a:rPr lang="en-US" altLang="zh-CN" sz="2200" i="1" baseline="-25000" dirty="0" smtClean="0">
+                <a:latin typeface="Times New Roman" pitchFamily="18" charset="0"/>
+                <a:cs typeface="Times New Roman" pitchFamily="18" charset="0"/>
+              </a:rPr>
+              <a:t>k-</a:t>
+            </a:r>
+            <a:r>
+              <a:rPr lang="en-US" altLang="zh-CN" sz="2200" baseline="-25000" dirty="0">
+                <a:latin typeface="Times New Roman" pitchFamily="18" charset="0"/>
+                <a:cs typeface="Times New Roman" pitchFamily="18" charset="0"/>
+              </a:rPr>
+              <a:t>1</a:t>
+            </a:r>
+            <a:endParaRPr lang="zh-CN" altLang="en-US" sz="2200" baseline="-25000" dirty="0">
+              <a:latin typeface="Times New Roman" pitchFamily="18" charset="0"/>
+              <a:cs typeface="Times New Roman" pitchFamily="18" charset="0"/>
+            </a:endParaRPr>
+          </a:p>
+        </p:txBody>
+      </p:sp>
+      <p:sp>
+        <p:nvSpPr>
+          <p:cNvPr id="133" name="TextBox 132"/>
+          <p:cNvSpPr txBox="1"/>
+          <p:nvPr/>
+        </p:nvSpPr>
+        <p:spPr>
+          <a:xfrm>
+            <a:off x="5123541" y="4456275"/>
+            <a:ext cx="409086" cy="430887"/>
+          </a:xfrm>
+          <a:prstGeom prst="rect">
+            <a:avLst/>
+          </a:prstGeom>
+          <a:noFill/>
+        </p:spPr>
+        <p:txBody>
+          <a:bodyPr wrap="none" rtlCol="0">
+            <a:spAutoFit/>
+          </a:bodyPr>
+          <a:lstStyle/>
+          <a:p>
+            <a:r>
+              <a:rPr lang="en-US" altLang="zh-CN" sz="2200" i="1" dirty="0" err="1" smtClean="0">
+                <a:latin typeface="Times New Roman" pitchFamily="18" charset="0"/>
+                <a:cs typeface="Times New Roman" pitchFamily="18" charset="0"/>
+              </a:rPr>
+              <a:t>h</a:t>
+            </a:r>
+            <a:r>
+              <a:rPr lang="en-US" altLang="zh-CN" sz="2200" i="1" baseline="-25000" dirty="0" err="1" smtClean="0">
+                <a:latin typeface="Times New Roman" pitchFamily="18" charset="0"/>
+                <a:cs typeface="Times New Roman" pitchFamily="18" charset="0"/>
+              </a:rPr>
+              <a:t>k</a:t>
+            </a:r>
+            <a:endParaRPr lang="zh-CN" altLang="en-US" sz="2200" baseline="-25000" dirty="0">
+              <a:latin typeface="Times New Roman" pitchFamily="18" charset="0"/>
+              <a:cs typeface="Times New Roman" pitchFamily="18" charset="0"/>
+            </a:endParaRPr>
+          </a:p>
+        </p:txBody>
+      </p:sp>
+      <p:sp>
+        <p:nvSpPr>
+          <p:cNvPr id="134" name="TextBox 133"/>
+          <p:cNvSpPr txBox="1"/>
+          <p:nvPr/>
+        </p:nvSpPr>
+        <p:spPr>
+          <a:xfrm>
+            <a:off x="6484421" y="4456275"/>
+            <a:ext cx="607859" cy="430887"/>
+          </a:xfrm>
+          <a:prstGeom prst="rect">
+            <a:avLst/>
+          </a:prstGeom>
+          <a:noFill/>
+        </p:spPr>
+        <p:txBody>
+          <a:bodyPr wrap="none" rtlCol="0">
+            <a:spAutoFit/>
+          </a:bodyPr>
+          <a:lstStyle/>
+          <a:p>
+            <a:r>
+              <a:rPr lang="en-US" altLang="zh-CN" sz="2200" i="1" dirty="0" smtClean="0">
+                <a:latin typeface="Times New Roman" pitchFamily="18" charset="0"/>
+                <a:cs typeface="Times New Roman" pitchFamily="18" charset="0"/>
+              </a:rPr>
+              <a:t>h</a:t>
+            </a:r>
+            <a:r>
+              <a:rPr lang="en-US" altLang="zh-CN" sz="2200" i="1" baseline="-25000" dirty="0" smtClean="0">
+                <a:latin typeface="Times New Roman" pitchFamily="18" charset="0"/>
+                <a:cs typeface="Times New Roman" pitchFamily="18" charset="0"/>
+              </a:rPr>
+              <a:t>N-</a:t>
+            </a:r>
+            <a:r>
+              <a:rPr lang="en-US" altLang="zh-CN" sz="2200" baseline="-25000" dirty="0" smtClean="0">
+                <a:latin typeface="Times New Roman" pitchFamily="18" charset="0"/>
+                <a:cs typeface="Times New Roman" pitchFamily="18" charset="0"/>
+              </a:rPr>
+              <a:t>1</a:t>
+            </a:r>
+            <a:endParaRPr lang="zh-CN" altLang="en-US" sz="2200" baseline="-25000" dirty="0">
+              <a:latin typeface="Times New Roman" pitchFamily="18" charset="0"/>
+              <a:cs typeface="Times New Roman" pitchFamily="18" charset="0"/>
+            </a:endParaRPr>
           </a:p>
         </p:txBody>
       </p:sp>
@@ -14924,7 +14415,7 @@
             <a:avLst/>
           </a:prstGeom>
           <a:noFill/>
-          <a:ln w="28575">
+          <a:ln w="12700">
             <a:solidFill>
               <a:schemeClr val="tx1"/>
             </a:solidFill>
@@ -14991,438 +14482,144 @@
           </a:p>
         </p:txBody>
       </p:sp>
-      <p:grpSp>
-        <p:nvGrpSpPr>
-          <p:cNvPr id="4" name="组合 3"/>
-          <p:cNvGrpSpPr/>
-          <p:nvPr/>
-        </p:nvGrpSpPr>
-        <p:grpSpPr>
+      <p:sp>
+        <p:nvSpPr>
+          <p:cNvPr id="5" name="椭圆 4"/>
+          <p:cNvSpPr/>
+          <p:nvPr/>
+        </p:nvSpPr>
+        <p:spPr>
           <a:xfrm>
             <a:off x="2509252" y="3595275"/>
             <a:ext cx="432000" cy="432000"/>
-            <a:chOff x="2483768" y="3970893"/>
-            <a:chExt cx="432000" cy="432000"/>
-          </a:xfrm>
-        </p:grpSpPr>
-        <p:sp>
-          <p:nvSpPr>
-            <p:cNvPr id="5" name="椭圆 4"/>
-            <p:cNvSpPr/>
-            <p:nvPr/>
-          </p:nvSpPr>
-          <p:spPr>
-            <a:xfrm>
-              <a:off x="2483768" y="3970893"/>
-              <a:ext cx="432000" cy="432000"/>
-            </a:xfrm>
-            <a:prstGeom prst="ellipse">
-              <a:avLst/>
-            </a:prstGeom>
-            <a:noFill/>
-            <a:ln w="38100">
-              <a:solidFill>
-                <a:schemeClr val="tx1"/>
-              </a:solidFill>
-            </a:ln>
-          </p:spPr>
-          <p:style>
-            <a:lnRef idx="2">
-              <a:schemeClr val="accent1">
-                <a:shade val="50000"/>
-              </a:schemeClr>
-            </a:lnRef>
-            <a:fillRef idx="1">
-              <a:schemeClr val="accent1"/>
-            </a:fillRef>
-            <a:effectRef idx="0">
-              <a:schemeClr val="accent1"/>
-            </a:effectRef>
-            <a:fontRef idx="minor">
-              <a:schemeClr val="lt1"/>
-            </a:fontRef>
-          </p:style>
-          <p:txBody>
-            <a:bodyPr rtlCol="0" anchor="ctr"/>
-            <a:lstStyle/>
-            <a:p>
-              <a:pPr algn="ctr"/>
-              <a:endParaRPr lang="zh-CN" altLang="en-US"/>
-            </a:p>
-          </p:txBody>
-        </p:sp>
-        <p:graphicFrame>
-          <p:nvGraphicFramePr>
-            <p:cNvPr id="6" name="对象 5"/>
-            <p:cNvGraphicFramePr>
-              <a:graphicFrameLocks noChangeAspect="1"/>
-            </p:cNvGraphicFramePr>
-            <p:nvPr>
-              <p:extLst>
-                <p:ext uri="{D42A27DB-BD31-4B8C-83A1-F6EECF244321}">
-                  <p14:modId xmlns:p14="http://schemas.microsoft.com/office/powerpoint/2010/main" val="394716696"/>
-                </p:ext>
-              </p:extLst>
-            </p:nvPr>
-          </p:nvGraphicFramePr>
-          <p:xfrm>
-            <a:off x="2566904" y="4036393"/>
-            <a:ext cx="266700" cy="330200"/>
-          </p:xfrm>
-          <a:graphic>
-            <a:graphicData uri="http://schemas.openxmlformats.org/presentationml/2006/ole">
-              <mc:AlternateContent xmlns:mc="http://schemas.openxmlformats.org/markup-compatibility/2006">
-                <mc:Choice xmlns:v="urn:schemas-microsoft-com:vml" Requires="v">
-                  <p:oleObj spid="_x0000_s8214" name="Equation" r:id="rId3" imgW="266400" imgH="330120" progId="Equation.DSMT4">
-                    <p:embed/>
-                  </p:oleObj>
-                </mc:Choice>
-                <mc:Fallback>
-                  <p:oleObj name="Equation" r:id="rId3" imgW="266400" imgH="330120" progId="Equation.DSMT4">
-                    <p:embed/>
-                    <p:pic>
-                      <p:nvPicPr>
-                        <p:cNvPr id="0" name=""/>
-                        <p:cNvPicPr>
-                          <a:picLocks noChangeAspect="1" noChangeArrowheads="1"/>
-                        </p:cNvPicPr>
-                        <p:nvPr/>
-                      </p:nvPicPr>
-                      <p:blipFill>
-                        <a:blip r:embed="rId4"/>
-                        <a:srcRect/>
-                        <a:stretch>
-                          <a:fillRect/>
-                        </a:stretch>
-                      </p:blipFill>
-                      <p:spPr bwMode="auto">
-                        <a:xfrm>
-                          <a:off x="2566904" y="4036393"/>
-                          <a:ext cx="266700" cy="330200"/>
-                        </a:xfrm>
-                        <a:prstGeom prst="rect">
-                          <a:avLst/>
-                        </a:prstGeom>
-                        <a:noFill/>
-                        <a:ln>
-                          <a:noFill/>
-                        </a:ln>
-                        <a:extLst>
-                          <a:ext uri="{909E8E84-426E-40DD-AFC4-6F175D3DCCD1}">
-                            <a14:hiddenFill xmlns:a14="http://schemas.microsoft.com/office/drawing/2010/main">
-                              <a:solidFill>
-                                <a:srgbClr val="FFFFFF"/>
-                              </a:solidFill>
-                            </a14:hiddenFill>
-                          </a:ext>
-                          <a:ext uri="{91240B29-F687-4F45-9708-019B960494DF}">
-                            <a14:hiddenLine xmlns:a14="http://schemas.microsoft.com/office/drawing/2010/main" w="9525">
-                              <a:solidFill>
-                                <a:srgbClr val="000000"/>
-                              </a:solidFill>
-                              <a:miter lim="800000"/>
-                              <a:headEnd/>
-                              <a:tailEnd/>
-                            </a14:hiddenLine>
-                          </a:ext>
-                        </a:extLst>
-                      </p:spPr>
-                    </p:pic>
-                  </p:oleObj>
-                </mc:Fallback>
-              </mc:AlternateContent>
-            </a:graphicData>
-          </a:graphic>
-        </p:graphicFrame>
-      </p:grpSp>
-      <p:grpSp>
-        <p:nvGrpSpPr>
-          <p:cNvPr id="10" name="组合 9"/>
-          <p:cNvGrpSpPr/>
-          <p:nvPr/>
-        </p:nvGrpSpPr>
-        <p:grpSpPr>
+          </a:xfrm>
+          <a:prstGeom prst="ellipse">
+            <a:avLst/>
+          </a:prstGeom>
+          <a:noFill/>
+          <a:ln w="28575">
+            <a:solidFill>
+              <a:schemeClr val="tx1"/>
+            </a:solidFill>
+          </a:ln>
+        </p:spPr>
+        <p:style>
+          <a:lnRef idx="2">
+            <a:schemeClr val="accent1">
+              <a:shade val="50000"/>
+            </a:schemeClr>
+          </a:lnRef>
+          <a:fillRef idx="1">
+            <a:schemeClr val="accent1"/>
+          </a:fillRef>
+          <a:effectRef idx="0">
+            <a:schemeClr val="accent1"/>
+          </a:effectRef>
+          <a:fontRef idx="minor">
+            <a:schemeClr val="lt1"/>
+          </a:fontRef>
+        </p:style>
+        <p:txBody>
+          <a:bodyPr rtlCol="0" anchor="ctr"/>
+          <a:lstStyle/>
+          <a:p>
+            <a:pPr algn="ctr"/>
+            <a:endParaRPr lang="zh-CN" altLang="en-US"/>
+          </a:p>
+        </p:txBody>
+      </p:sp>
+      <p:sp>
+        <p:nvSpPr>
+          <p:cNvPr id="11" name="椭圆 10"/>
+          <p:cNvSpPr/>
+          <p:nvPr/>
+        </p:nvSpPr>
+        <p:spPr>
           <a:xfrm>
             <a:off x="2509252" y="2924944"/>
             <a:ext cx="432000" cy="432000"/>
-            <a:chOff x="4788024" y="3298227"/>
-            <a:chExt cx="432000" cy="432000"/>
-          </a:xfrm>
-        </p:grpSpPr>
-        <p:sp>
-          <p:nvSpPr>
-            <p:cNvPr id="11" name="椭圆 10"/>
-            <p:cNvSpPr/>
-            <p:nvPr/>
-          </p:nvSpPr>
-          <p:spPr>
-            <a:xfrm>
-              <a:off x="4788024" y="3298227"/>
-              <a:ext cx="432000" cy="432000"/>
-            </a:xfrm>
-            <a:prstGeom prst="ellipse">
-              <a:avLst/>
-            </a:prstGeom>
-            <a:noFill/>
-            <a:ln w="38100">
-              <a:solidFill>
-                <a:schemeClr val="tx1"/>
-              </a:solidFill>
-            </a:ln>
-          </p:spPr>
-          <p:style>
-            <a:lnRef idx="2">
-              <a:schemeClr val="accent1">
-                <a:shade val="50000"/>
-              </a:schemeClr>
-            </a:lnRef>
-            <a:fillRef idx="1">
-              <a:schemeClr val="accent1"/>
-            </a:fillRef>
-            <a:effectRef idx="0">
-              <a:schemeClr val="accent1"/>
-            </a:effectRef>
-            <a:fontRef idx="minor">
-              <a:schemeClr val="lt1"/>
-            </a:fontRef>
-          </p:style>
-          <p:txBody>
-            <a:bodyPr rtlCol="0" anchor="ctr"/>
-            <a:lstStyle/>
-            <a:p>
-              <a:pPr algn="ctr"/>
-              <a:endParaRPr lang="zh-CN" altLang="en-US"/>
-            </a:p>
-          </p:txBody>
-        </p:sp>
-        <p:graphicFrame>
-          <p:nvGraphicFramePr>
-            <p:cNvPr id="12" name="对象 11"/>
-            <p:cNvGraphicFramePr>
-              <a:graphicFrameLocks noChangeAspect="1"/>
-            </p:cNvGraphicFramePr>
-            <p:nvPr>
-              <p:extLst>
-                <p:ext uri="{D42A27DB-BD31-4B8C-83A1-F6EECF244321}">
-                  <p14:modId xmlns:p14="http://schemas.microsoft.com/office/powerpoint/2010/main" val="2152499926"/>
-                </p:ext>
-              </p:extLst>
-            </p:nvPr>
-          </p:nvGraphicFramePr>
-          <p:xfrm>
-            <a:off x="4838997" y="3335929"/>
-            <a:ext cx="330200" cy="330200"/>
-          </p:xfrm>
-          <a:graphic>
-            <a:graphicData uri="http://schemas.openxmlformats.org/presentationml/2006/ole">
-              <mc:AlternateContent xmlns:mc="http://schemas.openxmlformats.org/markup-compatibility/2006">
-                <mc:Choice xmlns:v="urn:schemas-microsoft-com:vml" Requires="v">
-                  <p:oleObj spid="_x0000_s8215" name="Equation" r:id="rId5" imgW="330120" imgH="330120" progId="Equation.DSMT4">
-                    <p:embed/>
-                  </p:oleObj>
-                </mc:Choice>
-                <mc:Fallback>
-                  <p:oleObj name="Equation" r:id="rId5" imgW="330120" imgH="330120" progId="Equation.DSMT4">
-                    <p:embed/>
-                    <p:pic>
-                      <p:nvPicPr>
-                        <p:cNvPr id="0" name=""/>
-                        <p:cNvPicPr>
-                          <a:picLocks noChangeAspect="1" noChangeArrowheads="1"/>
-                        </p:cNvPicPr>
-                        <p:nvPr/>
-                      </p:nvPicPr>
-                      <p:blipFill>
-                        <a:blip r:embed="rId6"/>
-                        <a:srcRect/>
-                        <a:stretch>
-                          <a:fillRect/>
-                        </a:stretch>
-                      </p:blipFill>
-                      <p:spPr bwMode="auto">
-                        <a:xfrm>
-                          <a:off x="4838997" y="3335929"/>
-                          <a:ext cx="330200" cy="330200"/>
-                        </a:xfrm>
-                        <a:prstGeom prst="rect">
-                          <a:avLst/>
-                        </a:prstGeom>
-                        <a:noFill/>
-                        <a:ln>
-                          <a:noFill/>
-                        </a:ln>
-                        <a:extLst>
-                          <a:ext uri="{909E8E84-426E-40DD-AFC4-6F175D3DCCD1}">
-                            <a14:hiddenFill xmlns:a14="http://schemas.microsoft.com/office/drawing/2010/main">
-                              <a:solidFill>
-                                <a:srgbClr val="FFFFFF"/>
-                              </a:solidFill>
-                            </a14:hiddenFill>
-                          </a:ext>
-                          <a:ext uri="{91240B29-F687-4F45-9708-019B960494DF}">
-                            <a14:hiddenLine xmlns:a14="http://schemas.microsoft.com/office/drawing/2010/main" w="9525">
-                              <a:solidFill>
-                                <a:srgbClr val="000000"/>
-                              </a:solidFill>
-                              <a:miter lim="800000"/>
-                              <a:headEnd/>
-                              <a:tailEnd/>
-                            </a14:hiddenLine>
-                          </a:ext>
-                        </a:extLst>
-                      </p:spPr>
-                    </p:pic>
-                  </p:oleObj>
-                </mc:Fallback>
-              </mc:AlternateContent>
-            </a:graphicData>
-          </a:graphic>
-        </p:graphicFrame>
-      </p:grpSp>
-      <p:grpSp>
-        <p:nvGrpSpPr>
-          <p:cNvPr id="13" name="组合 12"/>
-          <p:cNvGrpSpPr/>
-          <p:nvPr/>
-        </p:nvGrpSpPr>
-        <p:grpSpPr>
+          </a:xfrm>
+          <a:prstGeom prst="ellipse">
+            <a:avLst/>
+          </a:prstGeom>
+          <a:noFill/>
+          <a:ln w="28575">
+            <a:solidFill>
+              <a:schemeClr val="tx1"/>
+            </a:solidFill>
+          </a:ln>
+        </p:spPr>
+        <p:style>
+          <a:lnRef idx="2">
+            <a:schemeClr val="accent1">
+              <a:shade val="50000"/>
+            </a:schemeClr>
+          </a:lnRef>
+          <a:fillRef idx="1">
+            <a:schemeClr val="accent1"/>
+          </a:fillRef>
+          <a:effectRef idx="0">
+            <a:schemeClr val="accent1"/>
+          </a:effectRef>
+          <a:fontRef idx="minor">
+            <a:schemeClr val="lt1"/>
+          </a:fontRef>
+        </p:style>
+        <p:txBody>
+          <a:bodyPr rtlCol="0" anchor="ctr"/>
+          <a:lstStyle/>
+          <a:p>
+            <a:pPr algn="ctr"/>
+            <a:endParaRPr lang="zh-CN" altLang="en-US"/>
+          </a:p>
+        </p:txBody>
+      </p:sp>
+      <p:sp>
+        <p:nvSpPr>
+          <p:cNvPr id="14" name="椭圆 13"/>
+          <p:cNvSpPr/>
+          <p:nvPr/>
+        </p:nvSpPr>
+        <p:spPr>
           <a:xfrm>
             <a:off x="6171548" y="3595275"/>
             <a:ext cx="432000" cy="432000"/>
-            <a:chOff x="4818948" y="3964939"/>
-            <a:chExt cx="432000" cy="432000"/>
-          </a:xfrm>
-        </p:grpSpPr>
-        <p:sp>
-          <p:nvSpPr>
-            <p:cNvPr id="14" name="椭圆 13"/>
-            <p:cNvSpPr/>
-            <p:nvPr/>
-          </p:nvSpPr>
-          <p:spPr>
-            <a:xfrm>
-              <a:off x="4818948" y="3964939"/>
-              <a:ext cx="432000" cy="432000"/>
-            </a:xfrm>
-            <a:prstGeom prst="ellipse">
-              <a:avLst/>
-            </a:prstGeom>
-            <a:noFill/>
-            <a:ln w="38100">
-              <a:solidFill>
-                <a:schemeClr val="tx1"/>
-              </a:solidFill>
-            </a:ln>
-          </p:spPr>
-          <p:style>
-            <a:lnRef idx="2">
-              <a:schemeClr val="accent1">
-                <a:shade val="50000"/>
-              </a:schemeClr>
-            </a:lnRef>
-            <a:fillRef idx="1">
-              <a:schemeClr val="accent1"/>
-            </a:fillRef>
-            <a:effectRef idx="0">
-              <a:schemeClr val="accent1"/>
-            </a:effectRef>
-            <a:fontRef idx="minor">
-              <a:schemeClr val="lt1"/>
-            </a:fontRef>
-          </p:style>
-          <p:txBody>
-            <a:bodyPr rtlCol="0" anchor="ctr"/>
-            <a:lstStyle/>
-            <a:p>
-              <a:pPr algn="ctr"/>
-              <a:endParaRPr lang="zh-CN" altLang="en-US"/>
-            </a:p>
-          </p:txBody>
-        </p:sp>
-        <p:graphicFrame>
-          <p:nvGraphicFramePr>
-            <p:cNvPr id="15" name="对象 14"/>
-            <p:cNvGraphicFramePr>
-              <a:graphicFrameLocks noChangeAspect="1"/>
-            </p:cNvGraphicFramePr>
-            <p:nvPr>
-              <p:extLst>
-                <p:ext uri="{D42A27DB-BD31-4B8C-83A1-F6EECF244321}">
-                  <p14:modId xmlns:p14="http://schemas.microsoft.com/office/powerpoint/2010/main" val="3016401141"/>
-                </p:ext>
-              </p:extLst>
-            </p:nvPr>
-          </p:nvGraphicFramePr>
-          <p:xfrm>
-            <a:off x="4921200" y="3995514"/>
-            <a:ext cx="228600" cy="330200"/>
-          </p:xfrm>
-          <a:graphic>
-            <a:graphicData uri="http://schemas.openxmlformats.org/presentationml/2006/ole">
-              <mc:AlternateContent xmlns:mc="http://schemas.openxmlformats.org/markup-compatibility/2006">
-                <mc:Choice xmlns:v="urn:schemas-microsoft-com:vml" Requires="v">
-                  <p:oleObj spid="_x0000_s8216" name="Equation" r:id="rId7" imgW="228600" imgH="330120" progId="Equation.DSMT4">
-                    <p:embed/>
-                  </p:oleObj>
-                </mc:Choice>
-                <mc:Fallback>
-                  <p:oleObj name="Equation" r:id="rId7" imgW="228600" imgH="330120" progId="Equation.DSMT4">
-                    <p:embed/>
-                    <p:pic>
-                      <p:nvPicPr>
-                        <p:cNvPr id="0" name=""/>
-                        <p:cNvPicPr>
-                          <a:picLocks noChangeAspect="1" noChangeArrowheads="1"/>
-                        </p:cNvPicPr>
-                        <p:nvPr/>
-                      </p:nvPicPr>
-                      <p:blipFill>
-                        <a:blip r:embed="rId8"/>
-                        <a:srcRect/>
-                        <a:stretch>
-                          <a:fillRect/>
-                        </a:stretch>
-                      </p:blipFill>
-                      <p:spPr bwMode="auto">
-                        <a:xfrm>
-                          <a:off x="4921200" y="3995514"/>
-                          <a:ext cx="228600" cy="330200"/>
-                        </a:xfrm>
-                        <a:prstGeom prst="rect">
-                          <a:avLst/>
-                        </a:prstGeom>
-                        <a:noFill/>
-                        <a:ln>
-                          <a:noFill/>
-                        </a:ln>
-                        <a:extLst>
-                          <a:ext uri="{909E8E84-426E-40DD-AFC4-6F175D3DCCD1}">
-                            <a14:hiddenFill xmlns:a14="http://schemas.microsoft.com/office/drawing/2010/main">
-                              <a:solidFill>
-                                <a:srgbClr val="FFFFFF"/>
-                              </a:solidFill>
-                            </a14:hiddenFill>
-                          </a:ext>
-                          <a:ext uri="{91240B29-F687-4F45-9708-019B960494DF}">
-                            <a14:hiddenLine xmlns:a14="http://schemas.microsoft.com/office/drawing/2010/main" w="9525">
-                              <a:solidFill>
-                                <a:srgbClr val="000000"/>
-                              </a:solidFill>
-                              <a:miter lim="800000"/>
-                              <a:headEnd/>
-                              <a:tailEnd/>
-                            </a14:hiddenLine>
-                          </a:ext>
-                        </a:extLst>
-                      </p:spPr>
-                    </p:pic>
-                  </p:oleObj>
-                </mc:Fallback>
-              </mc:AlternateContent>
-            </a:graphicData>
-          </a:graphic>
-        </p:graphicFrame>
-      </p:grpSp>
+          </a:xfrm>
+          <a:prstGeom prst="ellipse">
+            <a:avLst/>
+          </a:prstGeom>
+          <a:noFill/>
+          <a:ln w="28575">
+            <a:solidFill>
+              <a:schemeClr val="tx1"/>
+            </a:solidFill>
+          </a:ln>
+        </p:spPr>
+        <p:style>
+          <a:lnRef idx="2">
+            <a:schemeClr val="accent1">
+              <a:shade val="50000"/>
+            </a:schemeClr>
+          </a:lnRef>
+          <a:fillRef idx="1">
+            <a:schemeClr val="accent1"/>
+          </a:fillRef>
+          <a:effectRef idx="0">
+            <a:schemeClr val="accent1"/>
+          </a:effectRef>
+          <a:fontRef idx="minor">
+            <a:schemeClr val="lt1"/>
+          </a:fontRef>
+        </p:style>
+        <p:txBody>
+          <a:bodyPr rtlCol="0" anchor="ctr"/>
+          <a:lstStyle/>
+          <a:p>
+            <a:pPr algn="ctr"/>
+            <a:endParaRPr lang="zh-CN" altLang="en-US"/>
+          </a:p>
+        </p:txBody>
+      </p:sp>
       <p:cxnSp>
         <p:nvCxnSpPr>
           <p:cNvPr id="16" name="直接箭头连接符 15"/>
@@ -15479,7 +14676,7 @@
           <a:solidFill>
             <a:srgbClr val="92D050"/>
           </a:solidFill>
-          <a:ln>
+          <a:ln w="19050">
             <a:solidFill>
               <a:schemeClr val="tx1"/>
             </a:solidFill>
@@ -15507,13 +14704,13 @@
           <a:p>
             <a:pPr algn="ctr"/>
             <a:r>
-              <a:rPr lang="en-US" altLang="zh-CN" sz="1600" dirty="0" smtClean="0">
+              <a:rPr lang="en-US" altLang="zh-CN" dirty="0" smtClean="0">
                 <a:latin typeface="Times New Roman" panose="02020603050405020304" pitchFamily="18" charset="0"/>
                 <a:cs typeface="Times New Roman" panose="02020603050405020304" pitchFamily="18" charset="0"/>
               </a:rPr>
               <a:t>attention</a:t>
             </a:r>
-            <a:endParaRPr lang="zh-CN" altLang="en-US" sz="1600" dirty="0">
+            <a:endParaRPr lang="zh-CN" altLang="en-US" dirty="0">
               <a:latin typeface="Times New Roman" panose="02020603050405020304" pitchFamily="18" charset="0"/>
               <a:cs typeface="Times New Roman" panose="02020603050405020304" pitchFamily="18" charset="0"/>
             </a:endParaRPr>
@@ -15598,150 +14795,52 @@
           </a:fontRef>
         </p:style>
       </p:cxnSp>
-      <p:grpSp>
-        <p:nvGrpSpPr>
-          <p:cNvPr id="25" name="组合 24"/>
-          <p:cNvGrpSpPr/>
-          <p:nvPr/>
-        </p:nvGrpSpPr>
-        <p:grpSpPr>
+      <p:sp>
+        <p:nvSpPr>
+          <p:cNvPr id="26" name="椭圆 25"/>
+          <p:cNvSpPr/>
+          <p:nvPr/>
+        </p:nvSpPr>
+        <p:spPr>
           <a:xfrm>
             <a:off x="4772424" y="3595275"/>
             <a:ext cx="432000" cy="432000"/>
-            <a:chOff x="4788024" y="3298227"/>
-            <a:chExt cx="432000" cy="432000"/>
-          </a:xfrm>
-        </p:grpSpPr>
-        <p:sp>
-          <p:nvSpPr>
-            <p:cNvPr id="26" name="椭圆 25"/>
-            <p:cNvSpPr/>
-            <p:nvPr/>
-          </p:nvSpPr>
-          <p:spPr>
-            <a:xfrm>
-              <a:off x="4788024" y="3298227"/>
-              <a:ext cx="432000" cy="432000"/>
-            </a:xfrm>
-            <a:prstGeom prst="ellipse">
-              <a:avLst/>
-            </a:prstGeom>
-            <a:noFill/>
-            <a:ln w="38100">
-              <a:solidFill>
-                <a:schemeClr val="tx1"/>
-              </a:solidFill>
-            </a:ln>
-          </p:spPr>
-          <p:style>
-            <a:lnRef idx="2">
-              <a:schemeClr val="accent1">
-                <a:shade val="50000"/>
-              </a:schemeClr>
-            </a:lnRef>
-            <a:fillRef idx="1">
-              <a:schemeClr val="accent1"/>
-            </a:fillRef>
-            <a:effectRef idx="0">
-              <a:schemeClr val="accent1"/>
-            </a:effectRef>
-            <a:fontRef idx="minor">
-              <a:schemeClr val="lt1"/>
-            </a:fontRef>
-          </p:style>
-          <p:txBody>
-            <a:bodyPr rtlCol="0" anchor="ctr"/>
-            <a:lstStyle/>
-            <a:p>
-              <a:pPr algn="ctr"/>
-              <a:endParaRPr lang="zh-CN" altLang="en-US"/>
-            </a:p>
-          </p:txBody>
-        </p:sp>
-        <p:graphicFrame>
-          <p:nvGraphicFramePr>
-            <p:cNvPr id="27" name="对象 26"/>
-            <p:cNvGraphicFramePr>
-              <a:graphicFrameLocks noChangeAspect="1"/>
-            </p:cNvGraphicFramePr>
-            <p:nvPr>
-              <p:extLst>
-                <p:ext uri="{D42A27DB-BD31-4B8C-83A1-F6EECF244321}">
-                  <p14:modId xmlns:p14="http://schemas.microsoft.com/office/powerpoint/2010/main" val="3069468955"/>
-                </p:ext>
-              </p:extLst>
-            </p:nvPr>
-          </p:nvGraphicFramePr>
-          <p:xfrm>
-            <a:off x="4865413" y="3335152"/>
-            <a:ext cx="279400" cy="330200"/>
-          </p:xfrm>
-          <a:graphic>
-            <a:graphicData uri="http://schemas.openxmlformats.org/presentationml/2006/ole">
-              <mc:AlternateContent xmlns:mc="http://schemas.openxmlformats.org/markup-compatibility/2006">
-                <mc:Choice xmlns:v="urn:schemas-microsoft-com:vml" Requires="v">
-                  <p:oleObj spid="_x0000_s8217" name="Equation" r:id="rId9" imgW="279360" imgH="330120" progId="Equation.DSMT4">
-                    <p:embed/>
-                  </p:oleObj>
-                </mc:Choice>
-                <mc:Fallback>
-                  <p:oleObj name="Equation" r:id="rId9" imgW="279360" imgH="330120" progId="Equation.DSMT4">
-                    <p:embed/>
-                    <p:pic>
-                      <p:nvPicPr>
-                        <p:cNvPr id="0" name=""/>
-                        <p:cNvPicPr>
-                          <a:picLocks noChangeAspect="1" noChangeArrowheads="1"/>
-                        </p:cNvPicPr>
-                        <p:nvPr/>
-                      </p:nvPicPr>
-                      <p:blipFill>
-                        <a:blip r:embed="rId10"/>
-                        <a:srcRect/>
-                        <a:stretch>
-                          <a:fillRect/>
-                        </a:stretch>
-                      </p:blipFill>
-                      <p:spPr bwMode="auto">
-                        <a:xfrm>
-                          <a:off x="4865413" y="3335152"/>
-                          <a:ext cx="279400" cy="330200"/>
-                        </a:xfrm>
-                        <a:prstGeom prst="rect">
-                          <a:avLst/>
-                        </a:prstGeom>
-                        <a:noFill/>
-                        <a:ln>
-                          <a:noFill/>
-                        </a:ln>
-                        <a:extLst>
-                          <a:ext uri="{909E8E84-426E-40DD-AFC4-6F175D3DCCD1}">
-                            <a14:hiddenFill xmlns:a14="http://schemas.microsoft.com/office/drawing/2010/main">
-                              <a:solidFill>
-                                <a:srgbClr val="FFFFFF"/>
-                              </a:solidFill>
-                            </a14:hiddenFill>
-                          </a:ext>
-                          <a:ext uri="{91240B29-F687-4F45-9708-019B960494DF}">
-                            <a14:hiddenLine xmlns:a14="http://schemas.microsoft.com/office/drawing/2010/main" w="9525">
-                              <a:solidFill>
-                                <a:srgbClr val="000000"/>
-                              </a:solidFill>
-                              <a:miter lim="800000"/>
-                              <a:headEnd/>
-                              <a:tailEnd/>
-                            </a14:hiddenLine>
-                          </a:ext>
-                        </a:extLst>
-                      </p:spPr>
-                    </p:pic>
-                  </p:oleObj>
-                </mc:Fallback>
-              </mc:AlternateContent>
-            </a:graphicData>
-          </a:graphic>
-        </p:graphicFrame>
-      </p:grpSp>
+          </a:xfrm>
+          <a:prstGeom prst="ellipse">
+            <a:avLst/>
+          </a:prstGeom>
+          <a:noFill/>
+          <a:ln w="28575">
+            <a:solidFill>
+              <a:schemeClr val="tx1"/>
+            </a:solidFill>
+          </a:ln>
+        </p:spPr>
+        <p:style>
+          <a:lnRef idx="2">
+            <a:schemeClr val="accent1">
+              <a:shade val="50000"/>
+            </a:schemeClr>
+          </a:lnRef>
+          <a:fillRef idx="1">
+            <a:schemeClr val="accent1"/>
+          </a:fillRef>
+          <a:effectRef idx="0">
+            <a:schemeClr val="accent1"/>
+          </a:effectRef>
+          <a:fontRef idx="minor">
+            <a:schemeClr val="lt1"/>
+          </a:fontRef>
+        </p:style>
+        <p:txBody>
+          <a:bodyPr rtlCol="0" anchor="ctr"/>
+          <a:lstStyle/>
+          <a:p>
+            <a:pPr algn="ctr"/>
+            <a:endParaRPr lang="zh-CN" altLang="en-US"/>
+          </a:p>
+        </p:txBody>
+      </p:sp>
       <p:cxnSp>
         <p:nvCxnSpPr>
           <p:cNvPr id="28" name="直接箭头连接符 27"/>
@@ -15814,7 +14913,7 @@
                 <a:lumMod val="75000"/>
               </a:schemeClr>
             </a:solidFill>
-            <a:ln w="28575">
+            <a:ln w="19050">
               <a:solidFill>
                 <a:schemeClr val="tx1"/>
               </a:solidFill>
@@ -16011,6 +15110,358 @@
           </a:fontRef>
         </p:style>
       </p:cxnSp>
+      <p:sp>
+        <p:nvSpPr>
+          <p:cNvPr id="8" name="矩形 7"/>
+          <p:cNvSpPr/>
+          <p:nvPr/>
+        </p:nvSpPr>
+        <p:spPr>
+          <a:xfrm>
+            <a:off x="2514618" y="2884874"/>
+            <a:ext cx="473206" cy="400110"/>
+          </a:xfrm>
+          <a:prstGeom prst="rect">
+            <a:avLst/>
+          </a:prstGeom>
+        </p:spPr>
+        <p:txBody>
+          <a:bodyPr wrap="none">
+            <a:spAutoFit/>
+          </a:bodyPr>
+          <a:lstStyle/>
+          <a:p>
+            <a:r>
+              <a:rPr lang="en-US" altLang="zh-CN" sz="2000" i="1" dirty="0" smtClean="0">
+                <a:latin typeface="Times New Roman" pitchFamily="18" charset="0"/>
+                <a:cs typeface="Times New Roman" pitchFamily="18" charset="0"/>
+              </a:rPr>
+              <a:t>t</a:t>
+            </a:r>
+            <a:r>
+              <a:rPr lang="en-US" altLang="zh-CN" sz="2000" i="1" baseline="-25000" dirty="0" smtClean="0">
+                <a:latin typeface="Times New Roman" pitchFamily="18" charset="0"/>
+                <a:cs typeface="Times New Roman" pitchFamily="18" charset="0"/>
+              </a:rPr>
+              <a:t>k-</a:t>
+            </a:r>
+            <a:r>
+              <a:rPr lang="en-US" altLang="zh-CN" sz="2000" baseline="-25000" dirty="0" smtClean="0">
+                <a:latin typeface="Times New Roman" pitchFamily="18" charset="0"/>
+                <a:cs typeface="Times New Roman" pitchFamily="18" charset="0"/>
+              </a:rPr>
+              <a:t>1</a:t>
+            </a:r>
+            <a:endParaRPr lang="zh-CN" altLang="en-US" sz="2000" baseline="-25000" dirty="0">
+              <a:latin typeface="Cambria Math" pitchFamily="18" charset="0"/>
+              <a:cs typeface="Times New Roman" pitchFamily="18" charset="0"/>
+            </a:endParaRPr>
+          </a:p>
+        </p:txBody>
+      </p:sp>
+      <mc:AlternateContent xmlns:mc="http://schemas.openxmlformats.org/markup-compatibility/2006" xmlns:a14="http://schemas.microsoft.com/office/drawing/2010/main">
+        <mc:Choice Requires="a14">
+          <p:sp>
+            <p:nvSpPr>
+              <p:cNvPr id="9" name="矩形 8"/>
+              <p:cNvSpPr/>
+              <p:nvPr/>
+            </p:nvSpPr>
+            <p:spPr>
+              <a:xfrm>
+                <a:off x="2483768" y="3604954"/>
+                <a:ext cx="512704" cy="400110"/>
+              </a:xfrm>
+              <a:prstGeom prst="rect">
+                <a:avLst/>
+              </a:prstGeom>
+            </p:spPr>
+            <p:txBody>
+              <a:bodyPr wrap="none">
+                <a:spAutoFit/>
+              </a:bodyPr>
+              <a:lstStyle/>
+              <a:p>
+                <a:pPr/>
+                <a14:m>
+                  <m:oMathPara xmlns:m="http://schemas.openxmlformats.org/officeDocument/2006/math">
+                    <m:oMathParaPr>
+                      <m:jc m:val="centerGroup"/>
+                    </m:oMathParaPr>
+                    <m:oMath xmlns:m="http://schemas.openxmlformats.org/officeDocument/2006/math">
+                      <m:sSub>
+                        <m:sSubPr>
+                          <m:ctrlPr>
+                            <a:rPr lang="zh-CN" altLang="en-US" sz="2000" b="1" i="1">
+                              <a:latin typeface="Cambria Math"/>
+                            </a:rPr>
+                          </m:ctrlPr>
+                        </m:sSubPr>
+                        <m:e>
+                          <m:r>
+                            <a:rPr lang="zh-CN" altLang="en-US" sz="2000" b="1">
+                              <a:latin typeface="Cambria Math"/>
+                            </a:rPr>
+                            <m:t>𝐡</m:t>
+                          </m:r>
+                        </m:e>
+                        <m:sub>
+                          <m:r>
+                            <a:rPr lang="zh-CN" altLang="en-US" sz="2000" i="1">
+                              <a:latin typeface="Cambria Math"/>
+                            </a:rPr>
+                            <m:t>𝑘</m:t>
+                          </m:r>
+                        </m:sub>
+                      </m:sSub>
+                    </m:oMath>
+                  </m:oMathPara>
+                </a14:m>
+                <a:endParaRPr lang="zh-CN" altLang="en-US" sz="2000" dirty="0"/>
+              </a:p>
+            </p:txBody>
+          </p:sp>
+        </mc:Choice>
+        <mc:Fallback xmlns="">
+          <p:sp>
+            <p:nvSpPr>
+              <p:cNvPr id="9" name="矩形 8"/>
+              <p:cNvSpPr>
+                <a:spLocks noRot="1" noChangeAspect="1" noMove="1" noResize="1" noEditPoints="1" noAdjustHandles="1" noChangeArrowheads="1" noChangeShapeType="1" noTextEdit="1"/>
+              </p:cNvSpPr>
+              <p:nvPr/>
+            </p:nvSpPr>
+            <p:spPr>
+              <a:xfrm>
+                <a:off x="2483768" y="3604954"/>
+                <a:ext cx="512704" cy="400110"/>
+              </a:xfrm>
+              <a:prstGeom prst="rect">
+                <a:avLst/>
+              </a:prstGeom>
+              <a:blipFill rotWithShape="1">
+                <a:blip r:embed="rId2"/>
+                <a:stretch>
+                  <a:fillRect b="-1515"/>
+                </a:stretch>
+              </a:blipFill>
+            </p:spPr>
+            <p:txBody>
+              <a:bodyPr/>
+              <a:lstStyle/>
+              <a:p>
+                <a:r>
+                  <a:rPr lang="zh-CN" altLang="en-US">
+                    <a:noFill/>
+                  </a:rPr>
+                  <a:t> </a:t>
+                </a:r>
+              </a:p>
+            </p:txBody>
+          </p:sp>
+        </mc:Fallback>
+      </mc:AlternateContent>
+      <mc:AlternateContent xmlns:mc="http://schemas.openxmlformats.org/markup-compatibility/2006" xmlns:a14="http://schemas.microsoft.com/office/drawing/2010/main">
+        <mc:Choice Requires="a14">
+          <p:sp>
+            <p:nvSpPr>
+              <p:cNvPr id="17" name="矩形 16"/>
+              <p:cNvSpPr/>
+              <p:nvPr/>
+            </p:nvSpPr>
+            <p:spPr>
+              <a:xfrm>
+                <a:off x="4781167" y="3573016"/>
+                <a:ext cx="423257" cy="392993"/>
+              </a:xfrm>
+              <a:prstGeom prst="rect">
+                <a:avLst/>
+              </a:prstGeom>
+            </p:spPr>
+            <p:txBody>
+              <a:bodyPr wrap="none">
+                <a:spAutoFit/>
+              </a:bodyPr>
+              <a:lstStyle/>
+              <a:p>
+                <a14:m>
+                  <m:oMath xmlns:m="http://schemas.openxmlformats.org/officeDocument/2006/math">
+                    <m:acc>
+                      <m:accPr>
+                        <m:chr m:val="⃑"/>
+                        <m:ctrlPr>
+                          <a:rPr lang="zh-CN" altLang="en-US" sz="2000" i="1" smtClean="0">
+                            <a:latin typeface="Cambria Math"/>
+                          </a:rPr>
+                        </m:ctrlPr>
+                      </m:accPr>
+                      <m:e>
+                        <m:r>
+                          <a:rPr lang="zh-CN" altLang="en-US" sz="2000" i="1" smtClean="0">
+                            <a:latin typeface="Cambria Math"/>
+                          </a:rPr>
+                          <m:t>𝛼</m:t>
+                        </m:r>
+                      </m:e>
+                    </m:acc>
+                  </m:oMath>
+                </a14:m>
+                <a:r>
+                  <a:rPr lang="en-US" altLang="zh-CN" sz="2000" i="1" baseline="-25000" dirty="0" smtClean="0">
+                    <a:latin typeface="Times New Roman" pitchFamily="18" charset="0"/>
+                    <a:cs typeface="Times New Roman" pitchFamily="18" charset="0"/>
+                  </a:rPr>
+                  <a:t>k</a:t>
+                </a:r>
+                <a:endParaRPr lang="zh-CN" altLang="en-US" sz="2000" i="1" baseline="-25000" dirty="0">
+                  <a:latin typeface="Times New Roman" pitchFamily="18" charset="0"/>
+                  <a:cs typeface="Times New Roman" pitchFamily="18" charset="0"/>
+                </a:endParaRPr>
+              </a:p>
+            </p:txBody>
+          </p:sp>
+        </mc:Choice>
+        <mc:Fallback xmlns="">
+          <p:sp>
+            <p:nvSpPr>
+              <p:cNvPr id="17" name="矩形 16"/>
+              <p:cNvSpPr>
+                <a:spLocks noRot="1" noChangeAspect="1" noMove="1" noResize="1" noEditPoints="1" noAdjustHandles="1" noChangeArrowheads="1" noChangeShapeType="1" noTextEdit="1"/>
+              </p:cNvSpPr>
+              <p:nvPr/>
+            </p:nvSpPr>
+            <p:spPr>
+              <a:xfrm>
+                <a:off x="4781167" y="3573016"/>
+                <a:ext cx="423257" cy="392993"/>
+              </a:xfrm>
+              <a:prstGeom prst="rect">
+                <a:avLst/>
+              </a:prstGeom>
+              <a:blipFill rotWithShape="1">
+                <a:blip r:embed="rId3"/>
+                <a:stretch>
+                  <a:fillRect t="-1538" r="-8571" b="-24615"/>
+                </a:stretch>
+              </a:blipFill>
+            </p:spPr>
+            <p:txBody>
+              <a:bodyPr/>
+              <a:lstStyle/>
+              <a:p>
+                <a:r>
+                  <a:rPr lang="zh-CN" altLang="en-US">
+                    <a:noFill/>
+                  </a:rPr>
+                  <a:t> </a:t>
+                </a:r>
+              </a:p>
+            </p:txBody>
+          </p:sp>
+        </mc:Fallback>
+      </mc:AlternateContent>
+      <mc:AlternateContent xmlns:mc="http://schemas.openxmlformats.org/markup-compatibility/2006" xmlns:a14="http://schemas.microsoft.com/office/drawing/2010/main">
+        <mc:Choice Requires="a14">
+          <p:sp>
+            <p:nvSpPr>
+              <p:cNvPr id="21" name="矩形 20"/>
+              <p:cNvSpPr/>
+              <p:nvPr/>
+            </p:nvSpPr>
+            <p:spPr>
+              <a:xfrm>
+                <a:off x="6156176" y="3573016"/>
+                <a:ext cx="474232" cy="400110"/>
+              </a:xfrm>
+              <a:prstGeom prst="rect">
+                <a:avLst/>
+              </a:prstGeom>
+            </p:spPr>
+            <p:txBody>
+              <a:bodyPr wrap="none">
+                <a:spAutoFit/>
+              </a:bodyPr>
+              <a:lstStyle/>
+              <a:p>
+                <a:pPr/>
+                <a14:m>
+                  <m:oMathPara xmlns:m="http://schemas.openxmlformats.org/officeDocument/2006/math">
+                    <m:oMathParaPr>
+                      <m:jc m:val="centerGroup"/>
+                    </m:oMathParaPr>
+                    <m:oMath xmlns:m="http://schemas.openxmlformats.org/officeDocument/2006/math">
+                      <m:sSub>
+                        <m:sSubPr>
+                          <m:ctrlPr>
+                            <a:rPr lang="zh-CN" altLang="en-US" sz="2000" i="1">
+                              <a:latin typeface="Cambria Math"/>
+                            </a:rPr>
+                          </m:ctrlPr>
+                        </m:sSubPr>
+                        <m:e>
+                          <m:r>
+                            <a:rPr lang="zh-CN" altLang="en-US" sz="2000" i="1">
+                              <a:latin typeface="Cambria Math"/>
+                            </a:rPr>
+                            <m:t>𝑠</m:t>
+                          </m:r>
+                        </m:e>
+                        <m:sub>
+                          <m:r>
+                            <a:rPr lang="zh-CN" altLang="en-US" sz="2000" i="1">
+                              <a:latin typeface="Cambria Math"/>
+                            </a:rPr>
+                            <m:t>𝑘</m:t>
+                          </m:r>
+                        </m:sub>
+                      </m:sSub>
+                    </m:oMath>
+                  </m:oMathPara>
+                </a14:m>
+                <a:endParaRPr lang="zh-CN" altLang="en-US" sz="2000" dirty="0"/>
+              </a:p>
+            </p:txBody>
+          </p:sp>
+        </mc:Choice>
+        <mc:Fallback xmlns="">
+          <p:sp>
+            <p:nvSpPr>
+              <p:cNvPr id="21" name="矩形 20"/>
+              <p:cNvSpPr>
+                <a:spLocks noRot="1" noChangeAspect="1" noMove="1" noResize="1" noEditPoints="1" noAdjustHandles="1" noChangeArrowheads="1" noChangeShapeType="1" noTextEdit="1"/>
+              </p:cNvSpPr>
+              <p:nvPr/>
+            </p:nvSpPr>
+            <p:spPr>
+              <a:xfrm>
+                <a:off x="6156176" y="3573016"/>
+                <a:ext cx="474232" cy="400110"/>
+              </a:xfrm>
+              <a:prstGeom prst="rect">
+                <a:avLst/>
+              </a:prstGeom>
+              <a:blipFill rotWithShape="1">
+                <a:blip r:embed="rId4"/>
+                <a:stretch>
+                  <a:fillRect b="-1515"/>
+                </a:stretch>
+              </a:blipFill>
+            </p:spPr>
+            <p:txBody>
+              <a:bodyPr/>
+              <a:lstStyle/>
+              <a:p>
+                <a:r>
+                  <a:rPr lang="zh-CN" altLang="en-US">
+                    <a:noFill/>
+                  </a:rPr>
+                  <a:t> </a:t>
+                </a:r>
+              </a:p>
+            </p:txBody>
+          </p:sp>
+        </mc:Fallback>
+      </mc:AlternateContent>
     </p:spTree>
     <p:extLst>
       <p:ext uri="{BB962C8B-B14F-4D97-AF65-F5344CB8AC3E}">
@@ -16063,7 +15514,7 @@
             <a:avLst/>
           </a:prstGeom>
           <a:noFill/>
-          <a:ln w="28575">
+          <a:ln w="12700">
             <a:solidFill>
               <a:schemeClr val="tx1"/>
             </a:solidFill>
@@ -16130,438 +15581,144 @@
           </a:p>
         </p:txBody>
       </p:sp>
-      <p:grpSp>
-        <p:nvGrpSpPr>
-          <p:cNvPr id="4" name="组合 3"/>
-          <p:cNvGrpSpPr/>
-          <p:nvPr/>
-        </p:nvGrpSpPr>
-        <p:grpSpPr>
+      <p:sp>
+        <p:nvSpPr>
+          <p:cNvPr id="5" name="椭圆 4"/>
+          <p:cNvSpPr/>
+          <p:nvPr/>
+        </p:nvSpPr>
+        <p:spPr>
           <a:xfrm>
             <a:off x="2493928" y="4293096"/>
             <a:ext cx="432000" cy="432000"/>
-            <a:chOff x="2483768" y="3970893"/>
-            <a:chExt cx="432000" cy="432000"/>
-          </a:xfrm>
-        </p:grpSpPr>
-        <p:sp>
-          <p:nvSpPr>
-            <p:cNvPr id="5" name="椭圆 4"/>
-            <p:cNvSpPr/>
-            <p:nvPr/>
-          </p:nvSpPr>
-          <p:spPr>
-            <a:xfrm>
-              <a:off x="2483768" y="3970893"/>
-              <a:ext cx="432000" cy="432000"/>
-            </a:xfrm>
-            <a:prstGeom prst="ellipse">
-              <a:avLst/>
-            </a:prstGeom>
-            <a:noFill/>
-            <a:ln w="38100">
-              <a:solidFill>
-                <a:schemeClr val="tx1"/>
-              </a:solidFill>
-            </a:ln>
-          </p:spPr>
-          <p:style>
-            <a:lnRef idx="2">
-              <a:schemeClr val="accent1">
-                <a:shade val="50000"/>
-              </a:schemeClr>
-            </a:lnRef>
-            <a:fillRef idx="1">
-              <a:schemeClr val="accent1"/>
-            </a:fillRef>
-            <a:effectRef idx="0">
-              <a:schemeClr val="accent1"/>
-            </a:effectRef>
-            <a:fontRef idx="minor">
-              <a:schemeClr val="lt1"/>
-            </a:fontRef>
-          </p:style>
-          <p:txBody>
-            <a:bodyPr rtlCol="0" anchor="ctr"/>
-            <a:lstStyle/>
-            <a:p>
-              <a:pPr algn="ctr"/>
-              <a:endParaRPr lang="zh-CN" altLang="en-US"/>
-            </a:p>
-          </p:txBody>
-        </p:sp>
-        <p:graphicFrame>
-          <p:nvGraphicFramePr>
-            <p:cNvPr id="6" name="对象 5"/>
-            <p:cNvGraphicFramePr>
-              <a:graphicFrameLocks noChangeAspect="1"/>
-            </p:cNvGraphicFramePr>
-            <p:nvPr>
-              <p:extLst>
-                <p:ext uri="{D42A27DB-BD31-4B8C-83A1-F6EECF244321}">
-                  <p14:modId xmlns:p14="http://schemas.microsoft.com/office/powerpoint/2010/main" val="722056468"/>
-                </p:ext>
-              </p:extLst>
-            </p:nvPr>
-          </p:nvGraphicFramePr>
-          <p:xfrm>
-            <a:off x="2566353" y="4037072"/>
-            <a:ext cx="266700" cy="330200"/>
-          </p:xfrm>
-          <a:graphic>
-            <a:graphicData uri="http://schemas.openxmlformats.org/presentationml/2006/ole">
-              <mc:AlternateContent xmlns:mc="http://schemas.openxmlformats.org/markup-compatibility/2006">
-                <mc:Choice xmlns:v="urn:schemas-microsoft-com:vml" Requires="v">
-                  <p:oleObj spid="_x0000_s9267" name="Equation" r:id="rId3" imgW="266400" imgH="330120" progId="Equation.DSMT4">
-                    <p:embed/>
-                  </p:oleObj>
-                </mc:Choice>
-                <mc:Fallback>
-                  <p:oleObj name="Equation" r:id="rId3" imgW="266400" imgH="330120" progId="Equation.DSMT4">
-                    <p:embed/>
-                    <p:pic>
-                      <p:nvPicPr>
-                        <p:cNvPr id="0" name=""/>
-                        <p:cNvPicPr>
-                          <a:picLocks noChangeAspect="1" noChangeArrowheads="1"/>
-                        </p:cNvPicPr>
-                        <p:nvPr/>
-                      </p:nvPicPr>
-                      <p:blipFill>
-                        <a:blip r:embed="rId4"/>
-                        <a:srcRect/>
-                        <a:stretch>
-                          <a:fillRect/>
-                        </a:stretch>
-                      </p:blipFill>
-                      <p:spPr bwMode="auto">
-                        <a:xfrm>
-                          <a:off x="2566353" y="4037072"/>
-                          <a:ext cx="266700" cy="330200"/>
-                        </a:xfrm>
-                        <a:prstGeom prst="rect">
-                          <a:avLst/>
-                        </a:prstGeom>
-                        <a:noFill/>
-                        <a:ln>
-                          <a:noFill/>
-                        </a:ln>
-                        <a:extLst>
-                          <a:ext uri="{909E8E84-426E-40DD-AFC4-6F175D3DCCD1}">
-                            <a14:hiddenFill xmlns:a14="http://schemas.microsoft.com/office/drawing/2010/main">
-                              <a:solidFill>
-                                <a:srgbClr val="FFFFFF"/>
-                              </a:solidFill>
-                            </a14:hiddenFill>
-                          </a:ext>
-                          <a:ext uri="{91240B29-F687-4F45-9708-019B960494DF}">
-                            <a14:hiddenLine xmlns:a14="http://schemas.microsoft.com/office/drawing/2010/main" w="9525">
-                              <a:solidFill>
-                                <a:srgbClr val="000000"/>
-                              </a:solidFill>
-                              <a:miter lim="800000"/>
-                              <a:headEnd/>
-                              <a:tailEnd/>
-                            </a14:hiddenLine>
-                          </a:ext>
-                        </a:extLst>
-                      </p:spPr>
-                    </p:pic>
-                  </p:oleObj>
-                </mc:Fallback>
-              </mc:AlternateContent>
-            </a:graphicData>
-          </a:graphic>
-        </p:graphicFrame>
-      </p:grpSp>
-      <p:grpSp>
-        <p:nvGrpSpPr>
-          <p:cNvPr id="7" name="组合 6"/>
-          <p:cNvGrpSpPr/>
-          <p:nvPr/>
-        </p:nvGrpSpPr>
-        <p:grpSpPr>
+          </a:xfrm>
+          <a:prstGeom prst="ellipse">
+            <a:avLst/>
+          </a:prstGeom>
+          <a:noFill/>
+          <a:ln w="28575">
+            <a:solidFill>
+              <a:schemeClr val="tx1"/>
+            </a:solidFill>
+          </a:ln>
+        </p:spPr>
+        <p:style>
+          <a:lnRef idx="2">
+            <a:schemeClr val="accent1">
+              <a:shade val="50000"/>
+            </a:schemeClr>
+          </a:lnRef>
+          <a:fillRef idx="1">
+            <a:schemeClr val="accent1"/>
+          </a:fillRef>
+          <a:effectRef idx="0">
+            <a:schemeClr val="accent1"/>
+          </a:effectRef>
+          <a:fontRef idx="minor">
+            <a:schemeClr val="lt1"/>
+          </a:fontRef>
+        </p:style>
+        <p:txBody>
+          <a:bodyPr rtlCol="0" anchor="ctr"/>
+          <a:lstStyle/>
+          <a:p>
+            <a:pPr algn="ctr"/>
+            <a:endParaRPr lang="zh-CN" altLang="en-US"/>
+          </a:p>
+        </p:txBody>
+      </p:sp>
+      <p:sp>
+        <p:nvSpPr>
+          <p:cNvPr id="8" name="椭圆 7"/>
+          <p:cNvSpPr/>
+          <p:nvPr/>
+        </p:nvSpPr>
+        <p:spPr>
           <a:xfrm>
             <a:off x="2493928" y="3572968"/>
             <a:ext cx="432000" cy="432000"/>
-            <a:chOff x="4788024" y="3298227"/>
-            <a:chExt cx="432000" cy="432000"/>
-          </a:xfrm>
-        </p:grpSpPr>
-        <p:sp>
-          <p:nvSpPr>
-            <p:cNvPr id="8" name="椭圆 7"/>
-            <p:cNvSpPr/>
-            <p:nvPr/>
-          </p:nvSpPr>
-          <p:spPr>
-            <a:xfrm>
-              <a:off x="4788024" y="3298227"/>
-              <a:ext cx="432000" cy="432000"/>
-            </a:xfrm>
-            <a:prstGeom prst="ellipse">
-              <a:avLst/>
-            </a:prstGeom>
-            <a:noFill/>
-            <a:ln w="38100">
-              <a:solidFill>
-                <a:schemeClr val="tx1"/>
-              </a:solidFill>
-            </a:ln>
-          </p:spPr>
-          <p:style>
-            <a:lnRef idx="2">
-              <a:schemeClr val="accent1">
-                <a:shade val="50000"/>
-              </a:schemeClr>
-            </a:lnRef>
-            <a:fillRef idx="1">
-              <a:schemeClr val="accent1"/>
-            </a:fillRef>
-            <a:effectRef idx="0">
-              <a:schemeClr val="accent1"/>
-            </a:effectRef>
-            <a:fontRef idx="minor">
-              <a:schemeClr val="lt1"/>
-            </a:fontRef>
-          </p:style>
-          <p:txBody>
-            <a:bodyPr rtlCol="0" anchor="ctr"/>
-            <a:lstStyle/>
-            <a:p>
-              <a:pPr algn="ctr"/>
-              <a:endParaRPr lang="zh-CN" altLang="en-US"/>
-            </a:p>
-          </p:txBody>
-        </p:sp>
-        <p:graphicFrame>
-          <p:nvGraphicFramePr>
-            <p:cNvPr id="9" name="对象 8"/>
-            <p:cNvGraphicFramePr>
-              <a:graphicFrameLocks noChangeAspect="1"/>
-            </p:cNvGraphicFramePr>
-            <p:nvPr>
-              <p:extLst>
-                <p:ext uri="{D42A27DB-BD31-4B8C-83A1-F6EECF244321}">
-                  <p14:modId xmlns:p14="http://schemas.microsoft.com/office/powerpoint/2010/main" val="1747268275"/>
-                </p:ext>
-              </p:extLst>
-            </p:nvPr>
-          </p:nvGraphicFramePr>
-          <p:xfrm>
-            <a:off x="4838997" y="3335929"/>
-            <a:ext cx="330200" cy="330200"/>
-          </p:xfrm>
-          <a:graphic>
-            <a:graphicData uri="http://schemas.openxmlformats.org/presentationml/2006/ole">
-              <mc:AlternateContent xmlns:mc="http://schemas.openxmlformats.org/markup-compatibility/2006">
-                <mc:Choice xmlns:v="urn:schemas-microsoft-com:vml" Requires="v">
-                  <p:oleObj spid="_x0000_s9268" name="Equation" r:id="rId5" imgW="330120" imgH="330120" progId="Equation.DSMT4">
-                    <p:embed/>
-                  </p:oleObj>
-                </mc:Choice>
-                <mc:Fallback>
-                  <p:oleObj name="Equation" r:id="rId5" imgW="330120" imgH="330120" progId="Equation.DSMT4">
-                    <p:embed/>
-                    <p:pic>
-                      <p:nvPicPr>
-                        <p:cNvPr id="0" name=""/>
-                        <p:cNvPicPr>
-                          <a:picLocks noChangeAspect="1" noChangeArrowheads="1"/>
-                        </p:cNvPicPr>
-                        <p:nvPr/>
-                      </p:nvPicPr>
-                      <p:blipFill>
-                        <a:blip r:embed="rId6"/>
-                        <a:srcRect/>
-                        <a:stretch>
-                          <a:fillRect/>
-                        </a:stretch>
-                      </p:blipFill>
-                      <p:spPr bwMode="auto">
-                        <a:xfrm>
-                          <a:off x="4838997" y="3335929"/>
-                          <a:ext cx="330200" cy="330200"/>
-                        </a:xfrm>
-                        <a:prstGeom prst="rect">
-                          <a:avLst/>
-                        </a:prstGeom>
-                        <a:noFill/>
-                        <a:ln>
-                          <a:noFill/>
-                        </a:ln>
-                        <a:extLst>
-                          <a:ext uri="{909E8E84-426E-40DD-AFC4-6F175D3DCCD1}">
-                            <a14:hiddenFill xmlns:a14="http://schemas.microsoft.com/office/drawing/2010/main">
-                              <a:solidFill>
-                                <a:srgbClr val="FFFFFF"/>
-                              </a:solidFill>
-                            </a14:hiddenFill>
-                          </a:ext>
-                          <a:ext uri="{91240B29-F687-4F45-9708-019B960494DF}">
-                            <a14:hiddenLine xmlns:a14="http://schemas.microsoft.com/office/drawing/2010/main" w="9525">
-                              <a:solidFill>
-                                <a:srgbClr val="000000"/>
-                              </a:solidFill>
-                              <a:miter lim="800000"/>
-                              <a:headEnd/>
-                              <a:tailEnd/>
-                            </a14:hiddenLine>
-                          </a:ext>
-                        </a:extLst>
-                      </p:spPr>
-                    </p:pic>
-                  </p:oleObj>
-                </mc:Fallback>
-              </mc:AlternateContent>
-            </a:graphicData>
-          </a:graphic>
-        </p:graphicFrame>
-      </p:grpSp>
-      <p:grpSp>
-        <p:nvGrpSpPr>
-          <p:cNvPr id="10" name="组合 9"/>
-          <p:cNvGrpSpPr/>
-          <p:nvPr/>
-        </p:nvGrpSpPr>
-        <p:grpSpPr>
+          </a:xfrm>
+          <a:prstGeom prst="ellipse">
+            <a:avLst/>
+          </a:prstGeom>
+          <a:noFill/>
+          <a:ln w="28575">
+            <a:solidFill>
+              <a:schemeClr val="tx1"/>
+            </a:solidFill>
+          </a:ln>
+        </p:spPr>
+        <p:style>
+          <a:lnRef idx="2">
+            <a:schemeClr val="accent1">
+              <a:shade val="50000"/>
+            </a:schemeClr>
+          </a:lnRef>
+          <a:fillRef idx="1">
+            <a:schemeClr val="accent1"/>
+          </a:fillRef>
+          <a:effectRef idx="0">
+            <a:schemeClr val="accent1"/>
+          </a:effectRef>
+          <a:fontRef idx="minor">
+            <a:schemeClr val="lt1"/>
+          </a:fontRef>
+        </p:style>
+        <p:txBody>
+          <a:bodyPr rtlCol="0" anchor="ctr"/>
+          <a:lstStyle/>
+          <a:p>
+            <a:pPr algn="ctr"/>
+            <a:endParaRPr lang="zh-CN" altLang="en-US"/>
+          </a:p>
+        </p:txBody>
+      </p:sp>
+      <p:sp>
+        <p:nvSpPr>
+          <p:cNvPr id="11" name="椭圆 10"/>
+          <p:cNvSpPr/>
+          <p:nvPr/>
+        </p:nvSpPr>
+        <p:spPr>
           <a:xfrm>
             <a:off x="6156224" y="4293096"/>
             <a:ext cx="432000" cy="432000"/>
-            <a:chOff x="4818948" y="3964939"/>
-            <a:chExt cx="432000" cy="432000"/>
-          </a:xfrm>
-        </p:grpSpPr>
-        <p:sp>
-          <p:nvSpPr>
-            <p:cNvPr id="11" name="椭圆 10"/>
-            <p:cNvSpPr/>
-            <p:nvPr/>
-          </p:nvSpPr>
-          <p:spPr>
-            <a:xfrm>
-              <a:off x="4818948" y="3964939"/>
-              <a:ext cx="432000" cy="432000"/>
-            </a:xfrm>
-            <a:prstGeom prst="ellipse">
-              <a:avLst/>
-            </a:prstGeom>
-            <a:noFill/>
-            <a:ln w="38100">
-              <a:solidFill>
-                <a:schemeClr val="tx1"/>
-              </a:solidFill>
-            </a:ln>
-          </p:spPr>
-          <p:style>
-            <a:lnRef idx="2">
-              <a:schemeClr val="accent1">
-                <a:shade val="50000"/>
-              </a:schemeClr>
-            </a:lnRef>
-            <a:fillRef idx="1">
-              <a:schemeClr val="accent1"/>
-            </a:fillRef>
-            <a:effectRef idx="0">
-              <a:schemeClr val="accent1"/>
-            </a:effectRef>
-            <a:fontRef idx="minor">
-              <a:schemeClr val="lt1"/>
-            </a:fontRef>
-          </p:style>
-          <p:txBody>
-            <a:bodyPr rtlCol="0" anchor="ctr"/>
-            <a:lstStyle/>
-            <a:p>
-              <a:pPr algn="ctr"/>
-              <a:endParaRPr lang="zh-CN" altLang="en-US"/>
-            </a:p>
-          </p:txBody>
-        </p:sp>
-        <p:graphicFrame>
-          <p:nvGraphicFramePr>
-            <p:cNvPr id="12" name="对象 11"/>
-            <p:cNvGraphicFramePr>
-              <a:graphicFrameLocks noChangeAspect="1"/>
-            </p:cNvGraphicFramePr>
-            <p:nvPr>
-              <p:extLst>
-                <p:ext uri="{D42A27DB-BD31-4B8C-83A1-F6EECF244321}">
-                  <p14:modId xmlns:p14="http://schemas.microsoft.com/office/powerpoint/2010/main" val="1008376773"/>
-                </p:ext>
-              </p:extLst>
-            </p:nvPr>
-          </p:nvGraphicFramePr>
-          <p:xfrm>
-            <a:off x="4920649" y="3996193"/>
-            <a:ext cx="228600" cy="330200"/>
-          </p:xfrm>
-          <a:graphic>
-            <a:graphicData uri="http://schemas.openxmlformats.org/presentationml/2006/ole">
-              <mc:AlternateContent xmlns:mc="http://schemas.openxmlformats.org/markup-compatibility/2006">
-                <mc:Choice xmlns:v="urn:schemas-microsoft-com:vml" Requires="v">
-                  <p:oleObj spid="_x0000_s9269" name="Equation" r:id="rId7" imgW="228600" imgH="330120" progId="Equation.DSMT4">
-                    <p:embed/>
-                  </p:oleObj>
-                </mc:Choice>
-                <mc:Fallback>
-                  <p:oleObj name="Equation" r:id="rId7" imgW="228600" imgH="330120" progId="Equation.DSMT4">
-                    <p:embed/>
-                    <p:pic>
-                      <p:nvPicPr>
-                        <p:cNvPr id="0" name=""/>
-                        <p:cNvPicPr>
-                          <a:picLocks noChangeAspect="1" noChangeArrowheads="1"/>
-                        </p:cNvPicPr>
-                        <p:nvPr/>
-                      </p:nvPicPr>
-                      <p:blipFill>
-                        <a:blip r:embed="rId8"/>
-                        <a:srcRect/>
-                        <a:stretch>
-                          <a:fillRect/>
-                        </a:stretch>
-                      </p:blipFill>
-                      <p:spPr bwMode="auto">
-                        <a:xfrm>
-                          <a:off x="4920649" y="3996193"/>
-                          <a:ext cx="228600" cy="330200"/>
-                        </a:xfrm>
-                        <a:prstGeom prst="rect">
-                          <a:avLst/>
-                        </a:prstGeom>
-                        <a:noFill/>
-                        <a:ln>
-                          <a:noFill/>
-                        </a:ln>
-                        <a:extLst>
-                          <a:ext uri="{909E8E84-426E-40DD-AFC4-6F175D3DCCD1}">
-                            <a14:hiddenFill xmlns:a14="http://schemas.microsoft.com/office/drawing/2010/main">
-                              <a:solidFill>
-                                <a:srgbClr val="FFFFFF"/>
-                              </a:solidFill>
-                            </a14:hiddenFill>
-                          </a:ext>
-                          <a:ext uri="{91240B29-F687-4F45-9708-019B960494DF}">
-                            <a14:hiddenLine xmlns:a14="http://schemas.microsoft.com/office/drawing/2010/main" w="9525">
-                              <a:solidFill>
-                                <a:srgbClr val="000000"/>
-                              </a:solidFill>
-                              <a:miter lim="800000"/>
-                              <a:headEnd/>
-                              <a:tailEnd/>
-                            </a14:hiddenLine>
-                          </a:ext>
-                        </a:extLst>
-                      </p:spPr>
-                    </p:pic>
-                  </p:oleObj>
-                </mc:Fallback>
-              </mc:AlternateContent>
-            </a:graphicData>
-          </a:graphic>
-        </p:graphicFrame>
-      </p:grpSp>
+          </a:xfrm>
+          <a:prstGeom prst="ellipse">
+            <a:avLst/>
+          </a:prstGeom>
+          <a:noFill/>
+          <a:ln w="28575">
+            <a:solidFill>
+              <a:schemeClr val="tx1"/>
+            </a:solidFill>
+          </a:ln>
+        </p:spPr>
+        <p:style>
+          <a:lnRef idx="2">
+            <a:schemeClr val="accent1">
+              <a:shade val="50000"/>
+            </a:schemeClr>
+          </a:lnRef>
+          <a:fillRef idx="1">
+            <a:schemeClr val="accent1"/>
+          </a:fillRef>
+          <a:effectRef idx="0">
+            <a:schemeClr val="accent1"/>
+          </a:effectRef>
+          <a:fontRef idx="minor">
+            <a:schemeClr val="lt1"/>
+          </a:fontRef>
+        </p:style>
+        <p:txBody>
+          <a:bodyPr rtlCol="0" anchor="ctr"/>
+          <a:lstStyle/>
+          <a:p>
+            <a:pPr algn="ctr"/>
+            <a:endParaRPr lang="zh-CN" altLang="en-US"/>
+          </a:p>
+        </p:txBody>
+      </p:sp>
       <p:cxnSp>
         <p:nvCxnSpPr>
           <p:cNvPr id="13" name="直接箭头连接符 12"/>
@@ -16618,7 +15775,7 @@
           <a:solidFill>
             <a:srgbClr val="92D050"/>
           </a:solidFill>
-          <a:ln>
+          <a:ln w="19050">
             <a:solidFill>
               <a:schemeClr val="tx1"/>
             </a:solidFill>
@@ -16646,13 +15803,13 @@
           <a:p>
             <a:pPr algn="ctr"/>
             <a:r>
-              <a:rPr lang="en-US" altLang="zh-CN" sz="1600" dirty="0" smtClean="0">
+              <a:rPr lang="en-US" altLang="zh-CN" dirty="0" smtClean="0">
                 <a:latin typeface="Times New Roman" panose="02020603050405020304" pitchFamily="18" charset="0"/>
                 <a:cs typeface="Times New Roman" panose="02020603050405020304" pitchFamily="18" charset="0"/>
               </a:rPr>
               <a:t>attention</a:t>
             </a:r>
-            <a:endParaRPr lang="zh-CN" altLang="en-US" sz="1600" dirty="0">
+            <a:endParaRPr lang="zh-CN" altLang="en-US" dirty="0">
               <a:latin typeface="Times New Roman" panose="02020603050405020304" pitchFamily="18" charset="0"/>
               <a:cs typeface="Times New Roman" panose="02020603050405020304" pitchFamily="18" charset="0"/>
             </a:endParaRPr>
@@ -16737,150 +15894,52 @@
           </a:fontRef>
         </p:style>
       </p:cxnSp>
-      <p:grpSp>
-        <p:nvGrpSpPr>
-          <p:cNvPr id="17" name="组合 16"/>
-          <p:cNvGrpSpPr/>
-          <p:nvPr/>
-        </p:nvGrpSpPr>
-        <p:grpSpPr>
+      <p:sp>
+        <p:nvSpPr>
+          <p:cNvPr id="18" name="椭圆 17"/>
+          <p:cNvSpPr/>
+          <p:nvPr/>
+        </p:nvSpPr>
+        <p:spPr>
           <a:xfrm>
             <a:off x="4757100" y="4293096"/>
             <a:ext cx="432000" cy="432000"/>
-            <a:chOff x="4788024" y="3298227"/>
-            <a:chExt cx="432000" cy="432000"/>
-          </a:xfrm>
-        </p:grpSpPr>
-        <p:sp>
-          <p:nvSpPr>
-            <p:cNvPr id="18" name="椭圆 17"/>
-            <p:cNvSpPr/>
-            <p:nvPr/>
-          </p:nvSpPr>
-          <p:spPr>
-            <a:xfrm>
-              <a:off x="4788024" y="3298227"/>
-              <a:ext cx="432000" cy="432000"/>
-            </a:xfrm>
-            <a:prstGeom prst="ellipse">
-              <a:avLst/>
-            </a:prstGeom>
-            <a:noFill/>
-            <a:ln w="38100">
-              <a:solidFill>
-                <a:schemeClr val="tx1"/>
-              </a:solidFill>
-            </a:ln>
-          </p:spPr>
-          <p:style>
-            <a:lnRef idx="2">
-              <a:schemeClr val="accent1">
-                <a:shade val="50000"/>
-              </a:schemeClr>
-            </a:lnRef>
-            <a:fillRef idx="1">
-              <a:schemeClr val="accent1"/>
-            </a:fillRef>
-            <a:effectRef idx="0">
-              <a:schemeClr val="accent1"/>
-            </a:effectRef>
-            <a:fontRef idx="minor">
-              <a:schemeClr val="lt1"/>
-            </a:fontRef>
-          </p:style>
-          <p:txBody>
-            <a:bodyPr rtlCol="0" anchor="ctr"/>
-            <a:lstStyle/>
-            <a:p>
-              <a:pPr algn="ctr"/>
-              <a:endParaRPr lang="zh-CN" altLang="en-US"/>
-            </a:p>
-          </p:txBody>
-        </p:sp>
-        <p:graphicFrame>
-          <p:nvGraphicFramePr>
-            <p:cNvPr id="19" name="对象 18"/>
-            <p:cNvGraphicFramePr>
-              <a:graphicFrameLocks noChangeAspect="1"/>
-            </p:cNvGraphicFramePr>
-            <p:nvPr>
-              <p:extLst>
-                <p:ext uri="{D42A27DB-BD31-4B8C-83A1-F6EECF244321}">
-                  <p14:modId xmlns:p14="http://schemas.microsoft.com/office/powerpoint/2010/main" val="2022363905"/>
-                </p:ext>
-              </p:extLst>
-            </p:nvPr>
-          </p:nvGraphicFramePr>
-          <p:xfrm>
-            <a:off x="4864862" y="3335831"/>
-            <a:ext cx="279400" cy="330200"/>
-          </p:xfrm>
-          <a:graphic>
-            <a:graphicData uri="http://schemas.openxmlformats.org/presentationml/2006/ole">
-              <mc:AlternateContent xmlns:mc="http://schemas.openxmlformats.org/markup-compatibility/2006">
-                <mc:Choice xmlns:v="urn:schemas-microsoft-com:vml" Requires="v">
-                  <p:oleObj spid="_x0000_s9270" name="Equation" r:id="rId9" imgW="279360" imgH="330120" progId="Equation.DSMT4">
-                    <p:embed/>
-                  </p:oleObj>
-                </mc:Choice>
-                <mc:Fallback>
-                  <p:oleObj name="Equation" r:id="rId9" imgW="279360" imgH="330120" progId="Equation.DSMT4">
-                    <p:embed/>
-                    <p:pic>
-                      <p:nvPicPr>
-                        <p:cNvPr id="0" name=""/>
-                        <p:cNvPicPr>
-                          <a:picLocks noChangeAspect="1" noChangeArrowheads="1"/>
-                        </p:cNvPicPr>
-                        <p:nvPr/>
-                      </p:nvPicPr>
-                      <p:blipFill>
-                        <a:blip r:embed="rId10"/>
-                        <a:srcRect/>
-                        <a:stretch>
-                          <a:fillRect/>
-                        </a:stretch>
-                      </p:blipFill>
-                      <p:spPr bwMode="auto">
-                        <a:xfrm>
-                          <a:off x="4864862" y="3335831"/>
-                          <a:ext cx="279400" cy="330200"/>
-                        </a:xfrm>
-                        <a:prstGeom prst="rect">
-                          <a:avLst/>
-                        </a:prstGeom>
-                        <a:noFill/>
-                        <a:ln>
-                          <a:noFill/>
-                        </a:ln>
-                        <a:extLst>
-                          <a:ext uri="{909E8E84-426E-40DD-AFC4-6F175D3DCCD1}">
-                            <a14:hiddenFill xmlns:a14="http://schemas.microsoft.com/office/drawing/2010/main">
-                              <a:solidFill>
-                                <a:srgbClr val="FFFFFF"/>
-                              </a:solidFill>
-                            </a14:hiddenFill>
-                          </a:ext>
-                          <a:ext uri="{91240B29-F687-4F45-9708-019B960494DF}">
-                            <a14:hiddenLine xmlns:a14="http://schemas.microsoft.com/office/drawing/2010/main" w="9525">
-                              <a:solidFill>
-                                <a:srgbClr val="000000"/>
-                              </a:solidFill>
-                              <a:miter lim="800000"/>
-                              <a:headEnd/>
-                              <a:tailEnd/>
-                            </a14:hiddenLine>
-                          </a:ext>
-                        </a:extLst>
-                      </p:spPr>
-                    </p:pic>
-                  </p:oleObj>
-                </mc:Fallback>
-              </mc:AlternateContent>
-            </a:graphicData>
-          </a:graphic>
-        </p:graphicFrame>
-      </p:grpSp>
+          </a:xfrm>
+          <a:prstGeom prst="ellipse">
+            <a:avLst/>
+          </a:prstGeom>
+          <a:noFill/>
+          <a:ln w="28575">
+            <a:solidFill>
+              <a:schemeClr val="tx1"/>
+            </a:solidFill>
+          </a:ln>
+        </p:spPr>
+        <p:style>
+          <a:lnRef idx="2">
+            <a:schemeClr val="accent1">
+              <a:shade val="50000"/>
+            </a:schemeClr>
+          </a:lnRef>
+          <a:fillRef idx="1">
+            <a:schemeClr val="accent1"/>
+          </a:fillRef>
+          <a:effectRef idx="0">
+            <a:schemeClr val="accent1"/>
+          </a:effectRef>
+          <a:fontRef idx="minor">
+            <a:schemeClr val="lt1"/>
+          </a:fontRef>
+        </p:style>
+        <p:txBody>
+          <a:bodyPr rtlCol="0" anchor="ctr"/>
+          <a:lstStyle/>
+          <a:p>
+            <a:pPr algn="ctr"/>
+            <a:endParaRPr lang="zh-CN" altLang="en-US"/>
+          </a:p>
+        </p:txBody>
+      </p:sp>
       <p:cxnSp>
         <p:nvCxnSpPr>
           <p:cNvPr id="20" name="直接箭头连接符 19"/>
@@ -16953,7 +16012,7 @@
                 <a:lumMod val="75000"/>
               </a:schemeClr>
             </a:solidFill>
-            <a:ln w="28575">
+            <a:ln w="19050">
               <a:solidFill>
                 <a:schemeClr val="tx1"/>
               </a:solidFill>
@@ -17150,294 +16209,98 @@
           </a:fontRef>
         </p:style>
       </p:cxnSp>
-      <p:grpSp>
-        <p:nvGrpSpPr>
-          <p:cNvPr id="28" name="组合 27"/>
-          <p:cNvGrpSpPr/>
-          <p:nvPr/>
-        </p:nvGrpSpPr>
-        <p:grpSpPr>
+      <p:sp>
+        <p:nvSpPr>
+          <p:cNvPr id="29" name="椭圆 28"/>
+          <p:cNvSpPr/>
+          <p:nvPr/>
+        </p:nvSpPr>
+        <p:spPr>
           <a:xfrm>
             <a:off x="2493928" y="2132856"/>
             <a:ext cx="432000" cy="432000"/>
-            <a:chOff x="4788024" y="3298227"/>
-            <a:chExt cx="432000" cy="432000"/>
-          </a:xfrm>
-        </p:grpSpPr>
-        <p:sp>
-          <p:nvSpPr>
-            <p:cNvPr id="29" name="椭圆 28"/>
-            <p:cNvSpPr/>
-            <p:nvPr/>
-          </p:nvSpPr>
-          <p:spPr>
-            <a:xfrm>
-              <a:off x="4788024" y="3298227"/>
-              <a:ext cx="432000" cy="432000"/>
-            </a:xfrm>
-            <a:prstGeom prst="ellipse">
-              <a:avLst/>
-            </a:prstGeom>
-            <a:noFill/>
-            <a:ln w="38100">
-              <a:solidFill>
-                <a:schemeClr val="tx1"/>
-              </a:solidFill>
-            </a:ln>
-          </p:spPr>
-          <p:style>
-            <a:lnRef idx="2">
-              <a:schemeClr val="accent1">
-                <a:shade val="50000"/>
-              </a:schemeClr>
-            </a:lnRef>
-            <a:fillRef idx="1">
-              <a:schemeClr val="accent1"/>
-            </a:fillRef>
-            <a:effectRef idx="0">
-              <a:schemeClr val="accent1"/>
-            </a:effectRef>
-            <a:fontRef idx="minor">
-              <a:schemeClr val="lt1"/>
-            </a:fontRef>
-          </p:style>
-          <p:txBody>
-            <a:bodyPr rtlCol="0" anchor="ctr"/>
-            <a:lstStyle/>
-            <a:p>
-              <a:pPr algn="ctr"/>
-              <a:endParaRPr lang="zh-CN" altLang="en-US"/>
-            </a:p>
-          </p:txBody>
-        </p:sp>
-        <p:graphicFrame>
-          <p:nvGraphicFramePr>
-            <p:cNvPr id="30" name="对象 29"/>
-            <p:cNvGraphicFramePr>
-              <a:graphicFrameLocks noChangeAspect="1"/>
-            </p:cNvGraphicFramePr>
-            <p:nvPr>
-              <p:extLst>
-                <p:ext uri="{D42A27DB-BD31-4B8C-83A1-F6EECF244321}">
-                  <p14:modId xmlns:p14="http://schemas.microsoft.com/office/powerpoint/2010/main" val="992635368"/>
-                </p:ext>
-              </p:extLst>
-            </p:nvPr>
-          </p:nvGraphicFramePr>
-          <p:xfrm>
-            <a:off x="4800759" y="3335484"/>
-            <a:ext cx="406400" cy="330200"/>
-          </p:xfrm>
-          <a:graphic>
-            <a:graphicData uri="http://schemas.openxmlformats.org/presentationml/2006/ole">
-              <mc:AlternateContent xmlns:mc="http://schemas.openxmlformats.org/markup-compatibility/2006">
-                <mc:Choice xmlns:v="urn:schemas-microsoft-com:vml" Requires="v">
-                  <p:oleObj spid="_x0000_s9271" name="Equation" r:id="rId11" imgW="406080" imgH="330120" progId="Equation.DSMT4">
-                    <p:embed/>
-                  </p:oleObj>
-                </mc:Choice>
-                <mc:Fallback>
-                  <p:oleObj name="Equation" r:id="rId11" imgW="406080" imgH="330120" progId="Equation.DSMT4">
-                    <p:embed/>
-                    <p:pic>
-                      <p:nvPicPr>
-                        <p:cNvPr id="0" name=""/>
-                        <p:cNvPicPr>
-                          <a:picLocks noChangeAspect="1" noChangeArrowheads="1"/>
-                        </p:cNvPicPr>
-                        <p:nvPr/>
-                      </p:nvPicPr>
-                      <p:blipFill>
-                        <a:blip r:embed="rId12"/>
-                        <a:srcRect/>
-                        <a:stretch>
-                          <a:fillRect/>
-                        </a:stretch>
-                      </p:blipFill>
-                      <p:spPr bwMode="auto">
-                        <a:xfrm>
-                          <a:off x="4800759" y="3335484"/>
-                          <a:ext cx="406400" cy="330200"/>
-                        </a:xfrm>
-                        <a:prstGeom prst="rect">
-                          <a:avLst/>
-                        </a:prstGeom>
-                        <a:noFill/>
-                        <a:ln>
-                          <a:noFill/>
-                        </a:ln>
-                        <a:extLst>
-                          <a:ext uri="{909E8E84-426E-40DD-AFC4-6F175D3DCCD1}">
-                            <a14:hiddenFill xmlns:a14="http://schemas.microsoft.com/office/drawing/2010/main">
-                              <a:solidFill>
-                                <a:srgbClr val="FFFFFF"/>
-                              </a:solidFill>
-                            </a14:hiddenFill>
-                          </a:ext>
-                          <a:ext uri="{91240B29-F687-4F45-9708-019B960494DF}">
-                            <a14:hiddenLine xmlns:a14="http://schemas.microsoft.com/office/drawing/2010/main" w="9525">
-                              <a:solidFill>
-                                <a:srgbClr val="000000"/>
-                              </a:solidFill>
-                              <a:miter lim="800000"/>
-                              <a:headEnd/>
-                              <a:tailEnd/>
-                            </a14:hiddenLine>
-                          </a:ext>
-                        </a:extLst>
-                      </p:spPr>
-                    </p:pic>
-                  </p:oleObj>
-                </mc:Fallback>
-              </mc:AlternateContent>
-            </a:graphicData>
-          </a:graphic>
-        </p:graphicFrame>
-      </p:grpSp>
-      <p:grpSp>
-        <p:nvGrpSpPr>
-          <p:cNvPr id="31" name="组合 30"/>
-          <p:cNvGrpSpPr/>
-          <p:nvPr/>
-        </p:nvGrpSpPr>
-        <p:grpSpPr>
+          </a:xfrm>
+          <a:prstGeom prst="ellipse">
+            <a:avLst/>
+          </a:prstGeom>
+          <a:noFill/>
+          <a:ln w="28575">
+            <a:solidFill>
+              <a:schemeClr val="tx1"/>
+            </a:solidFill>
+          </a:ln>
+        </p:spPr>
+        <p:style>
+          <a:lnRef idx="2">
+            <a:schemeClr val="accent1">
+              <a:shade val="50000"/>
+            </a:schemeClr>
+          </a:lnRef>
+          <a:fillRef idx="1">
+            <a:schemeClr val="accent1"/>
+          </a:fillRef>
+          <a:effectRef idx="0">
+            <a:schemeClr val="accent1"/>
+          </a:effectRef>
+          <a:fontRef idx="minor">
+            <a:schemeClr val="lt1"/>
+          </a:fontRef>
+        </p:style>
+        <p:txBody>
+          <a:bodyPr rtlCol="0" anchor="ctr"/>
+          <a:lstStyle/>
+          <a:p>
+            <a:pPr algn="ctr"/>
+            <a:endParaRPr lang="zh-CN" altLang="en-US"/>
+          </a:p>
+        </p:txBody>
+      </p:sp>
+      <p:sp>
+        <p:nvSpPr>
+          <p:cNvPr id="32" name="椭圆 31"/>
+          <p:cNvSpPr/>
+          <p:nvPr/>
+        </p:nvSpPr>
+        <p:spPr>
           <a:xfrm>
             <a:off x="3643466" y="2492848"/>
             <a:ext cx="432000" cy="432000"/>
-            <a:chOff x="4788024" y="3298227"/>
-            <a:chExt cx="432000" cy="432000"/>
-          </a:xfrm>
-        </p:grpSpPr>
-        <p:sp>
-          <p:nvSpPr>
-            <p:cNvPr id="32" name="椭圆 31"/>
-            <p:cNvSpPr/>
-            <p:nvPr/>
-          </p:nvSpPr>
-          <p:spPr>
-            <a:xfrm>
-              <a:off x="4788024" y="3298227"/>
-              <a:ext cx="432000" cy="432000"/>
-            </a:xfrm>
-            <a:prstGeom prst="ellipse">
-              <a:avLst/>
-            </a:prstGeom>
-            <a:noFill/>
-            <a:ln w="38100">
-              <a:solidFill>
-                <a:schemeClr val="tx1"/>
-              </a:solidFill>
-            </a:ln>
-          </p:spPr>
-          <p:style>
-            <a:lnRef idx="2">
-              <a:schemeClr val="accent1">
-                <a:shade val="50000"/>
-              </a:schemeClr>
-            </a:lnRef>
-            <a:fillRef idx="1">
-              <a:schemeClr val="accent1"/>
-            </a:fillRef>
-            <a:effectRef idx="0">
-              <a:schemeClr val="accent1"/>
-            </a:effectRef>
-            <a:fontRef idx="minor">
-              <a:schemeClr val="lt1"/>
-            </a:fontRef>
-          </p:style>
-          <p:txBody>
-            <a:bodyPr rtlCol="0" anchor="ctr"/>
-            <a:lstStyle/>
-            <a:p>
-              <a:pPr algn="ctr"/>
-              <a:endParaRPr lang="zh-CN" altLang="en-US"/>
-            </a:p>
-          </p:txBody>
-        </p:sp>
-        <p:graphicFrame>
-          <p:nvGraphicFramePr>
-            <p:cNvPr id="33" name="对象 32"/>
-            <p:cNvGraphicFramePr>
-              <a:graphicFrameLocks noChangeAspect="1"/>
-            </p:cNvGraphicFramePr>
-            <p:nvPr>
-              <p:extLst>
-                <p:ext uri="{D42A27DB-BD31-4B8C-83A1-F6EECF244321}">
-                  <p14:modId xmlns:p14="http://schemas.microsoft.com/office/powerpoint/2010/main" val="973126394"/>
-                </p:ext>
-              </p:extLst>
-            </p:nvPr>
-          </p:nvGraphicFramePr>
-          <p:xfrm>
-            <a:off x="4862483" y="3334267"/>
-            <a:ext cx="279400" cy="330200"/>
-          </p:xfrm>
-          <a:graphic>
-            <a:graphicData uri="http://schemas.openxmlformats.org/presentationml/2006/ole">
-              <mc:AlternateContent xmlns:mc="http://schemas.openxmlformats.org/markup-compatibility/2006">
-                <mc:Choice xmlns:v="urn:schemas-microsoft-com:vml" Requires="v">
-                  <p:oleObj spid="_x0000_s9272" name="Equation" r:id="rId13" imgW="279360" imgH="330120" progId="Equation.DSMT4">
-                    <p:embed/>
-                  </p:oleObj>
-                </mc:Choice>
-                <mc:Fallback>
-                  <p:oleObj name="Equation" r:id="rId13" imgW="279360" imgH="330120" progId="Equation.DSMT4">
-                    <p:embed/>
-                    <p:pic>
-                      <p:nvPicPr>
-                        <p:cNvPr id="0" name=""/>
-                        <p:cNvPicPr>
-                          <a:picLocks noChangeAspect="1" noChangeArrowheads="1"/>
-                        </p:cNvPicPr>
-                        <p:nvPr/>
-                      </p:nvPicPr>
-                      <p:blipFill>
-                        <a:blip r:embed="rId14"/>
-                        <a:srcRect/>
-                        <a:stretch>
-                          <a:fillRect/>
-                        </a:stretch>
-                      </p:blipFill>
-                      <p:spPr bwMode="auto">
-                        <a:xfrm>
-                          <a:off x="4862483" y="3334267"/>
-                          <a:ext cx="279400" cy="330200"/>
-                        </a:xfrm>
-                        <a:prstGeom prst="rect">
-                          <a:avLst/>
-                        </a:prstGeom>
-                        <a:noFill/>
-                        <a:ln>
-                          <a:noFill/>
-                        </a:ln>
-                        <a:extLst>
-                          <a:ext uri="{909E8E84-426E-40DD-AFC4-6F175D3DCCD1}">
-                            <a14:hiddenFill xmlns:a14="http://schemas.microsoft.com/office/drawing/2010/main">
-                              <a:solidFill>
-                                <a:srgbClr val="FFFFFF"/>
-                              </a:solidFill>
-                            </a14:hiddenFill>
-                          </a:ext>
-                          <a:ext uri="{91240B29-F687-4F45-9708-019B960494DF}">
-                            <a14:hiddenLine xmlns:a14="http://schemas.microsoft.com/office/drawing/2010/main" w="9525">
-                              <a:solidFill>
-                                <a:srgbClr val="000000"/>
-                              </a:solidFill>
-                              <a:miter lim="800000"/>
-                              <a:headEnd/>
-                              <a:tailEnd/>
-                            </a14:hiddenLine>
-                          </a:ext>
-                        </a:extLst>
-                      </p:spPr>
-                    </p:pic>
-                  </p:oleObj>
-                </mc:Fallback>
-              </mc:AlternateContent>
-            </a:graphicData>
-          </a:graphic>
-        </p:graphicFrame>
-      </p:grpSp>
+          </a:xfrm>
+          <a:prstGeom prst="ellipse">
+            <a:avLst/>
+          </a:prstGeom>
+          <a:noFill/>
+          <a:ln w="28575">
+            <a:solidFill>
+              <a:schemeClr val="tx1"/>
+            </a:solidFill>
+          </a:ln>
+        </p:spPr>
+        <p:style>
+          <a:lnRef idx="2">
+            <a:schemeClr val="accent1">
+              <a:shade val="50000"/>
+            </a:schemeClr>
+          </a:lnRef>
+          <a:fillRef idx="1">
+            <a:schemeClr val="accent1"/>
+          </a:fillRef>
+          <a:effectRef idx="0">
+            <a:schemeClr val="accent1"/>
+          </a:effectRef>
+          <a:fontRef idx="minor">
+            <a:schemeClr val="lt1"/>
+          </a:fontRef>
+        </p:style>
+        <p:txBody>
+          <a:bodyPr rtlCol="0" anchor="ctr"/>
+          <a:lstStyle/>
+          <a:p>
+            <a:pPr algn="ctr"/>
+            <a:endParaRPr lang="zh-CN" altLang="en-US"/>
+          </a:p>
+        </p:txBody>
+      </p:sp>
       <p:cxnSp>
         <p:nvCxnSpPr>
           <p:cNvPr id="34" name="直接箭头连接符 33"/>
@@ -17477,150 +16340,52 @@
           </a:fontRef>
         </p:style>
       </p:cxnSp>
-      <p:grpSp>
-        <p:nvGrpSpPr>
-          <p:cNvPr id="37" name="组合 36"/>
-          <p:cNvGrpSpPr/>
-          <p:nvPr/>
-        </p:nvGrpSpPr>
-        <p:grpSpPr>
+      <p:sp>
+        <p:nvSpPr>
+          <p:cNvPr id="38" name="椭圆 37"/>
+          <p:cNvSpPr/>
+          <p:nvPr/>
+        </p:nvSpPr>
+        <p:spPr>
           <a:xfrm>
             <a:off x="2493928" y="2852936"/>
             <a:ext cx="432000" cy="432000"/>
-            <a:chOff x="4788024" y="3298227"/>
-            <a:chExt cx="432000" cy="432000"/>
-          </a:xfrm>
-        </p:grpSpPr>
-        <p:sp>
-          <p:nvSpPr>
-            <p:cNvPr id="38" name="椭圆 37"/>
-            <p:cNvSpPr/>
-            <p:nvPr/>
-          </p:nvSpPr>
-          <p:spPr>
-            <a:xfrm>
-              <a:off x="4788024" y="3298227"/>
-              <a:ext cx="432000" cy="432000"/>
-            </a:xfrm>
-            <a:prstGeom prst="ellipse">
-              <a:avLst/>
-            </a:prstGeom>
-            <a:noFill/>
-            <a:ln w="38100">
-              <a:solidFill>
-                <a:schemeClr val="tx1"/>
-              </a:solidFill>
-            </a:ln>
-          </p:spPr>
-          <p:style>
-            <a:lnRef idx="2">
-              <a:schemeClr val="accent1">
-                <a:shade val="50000"/>
-              </a:schemeClr>
-            </a:lnRef>
-            <a:fillRef idx="1">
-              <a:schemeClr val="accent1"/>
-            </a:fillRef>
-            <a:effectRef idx="0">
-              <a:schemeClr val="accent1"/>
-            </a:effectRef>
-            <a:fontRef idx="minor">
-              <a:schemeClr val="lt1"/>
-            </a:fontRef>
-          </p:style>
-          <p:txBody>
-            <a:bodyPr rtlCol="0" anchor="ctr"/>
-            <a:lstStyle/>
-            <a:p>
-              <a:pPr algn="ctr"/>
-              <a:endParaRPr lang="zh-CN" altLang="en-US"/>
-            </a:p>
-          </p:txBody>
-        </p:sp>
-        <p:graphicFrame>
-          <p:nvGraphicFramePr>
-            <p:cNvPr id="39" name="对象 38"/>
-            <p:cNvGraphicFramePr>
-              <a:graphicFrameLocks noChangeAspect="1"/>
-            </p:cNvGraphicFramePr>
-            <p:nvPr>
-              <p:extLst>
-                <p:ext uri="{D42A27DB-BD31-4B8C-83A1-F6EECF244321}">
-                  <p14:modId xmlns:p14="http://schemas.microsoft.com/office/powerpoint/2010/main" val="426670400"/>
-                </p:ext>
-              </p:extLst>
-            </p:nvPr>
-          </p:nvGraphicFramePr>
-          <p:xfrm>
-            <a:off x="4793590" y="3335138"/>
-            <a:ext cx="419100" cy="330200"/>
-          </p:xfrm>
-          <a:graphic>
-            <a:graphicData uri="http://schemas.openxmlformats.org/presentationml/2006/ole">
-              <mc:AlternateContent xmlns:mc="http://schemas.openxmlformats.org/markup-compatibility/2006">
-                <mc:Choice xmlns:v="urn:schemas-microsoft-com:vml" Requires="v">
-                  <p:oleObj spid="_x0000_s9273" name="Equation" r:id="rId15" imgW="419040" imgH="330120" progId="Equation.DSMT4">
-                    <p:embed/>
-                  </p:oleObj>
-                </mc:Choice>
-                <mc:Fallback>
-                  <p:oleObj name="Equation" r:id="rId15" imgW="419040" imgH="330120" progId="Equation.DSMT4">
-                    <p:embed/>
-                    <p:pic>
-                      <p:nvPicPr>
-                        <p:cNvPr id="0" name=""/>
-                        <p:cNvPicPr>
-                          <a:picLocks noChangeAspect="1" noChangeArrowheads="1"/>
-                        </p:cNvPicPr>
-                        <p:nvPr/>
-                      </p:nvPicPr>
-                      <p:blipFill>
-                        <a:blip r:embed="rId16"/>
-                        <a:srcRect/>
-                        <a:stretch>
-                          <a:fillRect/>
-                        </a:stretch>
-                      </p:blipFill>
-                      <p:spPr bwMode="auto">
-                        <a:xfrm>
-                          <a:off x="4793590" y="3335138"/>
-                          <a:ext cx="419100" cy="330200"/>
-                        </a:xfrm>
-                        <a:prstGeom prst="rect">
-                          <a:avLst/>
-                        </a:prstGeom>
-                        <a:noFill/>
-                        <a:ln>
-                          <a:noFill/>
-                        </a:ln>
-                        <a:extLst>
-                          <a:ext uri="{909E8E84-426E-40DD-AFC4-6F175D3DCCD1}">
-                            <a14:hiddenFill xmlns:a14="http://schemas.microsoft.com/office/drawing/2010/main">
-                              <a:solidFill>
-                                <a:srgbClr val="FFFFFF"/>
-                              </a:solidFill>
-                            </a14:hiddenFill>
-                          </a:ext>
-                          <a:ext uri="{91240B29-F687-4F45-9708-019B960494DF}">
-                            <a14:hiddenLine xmlns:a14="http://schemas.microsoft.com/office/drawing/2010/main" w="9525">
-                              <a:solidFill>
-                                <a:srgbClr val="000000"/>
-                              </a:solidFill>
-                              <a:miter lim="800000"/>
-                              <a:headEnd/>
-                              <a:tailEnd/>
-                            </a14:hiddenLine>
-                          </a:ext>
-                        </a:extLst>
-                      </p:spPr>
-                    </p:pic>
-                  </p:oleObj>
-                </mc:Fallback>
-              </mc:AlternateContent>
-            </a:graphicData>
-          </a:graphic>
-        </p:graphicFrame>
-      </p:grpSp>
+          </a:xfrm>
+          <a:prstGeom prst="ellipse">
+            <a:avLst/>
+          </a:prstGeom>
+          <a:noFill/>
+          <a:ln w="28575">
+            <a:solidFill>
+              <a:schemeClr val="tx1"/>
+            </a:solidFill>
+          </a:ln>
+        </p:spPr>
+        <p:style>
+          <a:lnRef idx="2">
+            <a:schemeClr val="accent1">
+              <a:shade val="50000"/>
+            </a:schemeClr>
+          </a:lnRef>
+          <a:fillRef idx="1">
+            <a:schemeClr val="accent1"/>
+          </a:fillRef>
+          <a:effectRef idx="0">
+            <a:schemeClr val="accent1"/>
+          </a:effectRef>
+          <a:fontRef idx="minor">
+            <a:schemeClr val="lt1"/>
+          </a:fontRef>
+        </p:style>
+        <p:txBody>
+          <a:bodyPr rtlCol="0" anchor="ctr"/>
+          <a:lstStyle/>
+          <a:p>
+            <a:pPr algn="ctr"/>
+            <a:endParaRPr lang="zh-CN" altLang="en-US"/>
+          </a:p>
+        </p:txBody>
+      </p:sp>
       <p:cxnSp>
         <p:nvCxnSpPr>
           <p:cNvPr id="40" name="肘形连接符 39"/>
@@ -17785,6 +16550,555 @@
           </a:fontRef>
         </p:style>
       </p:cxnSp>
+      <p:sp>
+        <p:nvSpPr>
+          <p:cNvPr id="36" name="矩形 35"/>
+          <p:cNvSpPr/>
+          <p:nvPr/>
+        </p:nvSpPr>
+        <p:spPr>
+          <a:xfrm>
+            <a:off x="2399201" y="2132856"/>
+            <a:ext cx="588623" cy="400110"/>
+          </a:xfrm>
+          <a:prstGeom prst="rect">
+            <a:avLst/>
+          </a:prstGeom>
+        </p:spPr>
+        <p:txBody>
+          <a:bodyPr wrap="none">
+            <a:spAutoFit/>
+          </a:bodyPr>
+          <a:lstStyle/>
+          <a:p>
+            <a:r>
+              <a:rPr lang="en-US" altLang="zh-CN" sz="2000" b="1" dirty="0" smtClean="0">
+                <a:latin typeface="Times New Roman" pitchFamily="18" charset="0"/>
+                <a:cs typeface="Times New Roman" pitchFamily="18" charset="0"/>
+              </a:rPr>
+              <a:t>V</a:t>
+            </a:r>
+            <a:r>
+              <a:rPr lang="en-US" altLang="zh-CN" sz="2000" i="1" baseline="-25000" dirty="0" smtClean="0">
+                <a:latin typeface="Times New Roman" pitchFamily="18" charset="0"/>
+                <a:cs typeface="Times New Roman" pitchFamily="18" charset="0"/>
+              </a:rPr>
+              <a:t>k</a:t>
+            </a:r>
+            <a:r>
+              <a:rPr lang="en-US" altLang="zh-CN" sz="2000" baseline="-25000" dirty="0" smtClean="0">
+                <a:latin typeface="Times New Roman" pitchFamily="18" charset="0"/>
+                <a:cs typeface="Times New Roman" pitchFamily="18" charset="0"/>
+              </a:rPr>
+              <a:t>-1</a:t>
+            </a:r>
+            <a:endParaRPr lang="zh-CN" altLang="en-US" sz="2000" baseline="-25000" dirty="0">
+              <a:latin typeface="Times New Roman" pitchFamily="18" charset="0"/>
+              <a:cs typeface="Times New Roman" pitchFamily="18" charset="0"/>
+            </a:endParaRPr>
+          </a:p>
+        </p:txBody>
+      </p:sp>
+      <p:sp>
+        <p:nvSpPr>
+          <p:cNvPr id="41" name="矩形 40"/>
+          <p:cNvSpPr/>
+          <p:nvPr/>
+        </p:nvSpPr>
+        <p:spPr>
+          <a:xfrm>
+            <a:off x="3647636" y="2492896"/>
+            <a:ext cx="420308" cy="369332"/>
+          </a:xfrm>
+          <a:prstGeom prst="rect">
+            <a:avLst/>
+          </a:prstGeom>
+        </p:spPr>
+        <p:txBody>
+          <a:bodyPr wrap="none">
+            <a:spAutoFit/>
+          </a:bodyPr>
+          <a:lstStyle/>
+          <a:p>
+            <a:r>
+              <a:rPr lang="en-US" altLang="zh-CN" b="1" dirty="0" err="1" smtClean="0">
+                <a:latin typeface="Times New Roman" pitchFamily="18" charset="0"/>
+                <a:cs typeface="Times New Roman" pitchFamily="18" charset="0"/>
+              </a:rPr>
+              <a:t>V</a:t>
+            </a:r>
+            <a:r>
+              <a:rPr lang="en-US" altLang="zh-CN" i="1" baseline="-25000" dirty="0" err="1" smtClean="0">
+                <a:latin typeface="Times New Roman" pitchFamily="18" charset="0"/>
+                <a:cs typeface="Times New Roman" pitchFamily="18" charset="0"/>
+              </a:rPr>
+              <a:t>k</a:t>
+            </a:r>
+            <a:endParaRPr lang="zh-CN" altLang="en-US" i="1" baseline="-25000" dirty="0">
+              <a:latin typeface="Times New Roman" pitchFamily="18" charset="0"/>
+              <a:cs typeface="Times New Roman" pitchFamily="18" charset="0"/>
+            </a:endParaRPr>
+          </a:p>
+        </p:txBody>
+      </p:sp>
+      <mc:AlternateContent xmlns:mc="http://schemas.openxmlformats.org/markup-compatibility/2006" xmlns:a14="http://schemas.microsoft.com/office/drawing/2010/main">
+        <mc:Choice Requires="a14">
+          <p:sp>
+            <p:nvSpPr>
+              <p:cNvPr id="42" name="矩形 41"/>
+              <p:cNvSpPr/>
+              <p:nvPr/>
+            </p:nvSpPr>
+            <p:spPr>
+              <a:xfrm>
+                <a:off x="2430884" y="2852936"/>
+                <a:ext cx="564322" cy="392993"/>
+              </a:xfrm>
+              <a:prstGeom prst="rect">
+                <a:avLst/>
+              </a:prstGeom>
+            </p:spPr>
+            <p:txBody>
+              <a:bodyPr wrap="none">
+                <a:spAutoFit/>
+              </a:bodyPr>
+              <a:lstStyle/>
+              <a:p>
+                <a14:m>
+                  <m:oMath xmlns:m="http://schemas.openxmlformats.org/officeDocument/2006/math">
+                    <m:acc>
+                      <m:accPr>
+                        <m:chr m:val="⃑"/>
+                        <m:ctrlPr>
+                          <a:rPr lang="zh-CN" altLang="en-US" sz="2000" i="1" smtClean="0">
+                            <a:latin typeface="Cambria Math"/>
+                          </a:rPr>
+                        </m:ctrlPr>
+                      </m:accPr>
+                      <m:e>
+                        <m:r>
+                          <a:rPr lang="zh-CN" altLang="en-US" sz="2000" i="1" smtClean="0">
+                            <a:latin typeface="Cambria Math"/>
+                          </a:rPr>
+                          <m:t>𝛼</m:t>
+                        </m:r>
+                      </m:e>
+                    </m:acc>
+                  </m:oMath>
+                </a14:m>
+                <a:r>
+                  <a:rPr lang="en-US" altLang="zh-CN" sz="2000" i="1" baseline="-25000" dirty="0" smtClean="0">
+                    <a:latin typeface="Times New Roman" pitchFamily="18" charset="0"/>
+                    <a:cs typeface="Times New Roman" pitchFamily="18" charset="0"/>
+                  </a:rPr>
+                  <a:t>k</a:t>
+                </a:r>
+                <a:r>
+                  <a:rPr lang="en-US" altLang="zh-CN" sz="2000" baseline="-25000" dirty="0" smtClean="0">
+                    <a:latin typeface="Times New Roman" pitchFamily="18" charset="0"/>
+                    <a:cs typeface="Times New Roman" pitchFamily="18" charset="0"/>
+                  </a:rPr>
+                  <a:t>-1</a:t>
+                </a:r>
+                <a:endParaRPr lang="zh-CN" altLang="en-US" sz="2000" baseline="-25000" dirty="0">
+                  <a:latin typeface="Times New Roman" pitchFamily="18" charset="0"/>
+                  <a:cs typeface="Times New Roman" pitchFamily="18" charset="0"/>
+                </a:endParaRPr>
+              </a:p>
+            </p:txBody>
+          </p:sp>
+        </mc:Choice>
+        <mc:Fallback xmlns="">
+          <p:sp>
+            <p:nvSpPr>
+              <p:cNvPr id="42" name="矩形 41"/>
+              <p:cNvSpPr>
+                <a:spLocks noRot="1" noChangeAspect="1" noMove="1" noResize="1" noEditPoints="1" noAdjustHandles="1" noChangeArrowheads="1" noChangeShapeType="1" noTextEdit="1"/>
+              </p:cNvSpPr>
+              <p:nvPr/>
+            </p:nvSpPr>
+            <p:spPr>
+              <a:xfrm>
+                <a:off x="2430884" y="2852936"/>
+                <a:ext cx="564322" cy="392993"/>
+              </a:xfrm>
+              <a:prstGeom prst="rect">
+                <a:avLst/>
+              </a:prstGeom>
+              <a:blipFill rotWithShape="1">
+                <a:blip r:embed="rId2"/>
+                <a:stretch>
+                  <a:fillRect t="-1563" r="-7609" b="-26563"/>
+                </a:stretch>
+              </a:blipFill>
+            </p:spPr>
+            <p:txBody>
+              <a:bodyPr/>
+              <a:lstStyle/>
+              <a:p>
+                <a:r>
+                  <a:rPr lang="zh-CN" altLang="en-US">
+                    <a:noFill/>
+                  </a:rPr>
+                  <a:t> </a:t>
+                </a:r>
+              </a:p>
+            </p:txBody>
+          </p:sp>
+        </mc:Fallback>
+      </mc:AlternateContent>
+      <mc:AlternateContent xmlns:mc="http://schemas.openxmlformats.org/markup-compatibility/2006" xmlns:a14="http://schemas.microsoft.com/office/drawing/2010/main">
+        <mc:Choice Requires="a14">
+          <p:sp>
+            <p:nvSpPr>
+              <p:cNvPr id="47" name="矩形 46"/>
+              <p:cNvSpPr/>
+              <p:nvPr/>
+            </p:nvSpPr>
+            <p:spPr>
+              <a:xfrm>
+                <a:off x="4765843" y="4293096"/>
+                <a:ext cx="423257" cy="392993"/>
+              </a:xfrm>
+              <a:prstGeom prst="rect">
+                <a:avLst/>
+              </a:prstGeom>
+            </p:spPr>
+            <p:txBody>
+              <a:bodyPr wrap="none">
+                <a:spAutoFit/>
+              </a:bodyPr>
+              <a:lstStyle/>
+              <a:p>
+                <a14:m>
+                  <m:oMath xmlns:m="http://schemas.openxmlformats.org/officeDocument/2006/math">
+                    <m:acc>
+                      <m:accPr>
+                        <m:chr m:val="⃑"/>
+                        <m:ctrlPr>
+                          <a:rPr lang="zh-CN" altLang="en-US" sz="2000" i="1" smtClean="0">
+                            <a:latin typeface="Cambria Math"/>
+                          </a:rPr>
+                        </m:ctrlPr>
+                      </m:accPr>
+                      <m:e>
+                        <m:r>
+                          <a:rPr lang="zh-CN" altLang="en-US" sz="2000" i="1" smtClean="0">
+                            <a:latin typeface="Cambria Math"/>
+                          </a:rPr>
+                          <m:t>𝛼</m:t>
+                        </m:r>
+                      </m:e>
+                    </m:acc>
+                  </m:oMath>
+                </a14:m>
+                <a:r>
+                  <a:rPr lang="en-US" altLang="zh-CN" sz="2000" i="1" baseline="-25000" dirty="0" smtClean="0">
+                    <a:latin typeface="Times New Roman" pitchFamily="18" charset="0"/>
+                    <a:cs typeface="Times New Roman" pitchFamily="18" charset="0"/>
+                  </a:rPr>
+                  <a:t>k</a:t>
+                </a:r>
+                <a:endParaRPr lang="zh-CN" altLang="en-US" sz="2000" i="1" baseline="-25000" dirty="0">
+                  <a:latin typeface="Times New Roman" pitchFamily="18" charset="0"/>
+                  <a:cs typeface="Times New Roman" pitchFamily="18" charset="0"/>
+                </a:endParaRPr>
+              </a:p>
+            </p:txBody>
+          </p:sp>
+        </mc:Choice>
+        <mc:Fallback xmlns="">
+          <p:sp>
+            <p:nvSpPr>
+              <p:cNvPr id="47" name="矩形 46"/>
+              <p:cNvSpPr>
+                <a:spLocks noRot="1" noChangeAspect="1" noMove="1" noResize="1" noEditPoints="1" noAdjustHandles="1" noChangeArrowheads="1" noChangeShapeType="1" noTextEdit="1"/>
+              </p:cNvSpPr>
+              <p:nvPr/>
+            </p:nvSpPr>
+            <p:spPr>
+              <a:xfrm>
+                <a:off x="4765843" y="4293096"/>
+                <a:ext cx="423257" cy="392993"/>
+              </a:xfrm>
+              <a:prstGeom prst="rect">
+                <a:avLst/>
+              </a:prstGeom>
+              <a:blipFill rotWithShape="1">
+                <a:blip r:embed="rId3"/>
+                <a:stretch>
+                  <a:fillRect t="-1538" r="-8696" b="-24615"/>
+                </a:stretch>
+              </a:blipFill>
+            </p:spPr>
+            <p:txBody>
+              <a:bodyPr/>
+              <a:lstStyle/>
+              <a:p>
+                <a:r>
+                  <a:rPr lang="zh-CN" altLang="en-US">
+                    <a:noFill/>
+                  </a:rPr>
+                  <a:t> </a:t>
+                </a:r>
+              </a:p>
+            </p:txBody>
+          </p:sp>
+        </mc:Fallback>
+      </mc:AlternateContent>
+      <p:sp>
+        <p:nvSpPr>
+          <p:cNvPr id="48" name="矩形 47"/>
+          <p:cNvSpPr/>
+          <p:nvPr/>
+        </p:nvSpPr>
+        <p:spPr>
+          <a:xfrm>
+            <a:off x="2483768" y="3532946"/>
+            <a:ext cx="473206" cy="400110"/>
+          </a:xfrm>
+          <a:prstGeom prst="rect">
+            <a:avLst/>
+          </a:prstGeom>
+        </p:spPr>
+        <p:txBody>
+          <a:bodyPr wrap="none">
+            <a:spAutoFit/>
+          </a:bodyPr>
+          <a:lstStyle/>
+          <a:p>
+            <a:r>
+              <a:rPr lang="en-US" altLang="zh-CN" sz="2000" i="1" dirty="0" smtClean="0">
+                <a:latin typeface="Times New Roman" pitchFamily="18" charset="0"/>
+                <a:cs typeface="Times New Roman" pitchFamily="18" charset="0"/>
+              </a:rPr>
+              <a:t>t</a:t>
+            </a:r>
+            <a:r>
+              <a:rPr lang="en-US" altLang="zh-CN" sz="2000" i="1" baseline="-25000" dirty="0" smtClean="0">
+                <a:latin typeface="Times New Roman" pitchFamily="18" charset="0"/>
+                <a:cs typeface="Times New Roman" pitchFamily="18" charset="0"/>
+              </a:rPr>
+              <a:t>k-</a:t>
+            </a:r>
+            <a:r>
+              <a:rPr lang="en-US" altLang="zh-CN" sz="2000" baseline="-25000" dirty="0" smtClean="0">
+                <a:latin typeface="Times New Roman" pitchFamily="18" charset="0"/>
+                <a:cs typeface="Times New Roman" pitchFamily="18" charset="0"/>
+              </a:rPr>
+              <a:t>1</a:t>
+            </a:r>
+            <a:endParaRPr lang="zh-CN" altLang="en-US" sz="2000" baseline="-25000" dirty="0">
+              <a:latin typeface="Cambria Math" pitchFamily="18" charset="0"/>
+              <a:cs typeface="Times New Roman" pitchFamily="18" charset="0"/>
+            </a:endParaRPr>
+          </a:p>
+        </p:txBody>
+      </p:sp>
+      <mc:AlternateContent xmlns:mc="http://schemas.openxmlformats.org/markup-compatibility/2006" xmlns:a14="http://schemas.microsoft.com/office/drawing/2010/main">
+        <mc:Choice Requires="a14">
+          <p:sp>
+            <p:nvSpPr>
+              <p:cNvPr id="49" name="矩形 48"/>
+              <p:cNvSpPr/>
+              <p:nvPr/>
+            </p:nvSpPr>
+            <p:spPr>
+              <a:xfrm>
+                <a:off x="2475120" y="4293096"/>
+                <a:ext cx="512704" cy="400110"/>
+              </a:xfrm>
+              <a:prstGeom prst="rect">
+                <a:avLst/>
+              </a:prstGeom>
+            </p:spPr>
+            <p:txBody>
+              <a:bodyPr wrap="none">
+                <a:spAutoFit/>
+              </a:bodyPr>
+              <a:lstStyle/>
+              <a:p>
+                <a:pPr/>
+                <a14:m>
+                  <m:oMathPara xmlns:m="http://schemas.openxmlformats.org/officeDocument/2006/math">
+                    <m:oMathParaPr>
+                      <m:jc m:val="centerGroup"/>
+                    </m:oMathParaPr>
+                    <m:oMath xmlns:m="http://schemas.openxmlformats.org/officeDocument/2006/math">
+                      <m:sSub>
+                        <m:sSubPr>
+                          <m:ctrlPr>
+                            <a:rPr lang="zh-CN" altLang="en-US" sz="2000" b="1" i="1">
+                              <a:latin typeface="Cambria Math"/>
+                            </a:rPr>
+                          </m:ctrlPr>
+                        </m:sSubPr>
+                        <m:e>
+                          <m:r>
+                            <a:rPr lang="zh-CN" altLang="en-US" sz="2000" b="1">
+                              <a:latin typeface="Cambria Math"/>
+                            </a:rPr>
+                            <m:t>𝐡</m:t>
+                          </m:r>
+                        </m:e>
+                        <m:sub>
+                          <m:r>
+                            <a:rPr lang="zh-CN" altLang="en-US" sz="2000" i="1">
+                              <a:latin typeface="Cambria Math"/>
+                            </a:rPr>
+                            <m:t>𝑘</m:t>
+                          </m:r>
+                        </m:sub>
+                      </m:sSub>
+                    </m:oMath>
+                  </m:oMathPara>
+                </a14:m>
+                <a:endParaRPr lang="zh-CN" altLang="en-US" sz="2000" dirty="0"/>
+              </a:p>
+            </p:txBody>
+          </p:sp>
+        </mc:Choice>
+        <mc:Fallback xmlns="">
+          <p:sp>
+            <p:nvSpPr>
+              <p:cNvPr id="49" name="矩形 48"/>
+              <p:cNvSpPr>
+                <a:spLocks noRot="1" noChangeAspect="1" noMove="1" noResize="1" noEditPoints="1" noAdjustHandles="1" noChangeArrowheads="1" noChangeShapeType="1" noTextEdit="1"/>
+              </p:cNvSpPr>
+              <p:nvPr/>
+            </p:nvSpPr>
+            <p:spPr>
+              <a:xfrm>
+                <a:off x="2475120" y="4293096"/>
+                <a:ext cx="512704" cy="400110"/>
+              </a:xfrm>
+              <a:prstGeom prst="rect">
+                <a:avLst/>
+              </a:prstGeom>
+              <a:blipFill rotWithShape="1">
+                <a:blip r:embed="rId4"/>
+                <a:stretch>
+                  <a:fillRect b="-1515"/>
+                </a:stretch>
+              </a:blipFill>
+            </p:spPr>
+            <p:txBody>
+              <a:bodyPr/>
+              <a:lstStyle/>
+              <a:p>
+                <a:r>
+                  <a:rPr lang="zh-CN" altLang="en-US">
+                    <a:noFill/>
+                  </a:rPr>
+                  <a:t> </a:t>
+                </a:r>
+              </a:p>
+            </p:txBody>
+          </p:sp>
+        </mc:Fallback>
+      </mc:AlternateContent>
+      <mc:AlternateContent xmlns:mc="http://schemas.openxmlformats.org/markup-compatibility/2006" xmlns:a14="http://schemas.microsoft.com/office/drawing/2010/main">
+        <mc:Choice Requires="a14">
+          <p:sp>
+            <p:nvSpPr>
+              <p:cNvPr id="51" name="矩形 50"/>
+              <p:cNvSpPr/>
+              <p:nvPr/>
+            </p:nvSpPr>
+            <p:spPr>
+              <a:xfrm>
+                <a:off x="6156176" y="4253026"/>
+                <a:ext cx="474232" cy="400110"/>
+              </a:xfrm>
+              <a:prstGeom prst="rect">
+                <a:avLst/>
+              </a:prstGeom>
+            </p:spPr>
+            <p:txBody>
+              <a:bodyPr wrap="none">
+                <a:spAutoFit/>
+              </a:bodyPr>
+              <a:lstStyle/>
+              <a:p>
+                <a:pPr/>
+                <a14:m>
+                  <m:oMathPara xmlns:m="http://schemas.openxmlformats.org/officeDocument/2006/math">
+                    <m:oMathParaPr>
+                      <m:jc m:val="centerGroup"/>
+                    </m:oMathParaPr>
+                    <m:oMath xmlns:m="http://schemas.openxmlformats.org/officeDocument/2006/math">
+                      <m:sSub>
+                        <m:sSubPr>
+                          <m:ctrlPr>
+                            <a:rPr lang="zh-CN" altLang="en-US" sz="2000" i="1">
+                              <a:latin typeface="Cambria Math"/>
+                            </a:rPr>
+                          </m:ctrlPr>
+                        </m:sSubPr>
+                        <m:e>
+                          <m:r>
+                            <a:rPr lang="zh-CN" altLang="en-US" sz="2000" i="1">
+                              <a:latin typeface="Cambria Math"/>
+                            </a:rPr>
+                            <m:t>𝑠</m:t>
+                          </m:r>
+                        </m:e>
+                        <m:sub>
+                          <m:r>
+                            <a:rPr lang="zh-CN" altLang="en-US" sz="2000" i="1">
+                              <a:latin typeface="Cambria Math"/>
+                            </a:rPr>
+                            <m:t>𝑘</m:t>
+                          </m:r>
+                        </m:sub>
+                      </m:sSub>
+                    </m:oMath>
+                  </m:oMathPara>
+                </a14:m>
+                <a:endParaRPr lang="zh-CN" altLang="en-US" sz="2000" dirty="0"/>
+              </a:p>
+            </p:txBody>
+          </p:sp>
+        </mc:Choice>
+        <mc:Fallback xmlns="">
+          <p:sp>
+            <p:nvSpPr>
+              <p:cNvPr id="51" name="矩形 50"/>
+              <p:cNvSpPr>
+                <a:spLocks noRot="1" noChangeAspect="1" noMove="1" noResize="1" noEditPoints="1" noAdjustHandles="1" noChangeArrowheads="1" noChangeShapeType="1" noTextEdit="1"/>
+              </p:cNvSpPr>
+              <p:nvPr/>
+            </p:nvSpPr>
+            <p:spPr>
+              <a:xfrm>
+                <a:off x="6156176" y="4253026"/>
+                <a:ext cx="474232" cy="400110"/>
+              </a:xfrm>
+              <a:prstGeom prst="rect">
+                <a:avLst/>
+              </a:prstGeom>
+              <a:blipFill rotWithShape="1">
+                <a:blip r:embed="rId5"/>
+                <a:stretch>
+                  <a:fillRect b="-3077"/>
+                </a:stretch>
+              </a:blipFill>
+            </p:spPr>
+            <p:txBody>
+              <a:bodyPr/>
+              <a:lstStyle/>
+              <a:p>
+                <a:r>
+                  <a:rPr lang="zh-CN" altLang="en-US">
+                    <a:noFill/>
+                  </a:rPr>
+                  <a:t> </a:t>
+                </a:r>
+              </a:p>
+            </p:txBody>
+          </p:sp>
+        </mc:Fallback>
+      </mc:AlternateContent>
     </p:spTree>
     <p:extLst>
       <p:ext uri="{BB962C8B-B14F-4D97-AF65-F5344CB8AC3E}">
@@ -17844,7 +17158,7 @@
           <a:graphicData uri="http://schemas.openxmlformats.org/presentationml/2006/ole">
             <mc:AlternateContent xmlns:mc="http://schemas.openxmlformats.org/markup-compatibility/2006">
               <mc:Choice xmlns:v="urn:schemas-microsoft-com:vml" Requires="v">
-                <p:oleObj spid="_x0000_s7270" name="Equation" r:id="rId3" imgW="215640" imgH="330120" progId="Equation.DSMT4">
+                <p:oleObj spid="_x0000_s7530" name="Equation" r:id="rId3" imgW="215640" imgH="330120" progId="Equation.DSMT4">
                   <p:embed/>
                 </p:oleObj>
               </mc:Choice>
@@ -17995,7 +17309,7 @@
             <a:graphicData uri="http://schemas.openxmlformats.org/presentationml/2006/ole">
               <mc:AlternateContent xmlns:mc="http://schemas.openxmlformats.org/markup-compatibility/2006">
                 <mc:Choice xmlns:v="urn:schemas-microsoft-com:vml" Requires="v">
-                  <p:oleObj spid="_x0000_s7271" name="Equation" r:id="rId5" imgW="406080" imgH="330120" progId="Equation.DSMT4">
+                  <p:oleObj spid="_x0000_s7531" name="Equation" r:id="rId5" imgW="406080" imgH="330120" progId="Equation.DSMT4">
                     <p:embed/>
                   </p:oleObj>
                 </mc:Choice>
@@ -18147,7 +17461,7 @@
             <a:graphicData uri="http://schemas.openxmlformats.org/presentationml/2006/ole">
               <mc:AlternateContent xmlns:mc="http://schemas.openxmlformats.org/markup-compatibility/2006">
                 <mc:Choice xmlns:v="urn:schemas-microsoft-com:vml" Requires="v">
-                  <p:oleObj spid="_x0000_s7272" name="Equation" r:id="rId7" imgW="241200" imgH="330120" progId="Equation.DSMT4">
+                  <p:oleObj spid="_x0000_s7532" name="Equation" r:id="rId7" imgW="241200" imgH="330120" progId="Equation.DSMT4">
                     <p:embed/>
                   </p:oleObj>
                 </mc:Choice>
@@ -18338,7 +17652,7 @@
             <a:graphicData uri="http://schemas.openxmlformats.org/presentationml/2006/ole">
               <mc:AlternateContent xmlns:mc="http://schemas.openxmlformats.org/markup-compatibility/2006">
                 <mc:Choice xmlns:v="urn:schemas-microsoft-com:vml" Requires="v">
-                  <p:oleObj spid="_x0000_s7273" name="Equation" r:id="rId9" imgW="203040" imgH="330120" progId="Equation.DSMT4">
+                  <p:oleObj spid="_x0000_s7533" name="Equation" r:id="rId9" imgW="203040" imgH="330120" progId="Equation.DSMT4">
                     <p:embed/>
                   </p:oleObj>
                 </mc:Choice>
@@ -18529,7 +17843,7 @@
             <a:graphicData uri="http://schemas.openxmlformats.org/presentationml/2006/ole">
               <mc:AlternateContent xmlns:mc="http://schemas.openxmlformats.org/markup-compatibility/2006">
                 <mc:Choice xmlns:v="urn:schemas-microsoft-com:vml" Requires="v">
-                  <p:oleObj spid="_x0000_s7274" name="Equation" r:id="rId11" imgW="419040" imgH="330120" progId="Equation.DSMT4">
+                  <p:oleObj spid="_x0000_s7534" name="Equation" r:id="rId11" imgW="419040" imgH="330120" progId="Equation.DSMT4">
                     <p:embed/>
                   </p:oleObj>
                 </mc:Choice>
@@ -18715,7 +18029,7 @@
           <a:graphicData uri="http://schemas.openxmlformats.org/presentationml/2006/ole">
             <mc:AlternateContent xmlns:mc="http://schemas.openxmlformats.org/markup-compatibility/2006">
               <mc:Choice xmlns:v="urn:schemas-microsoft-com:vml" Requires="v">
-                <p:oleObj spid="_x0000_s7275" name="Equation" r:id="rId13" imgW="380880" imgH="330120" progId="Equation.DSMT4">
+                <p:oleObj spid="_x0000_s7535" name="Equation" r:id="rId13" imgW="380880" imgH="330120" progId="Equation.DSMT4">
                   <p:embed/>
                 </p:oleObj>
               </mc:Choice>
@@ -18798,7 +18112,7 @@
           <a:graphicData uri="http://schemas.openxmlformats.org/presentationml/2006/ole">
             <mc:AlternateContent xmlns:mc="http://schemas.openxmlformats.org/markup-compatibility/2006">
               <mc:Choice xmlns:v="urn:schemas-microsoft-com:vml" Requires="v">
-                <p:oleObj spid="_x0000_s7276" name="Equation" r:id="rId15" imgW="241200" imgH="330120" progId="Equation.DSMT4">
+                <p:oleObj spid="_x0000_s7536" name="Equation" r:id="rId15" imgW="241200" imgH="330120" progId="Equation.DSMT4">
                   <p:embed/>
                 </p:oleObj>
               </mc:Choice>
@@ -18881,7 +18195,7 @@
           <a:graphicData uri="http://schemas.openxmlformats.org/presentationml/2006/ole">
             <mc:AlternateContent xmlns:mc="http://schemas.openxmlformats.org/markup-compatibility/2006">
               <mc:Choice xmlns:v="urn:schemas-microsoft-com:vml" Requires="v">
-                <p:oleObj spid="_x0000_s7277" name="Equation" r:id="rId17" imgW="431640" imgH="330120" progId="Equation.DSMT4">
+                <p:oleObj spid="_x0000_s7537" name="Equation" r:id="rId17" imgW="431640" imgH="330120" progId="Equation.DSMT4">
                   <p:embed/>
                 </p:oleObj>
               </mc:Choice>
@@ -19032,7 +18346,7 @@
             <a:graphicData uri="http://schemas.openxmlformats.org/presentationml/2006/ole">
               <mc:AlternateContent xmlns:mc="http://schemas.openxmlformats.org/markup-compatibility/2006">
                 <mc:Choice xmlns:v="urn:schemas-microsoft-com:vml" Requires="v">
-                  <p:oleObj spid="_x0000_s7278" name="Equation" r:id="rId19" imgW="380880" imgH="330120" progId="Equation.DSMT4">
+                  <p:oleObj spid="_x0000_s7538" name="Equation" r:id="rId19" imgW="380880" imgH="330120" progId="Equation.DSMT4">
                     <p:embed/>
                   </p:oleObj>
                 </mc:Choice>
@@ -19116,7 +18430,7 @@
           <a:graphicData uri="http://schemas.openxmlformats.org/presentationml/2006/ole">
             <mc:AlternateContent xmlns:mc="http://schemas.openxmlformats.org/markup-compatibility/2006">
               <mc:Choice xmlns:v="urn:schemas-microsoft-com:vml" Requires="v">
-                <p:oleObj spid="_x0000_s7279" name="Equation" r:id="rId21" imgW="419040" imgH="330120" progId="Equation.DSMT4">
+                <p:oleObj spid="_x0000_s7539" name="Equation" r:id="rId21" imgW="419040" imgH="330120" progId="Equation.DSMT4">
                   <p:embed/>
                 </p:oleObj>
               </mc:Choice>
@@ -19582,7 +18896,7 @@
             <a:graphicData uri="http://schemas.openxmlformats.org/presentationml/2006/ole">
               <mc:AlternateContent xmlns:mc="http://schemas.openxmlformats.org/markup-compatibility/2006">
                 <mc:Choice xmlns:v="urn:schemas-microsoft-com:vml" Requires="v">
-                  <p:oleObj spid="_x0000_s7280" name="Equation" r:id="rId23" imgW="228600" imgH="330120" progId="Equation.DSMT4">
+                  <p:oleObj spid="_x0000_s7540" name="Equation" r:id="rId23" imgW="228600" imgH="330120" progId="Equation.DSMT4">
                     <p:embed/>
                   </p:oleObj>
                 </mc:Choice>
@@ -19772,7 +19086,7 @@
             <a:graphicData uri="http://schemas.openxmlformats.org/presentationml/2006/ole">
               <mc:AlternateContent xmlns:mc="http://schemas.openxmlformats.org/markup-compatibility/2006">
                 <mc:Choice xmlns:v="urn:schemas-microsoft-com:vml" Requires="v">
-                  <p:oleObj spid="_x0000_s7281" name="Equation" r:id="rId25" imgW="190440" imgH="330120" progId="Equation.DSMT4">
+                  <p:oleObj spid="_x0000_s7541" name="Equation" r:id="rId25" imgW="190440" imgH="330120" progId="Equation.DSMT4">
                     <p:embed/>
                   </p:oleObj>
                 </mc:Choice>
@@ -19963,7 +19277,7 @@
             <a:graphicData uri="http://schemas.openxmlformats.org/presentationml/2006/ole">
               <mc:AlternateContent xmlns:mc="http://schemas.openxmlformats.org/markup-compatibility/2006">
                 <mc:Choice xmlns:v="urn:schemas-microsoft-com:vml" Requires="v">
-                  <p:oleObj spid="_x0000_s7282" name="Equation" r:id="rId27" imgW="330120" imgH="330120" progId="Equation.DSMT4">
+                  <p:oleObj spid="_x0000_s7542" name="Equation" r:id="rId27" imgW="330120" imgH="330120" progId="Equation.DSMT4">
                     <p:embed/>
                   </p:oleObj>
                 </mc:Choice>
@@ -20439,7 +19753,7 @@
           <a:graphicData uri="http://schemas.openxmlformats.org/presentationml/2006/ole">
             <mc:AlternateContent xmlns:mc="http://schemas.openxmlformats.org/markup-compatibility/2006">
               <mc:Choice xmlns:v="urn:schemas-microsoft-com:vml" Requires="v">
-                <p:oleObj spid="_x0000_s7283" name="Equation" r:id="rId29" imgW="241200" imgH="330120" progId="Equation.DSMT4">
+                <p:oleObj spid="_x0000_s7543" name="Equation" r:id="rId29" imgW="241200" imgH="330120" progId="Equation.DSMT4">
                   <p:embed/>
                 </p:oleObj>
               </mc:Choice>
@@ -20522,7 +19836,7 @@
           <a:graphicData uri="http://schemas.openxmlformats.org/presentationml/2006/ole">
             <mc:AlternateContent xmlns:mc="http://schemas.openxmlformats.org/markup-compatibility/2006">
               <mc:Choice xmlns:v="urn:schemas-microsoft-com:vml" Requires="v">
-                <p:oleObj spid="_x0000_s7284" name="Equation" r:id="rId31" imgW="241200" imgH="330120" progId="Equation.DSMT4">
+                <p:oleObj spid="_x0000_s7544" name="Equation" r:id="rId31" imgW="241200" imgH="330120" progId="Equation.DSMT4">
                   <p:embed/>
                 </p:oleObj>
               </mc:Choice>
@@ -20605,7 +19919,7 @@
           <a:graphicData uri="http://schemas.openxmlformats.org/presentationml/2006/ole">
             <mc:AlternateContent xmlns:mc="http://schemas.openxmlformats.org/markup-compatibility/2006">
               <mc:Choice xmlns:v="urn:schemas-microsoft-com:vml" Requires="v">
-                <p:oleObj spid="_x0000_s7285" name="Equation" r:id="rId33" imgW="393480" imgH="330120" progId="Equation.DSMT4">
+                <p:oleObj spid="_x0000_s7545" name="Equation" r:id="rId33" imgW="393480" imgH="330120" progId="Equation.DSMT4">
                   <p:embed/>
                 </p:oleObj>
               </mc:Choice>
@@ -20688,7 +20002,7 @@
           <a:graphicData uri="http://schemas.openxmlformats.org/presentationml/2006/ole">
             <mc:AlternateContent xmlns:mc="http://schemas.openxmlformats.org/markup-compatibility/2006">
               <mc:Choice xmlns:v="urn:schemas-microsoft-com:vml" Requires="v">
-                <p:oleObj spid="_x0000_s7286" name="Equation" r:id="rId35" imgW="291960" imgH="330120" progId="Equation.DSMT4">
+                <p:oleObj spid="_x0000_s7546" name="Equation" r:id="rId35" imgW="291960" imgH="330120" progId="Equation.DSMT4">
                   <p:embed/>
                 </p:oleObj>
               </mc:Choice>
@@ -20771,7 +20085,7 @@
           <a:graphicData uri="http://schemas.openxmlformats.org/presentationml/2006/ole">
             <mc:AlternateContent xmlns:mc="http://schemas.openxmlformats.org/markup-compatibility/2006">
               <mc:Choice xmlns:v="urn:schemas-microsoft-com:vml" Requires="v">
-                <p:oleObj spid="_x0000_s7287" name="Equation" r:id="rId37" imgW="380880" imgH="330120" progId="Equation.DSMT4">
+                <p:oleObj spid="_x0000_s7547" name="Equation" r:id="rId37" imgW="380880" imgH="330120" progId="Equation.DSMT4">
                   <p:embed/>
                 </p:oleObj>
               </mc:Choice>
@@ -21562,7 +20876,7 @@
             <a:graphicData uri="http://schemas.openxmlformats.org/presentationml/2006/ole">
               <mc:AlternateContent xmlns:mc="http://schemas.openxmlformats.org/markup-compatibility/2006">
                 <mc:Choice xmlns:v="urn:schemas-microsoft-com:vml" Requires="v">
-                  <p:oleObj spid="_x0000_s7288" name="Equation" r:id="rId39" imgW="164880" imgH="330120" progId="Equation.DSMT4">
+                  <p:oleObj spid="_x0000_s7548" name="Equation" r:id="rId39" imgW="164880" imgH="330120" progId="Equation.DSMT4">
                     <p:embed/>
                   </p:oleObj>
                 </mc:Choice>
@@ -21714,7 +21028,7 @@
             <a:graphicData uri="http://schemas.openxmlformats.org/presentationml/2006/ole">
               <mc:AlternateContent xmlns:mc="http://schemas.openxmlformats.org/markup-compatibility/2006">
                 <mc:Choice xmlns:v="urn:schemas-microsoft-com:vml" Requires="v">
-                  <p:oleObj spid="_x0000_s7289" name="Equation" r:id="rId41" imgW="355320" imgH="330120" progId="Equation.DSMT4">
+                  <p:oleObj spid="_x0000_s7549" name="Equation" r:id="rId41" imgW="355320" imgH="330120" progId="Equation.DSMT4">
                     <p:embed/>
                   </p:oleObj>
                 </mc:Choice>

--- a/slides/DSI.pptx
+++ b/slides/DSI.pptx
@@ -295,7 +295,7 @@
           <a:p>
             <a:fld id="{530820CF-B880-4189-942D-D702A7CBA730}" type="datetimeFigureOut">
               <a:rPr lang="zh-CN" altLang="en-US" smtClean="0"/>
-              <a:t>2017-2-17</a:t>
+              <a:t>2017-2-18</a:t>
             </a:fld>
             <a:endParaRPr lang="zh-CN" altLang="en-US"/>
           </a:p>
@@ -460,7 +460,7 @@
           <a:p>
             <a:fld id="{530820CF-B880-4189-942D-D702A7CBA730}" type="datetimeFigureOut">
               <a:rPr lang="zh-CN" altLang="en-US" smtClean="0"/>
-              <a:t>2017-2-17</a:t>
+              <a:t>2017-2-18</a:t>
             </a:fld>
             <a:endParaRPr lang="zh-CN" altLang="en-US"/>
           </a:p>
@@ -635,7 +635,7 @@
           <a:p>
             <a:fld id="{530820CF-B880-4189-942D-D702A7CBA730}" type="datetimeFigureOut">
               <a:rPr lang="zh-CN" altLang="en-US" smtClean="0"/>
-              <a:t>2017-2-17</a:t>
+              <a:t>2017-2-18</a:t>
             </a:fld>
             <a:endParaRPr lang="zh-CN" altLang="en-US"/>
           </a:p>
@@ -800,7 +800,7 @@
           <a:p>
             <a:fld id="{530820CF-B880-4189-942D-D702A7CBA730}" type="datetimeFigureOut">
               <a:rPr lang="zh-CN" altLang="en-US" smtClean="0"/>
-              <a:t>2017-2-17</a:t>
+              <a:t>2017-2-18</a:t>
             </a:fld>
             <a:endParaRPr lang="zh-CN" altLang="en-US"/>
           </a:p>
@@ -1041,7 +1041,7 @@
           <a:p>
             <a:fld id="{530820CF-B880-4189-942D-D702A7CBA730}" type="datetimeFigureOut">
               <a:rPr lang="zh-CN" altLang="en-US" smtClean="0"/>
-              <a:t>2017-2-17</a:t>
+              <a:t>2017-2-18</a:t>
             </a:fld>
             <a:endParaRPr lang="zh-CN" altLang="en-US"/>
           </a:p>
@@ -1324,7 +1324,7 @@
           <a:p>
             <a:fld id="{530820CF-B880-4189-942D-D702A7CBA730}" type="datetimeFigureOut">
               <a:rPr lang="zh-CN" altLang="en-US" smtClean="0"/>
-              <a:t>2017-2-17</a:t>
+              <a:t>2017-2-18</a:t>
             </a:fld>
             <a:endParaRPr lang="zh-CN" altLang="en-US"/>
           </a:p>
@@ -1741,7 +1741,7 @@
           <a:p>
             <a:fld id="{530820CF-B880-4189-942D-D702A7CBA730}" type="datetimeFigureOut">
               <a:rPr lang="zh-CN" altLang="en-US" smtClean="0"/>
-              <a:t>2017-2-17</a:t>
+              <a:t>2017-2-18</a:t>
             </a:fld>
             <a:endParaRPr lang="zh-CN" altLang="en-US"/>
           </a:p>
@@ -1854,7 +1854,7 @@
           <a:p>
             <a:fld id="{530820CF-B880-4189-942D-D702A7CBA730}" type="datetimeFigureOut">
               <a:rPr lang="zh-CN" altLang="en-US" smtClean="0"/>
-              <a:t>2017-2-17</a:t>
+              <a:t>2017-2-18</a:t>
             </a:fld>
             <a:endParaRPr lang="zh-CN" altLang="en-US"/>
           </a:p>
@@ -1944,7 +1944,7 @@
           <a:p>
             <a:fld id="{530820CF-B880-4189-942D-D702A7CBA730}" type="datetimeFigureOut">
               <a:rPr lang="zh-CN" altLang="en-US" smtClean="0"/>
-              <a:t>2017-2-17</a:t>
+              <a:t>2017-2-18</a:t>
             </a:fld>
             <a:endParaRPr lang="zh-CN" altLang="en-US"/>
           </a:p>
@@ -2216,7 +2216,7 @@
           <a:p>
             <a:fld id="{530820CF-B880-4189-942D-D702A7CBA730}" type="datetimeFigureOut">
               <a:rPr lang="zh-CN" altLang="en-US" smtClean="0"/>
-              <a:t>2017-2-17</a:t>
+              <a:t>2017-2-18</a:t>
             </a:fld>
             <a:endParaRPr lang="zh-CN" altLang="en-US"/>
           </a:p>
@@ -2464,7 +2464,7 @@
           <a:p>
             <a:fld id="{530820CF-B880-4189-942D-D702A7CBA730}" type="datetimeFigureOut">
               <a:rPr lang="zh-CN" altLang="en-US" smtClean="0"/>
-              <a:t>2017-2-17</a:t>
+              <a:t>2017-2-18</a:t>
             </a:fld>
             <a:endParaRPr lang="zh-CN" altLang="en-US"/>
           </a:p>
@@ -2672,7 +2672,7 @@
           <a:p>
             <a:fld id="{530820CF-B880-4189-942D-D702A7CBA730}" type="datetimeFigureOut">
               <a:rPr lang="zh-CN" altLang="en-US" smtClean="0"/>
-              <a:t>2017-2-17</a:t>
+              <a:t>2017-2-18</a:t>
             </a:fld>
             <a:endParaRPr lang="zh-CN" altLang="en-US"/>
           </a:p>
@@ -3178,7 +3178,7 @@
           <a:graphicData uri="http://schemas.openxmlformats.org/presentationml/2006/ole">
             <mc:AlternateContent xmlns:mc="http://schemas.openxmlformats.org/markup-compatibility/2006">
               <mc:Choice xmlns:v="urn:schemas-microsoft-com:vml" Requires="v">
-                <p:oleObj spid="_x0000_s1607" name="Equation" r:id="rId3" imgW="215640" imgH="330120" progId="Equation.DSMT4">
+                <p:oleObj spid="_x0000_s1633" name="Equation" r:id="rId3" imgW="215640" imgH="330120" progId="Equation.DSMT4">
                   <p:embed/>
                 </p:oleObj>
               </mc:Choice>
@@ -3235,7 +3235,7 @@
           <a:graphicData uri="http://schemas.openxmlformats.org/presentationml/2006/ole">
             <mc:AlternateContent xmlns:mc="http://schemas.openxmlformats.org/markup-compatibility/2006">
               <mc:Choice xmlns:v="urn:schemas-microsoft-com:vml" Requires="v">
-                <p:oleObj spid="_x0000_s1608" name="Equation" r:id="rId5" imgW="241200" imgH="330120" progId="Equation.DSMT4">
+                <p:oleObj spid="_x0000_s1634" name="Equation" r:id="rId5" imgW="241200" imgH="330120" progId="Equation.DSMT4">
                   <p:embed/>
                 </p:oleObj>
               </mc:Choice>
@@ -3318,7 +3318,7 @@
           <a:graphicData uri="http://schemas.openxmlformats.org/presentationml/2006/ole">
             <mc:AlternateContent xmlns:mc="http://schemas.openxmlformats.org/markup-compatibility/2006">
               <mc:Choice xmlns:v="urn:schemas-microsoft-com:vml" Requires="v">
-                <p:oleObj spid="_x0000_s1609" name="Equation" r:id="rId7" imgW="215640" imgH="330120" progId="Equation.DSMT4">
+                <p:oleObj spid="_x0000_s1635" name="Equation" r:id="rId7" imgW="215640" imgH="330120" progId="Equation.DSMT4">
                   <p:embed/>
                 </p:oleObj>
               </mc:Choice>
@@ -3439,7 +3439,7 @@
           <a:graphicData uri="http://schemas.openxmlformats.org/presentationml/2006/ole">
             <mc:AlternateContent xmlns:mc="http://schemas.openxmlformats.org/markup-compatibility/2006">
               <mc:Choice xmlns:v="urn:schemas-microsoft-com:vml" Requires="v">
-                <p:oleObj spid="_x0000_s1610" name="Equation" r:id="rId9" imgW="203040" imgH="330120" progId="Equation.DSMT4">
+                <p:oleObj spid="_x0000_s1636" name="Equation" r:id="rId9" imgW="203040" imgH="330120" progId="Equation.DSMT4">
                   <p:embed/>
                 </p:oleObj>
               </mc:Choice>
@@ -3644,7 +3644,7 @@
           <a:graphicData uri="http://schemas.openxmlformats.org/presentationml/2006/ole">
             <mc:AlternateContent xmlns:mc="http://schemas.openxmlformats.org/markup-compatibility/2006">
               <mc:Choice xmlns:v="urn:schemas-microsoft-com:vml" Requires="v">
-                <p:oleObj spid="_x0000_s1611" name="Equation" r:id="rId11" imgW="228600" imgH="330120" progId="Equation.DSMT4">
+                <p:oleObj spid="_x0000_s1637" name="Equation" r:id="rId11" imgW="228600" imgH="330120" progId="Equation.DSMT4">
                   <p:embed/>
                 </p:oleObj>
               </mc:Choice>
@@ -3773,7 +3773,7 @@
           <a:graphicData uri="http://schemas.openxmlformats.org/presentationml/2006/ole">
             <mc:AlternateContent xmlns:mc="http://schemas.openxmlformats.org/markup-compatibility/2006">
               <mc:Choice xmlns:v="urn:schemas-microsoft-com:vml" Requires="v">
-                <p:oleObj spid="_x0000_s1612" name="Equation" r:id="rId13" imgW="203040" imgH="330120" progId="Equation.DSMT4">
+                <p:oleObj spid="_x0000_s1638" name="Equation" r:id="rId13" imgW="203040" imgH="330120" progId="Equation.DSMT4">
                   <p:embed/>
                 </p:oleObj>
               </mc:Choice>
@@ -4042,7 +4042,7 @@
           <a:graphicData uri="http://schemas.openxmlformats.org/presentationml/2006/ole">
             <mc:AlternateContent xmlns:mc="http://schemas.openxmlformats.org/markup-compatibility/2006">
               <mc:Choice xmlns:v="urn:schemas-microsoft-com:vml" Requires="v">
-                <p:oleObj spid="_x0000_s1613" name="Equation" r:id="rId15" imgW="203040" imgH="330120" progId="Equation.DSMT4">
+                <p:oleObj spid="_x0000_s1639" name="Equation" r:id="rId15" imgW="203040" imgH="330120" progId="Equation.DSMT4">
                   <p:embed/>
                 </p:oleObj>
               </mc:Choice>
@@ -4209,7 +4209,7 @@
           <a:graphicData uri="http://schemas.openxmlformats.org/presentationml/2006/ole">
             <mc:AlternateContent xmlns:mc="http://schemas.openxmlformats.org/markup-compatibility/2006">
               <mc:Choice xmlns:v="urn:schemas-microsoft-com:vml" Requires="v">
-                <p:oleObj spid="_x0000_s1614" name="Equation" r:id="rId17" imgW="228600" imgH="330120" progId="Equation.DSMT4">
+                <p:oleObj spid="_x0000_s1640" name="Equation" r:id="rId17" imgW="228600" imgH="330120" progId="Equation.DSMT4">
                   <p:embed/>
                 </p:oleObj>
               </mc:Choice>
@@ -4338,7 +4338,7 @@
           <a:graphicData uri="http://schemas.openxmlformats.org/presentationml/2006/ole">
             <mc:AlternateContent xmlns:mc="http://schemas.openxmlformats.org/markup-compatibility/2006">
               <mc:Choice xmlns:v="urn:schemas-microsoft-com:vml" Requires="v">
-                <p:oleObj spid="_x0000_s1615" name="Equation" r:id="rId19" imgW="203040" imgH="330120" progId="Equation.DSMT4">
+                <p:oleObj spid="_x0000_s1641" name="Equation" r:id="rId19" imgW="203040" imgH="330120" progId="Equation.DSMT4">
                   <p:embed/>
                 </p:oleObj>
               </mc:Choice>
@@ -4503,7 +4503,7 @@
           <a:graphicData uri="http://schemas.openxmlformats.org/presentationml/2006/ole">
             <mc:AlternateContent xmlns:mc="http://schemas.openxmlformats.org/markup-compatibility/2006">
               <mc:Choice xmlns:v="urn:schemas-microsoft-com:vml" Requires="v">
-                <p:oleObj spid="_x0000_s1616" name="Equation" r:id="rId21" imgW="190440" imgH="330120" progId="Equation.DSMT4">
+                <p:oleObj spid="_x0000_s1642" name="Equation" r:id="rId21" imgW="190440" imgH="330120" progId="Equation.DSMT4">
                   <p:embed/>
                 </p:oleObj>
               </mc:Choice>
@@ -4786,7 +4786,7 @@
           <a:graphicData uri="http://schemas.openxmlformats.org/presentationml/2006/ole">
             <mc:AlternateContent xmlns:mc="http://schemas.openxmlformats.org/markup-compatibility/2006">
               <mc:Choice xmlns:v="urn:schemas-microsoft-com:vml" Requires="v">
-                <p:oleObj spid="_x0000_s1617" name="Equation" r:id="rId23" imgW="228600" imgH="330120" progId="Equation.DSMT4">
+                <p:oleObj spid="_x0000_s1643" name="Equation" r:id="rId23" imgW="228600" imgH="330120" progId="Equation.DSMT4">
                   <p:embed/>
                 </p:oleObj>
               </mc:Choice>
@@ -4869,7 +4869,7 @@
           <a:graphicData uri="http://schemas.openxmlformats.org/presentationml/2006/ole">
             <mc:AlternateContent xmlns:mc="http://schemas.openxmlformats.org/markup-compatibility/2006">
               <mc:Choice xmlns:v="urn:schemas-microsoft-com:vml" Requires="v">
-                <p:oleObj spid="_x0000_s1618" name="Equation" r:id="rId25" imgW="253800" imgH="330120" progId="Equation.DSMT4">
+                <p:oleObj spid="_x0000_s1644" name="Equation" r:id="rId25" imgW="253800" imgH="330120" progId="Equation.DSMT4">
                   <p:embed/>
                 </p:oleObj>
               </mc:Choice>
@@ -4952,7 +4952,7 @@
           <a:graphicData uri="http://schemas.openxmlformats.org/presentationml/2006/ole">
             <mc:AlternateContent xmlns:mc="http://schemas.openxmlformats.org/markup-compatibility/2006">
               <mc:Choice xmlns:v="urn:schemas-microsoft-com:vml" Requires="v">
-                <p:oleObj spid="_x0000_s1619" name="Equation" r:id="rId27" imgW="228600" imgH="330120" progId="Equation.DSMT4">
+                <p:oleObj spid="_x0000_s1645" name="Equation" r:id="rId27" imgW="228600" imgH="330120" progId="Equation.DSMT4">
                   <p:embed/>
                 </p:oleObj>
               </mc:Choice>
@@ -5265,7 +5265,7 @@
           <a:graphicData uri="http://schemas.openxmlformats.org/presentationml/2006/ole">
             <mc:AlternateContent xmlns:mc="http://schemas.openxmlformats.org/markup-compatibility/2006">
               <mc:Choice xmlns:v="urn:schemas-microsoft-com:vml" Requires="v">
-                <p:oleObj spid="_x0000_s2349" name="Equation" r:id="rId3" imgW="203040" imgH="330120" progId="Equation.DSMT4">
+                <p:oleObj spid="_x0000_s2363" name="Equation" r:id="rId3" imgW="203040" imgH="330120" progId="Equation.DSMT4">
                   <p:embed/>
                 </p:oleObj>
               </mc:Choice>
@@ -5394,7 +5394,7 @@
           <a:graphicData uri="http://schemas.openxmlformats.org/presentationml/2006/ole">
             <mc:AlternateContent xmlns:mc="http://schemas.openxmlformats.org/markup-compatibility/2006">
               <mc:Choice xmlns:v="urn:schemas-microsoft-com:vml" Requires="v">
-                <p:oleObj spid="_x0000_s2350" name="Equation" r:id="rId5" imgW="203040" imgH="330120" progId="Equation.DSMT4">
+                <p:oleObj spid="_x0000_s2364" name="Equation" r:id="rId5" imgW="203040" imgH="330120" progId="Equation.DSMT4">
                   <p:embed/>
                 </p:oleObj>
               </mc:Choice>
@@ -5523,7 +5523,7 @@
           <a:graphicData uri="http://schemas.openxmlformats.org/presentationml/2006/ole">
             <mc:AlternateContent xmlns:mc="http://schemas.openxmlformats.org/markup-compatibility/2006">
               <mc:Choice xmlns:v="urn:schemas-microsoft-com:vml" Requires="v">
-                <p:oleObj spid="_x0000_s2351" name="Equation" r:id="rId7" imgW="215640" imgH="330120" progId="Equation.DSMT4">
+                <p:oleObj spid="_x0000_s2365" name="Equation" r:id="rId7" imgW="215640" imgH="330120" progId="Equation.DSMT4">
                   <p:embed/>
                 </p:oleObj>
               </mc:Choice>
@@ -5666,7 +5666,7 @@
             <a:graphicData uri="http://schemas.openxmlformats.org/presentationml/2006/ole">
               <mc:AlternateContent xmlns:mc="http://schemas.openxmlformats.org/markup-compatibility/2006">
                 <mc:Choice xmlns:v="urn:schemas-microsoft-com:vml" Requires="v">
-                  <p:oleObj spid="_x0000_s2352" name="Equation" r:id="rId9" imgW="342720" imgH="330120" progId="Equation.DSMT4">
+                  <p:oleObj spid="_x0000_s2366" name="Equation" r:id="rId9" imgW="342720" imgH="330120" progId="Equation.DSMT4">
                     <p:embed/>
                   </p:oleObj>
                 </mc:Choice>
@@ -5796,7 +5796,7 @@
           <a:graphicData uri="http://schemas.openxmlformats.org/presentationml/2006/ole">
             <mc:AlternateContent xmlns:mc="http://schemas.openxmlformats.org/markup-compatibility/2006">
               <mc:Choice xmlns:v="urn:schemas-microsoft-com:vml" Requires="v">
-                <p:oleObj spid="_x0000_s2353" name="Equation" r:id="rId11" imgW="355320" imgH="330120" progId="Equation.DSMT4">
+                <p:oleObj spid="_x0000_s2367" name="Equation" r:id="rId11" imgW="355320" imgH="330120" progId="Equation.DSMT4">
                   <p:embed/>
                 </p:oleObj>
               </mc:Choice>
@@ -5978,7 +5978,7 @@
             <a:graphicData uri="http://schemas.openxmlformats.org/presentationml/2006/ole">
               <mc:AlternateContent xmlns:mc="http://schemas.openxmlformats.org/markup-compatibility/2006">
                 <mc:Choice xmlns:v="urn:schemas-microsoft-com:vml" Requires="v">
-                  <p:oleObj spid="_x0000_s2354" name="Equation" r:id="rId13" imgW="190440" imgH="330120" progId="Equation.DSMT4">
+                  <p:oleObj spid="_x0000_s2368" name="Equation" r:id="rId13" imgW="190440" imgH="330120" progId="Equation.DSMT4">
                     <p:embed/>
                   </p:oleObj>
                 </mc:Choice>
@@ -6186,7 +6186,7 @@
           <a:graphicData uri="http://schemas.openxmlformats.org/presentationml/2006/ole">
             <mc:AlternateContent xmlns:mc="http://schemas.openxmlformats.org/markup-compatibility/2006">
               <mc:Choice xmlns:v="urn:schemas-microsoft-com:vml" Requires="v">
-                <p:oleObj spid="_x0000_s2355" name="Equation" r:id="rId15" imgW="342720" imgH="330120" progId="Equation.DSMT4">
+                <p:oleObj spid="_x0000_s2369" name="Equation" r:id="rId15" imgW="342720" imgH="330120" progId="Equation.DSMT4">
                   <p:embed/>
                 </p:oleObj>
               </mc:Choice>
@@ -6992,7 +6992,7 @@
             <a:graphicData uri="http://schemas.openxmlformats.org/presentationml/2006/ole">
               <mc:AlternateContent xmlns:mc="http://schemas.openxmlformats.org/markup-compatibility/2006">
                 <mc:Choice xmlns:v="urn:schemas-microsoft-com:vml" Requires="v">
-                  <p:oleObj spid="_x0000_s3445" name="Equation" r:id="rId3" imgW="203040" imgH="330120" progId="Equation.DSMT4">
+                  <p:oleObj spid="_x0000_s3463" name="Equation" r:id="rId3" imgW="203040" imgH="330120" progId="Equation.DSMT4">
                     <p:embed/>
                   </p:oleObj>
                 </mc:Choice>
@@ -7136,7 +7136,7 @@
             <a:graphicData uri="http://schemas.openxmlformats.org/presentationml/2006/ole">
               <mc:AlternateContent xmlns:mc="http://schemas.openxmlformats.org/markup-compatibility/2006">
                 <mc:Choice xmlns:v="urn:schemas-microsoft-com:vml" Requires="v">
-                  <p:oleObj spid="_x0000_s3446" name="Equation" r:id="rId5" imgW="203040" imgH="330120" progId="Equation.DSMT4">
+                  <p:oleObj spid="_x0000_s3464" name="Equation" r:id="rId5" imgW="203040" imgH="330120" progId="Equation.DSMT4">
                     <p:embed/>
                   </p:oleObj>
                 </mc:Choice>
@@ -7287,7 +7287,7 @@
             <a:graphicData uri="http://schemas.openxmlformats.org/presentationml/2006/ole">
               <mc:AlternateContent xmlns:mc="http://schemas.openxmlformats.org/markup-compatibility/2006">
                 <mc:Choice xmlns:v="urn:schemas-microsoft-com:vml" Requires="v">
-                  <p:oleObj spid="_x0000_s3447" name="Equation" r:id="rId7" imgW="215640" imgH="330120" progId="Equation.DSMT4">
+                  <p:oleObj spid="_x0000_s3465" name="Equation" r:id="rId7" imgW="215640" imgH="330120" progId="Equation.DSMT4">
                     <p:embed/>
                   </p:oleObj>
                 </mc:Choice>
@@ -7431,7 +7431,7 @@
             <a:graphicData uri="http://schemas.openxmlformats.org/presentationml/2006/ole">
               <mc:AlternateContent xmlns:mc="http://schemas.openxmlformats.org/markup-compatibility/2006">
                 <mc:Choice xmlns:v="urn:schemas-microsoft-com:vml" Requires="v">
-                  <p:oleObj spid="_x0000_s3448" name="Equation" r:id="rId9" imgW="342720" imgH="330120" progId="Equation.DSMT4">
+                  <p:oleObj spid="_x0000_s3466" name="Equation" r:id="rId9" imgW="342720" imgH="330120" progId="Equation.DSMT4">
                     <p:embed/>
                   </p:oleObj>
                 </mc:Choice>
@@ -7582,7 +7582,7 @@
             <a:graphicData uri="http://schemas.openxmlformats.org/presentationml/2006/ole">
               <mc:AlternateContent xmlns:mc="http://schemas.openxmlformats.org/markup-compatibility/2006">
                 <mc:Choice xmlns:v="urn:schemas-microsoft-com:vml" Requires="v">
-                  <p:oleObj spid="_x0000_s3449" name="Equation" r:id="rId11" imgW="355320" imgH="330120" progId="Equation.DSMT4">
+                  <p:oleObj spid="_x0000_s3467" name="Equation" r:id="rId11" imgW="355320" imgH="330120" progId="Equation.DSMT4">
                     <p:embed/>
                   </p:oleObj>
                 </mc:Choice>
@@ -7765,7 +7765,7 @@
             <a:graphicData uri="http://schemas.openxmlformats.org/presentationml/2006/ole">
               <mc:AlternateContent xmlns:mc="http://schemas.openxmlformats.org/markup-compatibility/2006">
                 <mc:Choice xmlns:v="urn:schemas-microsoft-com:vml" Requires="v">
-                  <p:oleObj spid="_x0000_s3450" name="Equation" r:id="rId13" imgW="190440" imgH="330120" progId="Equation.DSMT4">
+                  <p:oleObj spid="_x0000_s3468" name="Equation" r:id="rId13" imgW="190440" imgH="330120" progId="Equation.DSMT4">
                     <p:embed/>
                   </p:oleObj>
                 </mc:Choice>
@@ -7987,7 +7987,7 @@
             <a:graphicData uri="http://schemas.openxmlformats.org/presentationml/2006/ole">
               <mc:AlternateContent xmlns:mc="http://schemas.openxmlformats.org/markup-compatibility/2006">
                 <mc:Choice xmlns:v="urn:schemas-microsoft-com:vml" Requires="v">
-                  <p:oleObj spid="_x0000_s3451" name="Equation" r:id="rId15" imgW="342720" imgH="330120" progId="Equation.DSMT4">
+                  <p:oleObj spid="_x0000_s3469" name="Equation" r:id="rId15" imgW="342720" imgH="330120" progId="Equation.DSMT4">
                     <p:embed/>
                   </p:oleObj>
                 </mc:Choice>
@@ -8641,7 +8641,7 @@
             <a:graphicData uri="http://schemas.openxmlformats.org/presentationml/2006/ole">
               <mc:AlternateContent xmlns:mc="http://schemas.openxmlformats.org/markup-compatibility/2006">
                 <mc:Choice xmlns:v="urn:schemas-microsoft-com:vml" Requires="v">
-                  <p:oleObj spid="_x0000_s3452" name="Equation" r:id="rId17" imgW="253800" imgH="330120" progId="Equation.DSMT4">
+                  <p:oleObj spid="_x0000_s3470" name="Equation" r:id="rId17" imgW="253800" imgH="330120" progId="Equation.DSMT4">
                     <p:embed/>
                   </p:oleObj>
                 </mc:Choice>
@@ -9180,7 +9180,7 @@
             <a:graphicData uri="http://schemas.openxmlformats.org/presentationml/2006/ole">
               <mc:AlternateContent xmlns:mc="http://schemas.openxmlformats.org/markup-compatibility/2006">
                 <mc:Choice xmlns:v="urn:schemas-microsoft-com:vml" Requires="v">
-                  <p:oleObj spid="_x0000_s3453" name="Equation" r:id="rId19" imgW="228600" imgH="330120" progId="Equation.DSMT4">
+                  <p:oleObj spid="_x0000_s3471" name="Equation" r:id="rId19" imgW="228600" imgH="330120" progId="Equation.DSMT4">
                     <p:embed/>
                   </p:oleObj>
                 </mc:Choice>
@@ -9484,7 +9484,7 @@
             <a:graphicData uri="http://schemas.openxmlformats.org/presentationml/2006/ole">
               <mc:AlternateContent xmlns:mc="http://schemas.openxmlformats.org/markup-compatibility/2006">
                 <mc:Choice xmlns:v="urn:schemas-microsoft-com:vml" Requires="v">
-                  <p:oleObj spid="_x0000_s4338" name="Equation" r:id="rId3" imgW="203040" imgH="330120" progId="Equation.DSMT4">
+                  <p:oleObj spid="_x0000_s4354" name="Equation" r:id="rId3" imgW="203040" imgH="330120" progId="Equation.DSMT4">
                     <p:embed/>
                   </p:oleObj>
                 </mc:Choice>
@@ -9635,7 +9635,7 @@
             <a:graphicData uri="http://schemas.openxmlformats.org/presentationml/2006/ole">
               <mc:AlternateContent xmlns:mc="http://schemas.openxmlformats.org/markup-compatibility/2006">
                 <mc:Choice xmlns:v="urn:schemas-microsoft-com:vml" Requires="v">
-                  <p:oleObj spid="_x0000_s4339" name="Equation" r:id="rId5" imgW="215640" imgH="330120" progId="Equation.DSMT4">
+                  <p:oleObj spid="_x0000_s4355" name="Equation" r:id="rId5" imgW="215640" imgH="330120" progId="Equation.DSMT4">
                     <p:embed/>
                   </p:oleObj>
                 </mc:Choice>
@@ -9779,7 +9779,7 @@
             <a:graphicData uri="http://schemas.openxmlformats.org/presentationml/2006/ole">
               <mc:AlternateContent xmlns:mc="http://schemas.openxmlformats.org/markup-compatibility/2006">
                 <mc:Choice xmlns:v="urn:schemas-microsoft-com:vml" Requires="v">
-                  <p:oleObj spid="_x0000_s4340" name="Equation" r:id="rId7" imgW="330120" imgH="330120" progId="Equation.DSMT4">
+                  <p:oleObj spid="_x0000_s4356" name="Equation" r:id="rId7" imgW="330120" imgH="330120" progId="Equation.DSMT4">
                     <p:embed/>
                   </p:oleObj>
                 </mc:Choice>
@@ -9930,7 +9930,7 @@
             <a:graphicData uri="http://schemas.openxmlformats.org/presentationml/2006/ole">
               <mc:AlternateContent xmlns:mc="http://schemas.openxmlformats.org/markup-compatibility/2006">
                 <mc:Choice xmlns:v="urn:schemas-microsoft-com:vml" Requires="v">
-                  <p:oleObj spid="_x0000_s4341" name="Equation" r:id="rId9" imgW="355320" imgH="330120" progId="Equation.DSMT4">
+                  <p:oleObj spid="_x0000_s4357" name="Equation" r:id="rId9" imgW="355320" imgH="330120" progId="Equation.DSMT4">
                     <p:embed/>
                   </p:oleObj>
                 </mc:Choice>
@@ -10113,7 +10113,7 @@
             <a:graphicData uri="http://schemas.openxmlformats.org/presentationml/2006/ole">
               <mc:AlternateContent xmlns:mc="http://schemas.openxmlformats.org/markup-compatibility/2006">
                 <mc:Choice xmlns:v="urn:schemas-microsoft-com:vml" Requires="v">
-                  <p:oleObj spid="_x0000_s4342" name="Equation" r:id="rId11" imgW="190440" imgH="330120" progId="Equation.DSMT4">
+                  <p:oleObj spid="_x0000_s4358" name="Equation" r:id="rId11" imgW="190440" imgH="330120" progId="Equation.DSMT4">
                     <p:embed/>
                   </p:oleObj>
                 </mc:Choice>
@@ -10335,7 +10335,7 @@
             <a:graphicData uri="http://schemas.openxmlformats.org/presentationml/2006/ole">
               <mc:AlternateContent xmlns:mc="http://schemas.openxmlformats.org/markup-compatibility/2006">
                 <mc:Choice xmlns:v="urn:schemas-microsoft-com:vml" Requires="v">
-                  <p:oleObj spid="_x0000_s4343" name="Equation" r:id="rId13" imgW="342720" imgH="330120" progId="Equation.DSMT4">
+                  <p:oleObj spid="_x0000_s4359" name="Equation" r:id="rId13" imgW="342720" imgH="330120" progId="Equation.DSMT4">
                     <p:embed/>
                   </p:oleObj>
                 </mc:Choice>
@@ -10851,7 +10851,7 @@
             <a:graphicData uri="http://schemas.openxmlformats.org/presentationml/2006/ole">
               <mc:AlternateContent xmlns:mc="http://schemas.openxmlformats.org/markup-compatibility/2006">
                 <mc:Choice xmlns:v="urn:schemas-microsoft-com:vml" Requires="v">
-                  <p:oleObj spid="_x0000_s4344" name="Equation" r:id="rId15" imgW="253800" imgH="330120" progId="Equation.DSMT4">
+                  <p:oleObj spid="_x0000_s4360" name="Equation" r:id="rId15" imgW="253800" imgH="330120" progId="Equation.DSMT4">
                     <p:embed/>
                   </p:oleObj>
                 </mc:Choice>
@@ -11311,7 +11311,7 @@
             <a:graphicData uri="http://schemas.openxmlformats.org/presentationml/2006/ole">
               <mc:AlternateContent xmlns:mc="http://schemas.openxmlformats.org/markup-compatibility/2006">
                 <mc:Choice xmlns:v="urn:schemas-microsoft-com:vml" Requires="v">
-                  <p:oleObj spid="_x0000_s4345" name="Equation" r:id="rId17" imgW="228600" imgH="330120" progId="Equation.DSMT4">
+                  <p:oleObj spid="_x0000_s4361" name="Equation" r:id="rId17" imgW="228600" imgH="330120" progId="Equation.DSMT4">
                     <p:embed/>
                   </p:oleObj>
                 </mc:Choice>
@@ -12248,14 +12248,7 @@
                 <a:latin typeface="Times New Roman" panose="02020603050405020304" pitchFamily="18" charset="0"/>
                 <a:cs typeface="Times New Roman" panose="02020603050405020304" pitchFamily="18" charset="0"/>
               </a:rPr>
-              <a:t>Attention </a:t>
-            </a:r>
-            <a:r>
-              <a:rPr lang="en-US" altLang="zh-CN" sz="2000" dirty="0" smtClean="0">
-                <a:latin typeface="Times New Roman" panose="02020603050405020304" pitchFamily="18" charset="0"/>
-                <a:cs typeface="Times New Roman" panose="02020603050405020304" pitchFamily="18" charset="0"/>
-              </a:rPr>
-              <a:t>function</a:t>
+              <a:t>Attention function</a:t>
             </a:r>
             <a:endParaRPr lang="zh-CN" altLang="en-US" sz="2000" dirty="0">
               <a:latin typeface="Times New Roman" panose="02020603050405020304" pitchFamily="18" charset="0"/>
@@ -14704,11 +14697,18 @@
           <a:p>
             <a:pPr algn="ctr"/>
             <a:r>
-              <a:rPr lang="en-US" altLang="zh-CN" dirty="0" smtClean="0">
+              <a:rPr lang="en-US" altLang="zh-CN" sz="2000" dirty="0" smtClean="0">
                 <a:latin typeface="Times New Roman" panose="02020603050405020304" pitchFamily="18" charset="0"/>
                 <a:cs typeface="Times New Roman" panose="02020603050405020304" pitchFamily="18" charset="0"/>
               </a:rPr>
-              <a:t>attention</a:t>
+              <a:t>a</a:t>
+            </a:r>
+            <a:r>
+              <a:rPr lang="en-US" altLang="zh-CN" sz="2000" dirty="0">
+                <a:latin typeface="Times New Roman" panose="02020603050405020304" pitchFamily="18" charset="0"/>
+                <a:cs typeface="Times New Roman" panose="02020603050405020304" pitchFamily="18" charset="0"/>
+              </a:rPr>
+              <a:t>(•)</a:t>
             </a:r>
             <a:endParaRPr lang="zh-CN" altLang="en-US" dirty="0">
               <a:latin typeface="Times New Roman" panose="02020603050405020304" pitchFamily="18" charset="0"/>
@@ -15803,11 +15803,18 @@
           <a:p>
             <a:pPr algn="ctr"/>
             <a:r>
-              <a:rPr lang="en-US" altLang="zh-CN" dirty="0" smtClean="0">
+              <a:rPr lang="en-US" altLang="zh-CN" sz="2000" dirty="0" smtClean="0">
                 <a:latin typeface="Times New Roman" panose="02020603050405020304" pitchFamily="18" charset="0"/>
                 <a:cs typeface="Times New Roman" panose="02020603050405020304" pitchFamily="18" charset="0"/>
               </a:rPr>
-              <a:t>attention</a:t>
+              <a:t>a</a:t>
+            </a:r>
+            <a:r>
+              <a:rPr lang="en-US" altLang="zh-CN" sz="2000" dirty="0">
+                <a:latin typeface="Times New Roman" panose="02020603050405020304" pitchFamily="18" charset="0"/>
+                <a:cs typeface="Times New Roman" panose="02020603050405020304" pitchFamily="18" charset="0"/>
+              </a:rPr>
+              <a:t>(•)</a:t>
             </a:r>
             <a:endParaRPr lang="zh-CN" altLang="en-US" dirty="0">
               <a:latin typeface="Times New Roman" panose="02020603050405020304" pitchFamily="18" charset="0"/>
@@ -17158,7 +17165,7 @@
           <a:graphicData uri="http://schemas.openxmlformats.org/presentationml/2006/ole">
             <mc:AlternateContent xmlns:mc="http://schemas.openxmlformats.org/markup-compatibility/2006">
               <mc:Choice xmlns:v="urn:schemas-microsoft-com:vml" Requires="v">
-                <p:oleObj spid="_x0000_s7530" name="Equation" r:id="rId3" imgW="215640" imgH="330120" progId="Equation.DSMT4">
+                <p:oleObj spid="_x0000_s7570" name="Equation" r:id="rId3" imgW="215640" imgH="330120" progId="Equation.DSMT4">
                   <p:embed/>
                 </p:oleObj>
               </mc:Choice>
@@ -17309,7 +17316,7 @@
             <a:graphicData uri="http://schemas.openxmlformats.org/presentationml/2006/ole">
               <mc:AlternateContent xmlns:mc="http://schemas.openxmlformats.org/markup-compatibility/2006">
                 <mc:Choice xmlns:v="urn:schemas-microsoft-com:vml" Requires="v">
-                  <p:oleObj spid="_x0000_s7531" name="Equation" r:id="rId5" imgW="406080" imgH="330120" progId="Equation.DSMT4">
+                  <p:oleObj spid="_x0000_s7571" name="Equation" r:id="rId5" imgW="406080" imgH="330120" progId="Equation.DSMT4">
                     <p:embed/>
                   </p:oleObj>
                 </mc:Choice>
@@ -17461,7 +17468,7 @@
             <a:graphicData uri="http://schemas.openxmlformats.org/presentationml/2006/ole">
               <mc:AlternateContent xmlns:mc="http://schemas.openxmlformats.org/markup-compatibility/2006">
                 <mc:Choice xmlns:v="urn:schemas-microsoft-com:vml" Requires="v">
-                  <p:oleObj spid="_x0000_s7532" name="Equation" r:id="rId7" imgW="241200" imgH="330120" progId="Equation.DSMT4">
+                  <p:oleObj spid="_x0000_s7572" name="Equation" r:id="rId7" imgW="241200" imgH="330120" progId="Equation.DSMT4">
                     <p:embed/>
                   </p:oleObj>
                 </mc:Choice>
@@ -17652,7 +17659,7 @@
             <a:graphicData uri="http://schemas.openxmlformats.org/presentationml/2006/ole">
               <mc:AlternateContent xmlns:mc="http://schemas.openxmlformats.org/markup-compatibility/2006">
                 <mc:Choice xmlns:v="urn:schemas-microsoft-com:vml" Requires="v">
-                  <p:oleObj spid="_x0000_s7533" name="Equation" r:id="rId9" imgW="203040" imgH="330120" progId="Equation.DSMT4">
+                  <p:oleObj spid="_x0000_s7573" name="Equation" r:id="rId9" imgW="203040" imgH="330120" progId="Equation.DSMT4">
                     <p:embed/>
                   </p:oleObj>
                 </mc:Choice>
@@ -17843,7 +17850,7 @@
             <a:graphicData uri="http://schemas.openxmlformats.org/presentationml/2006/ole">
               <mc:AlternateContent xmlns:mc="http://schemas.openxmlformats.org/markup-compatibility/2006">
                 <mc:Choice xmlns:v="urn:schemas-microsoft-com:vml" Requires="v">
-                  <p:oleObj spid="_x0000_s7534" name="Equation" r:id="rId11" imgW="419040" imgH="330120" progId="Equation.DSMT4">
+                  <p:oleObj spid="_x0000_s7574" name="Equation" r:id="rId11" imgW="419040" imgH="330120" progId="Equation.DSMT4">
                     <p:embed/>
                   </p:oleObj>
                 </mc:Choice>
@@ -18029,7 +18036,7 @@
           <a:graphicData uri="http://schemas.openxmlformats.org/presentationml/2006/ole">
             <mc:AlternateContent xmlns:mc="http://schemas.openxmlformats.org/markup-compatibility/2006">
               <mc:Choice xmlns:v="urn:schemas-microsoft-com:vml" Requires="v">
-                <p:oleObj spid="_x0000_s7535" name="Equation" r:id="rId13" imgW="380880" imgH="330120" progId="Equation.DSMT4">
+                <p:oleObj spid="_x0000_s7575" name="Equation" r:id="rId13" imgW="380880" imgH="330120" progId="Equation.DSMT4">
                   <p:embed/>
                 </p:oleObj>
               </mc:Choice>
@@ -18112,7 +18119,7 @@
           <a:graphicData uri="http://schemas.openxmlformats.org/presentationml/2006/ole">
             <mc:AlternateContent xmlns:mc="http://schemas.openxmlformats.org/markup-compatibility/2006">
               <mc:Choice xmlns:v="urn:schemas-microsoft-com:vml" Requires="v">
-                <p:oleObj spid="_x0000_s7536" name="Equation" r:id="rId15" imgW="241200" imgH="330120" progId="Equation.DSMT4">
+                <p:oleObj spid="_x0000_s7576" name="Equation" r:id="rId15" imgW="241200" imgH="330120" progId="Equation.DSMT4">
                   <p:embed/>
                 </p:oleObj>
               </mc:Choice>
@@ -18195,7 +18202,7 @@
           <a:graphicData uri="http://schemas.openxmlformats.org/presentationml/2006/ole">
             <mc:AlternateContent xmlns:mc="http://schemas.openxmlformats.org/markup-compatibility/2006">
               <mc:Choice xmlns:v="urn:schemas-microsoft-com:vml" Requires="v">
-                <p:oleObj spid="_x0000_s7537" name="Equation" r:id="rId17" imgW="431640" imgH="330120" progId="Equation.DSMT4">
+                <p:oleObj spid="_x0000_s7577" name="Equation" r:id="rId17" imgW="431640" imgH="330120" progId="Equation.DSMT4">
                   <p:embed/>
                 </p:oleObj>
               </mc:Choice>
@@ -18346,7 +18353,7 @@
             <a:graphicData uri="http://schemas.openxmlformats.org/presentationml/2006/ole">
               <mc:AlternateContent xmlns:mc="http://schemas.openxmlformats.org/markup-compatibility/2006">
                 <mc:Choice xmlns:v="urn:schemas-microsoft-com:vml" Requires="v">
-                  <p:oleObj spid="_x0000_s7538" name="Equation" r:id="rId19" imgW="380880" imgH="330120" progId="Equation.DSMT4">
+                  <p:oleObj spid="_x0000_s7578" name="Equation" r:id="rId19" imgW="380880" imgH="330120" progId="Equation.DSMT4">
                     <p:embed/>
                   </p:oleObj>
                 </mc:Choice>
@@ -18430,7 +18437,7 @@
           <a:graphicData uri="http://schemas.openxmlformats.org/presentationml/2006/ole">
             <mc:AlternateContent xmlns:mc="http://schemas.openxmlformats.org/markup-compatibility/2006">
               <mc:Choice xmlns:v="urn:schemas-microsoft-com:vml" Requires="v">
-                <p:oleObj spid="_x0000_s7539" name="Equation" r:id="rId21" imgW="419040" imgH="330120" progId="Equation.DSMT4">
+                <p:oleObj spid="_x0000_s7579" name="Equation" r:id="rId21" imgW="419040" imgH="330120" progId="Equation.DSMT4">
                   <p:embed/>
                 </p:oleObj>
               </mc:Choice>
@@ -18896,7 +18903,7 @@
             <a:graphicData uri="http://schemas.openxmlformats.org/presentationml/2006/ole">
               <mc:AlternateContent xmlns:mc="http://schemas.openxmlformats.org/markup-compatibility/2006">
                 <mc:Choice xmlns:v="urn:schemas-microsoft-com:vml" Requires="v">
-                  <p:oleObj spid="_x0000_s7540" name="Equation" r:id="rId23" imgW="228600" imgH="330120" progId="Equation.DSMT4">
+                  <p:oleObj spid="_x0000_s7580" name="Equation" r:id="rId23" imgW="228600" imgH="330120" progId="Equation.DSMT4">
                     <p:embed/>
                   </p:oleObj>
                 </mc:Choice>
@@ -19086,7 +19093,7 @@
             <a:graphicData uri="http://schemas.openxmlformats.org/presentationml/2006/ole">
               <mc:AlternateContent xmlns:mc="http://schemas.openxmlformats.org/markup-compatibility/2006">
                 <mc:Choice xmlns:v="urn:schemas-microsoft-com:vml" Requires="v">
-                  <p:oleObj spid="_x0000_s7541" name="Equation" r:id="rId25" imgW="190440" imgH="330120" progId="Equation.DSMT4">
+                  <p:oleObj spid="_x0000_s7581" name="Equation" r:id="rId25" imgW="190440" imgH="330120" progId="Equation.DSMT4">
                     <p:embed/>
                   </p:oleObj>
                 </mc:Choice>
@@ -19277,7 +19284,7 @@
             <a:graphicData uri="http://schemas.openxmlformats.org/presentationml/2006/ole">
               <mc:AlternateContent xmlns:mc="http://schemas.openxmlformats.org/markup-compatibility/2006">
                 <mc:Choice xmlns:v="urn:schemas-microsoft-com:vml" Requires="v">
-                  <p:oleObj spid="_x0000_s7542" name="Equation" r:id="rId27" imgW="330120" imgH="330120" progId="Equation.DSMT4">
+                  <p:oleObj spid="_x0000_s7582" name="Equation" r:id="rId27" imgW="330120" imgH="330120" progId="Equation.DSMT4">
                     <p:embed/>
                   </p:oleObj>
                 </mc:Choice>
@@ -19753,7 +19760,7 @@
           <a:graphicData uri="http://schemas.openxmlformats.org/presentationml/2006/ole">
             <mc:AlternateContent xmlns:mc="http://schemas.openxmlformats.org/markup-compatibility/2006">
               <mc:Choice xmlns:v="urn:schemas-microsoft-com:vml" Requires="v">
-                <p:oleObj spid="_x0000_s7543" name="Equation" r:id="rId29" imgW="241200" imgH="330120" progId="Equation.DSMT4">
+                <p:oleObj spid="_x0000_s7583" name="Equation" r:id="rId29" imgW="241200" imgH="330120" progId="Equation.DSMT4">
                   <p:embed/>
                 </p:oleObj>
               </mc:Choice>
@@ -19836,7 +19843,7 @@
           <a:graphicData uri="http://schemas.openxmlformats.org/presentationml/2006/ole">
             <mc:AlternateContent xmlns:mc="http://schemas.openxmlformats.org/markup-compatibility/2006">
               <mc:Choice xmlns:v="urn:schemas-microsoft-com:vml" Requires="v">
-                <p:oleObj spid="_x0000_s7544" name="Equation" r:id="rId31" imgW="241200" imgH="330120" progId="Equation.DSMT4">
+                <p:oleObj spid="_x0000_s7584" name="Equation" r:id="rId31" imgW="241200" imgH="330120" progId="Equation.DSMT4">
                   <p:embed/>
                 </p:oleObj>
               </mc:Choice>
@@ -19919,7 +19926,7 @@
           <a:graphicData uri="http://schemas.openxmlformats.org/presentationml/2006/ole">
             <mc:AlternateContent xmlns:mc="http://schemas.openxmlformats.org/markup-compatibility/2006">
               <mc:Choice xmlns:v="urn:schemas-microsoft-com:vml" Requires="v">
-                <p:oleObj spid="_x0000_s7545" name="Equation" r:id="rId33" imgW="393480" imgH="330120" progId="Equation.DSMT4">
+                <p:oleObj spid="_x0000_s7585" name="Equation" r:id="rId33" imgW="393480" imgH="330120" progId="Equation.DSMT4">
                   <p:embed/>
                 </p:oleObj>
               </mc:Choice>
@@ -20002,7 +20009,7 @@
           <a:graphicData uri="http://schemas.openxmlformats.org/presentationml/2006/ole">
             <mc:AlternateContent xmlns:mc="http://schemas.openxmlformats.org/markup-compatibility/2006">
               <mc:Choice xmlns:v="urn:schemas-microsoft-com:vml" Requires="v">
-                <p:oleObj spid="_x0000_s7546" name="Equation" r:id="rId35" imgW="291960" imgH="330120" progId="Equation.DSMT4">
+                <p:oleObj spid="_x0000_s7586" name="Equation" r:id="rId35" imgW="291960" imgH="330120" progId="Equation.DSMT4">
                   <p:embed/>
                 </p:oleObj>
               </mc:Choice>
@@ -20085,7 +20092,7 @@
           <a:graphicData uri="http://schemas.openxmlformats.org/presentationml/2006/ole">
             <mc:AlternateContent xmlns:mc="http://schemas.openxmlformats.org/markup-compatibility/2006">
               <mc:Choice xmlns:v="urn:schemas-microsoft-com:vml" Requires="v">
-                <p:oleObj spid="_x0000_s7547" name="Equation" r:id="rId37" imgW="380880" imgH="330120" progId="Equation.DSMT4">
+                <p:oleObj spid="_x0000_s7587" name="Equation" r:id="rId37" imgW="380880" imgH="330120" progId="Equation.DSMT4">
                   <p:embed/>
                 </p:oleObj>
               </mc:Choice>
@@ -20876,7 +20883,7 @@
             <a:graphicData uri="http://schemas.openxmlformats.org/presentationml/2006/ole">
               <mc:AlternateContent xmlns:mc="http://schemas.openxmlformats.org/markup-compatibility/2006">
                 <mc:Choice xmlns:v="urn:schemas-microsoft-com:vml" Requires="v">
-                  <p:oleObj spid="_x0000_s7548" name="Equation" r:id="rId39" imgW="164880" imgH="330120" progId="Equation.DSMT4">
+                  <p:oleObj spid="_x0000_s7588" name="Equation" r:id="rId39" imgW="164880" imgH="330120" progId="Equation.DSMT4">
                     <p:embed/>
                   </p:oleObj>
                 </mc:Choice>
@@ -21028,7 +21035,7 @@
             <a:graphicData uri="http://schemas.openxmlformats.org/presentationml/2006/ole">
               <mc:AlternateContent xmlns:mc="http://schemas.openxmlformats.org/markup-compatibility/2006">
                 <mc:Choice xmlns:v="urn:schemas-microsoft-com:vml" Requires="v">
-                  <p:oleObj spid="_x0000_s7549" name="Equation" r:id="rId41" imgW="355320" imgH="330120" progId="Equation.DSMT4">
+                  <p:oleObj spid="_x0000_s7589" name="Equation" r:id="rId41" imgW="355320" imgH="330120" progId="Equation.DSMT4">
                     <p:embed/>
                   </p:oleObj>
                 </mc:Choice>

--- a/slides/DSI.pptx
+++ b/slides/DSI.pptx
@@ -295,7 +295,7 @@
           <a:p>
             <a:fld id="{530820CF-B880-4189-942D-D702A7CBA730}" type="datetimeFigureOut">
               <a:rPr lang="zh-CN" altLang="en-US" smtClean="0"/>
-              <a:t>2017-2-18</a:t>
+              <a:t>2017-2-19</a:t>
             </a:fld>
             <a:endParaRPr lang="zh-CN" altLang="en-US"/>
           </a:p>
@@ -460,7 +460,7 @@
           <a:p>
             <a:fld id="{530820CF-B880-4189-942D-D702A7CBA730}" type="datetimeFigureOut">
               <a:rPr lang="zh-CN" altLang="en-US" smtClean="0"/>
-              <a:t>2017-2-18</a:t>
+              <a:t>2017-2-19</a:t>
             </a:fld>
             <a:endParaRPr lang="zh-CN" altLang="en-US"/>
           </a:p>
@@ -635,7 +635,7 @@
           <a:p>
             <a:fld id="{530820CF-B880-4189-942D-D702A7CBA730}" type="datetimeFigureOut">
               <a:rPr lang="zh-CN" altLang="en-US" smtClean="0"/>
-              <a:t>2017-2-18</a:t>
+              <a:t>2017-2-19</a:t>
             </a:fld>
             <a:endParaRPr lang="zh-CN" altLang="en-US"/>
           </a:p>
@@ -800,7 +800,7 @@
           <a:p>
             <a:fld id="{530820CF-B880-4189-942D-D702A7CBA730}" type="datetimeFigureOut">
               <a:rPr lang="zh-CN" altLang="en-US" smtClean="0"/>
-              <a:t>2017-2-18</a:t>
+              <a:t>2017-2-19</a:t>
             </a:fld>
             <a:endParaRPr lang="zh-CN" altLang="en-US"/>
           </a:p>
@@ -1041,7 +1041,7 @@
           <a:p>
             <a:fld id="{530820CF-B880-4189-942D-D702A7CBA730}" type="datetimeFigureOut">
               <a:rPr lang="zh-CN" altLang="en-US" smtClean="0"/>
-              <a:t>2017-2-18</a:t>
+              <a:t>2017-2-19</a:t>
             </a:fld>
             <a:endParaRPr lang="zh-CN" altLang="en-US"/>
           </a:p>
@@ -1324,7 +1324,7 @@
           <a:p>
             <a:fld id="{530820CF-B880-4189-942D-D702A7CBA730}" type="datetimeFigureOut">
               <a:rPr lang="zh-CN" altLang="en-US" smtClean="0"/>
-              <a:t>2017-2-18</a:t>
+              <a:t>2017-2-19</a:t>
             </a:fld>
             <a:endParaRPr lang="zh-CN" altLang="en-US"/>
           </a:p>
@@ -1741,7 +1741,7 @@
           <a:p>
             <a:fld id="{530820CF-B880-4189-942D-D702A7CBA730}" type="datetimeFigureOut">
               <a:rPr lang="zh-CN" altLang="en-US" smtClean="0"/>
-              <a:t>2017-2-18</a:t>
+              <a:t>2017-2-19</a:t>
             </a:fld>
             <a:endParaRPr lang="zh-CN" altLang="en-US"/>
           </a:p>
@@ -1854,7 +1854,7 @@
           <a:p>
             <a:fld id="{530820CF-B880-4189-942D-D702A7CBA730}" type="datetimeFigureOut">
               <a:rPr lang="zh-CN" altLang="en-US" smtClean="0"/>
-              <a:t>2017-2-18</a:t>
+              <a:t>2017-2-19</a:t>
             </a:fld>
             <a:endParaRPr lang="zh-CN" altLang="en-US"/>
           </a:p>
@@ -1944,7 +1944,7 @@
           <a:p>
             <a:fld id="{530820CF-B880-4189-942D-D702A7CBA730}" type="datetimeFigureOut">
               <a:rPr lang="zh-CN" altLang="en-US" smtClean="0"/>
-              <a:t>2017-2-18</a:t>
+              <a:t>2017-2-19</a:t>
             </a:fld>
             <a:endParaRPr lang="zh-CN" altLang="en-US"/>
           </a:p>
@@ -2216,7 +2216,7 @@
           <a:p>
             <a:fld id="{530820CF-B880-4189-942D-D702A7CBA730}" type="datetimeFigureOut">
               <a:rPr lang="zh-CN" altLang="en-US" smtClean="0"/>
-              <a:t>2017-2-18</a:t>
+              <a:t>2017-2-19</a:t>
             </a:fld>
             <a:endParaRPr lang="zh-CN" altLang="en-US"/>
           </a:p>
@@ -2464,7 +2464,7 @@
           <a:p>
             <a:fld id="{530820CF-B880-4189-942D-D702A7CBA730}" type="datetimeFigureOut">
               <a:rPr lang="zh-CN" altLang="en-US" smtClean="0"/>
-              <a:t>2017-2-18</a:t>
+              <a:t>2017-2-19</a:t>
             </a:fld>
             <a:endParaRPr lang="zh-CN" altLang="en-US"/>
           </a:p>
@@ -2672,7 +2672,7 @@
           <a:p>
             <a:fld id="{530820CF-B880-4189-942D-D702A7CBA730}" type="datetimeFigureOut">
               <a:rPr lang="zh-CN" altLang="en-US" smtClean="0"/>
-              <a:t>2017-2-18</a:t>
+              <a:t>2017-2-19</a:t>
             </a:fld>
             <a:endParaRPr lang="zh-CN" altLang="en-US"/>
           </a:p>
@@ -3178,7 +3178,7 @@
           <a:graphicData uri="http://schemas.openxmlformats.org/presentationml/2006/ole">
             <mc:AlternateContent xmlns:mc="http://schemas.openxmlformats.org/markup-compatibility/2006">
               <mc:Choice xmlns:v="urn:schemas-microsoft-com:vml" Requires="v">
-                <p:oleObj spid="_x0000_s1633" name="Equation" r:id="rId3" imgW="215640" imgH="330120" progId="Equation.DSMT4">
+                <p:oleObj spid="_x0000_s1646" name="Equation" r:id="rId3" imgW="215640" imgH="330120" progId="Equation.DSMT4">
                   <p:embed/>
                 </p:oleObj>
               </mc:Choice>
@@ -3235,7 +3235,7 @@
           <a:graphicData uri="http://schemas.openxmlformats.org/presentationml/2006/ole">
             <mc:AlternateContent xmlns:mc="http://schemas.openxmlformats.org/markup-compatibility/2006">
               <mc:Choice xmlns:v="urn:schemas-microsoft-com:vml" Requires="v">
-                <p:oleObj spid="_x0000_s1634" name="Equation" r:id="rId5" imgW="241200" imgH="330120" progId="Equation.DSMT4">
+                <p:oleObj spid="_x0000_s1647" name="Equation" r:id="rId5" imgW="241200" imgH="330120" progId="Equation.DSMT4">
                   <p:embed/>
                 </p:oleObj>
               </mc:Choice>
@@ -3318,7 +3318,7 @@
           <a:graphicData uri="http://schemas.openxmlformats.org/presentationml/2006/ole">
             <mc:AlternateContent xmlns:mc="http://schemas.openxmlformats.org/markup-compatibility/2006">
               <mc:Choice xmlns:v="urn:schemas-microsoft-com:vml" Requires="v">
-                <p:oleObj spid="_x0000_s1635" name="Equation" r:id="rId7" imgW="215640" imgH="330120" progId="Equation.DSMT4">
+                <p:oleObj spid="_x0000_s1648" name="Equation" r:id="rId7" imgW="215640" imgH="330120" progId="Equation.DSMT4">
                   <p:embed/>
                 </p:oleObj>
               </mc:Choice>
@@ -3439,7 +3439,7 @@
           <a:graphicData uri="http://schemas.openxmlformats.org/presentationml/2006/ole">
             <mc:AlternateContent xmlns:mc="http://schemas.openxmlformats.org/markup-compatibility/2006">
               <mc:Choice xmlns:v="urn:schemas-microsoft-com:vml" Requires="v">
-                <p:oleObj spid="_x0000_s1636" name="Equation" r:id="rId9" imgW="203040" imgH="330120" progId="Equation.DSMT4">
+                <p:oleObj spid="_x0000_s1649" name="Equation" r:id="rId9" imgW="203040" imgH="330120" progId="Equation.DSMT4">
                   <p:embed/>
                 </p:oleObj>
               </mc:Choice>
@@ -3644,7 +3644,7 @@
           <a:graphicData uri="http://schemas.openxmlformats.org/presentationml/2006/ole">
             <mc:AlternateContent xmlns:mc="http://schemas.openxmlformats.org/markup-compatibility/2006">
               <mc:Choice xmlns:v="urn:schemas-microsoft-com:vml" Requires="v">
-                <p:oleObj spid="_x0000_s1637" name="Equation" r:id="rId11" imgW="228600" imgH="330120" progId="Equation.DSMT4">
+                <p:oleObj spid="_x0000_s1650" name="Equation" r:id="rId11" imgW="228600" imgH="330120" progId="Equation.DSMT4">
                   <p:embed/>
                 </p:oleObj>
               </mc:Choice>
@@ -3773,7 +3773,7 @@
           <a:graphicData uri="http://schemas.openxmlformats.org/presentationml/2006/ole">
             <mc:AlternateContent xmlns:mc="http://schemas.openxmlformats.org/markup-compatibility/2006">
               <mc:Choice xmlns:v="urn:schemas-microsoft-com:vml" Requires="v">
-                <p:oleObj spid="_x0000_s1638" name="Equation" r:id="rId13" imgW="203040" imgH="330120" progId="Equation.DSMT4">
+                <p:oleObj spid="_x0000_s1651" name="Equation" r:id="rId13" imgW="203040" imgH="330120" progId="Equation.DSMT4">
                   <p:embed/>
                 </p:oleObj>
               </mc:Choice>
@@ -4042,7 +4042,7 @@
           <a:graphicData uri="http://schemas.openxmlformats.org/presentationml/2006/ole">
             <mc:AlternateContent xmlns:mc="http://schemas.openxmlformats.org/markup-compatibility/2006">
               <mc:Choice xmlns:v="urn:schemas-microsoft-com:vml" Requires="v">
-                <p:oleObj spid="_x0000_s1639" name="Equation" r:id="rId15" imgW="203040" imgH="330120" progId="Equation.DSMT4">
+                <p:oleObj spid="_x0000_s1652" name="Equation" r:id="rId15" imgW="203040" imgH="330120" progId="Equation.DSMT4">
                   <p:embed/>
                 </p:oleObj>
               </mc:Choice>
@@ -4209,7 +4209,7 @@
           <a:graphicData uri="http://schemas.openxmlformats.org/presentationml/2006/ole">
             <mc:AlternateContent xmlns:mc="http://schemas.openxmlformats.org/markup-compatibility/2006">
               <mc:Choice xmlns:v="urn:schemas-microsoft-com:vml" Requires="v">
-                <p:oleObj spid="_x0000_s1640" name="Equation" r:id="rId17" imgW="228600" imgH="330120" progId="Equation.DSMT4">
+                <p:oleObj spid="_x0000_s1653" name="Equation" r:id="rId17" imgW="228600" imgH="330120" progId="Equation.DSMT4">
                   <p:embed/>
                 </p:oleObj>
               </mc:Choice>
@@ -4338,7 +4338,7 @@
           <a:graphicData uri="http://schemas.openxmlformats.org/presentationml/2006/ole">
             <mc:AlternateContent xmlns:mc="http://schemas.openxmlformats.org/markup-compatibility/2006">
               <mc:Choice xmlns:v="urn:schemas-microsoft-com:vml" Requires="v">
-                <p:oleObj spid="_x0000_s1641" name="Equation" r:id="rId19" imgW="203040" imgH="330120" progId="Equation.DSMT4">
+                <p:oleObj spid="_x0000_s1654" name="Equation" r:id="rId19" imgW="203040" imgH="330120" progId="Equation.DSMT4">
                   <p:embed/>
                 </p:oleObj>
               </mc:Choice>
@@ -4503,7 +4503,7 @@
           <a:graphicData uri="http://schemas.openxmlformats.org/presentationml/2006/ole">
             <mc:AlternateContent xmlns:mc="http://schemas.openxmlformats.org/markup-compatibility/2006">
               <mc:Choice xmlns:v="urn:schemas-microsoft-com:vml" Requires="v">
-                <p:oleObj spid="_x0000_s1642" name="Equation" r:id="rId21" imgW="190440" imgH="330120" progId="Equation.DSMT4">
+                <p:oleObj spid="_x0000_s1655" name="Equation" r:id="rId21" imgW="190440" imgH="330120" progId="Equation.DSMT4">
                   <p:embed/>
                 </p:oleObj>
               </mc:Choice>
@@ -4786,7 +4786,7 @@
           <a:graphicData uri="http://schemas.openxmlformats.org/presentationml/2006/ole">
             <mc:AlternateContent xmlns:mc="http://schemas.openxmlformats.org/markup-compatibility/2006">
               <mc:Choice xmlns:v="urn:schemas-microsoft-com:vml" Requires="v">
-                <p:oleObj spid="_x0000_s1643" name="Equation" r:id="rId23" imgW="228600" imgH="330120" progId="Equation.DSMT4">
+                <p:oleObj spid="_x0000_s1656" name="Equation" r:id="rId23" imgW="228600" imgH="330120" progId="Equation.DSMT4">
                   <p:embed/>
                 </p:oleObj>
               </mc:Choice>
@@ -4869,7 +4869,7 @@
           <a:graphicData uri="http://schemas.openxmlformats.org/presentationml/2006/ole">
             <mc:AlternateContent xmlns:mc="http://schemas.openxmlformats.org/markup-compatibility/2006">
               <mc:Choice xmlns:v="urn:schemas-microsoft-com:vml" Requires="v">
-                <p:oleObj spid="_x0000_s1644" name="Equation" r:id="rId25" imgW="253800" imgH="330120" progId="Equation.DSMT4">
+                <p:oleObj spid="_x0000_s1657" name="Equation" r:id="rId25" imgW="253800" imgH="330120" progId="Equation.DSMT4">
                   <p:embed/>
                 </p:oleObj>
               </mc:Choice>
@@ -4952,7 +4952,7 @@
           <a:graphicData uri="http://schemas.openxmlformats.org/presentationml/2006/ole">
             <mc:AlternateContent xmlns:mc="http://schemas.openxmlformats.org/markup-compatibility/2006">
               <mc:Choice xmlns:v="urn:schemas-microsoft-com:vml" Requires="v">
-                <p:oleObj spid="_x0000_s1645" name="Equation" r:id="rId27" imgW="228600" imgH="330120" progId="Equation.DSMT4">
+                <p:oleObj spid="_x0000_s1658" name="Equation" r:id="rId27" imgW="228600" imgH="330120" progId="Equation.DSMT4">
                   <p:embed/>
                 </p:oleObj>
               </mc:Choice>
@@ -5265,7 +5265,7 @@
           <a:graphicData uri="http://schemas.openxmlformats.org/presentationml/2006/ole">
             <mc:AlternateContent xmlns:mc="http://schemas.openxmlformats.org/markup-compatibility/2006">
               <mc:Choice xmlns:v="urn:schemas-microsoft-com:vml" Requires="v">
-                <p:oleObj spid="_x0000_s2363" name="Equation" r:id="rId3" imgW="203040" imgH="330120" progId="Equation.DSMT4">
+                <p:oleObj spid="_x0000_s2370" name="Equation" r:id="rId3" imgW="203040" imgH="330120" progId="Equation.DSMT4">
                   <p:embed/>
                 </p:oleObj>
               </mc:Choice>
@@ -5394,7 +5394,7 @@
           <a:graphicData uri="http://schemas.openxmlformats.org/presentationml/2006/ole">
             <mc:AlternateContent xmlns:mc="http://schemas.openxmlformats.org/markup-compatibility/2006">
               <mc:Choice xmlns:v="urn:schemas-microsoft-com:vml" Requires="v">
-                <p:oleObj spid="_x0000_s2364" name="Equation" r:id="rId5" imgW="203040" imgH="330120" progId="Equation.DSMT4">
+                <p:oleObj spid="_x0000_s2371" name="Equation" r:id="rId5" imgW="203040" imgH="330120" progId="Equation.DSMT4">
                   <p:embed/>
                 </p:oleObj>
               </mc:Choice>
@@ -5523,7 +5523,7 @@
           <a:graphicData uri="http://schemas.openxmlformats.org/presentationml/2006/ole">
             <mc:AlternateContent xmlns:mc="http://schemas.openxmlformats.org/markup-compatibility/2006">
               <mc:Choice xmlns:v="urn:schemas-microsoft-com:vml" Requires="v">
-                <p:oleObj spid="_x0000_s2365" name="Equation" r:id="rId7" imgW="215640" imgH="330120" progId="Equation.DSMT4">
+                <p:oleObj spid="_x0000_s2372" name="Equation" r:id="rId7" imgW="215640" imgH="330120" progId="Equation.DSMT4">
                   <p:embed/>
                 </p:oleObj>
               </mc:Choice>
@@ -5666,7 +5666,7 @@
             <a:graphicData uri="http://schemas.openxmlformats.org/presentationml/2006/ole">
               <mc:AlternateContent xmlns:mc="http://schemas.openxmlformats.org/markup-compatibility/2006">
                 <mc:Choice xmlns:v="urn:schemas-microsoft-com:vml" Requires="v">
-                  <p:oleObj spid="_x0000_s2366" name="Equation" r:id="rId9" imgW="342720" imgH="330120" progId="Equation.DSMT4">
+                  <p:oleObj spid="_x0000_s2373" name="Equation" r:id="rId9" imgW="342720" imgH="330120" progId="Equation.DSMT4">
                     <p:embed/>
                   </p:oleObj>
                 </mc:Choice>
@@ -5796,7 +5796,7 @@
           <a:graphicData uri="http://schemas.openxmlformats.org/presentationml/2006/ole">
             <mc:AlternateContent xmlns:mc="http://schemas.openxmlformats.org/markup-compatibility/2006">
               <mc:Choice xmlns:v="urn:schemas-microsoft-com:vml" Requires="v">
-                <p:oleObj spid="_x0000_s2367" name="Equation" r:id="rId11" imgW="355320" imgH="330120" progId="Equation.DSMT4">
+                <p:oleObj spid="_x0000_s2374" name="Equation" r:id="rId11" imgW="355320" imgH="330120" progId="Equation.DSMT4">
                   <p:embed/>
                 </p:oleObj>
               </mc:Choice>
@@ -5978,7 +5978,7 @@
             <a:graphicData uri="http://schemas.openxmlformats.org/presentationml/2006/ole">
               <mc:AlternateContent xmlns:mc="http://schemas.openxmlformats.org/markup-compatibility/2006">
                 <mc:Choice xmlns:v="urn:schemas-microsoft-com:vml" Requires="v">
-                  <p:oleObj spid="_x0000_s2368" name="Equation" r:id="rId13" imgW="190440" imgH="330120" progId="Equation.DSMT4">
+                  <p:oleObj spid="_x0000_s2375" name="Equation" r:id="rId13" imgW="190440" imgH="330120" progId="Equation.DSMT4">
                     <p:embed/>
                   </p:oleObj>
                 </mc:Choice>
@@ -6186,7 +6186,7 @@
           <a:graphicData uri="http://schemas.openxmlformats.org/presentationml/2006/ole">
             <mc:AlternateContent xmlns:mc="http://schemas.openxmlformats.org/markup-compatibility/2006">
               <mc:Choice xmlns:v="urn:schemas-microsoft-com:vml" Requires="v">
-                <p:oleObj spid="_x0000_s2369" name="Equation" r:id="rId15" imgW="342720" imgH="330120" progId="Equation.DSMT4">
+                <p:oleObj spid="_x0000_s2376" name="Equation" r:id="rId15" imgW="342720" imgH="330120" progId="Equation.DSMT4">
                   <p:embed/>
                 </p:oleObj>
               </mc:Choice>
@@ -6992,7 +6992,7 @@
             <a:graphicData uri="http://schemas.openxmlformats.org/presentationml/2006/ole">
               <mc:AlternateContent xmlns:mc="http://schemas.openxmlformats.org/markup-compatibility/2006">
                 <mc:Choice xmlns:v="urn:schemas-microsoft-com:vml" Requires="v">
-                  <p:oleObj spid="_x0000_s3463" name="Equation" r:id="rId3" imgW="203040" imgH="330120" progId="Equation.DSMT4">
+                  <p:oleObj spid="_x0000_s3472" name="Equation" r:id="rId3" imgW="203040" imgH="330120" progId="Equation.DSMT4">
                     <p:embed/>
                   </p:oleObj>
                 </mc:Choice>
@@ -7136,7 +7136,7 @@
             <a:graphicData uri="http://schemas.openxmlformats.org/presentationml/2006/ole">
               <mc:AlternateContent xmlns:mc="http://schemas.openxmlformats.org/markup-compatibility/2006">
                 <mc:Choice xmlns:v="urn:schemas-microsoft-com:vml" Requires="v">
-                  <p:oleObj spid="_x0000_s3464" name="Equation" r:id="rId5" imgW="203040" imgH="330120" progId="Equation.DSMT4">
+                  <p:oleObj spid="_x0000_s3473" name="Equation" r:id="rId5" imgW="203040" imgH="330120" progId="Equation.DSMT4">
                     <p:embed/>
                   </p:oleObj>
                 </mc:Choice>
@@ -7287,7 +7287,7 @@
             <a:graphicData uri="http://schemas.openxmlformats.org/presentationml/2006/ole">
               <mc:AlternateContent xmlns:mc="http://schemas.openxmlformats.org/markup-compatibility/2006">
                 <mc:Choice xmlns:v="urn:schemas-microsoft-com:vml" Requires="v">
-                  <p:oleObj spid="_x0000_s3465" name="Equation" r:id="rId7" imgW="215640" imgH="330120" progId="Equation.DSMT4">
+                  <p:oleObj spid="_x0000_s3474" name="Equation" r:id="rId7" imgW="215640" imgH="330120" progId="Equation.DSMT4">
                     <p:embed/>
                   </p:oleObj>
                 </mc:Choice>
@@ -7431,7 +7431,7 @@
             <a:graphicData uri="http://schemas.openxmlformats.org/presentationml/2006/ole">
               <mc:AlternateContent xmlns:mc="http://schemas.openxmlformats.org/markup-compatibility/2006">
                 <mc:Choice xmlns:v="urn:schemas-microsoft-com:vml" Requires="v">
-                  <p:oleObj spid="_x0000_s3466" name="Equation" r:id="rId9" imgW="342720" imgH="330120" progId="Equation.DSMT4">
+                  <p:oleObj spid="_x0000_s3475" name="Equation" r:id="rId9" imgW="342720" imgH="330120" progId="Equation.DSMT4">
                     <p:embed/>
                   </p:oleObj>
                 </mc:Choice>
@@ -7582,7 +7582,7 @@
             <a:graphicData uri="http://schemas.openxmlformats.org/presentationml/2006/ole">
               <mc:AlternateContent xmlns:mc="http://schemas.openxmlformats.org/markup-compatibility/2006">
                 <mc:Choice xmlns:v="urn:schemas-microsoft-com:vml" Requires="v">
-                  <p:oleObj spid="_x0000_s3467" name="Equation" r:id="rId11" imgW="355320" imgH="330120" progId="Equation.DSMT4">
+                  <p:oleObj spid="_x0000_s3476" name="Equation" r:id="rId11" imgW="355320" imgH="330120" progId="Equation.DSMT4">
                     <p:embed/>
                   </p:oleObj>
                 </mc:Choice>
@@ -7765,7 +7765,7 @@
             <a:graphicData uri="http://schemas.openxmlformats.org/presentationml/2006/ole">
               <mc:AlternateContent xmlns:mc="http://schemas.openxmlformats.org/markup-compatibility/2006">
                 <mc:Choice xmlns:v="urn:schemas-microsoft-com:vml" Requires="v">
-                  <p:oleObj spid="_x0000_s3468" name="Equation" r:id="rId13" imgW="190440" imgH="330120" progId="Equation.DSMT4">
+                  <p:oleObj spid="_x0000_s3477" name="Equation" r:id="rId13" imgW="190440" imgH="330120" progId="Equation.DSMT4">
                     <p:embed/>
                   </p:oleObj>
                 </mc:Choice>
@@ -7987,7 +7987,7 @@
             <a:graphicData uri="http://schemas.openxmlformats.org/presentationml/2006/ole">
               <mc:AlternateContent xmlns:mc="http://schemas.openxmlformats.org/markup-compatibility/2006">
                 <mc:Choice xmlns:v="urn:schemas-microsoft-com:vml" Requires="v">
-                  <p:oleObj spid="_x0000_s3469" name="Equation" r:id="rId15" imgW="342720" imgH="330120" progId="Equation.DSMT4">
+                  <p:oleObj spid="_x0000_s3478" name="Equation" r:id="rId15" imgW="342720" imgH="330120" progId="Equation.DSMT4">
                     <p:embed/>
                   </p:oleObj>
                 </mc:Choice>
@@ -8641,7 +8641,7 @@
             <a:graphicData uri="http://schemas.openxmlformats.org/presentationml/2006/ole">
               <mc:AlternateContent xmlns:mc="http://schemas.openxmlformats.org/markup-compatibility/2006">
                 <mc:Choice xmlns:v="urn:schemas-microsoft-com:vml" Requires="v">
-                  <p:oleObj spid="_x0000_s3470" name="Equation" r:id="rId17" imgW="253800" imgH="330120" progId="Equation.DSMT4">
+                  <p:oleObj spid="_x0000_s3479" name="Equation" r:id="rId17" imgW="253800" imgH="330120" progId="Equation.DSMT4">
                     <p:embed/>
                   </p:oleObj>
                 </mc:Choice>
@@ -9180,7 +9180,7 @@
             <a:graphicData uri="http://schemas.openxmlformats.org/presentationml/2006/ole">
               <mc:AlternateContent xmlns:mc="http://schemas.openxmlformats.org/markup-compatibility/2006">
                 <mc:Choice xmlns:v="urn:schemas-microsoft-com:vml" Requires="v">
-                  <p:oleObj spid="_x0000_s3471" name="Equation" r:id="rId19" imgW="228600" imgH="330120" progId="Equation.DSMT4">
+                  <p:oleObj spid="_x0000_s3480" name="Equation" r:id="rId19" imgW="228600" imgH="330120" progId="Equation.DSMT4">
                     <p:embed/>
                   </p:oleObj>
                 </mc:Choice>
@@ -9484,7 +9484,7 @@
             <a:graphicData uri="http://schemas.openxmlformats.org/presentationml/2006/ole">
               <mc:AlternateContent xmlns:mc="http://schemas.openxmlformats.org/markup-compatibility/2006">
                 <mc:Choice xmlns:v="urn:schemas-microsoft-com:vml" Requires="v">
-                  <p:oleObj spid="_x0000_s4354" name="Equation" r:id="rId3" imgW="203040" imgH="330120" progId="Equation.DSMT4">
+                  <p:oleObj spid="_x0000_s4362" name="Equation" r:id="rId3" imgW="203040" imgH="330120" progId="Equation.DSMT4">
                     <p:embed/>
                   </p:oleObj>
                 </mc:Choice>
@@ -9635,7 +9635,7 @@
             <a:graphicData uri="http://schemas.openxmlformats.org/presentationml/2006/ole">
               <mc:AlternateContent xmlns:mc="http://schemas.openxmlformats.org/markup-compatibility/2006">
                 <mc:Choice xmlns:v="urn:schemas-microsoft-com:vml" Requires="v">
-                  <p:oleObj spid="_x0000_s4355" name="Equation" r:id="rId5" imgW="215640" imgH="330120" progId="Equation.DSMT4">
+                  <p:oleObj spid="_x0000_s4363" name="Equation" r:id="rId5" imgW="215640" imgH="330120" progId="Equation.DSMT4">
                     <p:embed/>
                   </p:oleObj>
                 </mc:Choice>
@@ -9779,7 +9779,7 @@
             <a:graphicData uri="http://schemas.openxmlformats.org/presentationml/2006/ole">
               <mc:AlternateContent xmlns:mc="http://schemas.openxmlformats.org/markup-compatibility/2006">
                 <mc:Choice xmlns:v="urn:schemas-microsoft-com:vml" Requires="v">
-                  <p:oleObj spid="_x0000_s4356" name="Equation" r:id="rId7" imgW="330120" imgH="330120" progId="Equation.DSMT4">
+                  <p:oleObj spid="_x0000_s4364" name="Equation" r:id="rId7" imgW="330120" imgH="330120" progId="Equation.DSMT4">
                     <p:embed/>
                   </p:oleObj>
                 </mc:Choice>
@@ -9930,7 +9930,7 @@
             <a:graphicData uri="http://schemas.openxmlformats.org/presentationml/2006/ole">
               <mc:AlternateContent xmlns:mc="http://schemas.openxmlformats.org/markup-compatibility/2006">
                 <mc:Choice xmlns:v="urn:schemas-microsoft-com:vml" Requires="v">
-                  <p:oleObj spid="_x0000_s4357" name="Equation" r:id="rId9" imgW="355320" imgH="330120" progId="Equation.DSMT4">
+                  <p:oleObj spid="_x0000_s4365" name="Equation" r:id="rId9" imgW="355320" imgH="330120" progId="Equation.DSMT4">
                     <p:embed/>
                   </p:oleObj>
                 </mc:Choice>
@@ -10113,7 +10113,7 @@
             <a:graphicData uri="http://schemas.openxmlformats.org/presentationml/2006/ole">
               <mc:AlternateContent xmlns:mc="http://schemas.openxmlformats.org/markup-compatibility/2006">
                 <mc:Choice xmlns:v="urn:schemas-microsoft-com:vml" Requires="v">
-                  <p:oleObj spid="_x0000_s4358" name="Equation" r:id="rId11" imgW="190440" imgH="330120" progId="Equation.DSMT4">
+                  <p:oleObj spid="_x0000_s4366" name="Equation" r:id="rId11" imgW="190440" imgH="330120" progId="Equation.DSMT4">
                     <p:embed/>
                   </p:oleObj>
                 </mc:Choice>
@@ -10335,7 +10335,7 @@
             <a:graphicData uri="http://schemas.openxmlformats.org/presentationml/2006/ole">
               <mc:AlternateContent xmlns:mc="http://schemas.openxmlformats.org/markup-compatibility/2006">
                 <mc:Choice xmlns:v="urn:schemas-microsoft-com:vml" Requires="v">
-                  <p:oleObj spid="_x0000_s4359" name="Equation" r:id="rId13" imgW="342720" imgH="330120" progId="Equation.DSMT4">
+                  <p:oleObj spid="_x0000_s4367" name="Equation" r:id="rId13" imgW="342720" imgH="330120" progId="Equation.DSMT4">
                     <p:embed/>
                   </p:oleObj>
                 </mc:Choice>
@@ -10851,7 +10851,7 @@
             <a:graphicData uri="http://schemas.openxmlformats.org/presentationml/2006/ole">
               <mc:AlternateContent xmlns:mc="http://schemas.openxmlformats.org/markup-compatibility/2006">
                 <mc:Choice xmlns:v="urn:schemas-microsoft-com:vml" Requires="v">
-                  <p:oleObj spid="_x0000_s4360" name="Equation" r:id="rId15" imgW="253800" imgH="330120" progId="Equation.DSMT4">
+                  <p:oleObj spid="_x0000_s4368" name="Equation" r:id="rId15" imgW="253800" imgH="330120" progId="Equation.DSMT4">
                     <p:embed/>
                   </p:oleObj>
                 </mc:Choice>
@@ -11311,7 +11311,7 @@
             <a:graphicData uri="http://schemas.openxmlformats.org/presentationml/2006/ole">
               <mc:AlternateContent xmlns:mc="http://schemas.openxmlformats.org/markup-compatibility/2006">
                 <mc:Choice xmlns:v="urn:schemas-microsoft-com:vml" Requires="v">
-                  <p:oleObj spid="_x0000_s4361" name="Equation" r:id="rId17" imgW="228600" imgH="330120" progId="Equation.DSMT4">
+                  <p:oleObj spid="_x0000_s4369" name="Equation" r:id="rId17" imgW="228600" imgH="330120" progId="Equation.DSMT4">
                     <p:embed/>
                   </p:oleObj>
                 </mc:Choice>
@@ -13992,8 +13992,8 @@
         </p:nvSpPr>
         <p:spPr>
           <a:xfrm>
-            <a:off x="4397503" y="1701969"/>
-            <a:ext cx="503664" cy="430887"/>
+            <a:off x="4339946" y="1710680"/>
+            <a:ext cx="582211" cy="430887"/>
           </a:xfrm>
           <a:prstGeom prst="rect">
             <a:avLst/>
@@ -14011,7 +14011,7 @@
                 <a:latin typeface="Times New Roman" pitchFamily="18" charset="0"/>
                 <a:cs typeface="Times New Roman" pitchFamily="18" charset="0"/>
               </a:rPr>
-              <a:t>t</a:t>
+              <a:t>T</a:t>
             </a:r>
             <a:r>
               <a:rPr lang="en-US" altLang="zh-CN" sz="2200" i="1" baseline="-25000" dirty="0" smtClean="0">
@@ -14042,8 +14042,8 @@
         </p:nvSpPr>
         <p:spPr>
           <a:xfrm>
-            <a:off x="5161534" y="1700808"/>
-            <a:ext cx="346570" cy="430887"/>
+            <a:off x="5115526" y="1700808"/>
+            <a:ext cx="425116" cy="430887"/>
           </a:xfrm>
           <a:prstGeom prst="rect">
             <a:avLst/>
@@ -14061,7 +14061,7 @@
                 <a:latin typeface="Times New Roman" pitchFamily="18" charset="0"/>
                 <a:cs typeface="Times New Roman" pitchFamily="18" charset="0"/>
               </a:rPr>
-              <a:t>t</a:t>
+              <a:t>T</a:t>
             </a:r>
             <a:r>
               <a:rPr lang="en-US" altLang="zh-CN" sz="2200" i="1" baseline="-25000" dirty="0" err="1" smtClean="0">
@@ -15118,8 +15118,8 @@
         </p:nvSpPr>
         <p:spPr>
           <a:xfrm>
-            <a:off x="2514618" y="2884874"/>
-            <a:ext cx="473206" cy="400110"/>
+            <a:off x="2451130" y="2924944"/>
+            <a:ext cx="545342" cy="400110"/>
           </a:xfrm>
           <a:prstGeom prst="rect">
             <a:avLst/>
@@ -15136,7 +15136,7 @@
                 <a:latin typeface="Times New Roman" pitchFamily="18" charset="0"/>
                 <a:cs typeface="Times New Roman" pitchFamily="18" charset="0"/>
               </a:rPr>
-              <a:t>t</a:t>
+              <a:t>T</a:t>
             </a:r>
             <a:r>
               <a:rPr lang="en-US" altLang="zh-CN" sz="2000" i="1" baseline="-25000" dirty="0" smtClean="0">
@@ -15360,108 +15360,49 @@
           </p:sp>
         </mc:Fallback>
       </mc:AlternateContent>
-      <mc:AlternateContent xmlns:mc="http://schemas.openxmlformats.org/markup-compatibility/2006" xmlns:a14="http://schemas.microsoft.com/office/drawing/2010/main">
-        <mc:Choice Requires="a14">
-          <p:sp>
-            <p:nvSpPr>
-              <p:cNvPr id="21" name="矩形 20"/>
-              <p:cNvSpPr/>
-              <p:nvPr/>
-            </p:nvSpPr>
-            <p:spPr>
-              <a:xfrm>
-                <a:off x="6156176" y="3573016"/>
-                <a:ext cx="474232" cy="400110"/>
-              </a:xfrm>
-              <a:prstGeom prst="rect">
-                <a:avLst/>
-              </a:prstGeom>
-            </p:spPr>
-            <p:txBody>
-              <a:bodyPr wrap="none">
-                <a:spAutoFit/>
-              </a:bodyPr>
-              <a:lstStyle/>
-              <a:p>
-                <a:pPr/>
-                <a14:m>
-                  <m:oMathPara xmlns:m="http://schemas.openxmlformats.org/officeDocument/2006/math">
-                    <m:oMathParaPr>
-                      <m:jc m:val="centerGroup"/>
-                    </m:oMathParaPr>
-                    <m:oMath xmlns:m="http://schemas.openxmlformats.org/officeDocument/2006/math">
-                      <m:sSub>
-                        <m:sSubPr>
-                          <m:ctrlPr>
-                            <a:rPr lang="zh-CN" altLang="en-US" sz="2000" i="1">
-                              <a:latin typeface="Cambria Math"/>
-                            </a:rPr>
-                          </m:ctrlPr>
-                        </m:sSubPr>
-                        <m:e>
-                          <m:r>
-                            <a:rPr lang="zh-CN" altLang="en-US" sz="2000" i="1">
-                              <a:latin typeface="Cambria Math"/>
-                            </a:rPr>
-                            <m:t>𝑠</m:t>
-                          </m:r>
-                        </m:e>
-                        <m:sub>
-                          <m:r>
-                            <a:rPr lang="zh-CN" altLang="en-US" sz="2000" i="1">
-                              <a:latin typeface="Cambria Math"/>
-                            </a:rPr>
-                            <m:t>𝑘</m:t>
-                          </m:r>
-                        </m:sub>
-                      </m:sSub>
-                    </m:oMath>
-                  </m:oMathPara>
-                </a14:m>
-                <a:endParaRPr lang="zh-CN" altLang="en-US" sz="2000" dirty="0"/>
-              </a:p>
-            </p:txBody>
-          </p:sp>
-        </mc:Choice>
-        <mc:Fallback xmlns="">
-          <p:sp>
-            <p:nvSpPr>
-              <p:cNvPr id="21" name="矩形 20"/>
-              <p:cNvSpPr>
-                <a:spLocks noRot="1" noChangeAspect="1" noMove="1" noResize="1" noEditPoints="1" noAdjustHandles="1" noChangeArrowheads="1" noChangeShapeType="1" noTextEdit="1"/>
-              </p:cNvSpPr>
-              <p:nvPr/>
-            </p:nvSpPr>
-            <p:spPr>
-              <a:xfrm>
-                <a:off x="6156176" y="3573016"/>
-                <a:ext cx="474232" cy="400110"/>
-              </a:xfrm>
-              <a:prstGeom prst="rect">
-                <a:avLst/>
-              </a:prstGeom>
-              <a:blipFill rotWithShape="1">
-                <a:blip r:embed="rId4"/>
-                <a:stretch>
-                  <a:fillRect b="-1515"/>
-                </a:stretch>
-              </a:blipFill>
-            </p:spPr>
-            <p:txBody>
-              <a:bodyPr/>
-              <a:lstStyle/>
-              <a:p>
-                <a:r>
-                  <a:rPr lang="zh-CN" altLang="en-US">
-                    <a:noFill/>
-                  </a:rPr>
-                  <a:t> </a:t>
-                </a:r>
-              </a:p>
-            </p:txBody>
-          </p:sp>
-        </mc:Fallback>
-      </mc:AlternateContent>
+      <p:sp>
+        <p:nvSpPr>
+          <p:cNvPr id="21" name="矩形 20"/>
+          <p:cNvSpPr/>
+          <p:nvPr/>
+        </p:nvSpPr>
+        <p:spPr>
+          <a:xfrm>
+            <a:off x="6207050" y="3565899"/>
+            <a:ext cx="360996" cy="400110"/>
+          </a:xfrm>
+          <a:prstGeom prst="rect">
+            <a:avLst/>
+          </a:prstGeom>
+        </p:spPr>
+        <p:txBody>
+          <a:bodyPr wrap="none">
+            <a:spAutoFit/>
+          </a:bodyPr>
+          <a:lstStyle/>
+          <a:p>
+            <a:pPr/>
+            <a:r>
+              <a:rPr lang="en-US" altLang="zh-CN" sz="2000" i="1" dirty="0" err="1" smtClean="0">
+                <a:latin typeface="Times New Roman" pitchFamily="18" charset="0"/>
+                <a:cs typeface="Times New Roman" pitchFamily="18" charset="0"/>
+              </a:rPr>
+              <a:t>s</a:t>
+            </a:r>
+            <a:r>
+              <a:rPr lang="en-US" altLang="zh-CN" sz="2000" i="1" baseline="-25000" dirty="0" err="1" smtClean="0">
+                <a:latin typeface="Times New Roman" pitchFamily="18" charset="0"/>
+                <a:cs typeface="Times New Roman" pitchFamily="18" charset="0"/>
+              </a:rPr>
+              <a:t>k</a:t>
+            </a:r>
+            <a:endParaRPr lang="zh-CN" altLang="en-US" sz="2000" i="1" baseline="-25000" dirty="0">
+              <a:latin typeface="Times New Roman" pitchFamily="18" charset="0"/>
+              <a:cs typeface="Times New Roman" pitchFamily="18" charset="0"/>
+            </a:endParaRPr>
+          </a:p>
+        </p:txBody>
+      </p:sp>
     </p:spTree>
     <p:extLst>
       <p:ext uri="{BB962C8B-B14F-4D97-AF65-F5344CB8AC3E}">
@@ -16861,8 +16802,8 @@
         </p:nvSpPr>
         <p:spPr>
           <a:xfrm>
-            <a:off x="2483768" y="3532946"/>
-            <a:ext cx="473206" cy="400110"/>
+            <a:off x="2437257" y="3572968"/>
+            <a:ext cx="545342" cy="400110"/>
           </a:xfrm>
           <a:prstGeom prst="rect">
             <a:avLst/>
@@ -16879,7 +16820,7 @@
                 <a:latin typeface="Times New Roman" pitchFamily="18" charset="0"/>
                 <a:cs typeface="Times New Roman" pitchFamily="18" charset="0"/>
               </a:rPr>
-              <a:t>t</a:t>
+              <a:t>T</a:t>
             </a:r>
             <a:r>
               <a:rPr lang="en-US" altLang="zh-CN" sz="2000" i="1" baseline="-25000" dirty="0" smtClean="0">
@@ -17004,108 +16945,49 @@
           </p:sp>
         </mc:Fallback>
       </mc:AlternateContent>
-      <mc:AlternateContent xmlns:mc="http://schemas.openxmlformats.org/markup-compatibility/2006" xmlns:a14="http://schemas.microsoft.com/office/drawing/2010/main">
-        <mc:Choice Requires="a14">
-          <p:sp>
-            <p:nvSpPr>
-              <p:cNvPr id="51" name="矩形 50"/>
-              <p:cNvSpPr/>
-              <p:nvPr/>
-            </p:nvSpPr>
-            <p:spPr>
-              <a:xfrm>
-                <a:off x="6156176" y="4253026"/>
-                <a:ext cx="474232" cy="400110"/>
-              </a:xfrm>
-              <a:prstGeom prst="rect">
-                <a:avLst/>
-              </a:prstGeom>
-            </p:spPr>
-            <p:txBody>
-              <a:bodyPr wrap="none">
-                <a:spAutoFit/>
-              </a:bodyPr>
-              <a:lstStyle/>
-              <a:p>
-                <a:pPr/>
-                <a14:m>
-                  <m:oMathPara xmlns:m="http://schemas.openxmlformats.org/officeDocument/2006/math">
-                    <m:oMathParaPr>
-                      <m:jc m:val="centerGroup"/>
-                    </m:oMathParaPr>
-                    <m:oMath xmlns:m="http://schemas.openxmlformats.org/officeDocument/2006/math">
-                      <m:sSub>
-                        <m:sSubPr>
-                          <m:ctrlPr>
-                            <a:rPr lang="zh-CN" altLang="en-US" sz="2000" i="1">
-                              <a:latin typeface="Cambria Math"/>
-                            </a:rPr>
-                          </m:ctrlPr>
-                        </m:sSubPr>
-                        <m:e>
-                          <m:r>
-                            <a:rPr lang="zh-CN" altLang="en-US" sz="2000" i="1">
-                              <a:latin typeface="Cambria Math"/>
-                            </a:rPr>
-                            <m:t>𝑠</m:t>
-                          </m:r>
-                        </m:e>
-                        <m:sub>
-                          <m:r>
-                            <a:rPr lang="zh-CN" altLang="en-US" sz="2000" i="1">
-                              <a:latin typeface="Cambria Math"/>
-                            </a:rPr>
-                            <m:t>𝑘</m:t>
-                          </m:r>
-                        </m:sub>
-                      </m:sSub>
-                    </m:oMath>
-                  </m:oMathPara>
-                </a14:m>
-                <a:endParaRPr lang="zh-CN" altLang="en-US" sz="2000" dirty="0"/>
-              </a:p>
-            </p:txBody>
-          </p:sp>
-        </mc:Choice>
-        <mc:Fallback xmlns="">
-          <p:sp>
-            <p:nvSpPr>
-              <p:cNvPr id="51" name="矩形 50"/>
-              <p:cNvSpPr>
-                <a:spLocks noRot="1" noChangeAspect="1" noMove="1" noResize="1" noEditPoints="1" noAdjustHandles="1" noChangeArrowheads="1" noChangeShapeType="1" noTextEdit="1"/>
-              </p:cNvSpPr>
-              <p:nvPr/>
-            </p:nvSpPr>
-            <p:spPr>
-              <a:xfrm>
-                <a:off x="6156176" y="4253026"/>
-                <a:ext cx="474232" cy="400110"/>
-              </a:xfrm>
-              <a:prstGeom prst="rect">
-                <a:avLst/>
-              </a:prstGeom>
-              <a:blipFill rotWithShape="1">
-                <a:blip r:embed="rId5"/>
-                <a:stretch>
-                  <a:fillRect b="-3077"/>
-                </a:stretch>
-              </a:blipFill>
-            </p:spPr>
-            <p:txBody>
-              <a:bodyPr/>
-              <a:lstStyle/>
-              <a:p>
-                <a:r>
-                  <a:rPr lang="zh-CN" altLang="en-US">
-                    <a:noFill/>
-                  </a:rPr>
-                  <a:t> </a:t>
-                </a:r>
-              </a:p>
-            </p:txBody>
-          </p:sp>
-        </mc:Fallback>
-      </mc:AlternateContent>
+      <p:sp>
+        <p:nvSpPr>
+          <p:cNvPr id="37" name="矩形 36"/>
+          <p:cNvSpPr/>
+          <p:nvPr/>
+        </p:nvSpPr>
+        <p:spPr>
+          <a:xfrm>
+            <a:off x="6191726" y="4253026"/>
+            <a:ext cx="360996" cy="400110"/>
+          </a:xfrm>
+          <a:prstGeom prst="rect">
+            <a:avLst/>
+          </a:prstGeom>
+        </p:spPr>
+        <p:txBody>
+          <a:bodyPr wrap="none">
+            <a:spAutoFit/>
+          </a:bodyPr>
+          <a:lstStyle/>
+          <a:p>
+            <a:pPr/>
+            <a:r>
+              <a:rPr lang="en-US" altLang="zh-CN" sz="2000" i="1" dirty="0" err="1" smtClean="0">
+                <a:latin typeface="Times New Roman" pitchFamily="18" charset="0"/>
+                <a:cs typeface="Times New Roman" pitchFamily="18" charset="0"/>
+              </a:rPr>
+              <a:t>s</a:t>
+            </a:r>
+            <a:r>
+              <a:rPr lang="en-US" altLang="zh-CN" sz="2000" i="1" baseline="-25000" dirty="0" err="1" smtClean="0">
+                <a:latin typeface="Times New Roman" pitchFamily="18" charset="0"/>
+                <a:cs typeface="Times New Roman" pitchFamily="18" charset="0"/>
+              </a:rPr>
+              <a:t>k</a:t>
+            </a:r>
+            <a:endParaRPr lang="zh-CN" altLang="en-US" sz="2000" i="1" baseline="-25000" dirty="0">
+              <a:latin typeface="Times New Roman" pitchFamily="18" charset="0"/>
+              <a:cs typeface="Times New Roman" pitchFamily="18" charset="0"/>
+            </a:endParaRPr>
+          </a:p>
+        </p:txBody>
+      </p:sp>
     </p:spTree>
     <p:extLst>
       <p:ext uri="{BB962C8B-B14F-4D97-AF65-F5344CB8AC3E}">
@@ -17165,7 +17047,7 @@
           <a:graphicData uri="http://schemas.openxmlformats.org/presentationml/2006/ole">
             <mc:AlternateContent xmlns:mc="http://schemas.openxmlformats.org/markup-compatibility/2006">
               <mc:Choice xmlns:v="urn:schemas-microsoft-com:vml" Requires="v">
-                <p:oleObj spid="_x0000_s7570" name="Equation" r:id="rId3" imgW="215640" imgH="330120" progId="Equation.DSMT4">
+                <p:oleObj spid="_x0000_s7590" name="Equation" r:id="rId3" imgW="215640" imgH="330120" progId="Equation.DSMT4">
                   <p:embed/>
                 </p:oleObj>
               </mc:Choice>
@@ -17316,7 +17198,7 @@
             <a:graphicData uri="http://schemas.openxmlformats.org/presentationml/2006/ole">
               <mc:AlternateContent xmlns:mc="http://schemas.openxmlformats.org/markup-compatibility/2006">
                 <mc:Choice xmlns:v="urn:schemas-microsoft-com:vml" Requires="v">
-                  <p:oleObj spid="_x0000_s7571" name="Equation" r:id="rId5" imgW="406080" imgH="330120" progId="Equation.DSMT4">
+                  <p:oleObj spid="_x0000_s7591" name="Equation" r:id="rId5" imgW="406080" imgH="330120" progId="Equation.DSMT4">
                     <p:embed/>
                   </p:oleObj>
                 </mc:Choice>
@@ -17468,7 +17350,7 @@
             <a:graphicData uri="http://schemas.openxmlformats.org/presentationml/2006/ole">
               <mc:AlternateContent xmlns:mc="http://schemas.openxmlformats.org/markup-compatibility/2006">
                 <mc:Choice xmlns:v="urn:schemas-microsoft-com:vml" Requires="v">
-                  <p:oleObj spid="_x0000_s7572" name="Equation" r:id="rId7" imgW="241200" imgH="330120" progId="Equation.DSMT4">
+                  <p:oleObj spid="_x0000_s7592" name="Equation" r:id="rId7" imgW="241200" imgH="330120" progId="Equation.DSMT4">
                     <p:embed/>
                   </p:oleObj>
                 </mc:Choice>
@@ -17659,7 +17541,7 @@
             <a:graphicData uri="http://schemas.openxmlformats.org/presentationml/2006/ole">
               <mc:AlternateContent xmlns:mc="http://schemas.openxmlformats.org/markup-compatibility/2006">
                 <mc:Choice xmlns:v="urn:schemas-microsoft-com:vml" Requires="v">
-                  <p:oleObj spid="_x0000_s7573" name="Equation" r:id="rId9" imgW="203040" imgH="330120" progId="Equation.DSMT4">
+                  <p:oleObj spid="_x0000_s7593" name="Equation" r:id="rId9" imgW="203040" imgH="330120" progId="Equation.DSMT4">
                     <p:embed/>
                   </p:oleObj>
                 </mc:Choice>
@@ -17850,7 +17732,7 @@
             <a:graphicData uri="http://schemas.openxmlformats.org/presentationml/2006/ole">
               <mc:AlternateContent xmlns:mc="http://schemas.openxmlformats.org/markup-compatibility/2006">
                 <mc:Choice xmlns:v="urn:schemas-microsoft-com:vml" Requires="v">
-                  <p:oleObj spid="_x0000_s7574" name="Equation" r:id="rId11" imgW="419040" imgH="330120" progId="Equation.DSMT4">
+                  <p:oleObj spid="_x0000_s7594" name="Equation" r:id="rId11" imgW="419040" imgH="330120" progId="Equation.DSMT4">
                     <p:embed/>
                   </p:oleObj>
                 </mc:Choice>
@@ -18036,7 +17918,7 @@
           <a:graphicData uri="http://schemas.openxmlformats.org/presentationml/2006/ole">
             <mc:AlternateContent xmlns:mc="http://schemas.openxmlformats.org/markup-compatibility/2006">
               <mc:Choice xmlns:v="urn:schemas-microsoft-com:vml" Requires="v">
-                <p:oleObj spid="_x0000_s7575" name="Equation" r:id="rId13" imgW="380880" imgH="330120" progId="Equation.DSMT4">
+                <p:oleObj spid="_x0000_s7595" name="Equation" r:id="rId13" imgW="380880" imgH="330120" progId="Equation.DSMT4">
                   <p:embed/>
                 </p:oleObj>
               </mc:Choice>
@@ -18119,7 +18001,7 @@
           <a:graphicData uri="http://schemas.openxmlformats.org/presentationml/2006/ole">
             <mc:AlternateContent xmlns:mc="http://schemas.openxmlformats.org/markup-compatibility/2006">
               <mc:Choice xmlns:v="urn:schemas-microsoft-com:vml" Requires="v">
-                <p:oleObj spid="_x0000_s7576" name="Equation" r:id="rId15" imgW="241200" imgH="330120" progId="Equation.DSMT4">
+                <p:oleObj spid="_x0000_s7596" name="Equation" r:id="rId15" imgW="241200" imgH="330120" progId="Equation.DSMT4">
                   <p:embed/>
                 </p:oleObj>
               </mc:Choice>
@@ -18202,7 +18084,7 @@
           <a:graphicData uri="http://schemas.openxmlformats.org/presentationml/2006/ole">
             <mc:AlternateContent xmlns:mc="http://schemas.openxmlformats.org/markup-compatibility/2006">
               <mc:Choice xmlns:v="urn:schemas-microsoft-com:vml" Requires="v">
-                <p:oleObj spid="_x0000_s7577" name="Equation" r:id="rId17" imgW="431640" imgH="330120" progId="Equation.DSMT4">
+                <p:oleObj spid="_x0000_s7597" name="Equation" r:id="rId17" imgW="431640" imgH="330120" progId="Equation.DSMT4">
                   <p:embed/>
                 </p:oleObj>
               </mc:Choice>
@@ -18353,7 +18235,7 @@
             <a:graphicData uri="http://schemas.openxmlformats.org/presentationml/2006/ole">
               <mc:AlternateContent xmlns:mc="http://schemas.openxmlformats.org/markup-compatibility/2006">
                 <mc:Choice xmlns:v="urn:schemas-microsoft-com:vml" Requires="v">
-                  <p:oleObj spid="_x0000_s7578" name="Equation" r:id="rId19" imgW="380880" imgH="330120" progId="Equation.DSMT4">
+                  <p:oleObj spid="_x0000_s7598" name="Equation" r:id="rId19" imgW="380880" imgH="330120" progId="Equation.DSMT4">
                     <p:embed/>
                   </p:oleObj>
                 </mc:Choice>
@@ -18437,7 +18319,7 @@
           <a:graphicData uri="http://schemas.openxmlformats.org/presentationml/2006/ole">
             <mc:AlternateContent xmlns:mc="http://schemas.openxmlformats.org/markup-compatibility/2006">
               <mc:Choice xmlns:v="urn:schemas-microsoft-com:vml" Requires="v">
-                <p:oleObj spid="_x0000_s7579" name="Equation" r:id="rId21" imgW="419040" imgH="330120" progId="Equation.DSMT4">
+                <p:oleObj spid="_x0000_s7599" name="Equation" r:id="rId21" imgW="419040" imgH="330120" progId="Equation.DSMT4">
                   <p:embed/>
                 </p:oleObj>
               </mc:Choice>
@@ -18903,7 +18785,7 @@
             <a:graphicData uri="http://schemas.openxmlformats.org/presentationml/2006/ole">
               <mc:AlternateContent xmlns:mc="http://schemas.openxmlformats.org/markup-compatibility/2006">
                 <mc:Choice xmlns:v="urn:schemas-microsoft-com:vml" Requires="v">
-                  <p:oleObj spid="_x0000_s7580" name="Equation" r:id="rId23" imgW="228600" imgH="330120" progId="Equation.DSMT4">
+                  <p:oleObj spid="_x0000_s7600" name="Equation" r:id="rId23" imgW="228600" imgH="330120" progId="Equation.DSMT4">
                     <p:embed/>
                   </p:oleObj>
                 </mc:Choice>
@@ -19093,7 +18975,7 @@
             <a:graphicData uri="http://schemas.openxmlformats.org/presentationml/2006/ole">
               <mc:AlternateContent xmlns:mc="http://schemas.openxmlformats.org/markup-compatibility/2006">
                 <mc:Choice xmlns:v="urn:schemas-microsoft-com:vml" Requires="v">
-                  <p:oleObj spid="_x0000_s7581" name="Equation" r:id="rId25" imgW="190440" imgH="330120" progId="Equation.DSMT4">
+                  <p:oleObj spid="_x0000_s7601" name="Equation" r:id="rId25" imgW="190440" imgH="330120" progId="Equation.DSMT4">
                     <p:embed/>
                   </p:oleObj>
                 </mc:Choice>
@@ -19284,7 +19166,7 @@
             <a:graphicData uri="http://schemas.openxmlformats.org/presentationml/2006/ole">
               <mc:AlternateContent xmlns:mc="http://schemas.openxmlformats.org/markup-compatibility/2006">
                 <mc:Choice xmlns:v="urn:schemas-microsoft-com:vml" Requires="v">
-                  <p:oleObj spid="_x0000_s7582" name="Equation" r:id="rId27" imgW="330120" imgH="330120" progId="Equation.DSMT4">
+                  <p:oleObj spid="_x0000_s7602" name="Equation" r:id="rId27" imgW="330120" imgH="330120" progId="Equation.DSMT4">
                     <p:embed/>
                   </p:oleObj>
                 </mc:Choice>
@@ -19760,7 +19642,7 @@
           <a:graphicData uri="http://schemas.openxmlformats.org/presentationml/2006/ole">
             <mc:AlternateContent xmlns:mc="http://schemas.openxmlformats.org/markup-compatibility/2006">
               <mc:Choice xmlns:v="urn:schemas-microsoft-com:vml" Requires="v">
-                <p:oleObj spid="_x0000_s7583" name="Equation" r:id="rId29" imgW="241200" imgH="330120" progId="Equation.DSMT4">
+                <p:oleObj spid="_x0000_s7603" name="Equation" r:id="rId29" imgW="241200" imgH="330120" progId="Equation.DSMT4">
                   <p:embed/>
                 </p:oleObj>
               </mc:Choice>
@@ -19843,7 +19725,7 @@
           <a:graphicData uri="http://schemas.openxmlformats.org/presentationml/2006/ole">
             <mc:AlternateContent xmlns:mc="http://schemas.openxmlformats.org/markup-compatibility/2006">
               <mc:Choice xmlns:v="urn:schemas-microsoft-com:vml" Requires="v">
-                <p:oleObj spid="_x0000_s7584" name="Equation" r:id="rId31" imgW="241200" imgH="330120" progId="Equation.DSMT4">
+                <p:oleObj spid="_x0000_s7604" name="Equation" r:id="rId31" imgW="241200" imgH="330120" progId="Equation.DSMT4">
                   <p:embed/>
                 </p:oleObj>
               </mc:Choice>
@@ -19926,7 +19808,7 @@
           <a:graphicData uri="http://schemas.openxmlformats.org/presentationml/2006/ole">
             <mc:AlternateContent xmlns:mc="http://schemas.openxmlformats.org/markup-compatibility/2006">
               <mc:Choice xmlns:v="urn:schemas-microsoft-com:vml" Requires="v">
-                <p:oleObj spid="_x0000_s7585" name="Equation" r:id="rId33" imgW="393480" imgH="330120" progId="Equation.DSMT4">
+                <p:oleObj spid="_x0000_s7605" name="Equation" r:id="rId33" imgW="393480" imgH="330120" progId="Equation.DSMT4">
                   <p:embed/>
                 </p:oleObj>
               </mc:Choice>
@@ -20009,7 +19891,7 @@
           <a:graphicData uri="http://schemas.openxmlformats.org/presentationml/2006/ole">
             <mc:AlternateContent xmlns:mc="http://schemas.openxmlformats.org/markup-compatibility/2006">
               <mc:Choice xmlns:v="urn:schemas-microsoft-com:vml" Requires="v">
-                <p:oleObj spid="_x0000_s7586" name="Equation" r:id="rId35" imgW="291960" imgH="330120" progId="Equation.DSMT4">
+                <p:oleObj spid="_x0000_s7606" name="Equation" r:id="rId35" imgW="291960" imgH="330120" progId="Equation.DSMT4">
                   <p:embed/>
                 </p:oleObj>
               </mc:Choice>
@@ -20092,7 +19974,7 @@
           <a:graphicData uri="http://schemas.openxmlformats.org/presentationml/2006/ole">
             <mc:AlternateContent xmlns:mc="http://schemas.openxmlformats.org/markup-compatibility/2006">
               <mc:Choice xmlns:v="urn:schemas-microsoft-com:vml" Requires="v">
-                <p:oleObj spid="_x0000_s7587" name="Equation" r:id="rId37" imgW="380880" imgH="330120" progId="Equation.DSMT4">
+                <p:oleObj spid="_x0000_s7607" name="Equation" r:id="rId37" imgW="380880" imgH="330120" progId="Equation.DSMT4">
                   <p:embed/>
                 </p:oleObj>
               </mc:Choice>
@@ -20883,7 +20765,7 @@
             <a:graphicData uri="http://schemas.openxmlformats.org/presentationml/2006/ole">
               <mc:AlternateContent xmlns:mc="http://schemas.openxmlformats.org/markup-compatibility/2006">
                 <mc:Choice xmlns:v="urn:schemas-microsoft-com:vml" Requires="v">
-                  <p:oleObj spid="_x0000_s7588" name="Equation" r:id="rId39" imgW="164880" imgH="330120" progId="Equation.DSMT4">
+                  <p:oleObj spid="_x0000_s7608" name="Equation" r:id="rId39" imgW="164880" imgH="330120" progId="Equation.DSMT4">
                     <p:embed/>
                   </p:oleObj>
                 </mc:Choice>
@@ -21035,7 +20917,7 @@
             <a:graphicData uri="http://schemas.openxmlformats.org/presentationml/2006/ole">
               <mc:AlternateContent xmlns:mc="http://schemas.openxmlformats.org/markup-compatibility/2006">
                 <mc:Choice xmlns:v="urn:schemas-microsoft-com:vml" Requires="v">
-                  <p:oleObj spid="_x0000_s7589" name="Equation" r:id="rId41" imgW="355320" imgH="330120" progId="Equation.DSMT4">
+                  <p:oleObj spid="_x0000_s7609" name="Equation" r:id="rId41" imgW="355320" imgH="330120" progId="Equation.DSMT4">
                     <p:embed/>
                   </p:oleObj>
                 </mc:Choice>
